--- a/Project/Planning Phase.pptx
+++ b/Project/Planning Phase.pptx
@@ -1,53 +1,53 @@
 
 <file path=ppt/presentation.xml><?xml version="1.0" encoding="utf-8"?>
-<p:presentation xmlns:a="http://schemas.openxmlformats.org/drawingml/2006/main" xmlns:r="http://schemas.openxmlformats.org/officeDocument/2006/relationships" xmlns:mc="http://schemas.openxmlformats.org/markup-compatibility/2006" xmlns:mv="urn:schemas-microsoft-com:mac:vml" xmlns:p="http://schemas.openxmlformats.org/presentationml/2006/main" xmlns:c="http://schemas.openxmlformats.org/drawingml/2006/chart" xmlns:dgm="http://schemas.openxmlformats.org/drawingml/2006/diagram" xmlns:o="urn:schemas-microsoft-com:office:office" xmlns:v="urn:schemas-microsoft-com:vml" xmlns:pvml="urn:schemas-microsoft-com:office:powerpoint" xmlns:com="http://schemas.openxmlformats.org/drawingml/2006/compatibility" xmlns:p14="http://schemas.microsoft.com/office/powerpoint/2010/main" xmlns:p15="http://schemas.microsoft.com/office/powerpoint/2012/main" xmlns:ahyp="http://schemas.microsoft.com/office/drawing/2018/hyperlinkcolor" autoCompressPictures="0" embedTrueTypeFonts="1" strictFirstAndLastChars="0" saveSubsetFonts="1">
+<p:presentation xmlns:a="http://schemas.openxmlformats.org/drawingml/2006/main" xmlns:r="http://schemas.openxmlformats.org/officeDocument/2006/relationships" xmlns:p="http://schemas.openxmlformats.org/presentationml/2006/main" strictFirstAndLastChars="0" embedTrueTypeFonts="1" saveSubsetFonts="1" autoCompressPictures="0">
   <p:sldMasterIdLst>
-    <p:sldMasterId id="2147483659" r:id="rId4"/>
+    <p:sldMasterId id="2147483659" r:id="rId1"/>
   </p:sldMasterIdLst>
   <p:notesMasterIdLst>
-    <p:notesMasterId r:id="rId5"/>
+    <p:notesMasterId r:id="rId16"/>
   </p:notesMasterIdLst>
   <p:sldIdLst>
-    <p:sldId id="256" r:id="rId6"/>
-    <p:sldId id="257" r:id="rId7"/>
-    <p:sldId id="258" r:id="rId8"/>
-    <p:sldId id="259" r:id="rId9"/>
-    <p:sldId id="260" r:id="rId10"/>
-    <p:sldId id="261" r:id="rId11"/>
-    <p:sldId id="262" r:id="rId12"/>
-    <p:sldId id="263" r:id="rId13"/>
-    <p:sldId id="264" r:id="rId14"/>
-    <p:sldId id="265" r:id="rId15"/>
-    <p:sldId id="266" r:id="rId16"/>
-    <p:sldId id="267" r:id="rId17"/>
-    <p:sldId id="268" r:id="rId18"/>
-    <p:sldId id="269" r:id="rId19"/>
+    <p:sldId id="256" r:id="rId2"/>
+    <p:sldId id="257" r:id="rId3"/>
+    <p:sldId id="258" r:id="rId4"/>
+    <p:sldId id="259" r:id="rId5"/>
+    <p:sldId id="260" r:id="rId6"/>
+    <p:sldId id="261" r:id="rId7"/>
+    <p:sldId id="262" r:id="rId8"/>
+    <p:sldId id="263" r:id="rId9"/>
+    <p:sldId id="264" r:id="rId10"/>
+    <p:sldId id="265" r:id="rId11"/>
+    <p:sldId id="266" r:id="rId12"/>
+    <p:sldId id="267" r:id="rId13"/>
+    <p:sldId id="268" r:id="rId14"/>
+    <p:sldId id="269" r:id="rId15"/>
   </p:sldIdLst>
-  <p:sldSz cy="5143500" cx="9144000"/>
+  <p:sldSz cx="9144000" cy="5143500" type="screen16x9"/>
   <p:notesSz cx="6858000" cy="9144000"/>
   <p:embeddedFontLst>
     <p:embeddedFont>
-      <p:font typeface="Oswald Medium"/>
+      <p:font typeface="Average" panose="020B0604020202020204" charset="0"/>
+      <p:regular r:id="rId17"/>
+    </p:embeddedFont>
+    <p:embeddedFont>
+      <p:font typeface="Oswald" panose="00000500000000000000" pitchFamily="2" charset="0"/>
+      <p:regular r:id="rId18"/>
+      <p:bold r:id="rId19"/>
+    </p:embeddedFont>
+    <p:embeddedFont>
+      <p:font typeface="Oswald Medium" panose="00000600000000000000" pitchFamily="2" charset="0"/>
       <p:regular r:id="rId20"/>
       <p:bold r:id="rId21"/>
     </p:embeddedFont>
     <p:embeddedFont>
-      <p:font typeface="Average"/>
+      <p:font typeface="Oswald SemiBold" panose="00000700000000000000" pitchFamily="2" charset="0"/>
       <p:regular r:id="rId22"/>
-    </p:embeddedFont>
-    <p:embeddedFont>
-      <p:font typeface="Oswald SemiBold"/>
-      <p:regular r:id="rId23"/>
-      <p:bold r:id="rId24"/>
-    </p:embeddedFont>
-    <p:embeddedFont>
-      <p:font typeface="Oswald"/>
-      <p:regular r:id="rId25"/>
-      <p:bold r:id="rId26"/>
+      <p:bold r:id="rId23"/>
     </p:embeddedFont>
   </p:embeddedFontLst>
   <p:defaultTextStyle>
-    <a:defPPr lvl="0" marR="0" rtl="0" algn="l">
+    <a:defPPr marR="0" lvl="0" algn="l" rtl="0">
       <a:lnSpc>
         <a:spcPct val="100000"/>
       </a:lnSpc>
@@ -58,7 +58,7 @@
         <a:spcPts val="0"/>
       </a:spcAft>
     </a:defPPr>
-    <a:lvl1pPr lvl="0" marR="0" rtl="0" algn="l">
+    <a:lvl1pPr marR="0" lvl="0" algn="l" rtl="0">
       <a:lnSpc>
         <a:spcPct val="100000"/>
       </a:lnSpc>
@@ -72,7 +72,7 @@
         <a:srgbClr val="000000"/>
       </a:buClr>
       <a:buFont typeface="Arial"/>
-      <a:defRPr b="0" i="0" sz="1400" u="none" cap="none" strike="noStrike">
+      <a:defRPr sz="1400" b="0" i="0" u="none" strike="noStrike" cap="none">
         <a:solidFill>
           <a:srgbClr val="000000"/>
         </a:solidFill>
@@ -82,7 +82,7 @@
         <a:sym typeface="Arial"/>
       </a:defRPr>
     </a:lvl1pPr>
-    <a:lvl2pPr lvl="1" marR="0" rtl="0" algn="l">
+    <a:lvl2pPr marR="0" lvl="1" algn="l" rtl="0">
       <a:lnSpc>
         <a:spcPct val="100000"/>
       </a:lnSpc>
@@ -96,7 +96,7 @@
         <a:srgbClr val="000000"/>
       </a:buClr>
       <a:buFont typeface="Arial"/>
-      <a:defRPr b="0" i="0" sz="1400" u="none" cap="none" strike="noStrike">
+      <a:defRPr sz="1400" b="0" i="0" u="none" strike="noStrike" cap="none">
         <a:solidFill>
           <a:srgbClr val="000000"/>
         </a:solidFill>
@@ -106,7 +106,7 @@
         <a:sym typeface="Arial"/>
       </a:defRPr>
     </a:lvl2pPr>
-    <a:lvl3pPr lvl="2" marR="0" rtl="0" algn="l">
+    <a:lvl3pPr marR="0" lvl="2" algn="l" rtl="0">
       <a:lnSpc>
         <a:spcPct val="100000"/>
       </a:lnSpc>
@@ -120,7 +120,7 @@
         <a:srgbClr val="000000"/>
       </a:buClr>
       <a:buFont typeface="Arial"/>
-      <a:defRPr b="0" i="0" sz="1400" u="none" cap="none" strike="noStrike">
+      <a:defRPr sz="1400" b="0" i="0" u="none" strike="noStrike" cap="none">
         <a:solidFill>
           <a:srgbClr val="000000"/>
         </a:solidFill>
@@ -130,7 +130,7 @@
         <a:sym typeface="Arial"/>
       </a:defRPr>
     </a:lvl3pPr>
-    <a:lvl4pPr lvl="3" marR="0" rtl="0" algn="l">
+    <a:lvl4pPr marR="0" lvl="3" algn="l" rtl="0">
       <a:lnSpc>
         <a:spcPct val="100000"/>
       </a:lnSpc>
@@ -144,7 +144,7 @@
         <a:srgbClr val="000000"/>
       </a:buClr>
       <a:buFont typeface="Arial"/>
-      <a:defRPr b="0" i="0" sz="1400" u="none" cap="none" strike="noStrike">
+      <a:defRPr sz="1400" b="0" i="0" u="none" strike="noStrike" cap="none">
         <a:solidFill>
           <a:srgbClr val="000000"/>
         </a:solidFill>
@@ -154,7 +154,7 @@
         <a:sym typeface="Arial"/>
       </a:defRPr>
     </a:lvl4pPr>
-    <a:lvl5pPr lvl="4" marR="0" rtl="0" algn="l">
+    <a:lvl5pPr marR="0" lvl="4" algn="l" rtl="0">
       <a:lnSpc>
         <a:spcPct val="100000"/>
       </a:lnSpc>
@@ -168,7 +168,7 @@
         <a:srgbClr val="000000"/>
       </a:buClr>
       <a:buFont typeface="Arial"/>
-      <a:defRPr b="0" i="0" sz="1400" u="none" cap="none" strike="noStrike">
+      <a:defRPr sz="1400" b="0" i="0" u="none" strike="noStrike" cap="none">
         <a:solidFill>
           <a:srgbClr val="000000"/>
         </a:solidFill>
@@ -178,7 +178,7 @@
         <a:sym typeface="Arial"/>
       </a:defRPr>
     </a:lvl5pPr>
-    <a:lvl6pPr lvl="5" marR="0" rtl="0" algn="l">
+    <a:lvl6pPr marR="0" lvl="5" algn="l" rtl="0">
       <a:lnSpc>
         <a:spcPct val="100000"/>
       </a:lnSpc>
@@ -192,7 +192,7 @@
         <a:srgbClr val="000000"/>
       </a:buClr>
       <a:buFont typeface="Arial"/>
-      <a:defRPr b="0" i="0" sz="1400" u="none" cap="none" strike="noStrike">
+      <a:defRPr sz="1400" b="0" i="0" u="none" strike="noStrike" cap="none">
         <a:solidFill>
           <a:srgbClr val="000000"/>
         </a:solidFill>
@@ -202,7 +202,7 @@
         <a:sym typeface="Arial"/>
       </a:defRPr>
     </a:lvl6pPr>
-    <a:lvl7pPr lvl="6" marR="0" rtl="0" algn="l">
+    <a:lvl7pPr marR="0" lvl="6" algn="l" rtl="0">
       <a:lnSpc>
         <a:spcPct val="100000"/>
       </a:lnSpc>
@@ -216,7 +216,7 @@
         <a:srgbClr val="000000"/>
       </a:buClr>
       <a:buFont typeface="Arial"/>
-      <a:defRPr b="0" i="0" sz="1400" u="none" cap="none" strike="noStrike">
+      <a:defRPr sz="1400" b="0" i="0" u="none" strike="noStrike" cap="none">
         <a:solidFill>
           <a:srgbClr val="000000"/>
         </a:solidFill>
@@ -226,7 +226,7 @@
         <a:sym typeface="Arial"/>
       </a:defRPr>
     </a:lvl7pPr>
-    <a:lvl8pPr lvl="7" marR="0" rtl="0" algn="l">
+    <a:lvl8pPr marR="0" lvl="7" algn="l" rtl="0">
       <a:lnSpc>
         <a:spcPct val="100000"/>
       </a:lnSpc>
@@ -240,7 +240,7 @@
         <a:srgbClr val="000000"/>
       </a:buClr>
       <a:buFont typeface="Arial"/>
-      <a:defRPr b="0" i="0" sz="1400" u="none" cap="none" strike="noStrike">
+      <a:defRPr sz="1400" b="0" i="0" u="none" strike="noStrike" cap="none">
         <a:solidFill>
           <a:srgbClr val="000000"/>
         </a:solidFill>
@@ -250,7 +250,7 @@
         <a:sym typeface="Arial"/>
       </a:defRPr>
     </a:lvl8pPr>
-    <a:lvl9pPr lvl="8" marR="0" rtl="0" algn="l">
+    <a:lvl9pPr marR="0" lvl="8" algn="l" rtl="0">
       <a:lnSpc>
         <a:spcPct val="100000"/>
       </a:lnSpc>
@@ -264,7 +264,7 @@
         <a:srgbClr val="000000"/>
       </a:buClr>
       <a:buFont typeface="Arial"/>
-      <a:defRPr b="0" i="0" sz="1400" u="none" cap="none" strike="noStrike">
+      <a:defRPr sz="1400" b="0" i="0" u="none" strike="noStrike" cap="none">
         <a:solidFill>
           <a:srgbClr val="000000"/>
         </a:solidFill>
@@ -277,7 +277,7 @@
   </p:defaultTextStyle>
   <p:extLst>
     <p:ext uri="{EFAFB233-063F-42B5-8137-9DF3F51BA10A}">
-      <p15:sldGuideLst>
+      <p15:sldGuideLst xmlns:p15="http://schemas.microsoft.com/office/powerpoint/2012/main">
         <p15:guide id="1" orient="horz" pos="1620">
           <p15:clr>
             <a:srgbClr val="A4A3A4"/>
@@ -295,11 +295,16 @@
 </file>
 
 <file path=ppt/notesMasters/notesMaster1.xml><?xml version="1.0" encoding="utf-8"?>
-<p:notesMaster xmlns:a="http://schemas.openxmlformats.org/drawingml/2006/main" xmlns:r="http://schemas.openxmlformats.org/officeDocument/2006/relationships" xmlns:mc="http://schemas.openxmlformats.org/markup-compatibility/2006" xmlns:mv="urn:schemas-microsoft-com:mac:vml" xmlns:p="http://schemas.openxmlformats.org/presentationml/2006/main" xmlns:c="http://schemas.openxmlformats.org/drawingml/2006/chart" xmlns:dgm="http://schemas.openxmlformats.org/drawingml/2006/diagram" xmlns:o="urn:schemas-microsoft-com:office:office" xmlns:v="urn:schemas-microsoft-com:vml" xmlns:pvml="urn:schemas-microsoft-com:office:powerpoint" xmlns:com="http://schemas.openxmlformats.org/drawingml/2006/compatibility" xmlns:p14="http://schemas.microsoft.com/office/powerpoint/2010/main" xmlns:p15="http://schemas.microsoft.com/office/powerpoint/2012/main" xmlns:ahyp="http://schemas.microsoft.com/office/drawing/2018/hyperlinkcolor">
+<p:notesMaster xmlns:a="http://schemas.openxmlformats.org/drawingml/2006/main" xmlns:r="http://schemas.openxmlformats.org/officeDocument/2006/relationships" xmlns:p="http://schemas.openxmlformats.org/presentationml/2006/main">
   <p:cSld>
+    <p:bg>
+      <p:bgRef idx="1001">
+        <a:schemeClr val="bg1"/>
+      </p:bgRef>
+    </p:bg>
     <p:spTree>
       <p:nvGrpSpPr>
-        <p:cNvPr id="2" name="Shape 2"/>
+        <p:cNvPr id="1" name="Shape 2"/>
         <p:cNvGrpSpPr/>
         <p:nvPr/>
       </p:nvGrpSpPr>
@@ -314,9 +319,11 @@
       <p:sp>
         <p:nvSpPr>
           <p:cNvPr id="3" name="Google Shape;3;n"/>
-          <p:cNvSpPr/>
+          <p:cNvSpPr>
+            <a:spLocks noGrp="1" noRot="1" noChangeAspect="1"/>
+          </p:cNvSpPr>
           <p:nvPr>
-            <p:ph idx="2" type="sldImg"/>
+            <p:ph type="sldImg" idx="2"/>
           </p:nvPr>
         </p:nvSpPr>
         <p:spPr>
@@ -325,9 +332,13 @@
             <a:ext cx="6096075" cy="3429000"/>
           </a:xfrm>
           <a:custGeom>
-            <a:rect b="b" l="l" r="r" t="t"/>
+            <a:avLst/>
+            <a:gdLst/>
+            <a:ahLst/>
+            <a:cxnLst/>
+            <a:rect l="l" t="t" r="r" b="b"/>
             <a:pathLst>
-              <a:path extrusionOk="0" h="120000" w="120000">
+              <a:path w="120000" h="120000" extrusionOk="0">
                 <a:moveTo>
                   <a:pt x="0" y="0"/>
                 </a:moveTo>
@@ -345,23 +356,25 @@
             </a:pathLst>
           </a:custGeom>
           <a:noFill/>
-          <a:ln cap="flat" cmpd="sng" w="9525">
+          <a:ln w="9525" cap="flat" cmpd="sng">
             <a:solidFill>
               <a:srgbClr val="000000"/>
             </a:solidFill>
             <a:prstDash val="solid"/>
             <a:round/>
-            <a:headEnd len="sm" w="sm" type="none"/>
-            <a:tailEnd len="sm" w="sm" type="none"/>
+            <a:headEnd type="none" w="sm" len="sm"/>
+            <a:tailEnd type="none" w="sm" len="sm"/>
           </a:ln>
         </p:spPr>
       </p:sp>
       <p:sp>
         <p:nvSpPr>
           <p:cNvPr id="4" name="Google Shape;4;n"/>
-          <p:cNvSpPr txBox="1"/>
+          <p:cNvSpPr txBox="1">
+            <a:spLocks noGrp="1"/>
+          </p:cNvSpPr>
           <p:nvPr>
-            <p:ph idx="1" type="body"/>
+            <p:ph type="body" idx="1"/>
           </p:nvPr>
         </p:nvSpPr>
         <p:spPr>
@@ -378,11 +391,11 @@
           </a:ln>
         </p:spPr>
         <p:txBody>
-          <a:bodyPr anchorCtr="0" anchor="t" bIns="91425" lIns="91425" spcFirstLastPara="1" rIns="91425" wrap="square" tIns="91425">
+          <a:bodyPr spcFirstLastPara="1" wrap="square" lIns="91425" tIns="91425" rIns="91425" bIns="91425" anchor="t" anchorCtr="0">
             <a:noAutofit/>
           </a:bodyPr>
           <a:lstStyle>
-            <a:lvl1pPr indent="-298450" lvl="0" marL="457200">
+            <a:lvl1pPr marL="457200" lvl="0" indent="-298450">
               <a:spcBef>
                 <a:spcPts val="0"/>
               </a:spcBef>
@@ -393,7 +406,7 @@
               <a:buChar char="●"/>
               <a:defRPr sz="1100"/>
             </a:lvl1pPr>
-            <a:lvl2pPr indent="-298450" lvl="1" marL="914400">
+            <a:lvl2pPr marL="914400" lvl="1" indent="-298450">
               <a:spcBef>
                 <a:spcPts val="0"/>
               </a:spcBef>
@@ -404,7 +417,7 @@
               <a:buChar char="○"/>
               <a:defRPr sz="1100"/>
             </a:lvl2pPr>
-            <a:lvl3pPr indent="-298450" lvl="2" marL="1371600">
+            <a:lvl3pPr marL="1371600" lvl="2" indent="-298450">
               <a:spcBef>
                 <a:spcPts val="0"/>
               </a:spcBef>
@@ -415,7 +428,7 @@
               <a:buChar char="■"/>
               <a:defRPr sz="1100"/>
             </a:lvl3pPr>
-            <a:lvl4pPr indent="-298450" lvl="3" marL="1828800">
+            <a:lvl4pPr marL="1828800" lvl="3" indent="-298450">
               <a:spcBef>
                 <a:spcPts val="0"/>
               </a:spcBef>
@@ -426,7 +439,7 @@
               <a:buChar char="●"/>
               <a:defRPr sz="1100"/>
             </a:lvl4pPr>
-            <a:lvl5pPr indent="-298450" lvl="4" marL="2286000">
+            <a:lvl5pPr marL="2286000" lvl="4" indent="-298450">
               <a:spcBef>
                 <a:spcPts val="0"/>
               </a:spcBef>
@@ -437,7 +450,7 @@
               <a:buChar char="○"/>
               <a:defRPr sz="1100"/>
             </a:lvl5pPr>
-            <a:lvl6pPr indent="-298450" lvl="5" marL="2743200">
+            <a:lvl6pPr marL="2743200" lvl="5" indent="-298450">
               <a:spcBef>
                 <a:spcPts val="0"/>
               </a:spcBef>
@@ -448,7 +461,7 @@
               <a:buChar char="■"/>
               <a:defRPr sz="1100"/>
             </a:lvl6pPr>
-            <a:lvl7pPr indent="-298450" lvl="6" marL="3200400">
+            <a:lvl7pPr marL="3200400" lvl="6" indent="-298450">
               <a:spcBef>
                 <a:spcPts val="0"/>
               </a:spcBef>
@@ -459,7 +472,7 @@
               <a:buChar char="●"/>
               <a:defRPr sz="1100"/>
             </a:lvl7pPr>
-            <a:lvl8pPr indent="-298450" lvl="7" marL="3657600">
+            <a:lvl8pPr marL="3657600" lvl="7" indent="-298450">
               <a:spcBef>
                 <a:spcPts val="0"/>
               </a:spcBef>
@@ -470,7 +483,7 @@
               <a:buChar char="○"/>
               <a:defRPr sz="1100"/>
             </a:lvl8pPr>
-            <a:lvl9pPr indent="-298450" lvl="8" marL="4114800">
+            <a:lvl9pPr marL="4114800" lvl="8" indent="-298450">
               <a:spcBef>
                 <a:spcPts val="0"/>
               </a:spcBef>
@@ -482,14 +495,16 @@
               <a:defRPr sz="1100"/>
             </a:lvl9pPr>
           </a:lstStyle>
-          <a:p/>
+          <a:p>
+            <a:endParaRPr/>
+          </a:p>
         </p:txBody>
       </p:sp>
     </p:spTree>
   </p:cSld>
-  <p:clrMap accent1="accent1" accent2="accent2" accent3="accent3" accent4="accent4" accent5="accent5" accent6="accent6" bg1="lt1" bg2="dk2" tx1="dk1" tx2="lt2" folHlink="folHlink" hlink="hlink"/>
+  <p:clrMap bg1="lt1" tx1="dk1" bg2="dk2" tx2="lt2" accent1="accent1" accent2="accent2" accent3="accent3" accent4="accent4" accent5="accent5" accent6="accent6" hlink="hlink" folHlink="folHlink"/>
   <p:notesStyle>
-    <a:defPPr lvl="0" marR="0" rtl="0" algn="l">
+    <a:defPPr marR="0" lvl="0" algn="l" rtl="0">
       <a:lnSpc>
         <a:spcPct val="100000"/>
       </a:lnSpc>
@@ -500,7 +515,7 @@
         <a:spcPts val="0"/>
       </a:spcAft>
     </a:defPPr>
-    <a:lvl1pPr lvl="0" marR="0" rtl="0" algn="l">
+    <a:lvl1pPr marR="0" lvl="0" algn="l" rtl="0">
       <a:lnSpc>
         <a:spcPct val="100000"/>
       </a:lnSpc>
@@ -514,7 +529,7 @@
         <a:srgbClr val="000000"/>
       </a:buClr>
       <a:buFont typeface="Arial"/>
-      <a:defRPr b="0" i="0" sz="1400" u="none" cap="none" strike="noStrike">
+      <a:defRPr sz="1400" b="0" i="0" u="none" strike="noStrike" cap="none">
         <a:solidFill>
           <a:srgbClr val="000000"/>
         </a:solidFill>
@@ -524,7 +539,7 @@
         <a:sym typeface="Arial"/>
       </a:defRPr>
     </a:lvl1pPr>
-    <a:lvl2pPr lvl="1" marR="0" rtl="0" algn="l">
+    <a:lvl2pPr marR="0" lvl="1" algn="l" rtl="0">
       <a:lnSpc>
         <a:spcPct val="100000"/>
       </a:lnSpc>
@@ -538,7 +553,7 @@
         <a:srgbClr val="000000"/>
       </a:buClr>
       <a:buFont typeface="Arial"/>
-      <a:defRPr b="0" i="0" sz="1400" u="none" cap="none" strike="noStrike">
+      <a:defRPr sz="1400" b="0" i="0" u="none" strike="noStrike" cap="none">
         <a:solidFill>
           <a:srgbClr val="000000"/>
         </a:solidFill>
@@ -548,7 +563,7 @@
         <a:sym typeface="Arial"/>
       </a:defRPr>
     </a:lvl2pPr>
-    <a:lvl3pPr lvl="2" marR="0" rtl="0" algn="l">
+    <a:lvl3pPr marR="0" lvl="2" algn="l" rtl="0">
       <a:lnSpc>
         <a:spcPct val="100000"/>
       </a:lnSpc>
@@ -562,7 +577,7 @@
         <a:srgbClr val="000000"/>
       </a:buClr>
       <a:buFont typeface="Arial"/>
-      <a:defRPr b="0" i="0" sz="1400" u="none" cap="none" strike="noStrike">
+      <a:defRPr sz="1400" b="0" i="0" u="none" strike="noStrike" cap="none">
         <a:solidFill>
           <a:srgbClr val="000000"/>
         </a:solidFill>
@@ -572,7 +587,7 @@
         <a:sym typeface="Arial"/>
       </a:defRPr>
     </a:lvl3pPr>
-    <a:lvl4pPr lvl="3" marR="0" rtl="0" algn="l">
+    <a:lvl4pPr marR="0" lvl="3" algn="l" rtl="0">
       <a:lnSpc>
         <a:spcPct val="100000"/>
       </a:lnSpc>
@@ -586,7 +601,7 @@
         <a:srgbClr val="000000"/>
       </a:buClr>
       <a:buFont typeface="Arial"/>
-      <a:defRPr b="0" i="0" sz="1400" u="none" cap="none" strike="noStrike">
+      <a:defRPr sz="1400" b="0" i="0" u="none" strike="noStrike" cap="none">
         <a:solidFill>
           <a:srgbClr val="000000"/>
         </a:solidFill>
@@ -596,7 +611,7 @@
         <a:sym typeface="Arial"/>
       </a:defRPr>
     </a:lvl4pPr>
-    <a:lvl5pPr lvl="4" marR="0" rtl="0" algn="l">
+    <a:lvl5pPr marR="0" lvl="4" algn="l" rtl="0">
       <a:lnSpc>
         <a:spcPct val="100000"/>
       </a:lnSpc>
@@ -610,7 +625,7 @@
         <a:srgbClr val="000000"/>
       </a:buClr>
       <a:buFont typeface="Arial"/>
-      <a:defRPr b="0" i="0" sz="1400" u="none" cap="none" strike="noStrike">
+      <a:defRPr sz="1400" b="0" i="0" u="none" strike="noStrike" cap="none">
         <a:solidFill>
           <a:srgbClr val="000000"/>
         </a:solidFill>
@@ -620,7 +635,7 @@
         <a:sym typeface="Arial"/>
       </a:defRPr>
     </a:lvl5pPr>
-    <a:lvl6pPr lvl="5" marR="0" rtl="0" algn="l">
+    <a:lvl6pPr marR="0" lvl="5" algn="l" rtl="0">
       <a:lnSpc>
         <a:spcPct val="100000"/>
       </a:lnSpc>
@@ -634,7 +649,7 @@
         <a:srgbClr val="000000"/>
       </a:buClr>
       <a:buFont typeface="Arial"/>
-      <a:defRPr b="0" i="0" sz="1400" u="none" cap="none" strike="noStrike">
+      <a:defRPr sz="1400" b="0" i="0" u="none" strike="noStrike" cap="none">
         <a:solidFill>
           <a:srgbClr val="000000"/>
         </a:solidFill>
@@ -644,7 +659,7 @@
         <a:sym typeface="Arial"/>
       </a:defRPr>
     </a:lvl6pPr>
-    <a:lvl7pPr lvl="6" marR="0" rtl="0" algn="l">
+    <a:lvl7pPr marR="0" lvl="6" algn="l" rtl="0">
       <a:lnSpc>
         <a:spcPct val="100000"/>
       </a:lnSpc>
@@ -658,7 +673,7 @@
         <a:srgbClr val="000000"/>
       </a:buClr>
       <a:buFont typeface="Arial"/>
-      <a:defRPr b="0" i="0" sz="1400" u="none" cap="none" strike="noStrike">
+      <a:defRPr sz="1400" b="0" i="0" u="none" strike="noStrike" cap="none">
         <a:solidFill>
           <a:srgbClr val="000000"/>
         </a:solidFill>
@@ -668,7 +683,7 @@
         <a:sym typeface="Arial"/>
       </a:defRPr>
     </a:lvl7pPr>
-    <a:lvl8pPr lvl="7" marR="0" rtl="0" algn="l">
+    <a:lvl8pPr marR="0" lvl="7" algn="l" rtl="0">
       <a:lnSpc>
         <a:spcPct val="100000"/>
       </a:lnSpc>
@@ -682,7 +697,7 @@
         <a:srgbClr val="000000"/>
       </a:buClr>
       <a:buFont typeface="Arial"/>
-      <a:defRPr b="0" i="0" sz="1400" u="none" cap="none" strike="noStrike">
+      <a:defRPr sz="1400" b="0" i="0" u="none" strike="noStrike" cap="none">
         <a:solidFill>
           <a:srgbClr val="000000"/>
         </a:solidFill>
@@ -692,7 +707,7 @@
         <a:sym typeface="Arial"/>
       </a:defRPr>
     </a:lvl8pPr>
-    <a:lvl9pPr lvl="8" marR="0" rtl="0" algn="l">
+    <a:lvl9pPr marR="0" lvl="8" algn="l" rtl="0">
       <a:lnSpc>
         <a:spcPct val="100000"/>
       </a:lnSpc>
@@ -706,7 +721,7 @@
         <a:srgbClr val="000000"/>
       </a:buClr>
       <a:buFont typeface="Arial"/>
-      <a:defRPr b="0" i="0" sz="1400" u="none" cap="none" strike="noStrike">
+      <a:defRPr sz="1400" b="0" i="0" u="none" strike="noStrike" cap="none">
         <a:solidFill>
           <a:srgbClr val="000000"/>
         </a:solidFill>
@@ -721,11 +736,11 @@
 </file>
 
 <file path=ppt/notesSlides/notesSlide1.xml><?xml version="1.0" encoding="utf-8"?>
-<p:notes xmlns:a="http://schemas.openxmlformats.org/drawingml/2006/main" xmlns:r="http://schemas.openxmlformats.org/officeDocument/2006/relationships" xmlns:mc="http://schemas.openxmlformats.org/markup-compatibility/2006" xmlns:mv="urn:schemas-microsoft-com:mac:vml" xmlns:p="http://schemas.openxmlformats.org/presentationml/2006/main" xmlns:c="http://schemas.openxmlformats.org/drawingml/2006/chart" xmlns:dgm="http://schemas.openxmlformats.org/drawingml/2006/diagram" xmlns:o="urn:schemas-microsoft-com:office:office" xmlns:v="urn:schemas-microsoft-com:vml" xmlns:pvml="urn:schemas-microsoft-com:office:powerpoint" xmlns:com="http://schemas.openxmlformats.org/drawingml/2006/compatibility" xmlns:p14="http://schemas.microsoft.com/office/powerpoint/2010/main" xmlns:p15="http://schemas.microsoft.com/office/powerpoint/2012/main" xmlns:ahyp="http://schemas.microsoft.com/office/drawing/2018/hyperlinkcolor" showMasterPhAnim="0" showMasterSp="0">
+<p:notes xmlns:a="http://schemas.openxmlformats.org/drawingml/2006/main" xmlns:r="http://schemas.openxmlformats.org/officeDocument/2006/relationships" xmlns:p="http://schemas.openxmlformats.org/presentationml/2006/main" showMasterSp="0" showMasterPhAnim="0">
   <p:cSld>
     <p:spTree>
       <p:nvGrpSpPr>
-        <p:cNvPr id="55" name="Shape 55"/>
+        <p:cNvPr id="1" name="Shape 55"/>
         <p:cNvGrpSpPr/>
         <p:nvPr/>
       </p:nvGrpSpPr>
@@ -740,9 +755,11 @@
       <p:sp>
         <p:nvSpPr>
           <p:cNvPr id="56" name="Google Shape;56;p:notes"/>
-          <p:cNvSpPr/>
+          <p:cNvSpPr>
+            <a:spLocks noGrp="1" noRot="1" noChangeAspect="1"/>
+          </p:cNvSpPr>
           <p:nvPr>
-            <p:ph idx="2" type="sldImg"/>
+            <p:ph type="sldImg" idx="2"/>
           </p:nvPr>
         </p:nvSpPr>
         <p:spPr>
@@ -751,9 +768,13 @@
             <a:ext cx="6096075" cy="3429000"/>
           </a:xfrm>
           <a:custGeom>
-            <a:rect b="b" l="l" r="r" t="t"/>
+            <a:avLst/>
+            <a:gdLst/>
+            <a:ahLst/>
+            <a:cxnLst/>
+            <a:rect l="l" t="t" r="r" b="b"/>
             <a:pathLst>
-              <a:path extrusionOk="0" h="120000" w="120000">
+              <a:path w="120000" h="120000" extrusionOk="0">
                 <a:moveTo>
                   <a:pt x="0" y="0"/>
                 </a:moveTo>
@@ -775,9 +796,11 @@
       <p:sp>
         <p:nvSpPr>
           <p:cNvPr id="57" name="Google Shape;57;p:notes"/>
-          <p:cNvSpPr txBox="1"/>
+          <p:cNvSpPr txBox="1">
+            <a:spLocks noGrp="1"/>
+          </p:cNvSpPr>
           <p:nvPr>
-            <p:ph idx="1" type="body"/>
+            <p:ph type="body" idx="1"/>
           </p:nvPr>
         </p:nvSpPr>
         <p:spPr>
@@ -790,12 +813,12 @@
           </a:prstGeom>
         </p:spPr>
         <p:txBody>
-          <a:bodyPr anchorCtr="0" anchor="t" bIns="91425" lIns="91425" spcFirstLastPara="1" rIns="91425" wrap="square" tIns="91425">
+          <a:bodyPr spcFirstLastPara="1" wrap="square" lIns="91425" tIns="91425" rIns="91425" bIns="91425" anchor="t" anchorCtr="0">
             <a:noAutofit/>
           </a:bodyPr>
           <a:lstStyle/>
           <a:p>
-            <a:pPr indent="0" lvl="0" marL="0" rtl="0" algn="l">
+            <a:pPr marL="0" lvl="0" indent="0" algn="l" rtl="0">
               <a:spcBef>
                 <a:spcPts val="0"/>
               </a:spcBef>
@@ -804,9 +827,6 @@
               </a:spcAft>
               <a:buNone/>
             </a:pPr>
-            <a:r>
-              <a:t/>
-            </a:r>
             <a:endParaRPr/>
           </a:p>
         </p:txBody>
@@ -820,11 +840,11 @@
 </file>
 
 <file path=ppt/notesSlides/notesSlide10.xml><?xml version="1.0" encoding="utf-8"?>
-<p:notes xmlns:a="http://schemas.openxmlformats.org/drawingml/2006/main" xmlns:r="http://schemas.openxmlformats.org/officeDocument/2006/relationships" xmlns:mc="http://schemas.openxmlformats.org/markup-compatibility/2006" xmlns:mv="urn:schemas-microsoft-com:mac:vml" xmlns:p="http://schemas.openxmlformats.org/presentationml/2006/main" xmlns:c="http://schemas.openxmlformats.org/drawingml/2006/chart" xmlns:dgm="http://schemas.openxmlformats.org/drawingml/2006/diagram" xmlns:o="urn:schemas-microsoft-com:office:office" xmlns:v="urn:schemas-microsoft-com:vml" xmlns:pvml="urn:schemas-microsoft-com:office:powerpoint" xmlns:com="http://schemas.openxmlformats.org/drawingml/2006/compatibility" xmlns:p14="http://schemas.microsoft.com/office/powerpoint/2010/main" xmlns:p15="http://schemas.microsoft.com/office/powerpoint/2012/main" xmlns:ahyp="http://schemas.microsoft.com/office/drawing/2018/hyperlinkcolor" showMasterPhAnim="0" showMasterSp="0">
+<p:notes xmlns:a="http://schemas.openxmlformats.org/drawingml/2006/main" xmlns:r="http://schemas.openxmlformats.org/officeDocument/2006/relationships" xmlns:p="http://schemas.openxmlformats.org/presentationml/2006/main" showMasterSp="0" showMasterPhAnim="0">
   <p:cSld>
     <p:spTree>
       <p:nvGrpSpPr>
-        <p:cNvPr id="111" name="Shape 111"/>
+        <p:cNvPr id="1" name="Shape 111"/>
         <p:cNvGrpSpPr/>
         <p:nvPr/>
       </p:nvGrpSpPr>
@@ -839,9 +859,11 @@
       <p:sp>
         <p:nvSpPr>
           <p:cNvPr id="112" name="Google Shape;112;g17a0918cf9a_0_52:notes"/>
-          <p:cNvSpPr/>
+          <p:cNvSpPr>
+            <a:spLocks noGrp="1" noRot="1" noChangeAspect="1"/>
+          </p:cNvSpPr>
           <p:nvPr>
-            <p:ph idx="2" type="sldImg"/>
+            <p:ph type="sldImg" idx="2"/>
           </p:nvPr>
         </p:nvSpPr>
         <p:spPr>
@@ -850,9 +872,13 @@
             <a:ext cx="6096000" cy="3429000"/>
           </a:xfrm>
           <a:custGeom>
-            <a:rect b="b" l="l" r="r" t="t"/>
+            <a:avLst/>
+            <a:gdLst/>
+            <a:ahLst/>
+            <a:cxnLst/>
+            <a:rect l="l" t="t" r="r" b="b"/>
             <a:pathLst>
-              <a:path extrusionOk="0" h="120000" w="120000">
+              <a:path w="120000" h="120000" extrusionOk="0">
                 <a:moveTo>
                   <a:pt x="0" y="0"/>
                 </a:moveTo>
@@ -874,9 +900,11 @@
       <p:sp>
         <p:nvSpPr>
           <p:cNvPr id="113" name="Google Shape;113;g17a0918cf9a_0_52:notes"/>
-          <p:cNvSpPr txBox="1"/>
+          <p:cNvSpPr txBox="1">
+            <a:spLocks noGrp="1"/>
+          </p:cNvSpPr>
           <p:nvPr>
-            <p:ph idx="1" type="body"/>
+            <p:ph type="body" idx="1"/>
           </p:nvPr>
         </p:nvSpPr>
         <p:spPr>
@@ -889,12 +917,12 @@
           </a:prstGeom>
         </p:spPr>
         <p:txBody>
-          <a:bodyPr anchorCtr="0" anchor="t" bIns="91425" lIns="91425" spcFirstLastPara="1" rIns="91425" wrap="square" tIns="91425">
+          <a:bodyPr spcFirstLastPara="1" wrap="square" lIns="91425" tIns="91425" rIns="91425" bIns="91425" anchor="t" anchorCtr="0">
             <a:noAutofit/>
           </a:bodyPr>
           <a:lstStyle/>
           <a:p>
-            <a:pPr indent="0" lvl="0" marL="0" rtl="0" algn="l">
+            <a:pPr marL="0" lvl="0" indent="0" algn="l" rtl="0">
               <a:spcBef>
                 <a:spcPts val="0"/>
               </a:spcBef>
@@ -903,9 +931,6 @@
               </a:spcAft>
               <a:buNone/>
             </a:pPr>
-            <a:r>
-              <a:t/>
-            </a:r>
             <a:endParaRPr/>
           </a:p>
         </p:txBody>
@@ -919,11 +944,11 @@
 </file>
 
 <file path=ppt/notesSlides/notesSlide11.xml><?xml version="1.0" encoding="utf-8"?>
-<p:notes xmlns:a="http://schemas.openxmlformats.org/drawingml/2006/main" xmlns:r="http://schemas.openxmlformats.org/officeDocument/2006/relationships" xmlns:mc="http://schemas.openxmlformats.org/markup-compatibility/2006" xmlns:mv="urn:schemas-microsoft-com:mac:vml" xmlns:p="http://schemas.openxmlformats.org/presentationml/2006/main" xmlns:c="http://schemas.openxmlformats.org/drawingml/2006/chart" xmlns:dgm="http://schemas.openxmlformats.org/drawingml/2006/diagram" xmlns:o="urn:schemas-microsoft-com:office:office" xmlns:v="urn:schemas-microsoft-com:vml" xmlns:pvml="urn:schemas-microsoft-com:office:powerpoint" xmlns:com="http://schemas.openxmlformats.org/drawingml/2006/compatibility" xmlns:p14="http://schemas.microsoft.com/office/powerpoint/2010/main" xmlns:p15="http://schemas.microsoft.com/office/powerpoint/2012/main" xmlns:ahyp="http://schemas.microsoft.com/office/drawing/2018/hyperlinkcolor" showMasterPhAnim="0" showMasterSp="0">
+<p:notes xmlns:a="http://schemas.openxmlformats.org/drawingml/2006/main" xmlns:r="http://schemas.openxmlformats.org/officeDocument/2006/relationships" xmlns:p="http://schemas.openxmlformats.org/presentationml/2006/main" showMasterSp="0" showMasterPhAnim="0">
   <p:cSld>
     <p:spTree>
       <p:nvGrpSpPr>
-        <p:cNvPr id="117" name="Shape 117"/>
+        <p:cNvPr id="1" name="Shape 117"/>
         <p:cNvGrpSpPr/>
         <p:nvPr/>
       </p:nvGrpSpPr>
@@ -938,9 +963,11 @@
       <p:sp>
         <p:nvSpPr>
           <p:cNvPr id="118" name="Google Shape;118;g17a0918cf9a_0_2760:notes"/>
-          <p:cNvSpPr/>
+          <p:cNvSpPr>
+            <a:spLocks noGrp="1" noRot="1" noChangeAspect="1"/>
+          </p:cNvSpPr>
           <p:nvPr>
-            <p:ph idx="2" type="sldImg"/>
+            <p:ph type="sldImg" idx="2"/>
           </p:nvPr>
         </p:nvSpPr>
         <p:spPr>
@@ -949,9 +976,13 @@
             <a:ext cx="6096000" cy="3429000"/>
           </a:xfrm>
           <a:custGeom>
-            <a:rect b="b" l="l" r="r" t="t"/>
+            <a:avLst/>
+            <a:gdLst/>
+            <a:ahLst/>
+            <a:cxnLst/>
+            <a:rect l="l" t="t" r="r" b="b"/>
             <a:pathLst>
-              <a:path extrusionOk="0" h="120000" w="120000">
+              <a:path w="120000" h="120000" extrusionOk="0">
                 <a:moveTo>
                   <a:pt x="0" y="0"/>
                 </a:moveTo>
@@ -973,9 +1004,11 @@
       <p:sp>
         <p:nvSpPr>
           <p:cNvPr id="119" name="Google Shape;119;g17a0918cf9a_0_2760:notes"/>
-          <p:cNvSpPr txBox="1"/>
+          <p:cNvSpPr txBox="1">
+            <a:spLocks noGrp="1"/>
+          </p:cNvSpPr>
           <p:nvPr>
-            <p:ph idx="1" type="body"/>
+            <p:ph type="body" idx="1"/>
           </p:nvPr>
         </p:nvSpPr>
         <p:spPr>
@@ -988,12 +1021,12 @@
           </a:prstGeom>
         </p:spPr>
         <p:txBody>
-          <a:bodyPr anchorCtr="0" anchor="t" bIns="91425" lIns="91425" spcFirstLastPara="1" rIns="91425" wrap="square" tIns="91425">
+          <a:bodyPr spcFirstLastPara="1" wrap="square" lIns="91425" tIns="91425" rIns="91425" bIns="91425" anchor="t" anchorCtr="0">
             <a:noAutofit/>
           </a:bodyPr>
           <a:lstStyle/>
           <a:p>
-            <a:pPr indent="0" lvl="0" marL="0" rtl="0" algn="l">
+            <a:pPr marL="0" lvl="0" indent="0" algn="l" rtl="0">
               <a:spcBef>
                 <a:spcPts val="0"/>
               </a:spcBef>
@@ -1002,9 +1035,6 @@
               </a:spcAft>
               <a:buNone/>
             </a:pPr>
-            <a:r>
-              <a:t/>
-            </a:r>
             <a:endParaRPr/>
           </a:p>
         </p:txBody>
@@ -1018,11 +1048,11 @@
 </file>
 
 <file path=ppt/notesSlides/notesSlide12.xml><?xml version="1.0" encoding="utf-8"?>
-<p:notes xmlns:a="http://schemas.openxmlformats.org/drawingml/2006/main" xmlns:r="http://schemas.openxmlformats.org/officeDocument/2006/relationships" xmlns:mc="http://schemas.openxmlformats.org/markup-compatibility/2006" xmlns:mv="urn:schemas-microsoft-com:mac:vml" xmlns:p="http://schemas.openxmlformats.org/presentationml/2006/main" xmlns:c="http://schemas.openxmlformats.org/drawingml/2006/chart" xmlns:dgm="http://schemas.openxmlformats.org/drawingml/2006/diagram" xmlns:o="urn:schemas-microsoft-com:office:office" xmlns:v="urn:schemas-microsoft-com:vml" xmlns:pvml="urn:schemas-microsoft-com:office:powerpoint" xmlns:com="http://schemas.openxmlformats.org/drawingml/2006/compatibility" xmlns:p14="http://schemas.microsoft.com/office/powerpoint/2010/main" xmlns:p15="http://schemas.microsoft.com/office/powerpoint/2012/main" xmlns:ahyp="http://schemas.microsoft.com/office/drawing/2018/hyperlinkcolor" showMasterPhAnim="0" showMasterSp="0">
+<p:notes xmlns:a="http://schemas.openxmlformats.org/drawingml/2006/main" xmlns:r="http://schemas.openxmlformats.org/officeDocument/2006/relationships" xmlns:p="http://schemas.openxmlformats.org/presentationml/2006/main" showMasterSp="0" showMasterPhAnim="0">
   <p:cSld>
     <p:spTree>
       <p:nvGrpSpPr>
-        <p:cNvPr id="122" name="Shape 122"/>
+        <p:cNvPr id="1" name="Shape 122"/>
         <p:cNvGrpSpPr/>
         <p:nvPr/>
       </p:nvGrpSpPr>
@@ -1037,9 +1067,11 @@
       <p:sp>
         <p:nvSpPr>
           <p:cNvPr id="123" name="Google Shape;123;g17a0918cf9a_0_1834:notes"/>
-          <p:cNvSpPr/>
+          <p:cNvSpPr>
+            <a:spLocks noGrp="1" noRot="1" noChangeAspect="1"/>
+          </p:cNvSpPr>
           <p:nvPr>
-            <p:ph idx="2" type="sldImg"/>
+            <p:ph type="sldImg" idx="2"/>
           </p:nvPr>
         </p:nvSpPr>
         <p:spPr>
@@ -1048,9 +1080,13 @@
             <a:ext cx="6096000" cy="3429000"/>
           </a:xfrm>
           <a:custGeom>
-            <a:rect b="b" l="l" r="r" t="t"/>
+            <a:avLst/>
+            <a:gdLst/>
+            <a:ahLst/>
+            <a:cxnLst/>
+            <a:rect l="l" t="t" r="r" b="b"/>
             <a:pathLst>
-              <a:path extrusionOk="0" h="120000" w="120000">
+              <a:path w="120000" h="120000" extrusionOk="0">
                 <a:moveTo>
                   <a:pt x="0" y="0"/>
                 </a:moveTo>
@@ -1072,9 +1108,11 @@
       <p:sp>
         <p:nvSpPr>
           <p:cNvPr id="124" name="Google Shape;124;g17a0918cf9a_0_1834:notes"/>
-          <p:cNvSpPr txBox="1"/>
+          <p:cNvSpPr txBox="1">
+            <a:spLocks noGrp="1"/>
+          </p:cNvSpPr>
           <p:nvPr>
-            <p:ph idx="1" type="body"/>
+            <p:ph type="body" idx="1"/>
           </p:nvPr>
         </p:nvSpPr>
         <p:spPr>
@@ -1087,12 +1125,12 @@
           </a:prstGeom>
         </p:spPr>
         <p:txBody>
-          <a:bodyPr anchorCtr="0" anchor="t" bIns="91425" lIns="91425" spcFirstLastPara="1" rIns="91425" wrap="square" tIns="91425">
+          <a:bodyPr spcFirstLastPara="1" wrap="square" lIns="91425" tIns="91425" rIns="91425" bIns="91425" anchor="t" anchorCtr="0">
             <a:noAutofit/>
           </a:bodyPr>
           <a:lstStyle/>
           <a:p>
-            <a:pPr indent="0" lvl="0" marL="0" rtl="0" algn="l">
+            <a:pPr marL="0" lvl="0" indent="0" algn="l" rtl="0">
               <a:spcBef>
                 <a:spcPts val="0"/>
               </a:spcBef>
@@ -1101,9 +1139,6 @@
               </a:spcAft>
               <a:buNone/>
             </a:pPr>
-            <a:r>
-              <a:t/>
-            </a:r>
             <a:endParaRPr/>
           </a:p>
         </p:txBody>
@@ -1117,11 +1152,11 @@
 </file>
 
 <file path=ppt/notesSlides/notesSlide13.xml><?xml version="1.0" encoding="utf-8"?>
-<p:notes xmlns:a="http://schemas.openxmlformats.org/drawingml/2006/main" xmlns:r="http://schemas.openxmlformats.org/officeDocument/2006/relationships" xmlns:mc="http://schemas.openxmlformats.org/markup-compatibility/2006" xmlns:mv="urn:schemas-microsoft-com:mac:vml" xmlns:p="http://schemas.openxmlformats.org/presentationml/2006/main" xmlns:c="http://schemas.openxmlformats.org/drawingml/2006/chart" xmlns:dgm="http://schemas.openxmlformats.org/drawingml/2006/diagram" xmlns:o="urn:schemas-microsoft-com:office:office" xmlns:v="urn:schemas-microsoft-com:vml" xmlns:pvml="urn:schemas-microsoft-com:office:powerpoint" xmlns:com="http://schemas.openxmlformats.org/drawingml/2006/compatibility" xmlns:p14="http://schemas.microsoft.com/office/powerpoint/2010/main" xmlns:p15="http://schemas.microsoft.com/office/powerpoint/2012/main" xmlns:ahyp="http://schemas.microsoft.com/office/drawing/2018/hyperlinkcolor" showMasterPhAnim="0" showMasterSp="0">
+<p:notes xmlns:a="http://schemas.openxmlformats.org/drawingml/2006/main" xmlns:r="http://schemas.openxmlformats.org/officeDocument/2006/relationships" xmlns:p="http://schemas.openxmlformats.org/presentationml/2006/main" showMasterSp="0" showMasterPhAnim="0">
   <p:cSld>
     <p:spTree>
       <p:nvGrpSpPr>
-        <p:cNvPr id="165" name="Shape 165"/>
+        <p:cNvPr id="1" name="Shape 165"/>
         <p:cNvGrpSpPr/>
         <p:nvPr/>
       </p:nvGrpSpPr>
@@ -1136,9 +1171,11 @@
       <p:sp>
         <p:nvSpPr>
           <p:cNvPr id="166" name="Google Shape;166;g17a0918cf9a_0_4463:notes"/>
-          <p:cNvSpPr/>
+          <p:cNvSpPr>
+            <a:spLocks noGrp="1" noRot="1" noChangeAspect="1"/>
+          </p:cNvSpPr>
           <p:nvPr>
-            <p:ph idx="2" type="sldImg"/>
+            <p:ph type="sldImg" idx="2"/>
           </p:nvPr>
         </p:nvSpPr>
         <p:spPr>
@@ -1147,9 +1184,13 @@
             <a:ext cx="6096000" cy="3429000"/>
           </a:xfrm>
           <a:custGeom>
-            <a:rect b="b" l="l" r="r" t="t"/>
+            <a:avLst/>
+            <a:gdLst/>
+            <a:ahLst/>
+            <a:cxnLst/>
+            <a:rect l="l" t="t" r="r" b="b"/>
             <a:pathLst>
-              <a:path extrusionOk="0" h="120000" w="120000">
+              <a:path w="120000" h="120000" extrusionOk="0">
                 <a:moveTo>
                   <a:pt x="0" y="0"/>
                 </a:moveTo>
@@ -1171,9 +1212,11 @@
       <p:sp>
         <p:nvSpPr>
           <p:cNvPr id="167" name="Google Shape;167;g17a0918cf9a_0_4463:notes"/>
-          <p:cNvSpPr txBox="1"/>
+          <p:cNvSpPr txBox="1">
+            <a:spLocks noGrp="1"/>
+          </p:cNvSpPr>
           <p:nvPr>
-            <p:ph idx="1" type="body"/>
+            <p:ph type="body" idx="1"/>
           </p:nvPr>
         </p:nvSpPr>
         <p:spPr>
@@ -1186,12 +1229,12 @@
           </a:prstGeom>
         </p:spPr>
         <p:txBody>
-          <a:bodyPr anchorCtr="0" anchor="t" bIns="91425" lIns="91425" spcFirstLastPara="1" rIns="91425" wrap="square" tIns="91425">
+          <a:bodyPr spcFirstLastPara="1" wrap="square" lIns="91425" tIns="91425" rIns="91425" bIns="91425" anchor="t" anchorCtr="0">
             <a:noAutofit/>
           </a:bodyPr>
           <a:lstStyle/>
           <a:p>
-            <a:pPr indent="0" lvl="0" marL="0" rtl="0" algn="l">
+            <a:pPr marL="0" lvl="0" indent="0" algn="l" rtl="0">
               <a:spcBef>
                 <a:spcPts val="0"/>
               </a:spcBef>
@@ -1200,9 +1243,6 @@
               </a:spcAft>
               <a:buNone/>
             </a:pPr>
-            <a:r>
-              <a:t/>
-            </a:r>
             <a:endParaRPr/>
           </a:p>
         </p:txBody>
@@ -1216,11 +1256,11 @@
 </file>
 
 <file path=ppt/notesSlides/notesSlide14.xml><?xml version="1.0" encoding="utf-8"?>
-<p:notes xmlns:a="http://schemas.openxmlformats.org/drawingml/2006/main" xmlns:r="http://schemas.openxmlformats.org/officeDocument/2006/relationships" xmlns:mc="http://schemas.openxmlformats.org/markup-compatibility/2006" xmlns:mv="urn:schemas-microsoft-com:mac:vml" xmlns:p="http://schemas.openxmlformats.org/presentationml/2006/main" xmlns:c="http://schemas.openxmlformats.org/drawingml/2006/chart" xmlns:dgm="http://schemas.openxmlformats.org/drawingml/2006/diagram" xmlns:o="urn:schemas-microsoft-com:office:office" xmlns:v="urn:schemas-microsoft-com:vml" xmlns:pvml="urn:schemas-microsoft-com:office:powerpoint" xmlns:com="http://schemas.openxmlformats.org/drawingml/2006/compatibility" xmlns:p14="http://schemas.microsoft.com/office/powerpoint/2010/main" xmlns:p15="http://schemas.microsoft.com/office/powerpoint/2012/main" xmlns:ahyp="http://schemas.microsoft.com/office/drawing/2018/hyperlinkcolor" showMasterPhAnim="0" showMasterSp="0">
+<p:notes xmlns:a="http://schemas.openxmlformats.org/drawingml/2006/main" xmlns:r="http://schemas.openxmlformats.org/officeDocument/2006/relationships" xmlns:p="http://schemas.openxmlformats.org/presentationml/2006/main" showMasterSp="0" showMasterPhAnim="0">
   <p:cSld>
     <p:spTree>
       <p:nvGrpSpPr>
-        <p:cNvPr id="170" name="Shape 170"/>
+        <p:cNvPr id="1" name="Shape 170"/>
         <p:cNvGrpSpPr/>
         <p:nvPr/>
       </p:nvGrpSpPr>
@@ -1235,20 +1275,26 @@
       <p:sp>
         <p:nvSpPr>
           <p:cNvPr id="171" name="Google Shape;171;g17a0918cf9a_1_2843:notes"/>
-          <p:cNvSpPr/>
+          <p:cNvSpPr>
+            <a:spLocks noGrp="1" noRot="1" noChangeAspect="1"/>
+          </p:cNvSpPr>
           <p:nvPr>
-            <p:ph idx="2" type="sldImg"/>
+            <p:ph type="sldImg" idx="2"/>
           </p:nvPr>
         </p:nvSpPr>
         <p:spPr>
           <a:xfrm>
-            <a:off x="381300" y="685800"/>
+            <a:off x="381000" y="685800"/>
             <a:ext cx="6096000" cy="3429000"/>
           </a:xfrm>
           <a:custGeom>
-            <a:rect b="b" l="l" r="r" t="t"/>
+            <a:avLst/>
+            <a:gdLst/>
+            <a:ahLst/>
+            <a:cxnLst/>
+            <a:rect l="l" t="t" r="r" b="b"/>
             <a:pathLst>
-              <a:path extrusionOk="0" h="120000" w="120000">
+              <a:path w="120000" h="120000" extrusionOk="0">
                 <a:moveTo>
                   <a:pt x="0" y="0"/>
                 </a:moveTo>
@@ -1270,9 +1316,11 @@
       <p:sp>
         <p:nvSpPr>
           <p:cNvPr id="172" name="Google Shape;172;g17a0918cf9a_1_2843:notes"/>
-          <p:cNvSpPr txBox="1"/>
+          <p:cNvSpPr txBox="1">
+            <a:spLocks noGrp="1"/>
+          </p:cNvSpPr>
           <p:nvPr>
-            <p:ph idx="1" type="body"/>
+            <p:ph type="body" idx="1"/>
           </p:nvPr>
         </p:nvSpPr>
         <p:spPr>
@@ -1285,12 +1333,12 @@
           </a:prstGeom>
         </p:spPr>
         <p:txBody>
-          <a:bodyPr anchorCtr="0" anchor="t" bIns="91425" lIns="91425" spcFirstLastPara="1" rIns="91425" wrap="square" tIns="91425">
+          <a:bodyPr spcFirstLastPara="1" wrap="square" lIns="91425" tIns="91425" rIns="91425" bIns="91425" anchor="t" anchorCtr="0">
             <a:noAutofit/>
           </a:bodyPr>
           <a:lstStyle/>
           <a:p>
-            <a:pPr indent="0" lvl="0" marL="0" rtl="0" algn="l">
+            <a:pPr marL="0" lvl="0" indent="0" algn="l" rtl="0">
               <a:spcBef>
                 <a:spcPts val="0"/>
               </a:spcBef>
@@ -1299,9 +1347,6 @@
               </a:spcAft>
               <a:buNone/>
             </a:pPr>
-            <a:r>
-              <a:t/>
-            </a:r>
             <a:endParaRPr/>
           </a:p>
         </p:txBody>
@@ -1315,11 +1360,11 @@
 </file>
 
 <file path=ppt/notesSlides/notesSlide2.xml><?xml version="1.0" encoding="utf-8"?>
-<p:notes xmlns:a="http://schemas.openxmlformats.org/drawingml/2006/main" xmlns:r="http://schemas.openxmlformats.org/officeDocument/2006/relationships" xmlns:mc="http://schemas.openxmlformats.org/markup-compatibility/2006" xmlns:mv="urn:schemas-microsoft-com:mac:vml" xmlns:p="http://schemas.openxmlformats.org/presentationml/2006/main" xmlns:c="http://schemas.openxmlformats.org/drawingml/2006/chart" xmlns:dgm="http://schemas.openxmlformats.org/drawingml/2006/diagram" xmlns:o="urn:schemas-microsoft-com:office:office" xmlns:v="urn:schemas-microsoft-com:vml" xmlns:pvml="urn:schemas-microsoft-com:office:powerpoint" xmlns:com="http://schemas.openxmlformats.org/drawingml/2006/compatibility" xmlns:p14="http://schemas.microsoft.com/office/powerpoint/2010/main" xmlns:p15="http://schemas.microsoft.com/office/powerpoint/2012/main" xmlns:ahyp="http://schemas.microsoft.com/office/drawing/2018/hyperlinkcolor" showMasterPhAnim="0" showMasterSp="0">
+<p:notes xmlns:a="http://schemas.openxmlformats.org/drawingml/2006/main" xmlns:r="http://schemas.openxmlformats.org/officeDocument/2006/relationships" xmlns:p="http://schemas.openxmlformats.org/presentationml/2006/main" showMasterSp="0" showMasterPhAnim="0">
   <p:cSld>
     <p:spTree>
       <p:nvGrpSpPr>
-        <p:cNvPr id="61" name="Shape 61"/>
+        <p:cNvPr id="1" name="Shape 61"/>
         <p:cNvGrpSpPr/>
         <p:nvPr/>
       </p:nvGrpSpPr>
@@ -1334,9 +1379,11 @@
       <p:sp>
         <p:nvSpPr>
           <p:cNvPr id="62" name="Google Shape;62;g17a0918cf9a_0_57:notes"/>
-          <p:cNvSpPr/>
+          <p:cNvSpPr>
+            <a:spLocks noGrp="1" noRot="1" noChangeAspect="1"/>
+          </p:cNvSpPr>
           <p:nvPr>
-            <p:ph idx="2" type="sldImg"/>
+            <p:ph type="sldImg" idx="2"/>
           </p:nvPr>
         </p:nvSpPr>
         <p:spPr>
@@ -1345,9 +1392,13 @@
             <a:ext cx="6096000" cy="3429000"/>
           </a:xfrm>
           <a:custGeom>
-            <a:rect b="b" l="l" r="r" t="t"/>
+            <a:avLst/>
+            <a:gdLst/>
+            <a:ahLst/>
+            <a:cxnLst/>
+            <a:rect l="l" t="t" r="r" b="b"/>
             <a:pathLst>
-              <a:path extrusionOk="0" h="120000" w="120000">
+              <a:path w="120000" h="120000" extrusionOk="0">
                 <a:moveTo>
                   <a:pt x="0" y="0"/>
                 </a:moveTo>
@@ -1369,9 +1420,11 @@
       <p:sp>
         <p:nvSpPr>
           <p:cNvPr id="63" name="Google Shape;63;g17a0918cf9a_0_57:notes"/>
-          <p:cNvSpPr txBox="1"/>
+          <p:cNvSpPr txBox="1">
+            <a:spLocks noGrp="1"/>
+          </p:cNvSpPr>
           <p:nvPr>
-            <p:ph idx="1" type="body"/>
+            <p:ph type="body" idx="1"/>
           </p:nvPr>
         </p:nvSpPr>
         <p:spPr>
@@ -1384,12 +1437,12 @@
           </a:prstGeom>
         </p:spPr>
         <p:txBody>
-          <a:bodyPr anchorCtr="0" anchor="t" bIns="91425" lIns="91425" spcFirstLastPara="1" rIns="91425" wrap="square" tIns="91425">
+          <a:bodyPr spcFirstLastPara="1" wrap="square" lIns="91425" tIns="91425" rIns="91425" bIns="91425" anchor="t" anchorCtr="0">
             <a:noAutofit/>
           </a:bodyPr>
           <a:lstStyle/>
           <a:p>
-            <a:pPr indent="0" lvl="0" marL="0" rtl="0" algn="l">
+            <a:pPr marL="0" lvl="0" indent="0" algn="l" rtl="0">
               <a:spcBef>
                 <a:spcPts val="0"/>
               </a:spcBef>
@@ -1398,9 +1451,6 @@
               </a:spcAft>
               <a:buNone/>
             </a:pPr>
-            <a:r>
-              <a:t/>
-            </a:r>
             <a:endParaRPr/>
           </a:p>
         </p:txBody>
@@ -1414,11 +1464,11 @@
 </file>
 
 <file path=ppt/notesSlides/notesSlide3.xml><?xml version="1.0" encoding="utf-8"?>
-<p:notes xmlns:a="http://schemas.openxmlformats.org/drawingml/2006/main" xmlns:r="http://schemas.openxmlformats.org/officeDocument/2006/relationships" xmlns:mc="http://schemas.openxmlformats.org/markup-compatibility/2006" xmlns:mv="urn:schemas-microsoft-com:mac:vml" xmlns:p="http://schemas.openxmlformats.org/presentationml/2006/main" xmlns:c="http://schemas.openxmlformats.org/drawingml/2006/chart" xmlns:dgm="http://schemas.openxmlformats.org/drawingml/2006/diagram" xmlns:o="urn:schemas-microsoft-com:office:office" xmlns:v="urn:schemas-microsoft-com:vml" xmlns:pvml="urn:schemas-microsoft-com:office:powerpoint" xmlns:com="http://schemas.openxmlformats.org/drawingml/2006/compatibility" xmlns:p14="http://schemas.microsoft.com/office/powerpoint/2010/main" xmlns:p15="http://schemas.microsoft.com/office/powerpoint/2012/main" xmlns:ahyp="http://schemas.microsoft.com/office/drawing/2018/hyperlinkcolor" showMasterPhAnim="0" showMasterSp="0">
+<p:notes xmlns:a="http://schemas.openxmlformats.org/drawingml/2006/main" xmlns:r="http://schemas.openxmlformats.org/officeDocument/2006/relationships" xmlns:p="http://schemas.openxmlformats.org/presentationml/2006/main" showMasterSp="0" showMasterPhAnim="0">
   <p:cSld>
     <p:spTree>
       <p:nvGrpSpPr>
-        <p:cNvPr id="66" name="Shape 66"/>
+        <p:cNvPr id="1" name="Shape 66"/>
         <p:cNvGrpSpPr/>
         <p:nvPr/>
       </p:nvGrpSpPr>
@@ -1433,9 +1483,11 @@
       <p:sp>
         <p:nvSpPr>
           <p:cNvPr id="67" name="Google Shape;67;g17a0918cf9a_0_62:notes"/>
-          <p:cNvSpPr/>
+          <p:cNvSpPr>
+            <a:spLocks noGrp="1" noRot="1" noChangeAspect="1"/>
+          </p:cNvSpPr>
           <p:nvPr>
-            <p:ph idx="2" type="sldImg"/>
+            <p:ph type="sldImg" idx="2"/>
           </p:nvPr>
         </p:nvSpPr>
         <p:spPr>
@@ -1444,9 +1496,13 @@
             <a:ext cx="6096000" cy="3429000"/>
           </a:xfrm>
           <a:custGeom>
-            <a:rect b="b" l="l" r="r" t="t"/>
+            <a:avLst/>
+            <a:gdLst/>
+            <a:ahLst/>
+            <a:cxnLst/>
+            <a:rect l="l" t="t" r="r" b="b"/>
             <a:pathLst>
-              <a:path extrusionOk="0" h="120000" w="120000">
+              <a:path w="120000" h="120000" extrusionOk="0">
                 <a:moveTo>
                   <a:pt x="0" y="0"/>
                 </a:moveTo>
@@ -1468,9 +1524,11 @@
       <p:sp>
         <p:nvSpPr>
           <p:cNvPr id="68" name="Google Shape;68;g17a0918cf9a_0_62:notes"/>
-          <p:cNvSpPr txBox="1"/>
+          <p:cNvSpPr txBox="1">
+            <a:spLocks noGrp="1"/>
+          </p:cNvSpPr>
           <p:nvPr>
-            <p:ph idx="1" type="body"/>
+            <p:ph type="body" idx="1"/>
           </p:nvPr>
         </p:nvSpPr>
         <p:spPr>
@@ -1483,12 +1541,12 @@
           </a:prstGeom>
         </p:spPr>
         <p:txBody>
-          <a:bodyPr anchorCtr="0" anchor="t" bIns="91425" lIns="91425" spcFirstLastPara="1" rIns="91425" wrap="square" tIns="91425">
+          <a:bodyPr spcFirstLastPara="1" wrap="square" lIns="91425" tIns="91425" rIns="91425" bIns="91425" anchor="t" anchorCtr="0">
             <a:noAutofit/>
           </a:bodyPr>
           <a:lstStyle/>
           <a:p>
-            <a:pPr indent="0" lvl="0" marL="0" rtl="0" algn="l">
+            <a:pPr marL="0" lvl="0" indent="0" algn="l" rtl="0">
               <a:spcBef>
                 <a:spcPts val="0"/>
               </a:spcBef>
@@ -1499,14 +1557,10 @@
             </a:pPr>
             <a:r>
               <a:rPr lang="en"/>
-              <a:t>Project Sponsor: </a:t>
+              <a:t>Project Sponsor: The person who </a:t>
             </a:r>
             <a:r>
-              <a:rPr lang="en"/>
-              <a:t>The person who </a:t>
-            </a:r>
-            <a:r>
-              <a:rPr b="1" i="1" lang="en"/>
+              <a:rPr lang="en" b="1" i="1"/>
               <a:t>initiates</a:t>
             </a:r>
             <a:r>
@@ -1516,7 +1570,7 @@
             <a:endParaRPr/>
           </a:p>
           <a:p>
-            <a:pPr indent="0" lvl="0" marL="0" rtl="0" algn="l">
+            <a:pPr marL="0" lvl="0" indent="0" algn="l" rtl="0">
               <a:spcBef>
                 <a:spcPts val="0"/>
               </a:spcBef>
@@ -1530,7 +1584,7 @@
               <a:t>Business Needs: The business </a:t>
             </a:r>
             <a:r>
-              <a:rPr b="1" lang="en"/>
+              <a:rPr lang="en" b="1"/>
               <a:t>reasons </a:t>
             </a:r>
             <a:r>
@@ -1550,11 +1604,11 @@
 </file>
 
 <file path=ppt/notesSlides/notesSlide4.xml><?xml version="1.0" encoding="utf-8"?>
-<p:notes xmlns:a="http://schemas.openxmlformats.org/drawingml/2006/main" xmlns:r="http://schemas.openxmlformats.org/officeDocument/2006/relationships" xmlns:mc="http://schemas.openxmlformats.org/markup-compatibility/2006" xmlns:mv="urn:schemas-microsoft-com:mac:vml" xmlns:p="http://schemas.openxmlformats.org/presentationml/2006/main" xmlns:c="http://schemas.openxmlformats.org/drawingml/2006/chart" xmlns:dgm="http://schemas.openxmlformats.org/drawingml/2006/diagram" xmlns:o="urn:schemas-microsoft-com:office:office" xmlns:v="urn:schemas-microsoft-com:vml" xmlns:pvml="urn:schemas-microsoft-com:office:powerpoint" xmlns:com="http://schemas.openxmlformats.org/drawingml/2006/compatibility" xmlns:p14="http://schemas.microsoft.com/office/powerpoint/2010/main" xmlns:p15="http://schemas.microsoft.com/office/powerpoint/2012/main" xmlns:ahyp="http://schemas.microsoft.com/office/drawing/2018/hyperlinkcolor" showMasterPhAnim="0" showMasterSp="0">
+<p:notes xmlns:a="http://schemas.openxmlformats.org/drawingml/2006/main" xmlns:r="http://schemas.openxmlformats.org/officeDocument/2006/relationships" xmlns:p="http://schemas.openxmlformats.org/presentationml/2006/main" showMasterSp="0" showMasterPhAnim="0">
   <p:cSld>
     <p:spTree>
       <p:nvGrpSpPr>
-        <p:cNvPr id="74" name="Shape 74"/>
+        <p:cNvPr id="1" name="Shape 74"/>
         <p:cNvGrpSpPr/>
         <p:nvPr/>
       </p:nvGrpSpPr>
@@ -1569,9 +1623,11 @@
       <p:sp>
         <p:nvSpPr>
           <p:cNvPr id="75" name="Google Shape;75;g17a0918cf9a_0_75:notes"/>
-          <p:cNvSpPr/>
+          <p:cNvSpPr>
+            <a:spLocks noGrp="1" noRot="1" noChangeAspect="1"/>
+          </p:cNvSpPr>
           <p:nvPr>
-            <p:ph idx="2" type="sldImg"/>
+            <p:ph type="sldImg" idx="2"/>
           </p:nvPr>
         </p:nvSpPr>
         <p:spPr>
@@ -1580,9 +1636,13 @@
             <a:ext cx="6096000" cy="3429000"/>
           </a:xfrm>
           <a:custGeom>
-            <a:rect b="b" l="l" r="r" t="t"/>
+            <a:avLst/>
+            <a:gdLst/>
+            <a:ahLst/>
+            <a:cxnLst/>
+            <a:rect l="l" t="t" r="r" b="b"/>
             <a:pathLst>
-              <a:path extrusionOk="0" h="120000" w="120000">
+              <a:path w="120000" h="120000" extrusionOk="0">
                 <a:moveTo>
                   <a:pt x="0" y="0"/>
                 </a:moveTo>
@@ -1604,9 +1664,11 @@
       <p:sp>
         <p:nvSpPr>
           <p:cNvPr id="76" name="Google Shape;76;g17a0918cf9a_0_75:notes"/>
-          <p:cNvSpPr txBox="1"/>
+          <p:cNvSpPr txBox="1">
+            <a:spLocks noGrp="1"/>
+          </p:cNvSpPr>
           <p:nvPr>
-            <p:ph idx="1" type="body"/>
+            <p:ph type="body" idx="1"/>
           </p:nvPr>
         </p:nvSpPr>
         <p:spPr>
@@ -1619,12 +1681,12 @@
           </a:prstGeom>
         </p:spPr>
         <p:txBody>
-          <a:bodyPr anchorCtr="0" anchor="t" bIns="91425" lIns="91425" spcFirstLastPara="1" rIns="91425" wrap="square" tIns="91425">
+          <a:bodyPr spcFirstLastPara="1" wrap="square" lIns="91425" tIns="91425" rIns="91425" bIns="91425" anchor="t" anchorCtr="0">
             <a:noAutofit/>
           </a:bodyPr>
           <a:lstStyle/>
           <a:p>
-            <a:pPr indent="0" lvl="0" marL="0" rtl="0" algn="l">
+            <a:pPr marL="0" lvl="0" indent="0" algn="l" rtl="0">
               <a:spcBef>
                 <a:spcPts val="0"/>
               </a:spcBef>
@@ -1633,9 +1695,6 @@
               </a:spcAft>
               <a:buNone/>
             </a:pPr>
-            <a:r>
-              <a:t/>
-            </a:r>
             <a:endParaRPr/>
           </a:p>
         </p:txBody>
@@ -1649,11 +1708,11 @@
 </file>
 
 <file path=ppt/notesSlides/notesSlide5.xml><?xml version="1.0" encoding="utf-8"?>
-<p:notes xmlns:a="http://schemas.openxmlformats.org/drawingml/2006/main" xmlns:r="http://schemas.openxmlformats.org/officeDocument/2006/relationships" xmlns:mc="http://schemas.openxmlformats.org/markup-compatibility/2006" xmlns:mv="urn:schemas-microsoft-com:mac:vml" xmlns:p="http://schemas.openxmlformats.org/presentationml/2006/main" xmlns:c="http://schemas.openxmlformats.org/drawingml/2006/chart" xmlns:dgm="http://schemas.openxmlformats.org/drawingml/2006/diagram" xmlns:o="urn:schemas-microsoft-com:office:office" xmlns:v="urn:schemas-microsoft-com:vml" xmlns:pvml="urn:schemas-microsoft-com:office:powerpoint" xmlns:com="http://schemas.openxmlformats.org/drawingml/2006/compatibility" xmlns:p14="http://schemas.microsoft.com/office/powerpoint/2010/main" xmlns:p15="http://schemas.microsoft.com/office/powerpoint/2012/main" xmlns:ahyp="http://schemas.microsoft.com/office/drawing/2018/hyperlinkcolor" showMasterPhAnim="0" showMasterSp="0">
+<p:notes xmlns:a="http://schemas.openxmlformats.org/drawingml/2006/main" xmlns:r="http://schemas.openxmlformats.org/officeDocument/2006/relationships" xmlns:p="http://schemas.openxmlformats.org/presentationml/2006/main" showMasterSp="0" showMasterPhAnim="0">
   <p:cSld>
     <p:spTree>
       <p:nvGrpSpPr>
-        <p:cNvPr id="82" name="Shape 82"/>
+        <p:cNvPr id="1" name="Shape 82"/>
         <p:cNvGrpSpPr/>
         <p:nvPr/>
       </p:nvGrpSpPr>
@@ -1668,9 +1727,11 @@
       <p:sp>
         <p:nvSpPr>
           <p:cNvPr id="83" name="Google Shape;83;g17a0918cf9a_0_92:notes"/>
-          <p:cNvSpPr/>
+          <p:cNvSpPr>
+            <a:spLocks noGrp="1" noRot="1" noChangeAspect="1"/>
+          </p:cNvSpPr>
           <p:nvPr>
-            <p:ph idx="2" type="sldImg"/>
+            <p:ph type="sldImg" idx="2"/>
           </p:nvPr>
         </p:nvSpPr>
         <p:spPr>
@@ -1679,9 +1740,13 @@
             <a:ext cx="6096000" cy="3429000"/>
           </a:xfrm>
           <a:custGeom>
-            <a:rect b="b" l="l" r="r" t="t"/>
+            <a:avLst/>
+            <a:gdLst/>
+            <a:ahLst/>
+            <a:cxnLst/>
+            <a:rect l="l" t="t" r="r" b="b"/>
             <a:pathLst>
-              <a:path extrusionOk="0" h="120000" w="120000">
+              <a:path w="120000" h="120000" extrusionOk="0">
                 <a:moveTo>
                   <a:pt x="0" y="0"/>
                 </a:moveTo>
@@ -1703,9 +1768,11 @@
       <p:sp>
         <p:nvSpPr>
           <p:cNvPr id="84" name="Google Shape;84;g17a0918cf9a_0_92:notes"/>
-          <p:cNvSpPr txBox="1"/>
+          <p:cNvSpPr txBox="1">
+            <a:spLocks noGrp="1"/>
+          </p:cNvSpPr>
           <p:nvPr>
-            <p:ph idx="1" type="body"/>
+            <p:ph type="body" idx="1"/>
           </p:nvPr>
         </p:nvSpPr>
         <p:spPr>
@@ -1718,12 +1785,12 @@
           </a:prstGeom>
         </p:spPr>
         <p:txBody>
-          <a:bodyPr anchorCtr="0" anchor="t" bIns="91425" lIns="91425" spcFirstLastPara="1" rIns="91425" wrap="square" tIns="91425">
+          <a:bodyPr spcFirstLastPara="1" wrap="square" lIns="91425" tIns="91425" rIns="91425" bIns="91425" anchor="t" anchorCtr="0">
             <a:noAutofit/>
           </a:bodyPr>
           <a:lstStyle/>
           <a:p>
-            <a:pPr indent="0" lvl="0" marL="0" rtl="0" algn="l">
+            <a:pPr marL="0" lvl="0" indent="0" algn="l" rtl="0">
               <a:spcBef>
                 <a:spcPts val="0"/>
               </a:spcBef>
@@ -1732,9 +1799,6 @@
               </a:spcAft>
               <a:buNone/>
             </a:pPr>
-            <a:r>
-              <a:t/>
-            </a:r>
             <a:endParaRPr/>
           </a:p>
         </p:txBody>
@@ -1748,11 +1812,11 @@
 </file>
 
 <file path=ppt/notesSlides/notesSlide6.xml><?xml version="1.0" encoding="utf-8"?>
-<p:notes xmlns:a="http://schemas.openxmlformats.org/drawingml/2006/main" xmlns:r="http://schemas.openxmlformats.org/officeDocument/2006/relationships" xmlns:mc="http://schemas.openxmlformats.org/markup-compatibility/2006" xmlns:mv="urn:schemas-microsoft-com:mac:vml" xmlns:p="http://schemas.openxmlformats.org/presentationml/2006/main" xmlns:c="http://schemas.openxmlformats.org/drawingml/2006/chart" xmlns:dgm="http://schemas.openxmlformats.org/drawingml/2006/diagram" xmlns:o="urn:schemas-microsoft-com:office:office" xmlns:v="urn:schemas-microsoft-com:vml" xmlns:pvml="urn:schemas-microsoft-com:office:powerpoint" xmlns:com="http://schemas.openxmlformats.org/drawingml/2006/compatibility" xmlns:p14="http://schemas.microsoft.com/office/powerpoint/2010/main" xmlns:p15="http://schemas.microsoft.com/office/powerpoint/2012/main" xmlns:ahyp="http://schemas.microsoft.com/office/drawing/2018/hyperlinkcolor" showMasterPhAnim="0" showMasterSp="0">
+<p:notes xmlns:a="http://schemas.openxmlformats.org/drawingml/2006/main" xmlns:r="http://schemas.openxmlformats.org/officeDocument/2006/relationships" xmlns:p="http://schemas.openxmlformats.org/presentationml/2006/main" showMasterSp="0" showMasterPhAnim="0">
   <p:cSld>
     <p:spTree>
       <p:nvGrpSpPr>
-        <p:cNvPr id="87" name="Shape 87"/>
+        <p:cNvPr id="1" name="Shape 87"/>
         <p:cNvGrpSpPr/>
         <p:nvPr/>
       </p:nvGrpSpPr>
@@ -1767,9 +1831,11 @@
       <p:sp>
         <p:nvSpPr>
           <p:cNvPr id="88" name="Google Shape;88;g17a0918cf9a_0_99:notes"/>
-          <p:cNvSpPr/>
+          <p:cNvSpPr>
+            <a:spLocks noGrp="1" noRot="1" noChangeAspect="1"/>
+          </p:cNvSpPr>
           <p:nvPr>
-            <p:ph idx="2" type="sldImg"/>
+            <p:ph type="sldImg" idx="2"/>
           </p:nvPr>
         </p:nvSpPr>
         <p:spPr>
@@ -1778,9 +1844,13 @@
             <a:ext cx="6096000" cy="3429000"/>
           </a:xfrm>
           <a:custGeom>
-            <a:rect b="b" l="l" r="r" t="t"/>
+            <a:avLst/>
+            <a:gdLst/>
+            <a:ahLst/>
+            <a:cxnLst/>
+            <a:rect l="l" t="t" r="r" b="b"/>
             <a:pathLst>
-              <a:path extrusionOk="0" h="120000" w="120000">
+              <a:path w="120000" h="120000" extrusionOk="0">
                 <a:moveTo>
                   <a:pt x="0" y="0"/>
                 </a:moveTo>
@@ -1802,9 +1872,11 @@
       <p:sp>
         <p:nvSpPr>
           <p:cNvPr id="89" name="Google Shape;89;g17a0918cf9a_0_99:notes"/>
-          <p:cNvSpPr txBox="1"/>
+          <p:cNvSpPr txBox="1">
+            <a:spLocks noGrp="1"/>
+          </p:cNvSpPr>
           <p:nvPr>
-            <p:ph idx="1" type="body"/>
+            <p:ph type="body" idx="1"/>
           </p:nvPr>
         </p:nvSpPr>
         <p:spPr>
@@ -1817,12 +1889,12 @@
           </a:prstGeom>
         </p:spPr>
         <p:txBody>
-          <a:bodyPr anchorCtr="0" anchor="t" bIns="91425" lIns="91425" spcFirstLastPara="1" rIns="91425" wrap="square" tIns="91425">
+          <a:bodyPr spcFirstLastPara="1" wrap="square" lIns="91425" tIns="91425" rIns="91425" bIns="91425" anchor="t" anchorCtr="0">
             <a:noAutofit/>
           </a:bodyPr>
           <a:lstStyle/>
           <a:p>
-            <a:pPr indent="0" lvl="0" marL="0" rtl="0" algn="l">
+            <a:pPr marL="0" lvl="0" indent="0" algn="l" rtl="0">
               <a:spcBef>
                 <a:spcPts val="0"/>
               </a:spcBef>
@@ -1831,9 +1903,6 @@
               </a:spcAft>
               <a:buNone/>
             </a:pPr>
-            <a:r>
-              <a:t/>
-            </a:r>
             <a:endParaRPr/>
           </a:p>
         </p:txBody>
@@ -1847,11 +1916,11 @@
 </file>
 
 <file path=ppt/notesSlides/notesSlide7.xml><?xml version="1.0" encoding="utf-8"?>
-<p:notes xmlns:a="http://schemas.openxmlformats.org/drawingml/2006/main" xmlns:r="http://schemas.openxmlformats.org/officeDocument/2006/relationships" xmlns:mc="http://schemas.openxmlformats.org/markup-compatibility/2006" xmlns:mv="urn:schemas-microsoft-com:mac:vml" xmlns:p="http://schemas.openxmlformats.org/presentationml/2006/main" xmlns:c="http://schemas.openxmlformats.org/drawingml/2006/chart" xmlns:dgm="http://schemas.openxmlformats.org/drawingml/2006/diagram" xmlns:o="urn:schemas-microsoft-com:office:office" xmlns:v="urn:schemas-microsoft-com:vml" xmlns:pvml="urn:schemas-microsoft-com:office:powerpoint" xmlns:com="http://schemas.openxmlformats.org/drawingml/2006/compatibility" xmlns:p14="http://schemas.microsoft.com/office/powerpoint/2010/main" xmlns:p15="http://schemas.microsoft.com/office/powerpoint/2012/main" xmlns:ahyp="http://schemas.microsoft.com/office/drawing/2018/hyperlinkcolor" showMasterPhAnim="0" showMasterSp="0">
+<p:notes xmlns:a="http://schemas.openxmlformats.org/drawingml/2006/main" xmlns:r="http://schemas.openxmlformats.org/officeDocument/2006/relationships" xmlns:p="http://schemas.openxmlformats.org/presentationml/2006/main" showMasterSp="0" showMasterPhAnim="0">
   <p:cSld>
     <p:spTree>
       <p:nvGrpSpPr>
-        <p:cNvPr id="93" name="Shape 93"/>
+        <p:cNvPr id="1" name="Shape 93"/>
         <p:cNvGrpSpPr/>
         <p:nvPr/>
       </p:nvGrpSpPr>
@@ -1866,9 +1935,11 @@
       <p:sp>
         <p:nvSpPr>
           <p:cNvPr id="94" name="Google Shape;94;g17a0918cf9a_0_1781:notes"/>
-          <p:cNvSpPr/>
+          <p:cNvSpPr>
+            <a:spLocks noGrp="1" noRot="1" noChangeAspect="1"/>
+          </p:cNvSpPr>
           <p:nvPr>
-            <p:ph idx="2" type="sldImg"/>
+            <p:ph type="sldImg" idx="2"/>
           </p:nvPr>
         </p:nvSpPr>
         <p:spPr>
@@ -1877,9 +1948,13 @@
             <a:ext cx="6096000" cy="3429000"/>
           </a:xfrm>
           <a:custGeom>
-            <a:rect b="b" l="l" r="r" t="t"/>
+            <a:avLst/>
+            <a:gdLst/>
+            <a:ahLst/>
+            <a:cxnLst/>
+            <a:rect l="l" t="t" r="r" b="b"/>
             <a:pathLst>
-              <a:path extrusionOk="0" h="120000" w="120000">
+              <a:path w="120000" h="120000" extrusionOk="0">
                 <a:moveTo>
                   <a:pt x="0" y="0"/>
                 </a:moveTo>
@@ -1901,9 +1976,11 @@
       <p:sp>
         <p:nvSpPr>
           <p:cNvPr id="95" name="Google Shape;95;g17a0918cf9a_0_1781:notes"/>
-          <p:cNvSpPr txBox="1"/>
+          <p:cNvSpPr txBox="1">
+            <a:spLocks noGrp="1"/>
+          </p:cNvSpPr>
           <p:nvPr>
-            <p:ph idx="1" type="body"/>
+            <p:ph type="body" idx="1"/>
           </p:nvPr>
         </p:nvSpPr>
         <p:spPr>
@@ -1916,12 +1993,12 @@
           </a:prstGeom>
         </p:spPr>
         <p:txBody>
-          <a:bodyPr anchorCtr="0" anchor="t" bIns="91425" lIns="91425" spcFirstLastPara="1" rIns="91425" wrap="square" tIns="91425">
+          <a:bodyPr spcFirstLastPara="1" wrap="square" lIns="91425" tIns="91425" rIns="91425" bIns="91425" anchor="t" anchorCtr="0">
             <a:noAutofit/>
           </a:bodyPr>
           <a:lstStyle/>
           <a:p>
-            <a:pPr indent="0" lvl="0" marL="0" rtl="0" algn="l">
+            <a:pPr marL="0" lvl="0" indent="0" algn="l" rtl="0">
               <a:spcBef>
                 <a:spcPts val="0"/>
               </a:spcBef>
@@ -1930,9 +2007,6 @@
               </a:spcAft>
               <a:buNone/>
             </a:pPr>
-            <a:r>
-              <a:t/>
-            </a:r>
             <a:endParaRPr/>
           </a:p>
         </p:txBody>
@@ -1946,11 +2020,11 @@
 </file>
 
 <file path=ppt/notesSlides/notesSlide8.xml><?xml version="1.0" encoding="utf-8"?>
-<p:notes xmlns:a="http://schemas.openxmlformats.org/drawingml/2006/main" xmlns:r="http://schemas.openxmlformats.org/officeDocument/2006/relationships" xmlns:mc="http://schemas.openxmlformats.org/markup-compatibility/2006" xmlns:mv="urn:schemas-microsoft-com:mac:vml" xmlns:p="http://schemas.openxmlformats.org/presentationml/2006/main" xmlns:c="http://schemas.openxmlformats.org/drawingml/2006/chart" xmlns:dgm="http://schemas.openxmlformats.org/drawingml/2006/diagram" xmlns:o="urn:schemas-microsoft-com:office:office" xmlns:v="urn:schemas-microsoft-com:vml" xmlns:pvml="urn:schemas-microsoft-com:office:powerpoint" xmlns:com="http://schemas.openxmlformats.org/drawingml/2006/compatibility" xmlns:p14="http://schemas.microsoft.com/office/powerpoint/2010/main" xmlns:p15="http://schemas.microsoft.com/office/powerpoint/2012/main" xmlns:ahyp="http://schemas.microsoft.com/office/drawing/2018/hyperlinkcolor" showMasterPhAnim="0" showMasterSp="0">
+<p:notes xmlns:a="http://schemas.openxmlformats.org/drawingml/2006/main" xmlns:r="http://schemas.openxmlformats.org/officeDocument/2006/relationships" xmlns:p="http://schemas.openxmlformats.org/presentationml/2006/main" showMasterSp="0" showMasterPhAnim="0">
   <p:cSld>
     <p:spTree>
       <p:nvGrpSpPr>
-        <p:cNvPr id="99" name="Shape 99"/>
+        <p:cNvPr id="1" name="Shape 99"/>
         <p:cNvGrpSpPr/>
         <p:nvPr/>
       </p:nvGrpSpPr>
@@ -1965,9 +2039,11 @@
       <p:sp>
         <p:nvSpPr>
           <p:cNvPr id="100" name="Google Shape;100;g17a0918cf9a_0_1795:notes"/>
-          <p:cNvSpPr/>
+          <p:cNvSpPr>
+            <a:spLocks noGrp="1" noRot="1" noChangeAspect="1"/>
+          </p:cNvSpPr>
           <p:nvPr>
-            <p:ph idx="2" type="sldImg"/>
+            <p:ph type="sldImg" idx="2"/>
           </p:nvPr>
         </p:nvSpPr>
         <p:spPr>
@@ -1976,9 +2052,13 @@
             <a:ext cx="6096000" cy="3429000"/>
           </a:xfrm>
           <a:custGeom>
-            <a:rect b="b" l="l" r="r" t="t"/>
+            <a:avLst/>
+            <a:gdLst/>
+            <a:ahLst/>
+            <a:cxnLst/>
+            <a:rect l="l" t="t" r="r" b="b"/>
             <a:pathLst>
-              <a:path extrusionOk="0" h="120000" w="120000">
+              <a:path w="120000" h="120000" extrusionOk="0">
                 <a:moveTo>
                   <a:pt x="0" y="0"/>
                 </a:moveTo>
@@ -2000,9 +2080,11 @@
       <p:sp>
         <p:nvSpPr>
           <p:cNvPr id="101" name="Google Shape;101;g17a0918cf9a_0_1795:notes"/>
-          <p:cNvSpPr txBox="1"/>
+          <p:cNvSpPr txBox="1">
+            <a:spLocks noGrp="1"/>
+          </p:cNvSpPr>
           <p:nvPr>
-            <p:ph idx="1" type="body"/>
+            <p:ph type="body" idx="1"/>
           </p:nvPr>
         </p:nvSpPr>
         <p:spPr>
@@ -2015,12 +2097,12 @@
           </a:prstGeom>
         </p:spPr>
         <p:txBody>
-          <a:bodyPr anchorCtr="0" anchor="t" bIns="91425" lIns="91425" spcFirstLastPara="1" rIns="91425" wrap="square" tIns="91425">
+          <a:bodyPr spcFirstLastPara="1" wrap="square" lIns="91425" tIns="91425" rIns="91425" bIns="91425" anchor="t" anchorCtr="0">
             <a:noAutofit/>
           </a:bodyPr>
           <a:lstStyle/>
           <a:p>
-            <a:pPr indent="0" lvl="0" marL="0" rtl="0" algn="l">
+            <a:pPr marL="0" lvl="0" indent="0" algn="l" rtl="0">
               <a:spcBef>
                 <a:spcPts val="0"/>
               </a:spcBef>
@@ -2029,9 +2111,6 @@
               </a:spcAft>
               <a:buNone/>
             </a:pPr>
-            <a:r>
-              <a:t/>
-            </a:r>
             <a:endParaRPr/>
           </a:p>
         </p:txBody>
@@ -2045,11 +2124,11 @@
 </file>
 
 <file path=ppt/notesSlides/notesSlide9.xml><?xml version="1.0" encoding="utf-8"?>
-<p:notes xmlns:a="http://schemas.openxmlformats.org/drawingml/2006/main" xmlns:r="http://schemas.openxmlformats.org/officeDocument/2006/relationships" xmlns:mc="http://schemas.openxmlformats.org/markup-compatibility/2006" xmlns:mv="urn:schemas-microsoft-com:mac:vml" xmlns:p="http://schemas.openxmlformats.org/presentationml/2006/main" xmlns:c="http://schemas.openxmlformats.org/drawingml/2006/chart" xmlns:dgm="http://schemas.openxmlformats.org/drawingml/2006/diagram" xmlns:o="urn:schemas-microsoft-com:office:office" xmlns:v="urn:schemas-microsoft-com:vml" xmlns:pvml="urn:schemas-microsoft-com:office:powerpoint" xmlns:com="http://schemas.openxmlformats.org/drawingml/2006/compatibility" xmlns:p14="http://schemas.microsoft.com/office/powerpoint/2010/main" xmlns:p15="http://schemas.microsoft.com/office/powerpoint/2012/main" xmlns:ahyp="http://schemas.microsoft.com/office/drawing/2018/hyperlinkcolor" showMasterPhAnim="0" showMasterSp="0">
+<p:notes xmlns:a="http://schemas.openxmlformats.org/drawingml/2006/main" xmlns:r="http://schemas.openxmlformats.org/officeDocument/2006/relationships" xmlns:p="http://schemas.openxmlformats.org/presentationml/2006/main" showMasterSp="0" showMasterPhAnim="0">
   <p:cSld>
     <p:spTree>
       <p:nvGrpSpPr>
-        <p:cNvPr id="105" name="Shape 105"/>
+        <p:cNvPr id="1" name="Shape 105"/>
         <p:cNvGrpSpPr/>
         <p:nvPr/>
       </p:nvGrpSpPr>
@@ -2064,9 +2143,11 @@
       <p:sp>
         <p:nvSpPr>
           <p:cNvPr id="106" name="Google Shape;106;g17a0918cf9a_0_1808:notes"/>
-          <p:cNvSpPr/>
+          <p:cNvSpPr>
+            <a:spLocks noGrp="1" noRot="1" noChangeAspect="1"/>
+          </p:cNvSpPr>
           <p:nvPr>
-            <p:ph idx="2" type="sldImg"/>
+            <p:ph type="sldImg" idx="2"/>
           </p:nvPr>
         </p:nvSpPr>
         <p:spPr>
@@ -2075,9 +2156,13 @@
             <a:ext cx="6096000" cy="3429000"/>
           </a:xfrm>
           <a:custGeom>
-            <a:rect b="b" l="l" r="r" t="t"/>
+            <a:avLst/>
+            <a:gdLst/>
+            <a:ahLst/>
+            <a:cxnLst/>
+            <a:rect l="l" t="t" r="r" b="b"/>
             <a:pathLst>
-              <a:path extrusionOk="0" h="120000" w="120000">
+              <a:path w="120000" h="120000" extrusionOk="0">
                 <a:moveTo>
                   <a:pt x="0" y="0"/>
                 </a:moveTo>
@@ -2099,9 +2184,11 @@
       <p:sp>
         <p:nvSpPr>
           <p:cNvPr id="107" name="Google Shape;107;g17a0918cf9a_0_1808:notes"/>
-          <p:cNvSpPr txBox="1"/>
+          <p:cNvSpPr txBox="1">
+            <a:spLocks noGrp="1"/>
+          </p:cNvSpPr>
           <p:nvPr>
-            <p:ph idx="1" type="body"/>
+            <p:ph type="body" idx="1"/>
           </p:nvPr>
         </p:nvSpPr>
         <p:spPr>
@@ -2114,12 +2201,12 @@
           </a:prstGeom>
         </p:spPr>
         <p:txBody>
-          <a:bodyPr anchorCtr="0" anchor="t" bIns="91425" lIns="91425" spcFirstLastPara="1" rIns="91425" wrap="square" tIns="91425">
+          <a:bodyPr spcFirstLastPara="1" wrap="square" lIns="91425" tIns="91425" rIns="91425" bIns="91425" anchor="t" anchorCtr="0">
             <a:noAutofit/>
           </a:bodyPr>
           <a:lstStyle/>
           <a:p>
-            <a:pPr indent="0" lvl="0" marL="0" rtl="0" algn="l">
+            <a:pPr marL="0" lvl="0" indent="0" algn="l" rtl="0">
               <a:spcBef>
                 <a:spcPts val="0"/>
               </a:spcBef>
@@ -2128,9 +2215,6 @@
               </a:spcAft>
               <a:buNone/>
             </a:pPr>
-            <a:r>
-              <a:t/>
-            </a:r>
             <a:endParaRPr/>
           </a:p>
         </p:txBody>
@@ -2144,11 +2228,11 @@
 </file>
 
 <file path=ppt/slideLayouts/slideLayout1.xml><?xml version="1.0" encoding="utf-8"?>
-<p:sldLayout xmlns:a="http://schemas.openxmlformats.org/drawingml/2006/main" xmlns:r="http://schemas.openxmlformats.org/officeDocument/2006/relationships" xmlns:mc="http://schemas.openxmlformats.org/markup-compatibility/2006" xmlns:mv="urn:schemas-microsoft-com:mac:vml" xmlns:p="http://schemas.openxmlformats.org/presentationml/2006/main" xmlns:c="http://schemas.openxmlformats.org/drawingml/2006/chart" xmlns:dgm="http://schemas.openxmlformats.org/drawingml/2006/diagram" xmlns:o="urn:schemas-microsoft-com:office:office" xmlns:v="urn:schemas-microsoft-com:vml" xmlns:pvml="urn:schemas-microsoft-com:office:powerpoint" xmlns:com="http://schemas.openxmlformats.org/drawingml/2006/compatibility" xmlns:p14="http://schemas.microsoft.com/office/powerpoint/2010/main" xmlns:p15="http://schemas.microsoft.com/office/powerpoint/2012/main" xmlns:ahyp="http://schemas.microsoft.com/office/drawing/2018/hyperlinkcolor" matchingName="Title slide" type="title">
+<p:sldLayout xmlns:a="http://schemas.openxmlformats.org/drawingml/2006/main" xmlns:r="http://schemas.openxmlformats.org/officeDocument/2006/relationships" xmlns:p="http://schemas.openxmlformats.org/presentationml/2006/main" matchingName="Title slide" type="title">
   <p:cSld name="TITLE">
     <p:spTree>
       <p:nvGrpSpPr>
-        <p:cNvPr id="9" name="Shape 9"/>
+        <p:cNvPr id="1" name="Shape 9"/>
         <p:cNvGrpSpPr/>
         <p:nvPr/>
       </p:nvGrpSpPr>
@@ -2196,12 +2280,12 @@
             </a:ln>
           </p:spPr>
           <p:txBody>
-            <a:bodyPr anchorCtr="0" anchor="ctr" bIns="91425" lIns="91425" spcFirstLastPara="1" rIns="91425" wrap="square" tIns="91425">
+            <a:bodyPr spcFirstLastPara="1" wrap="square" lIns="91425" tIns="91425" rIns="91425" bIns="91425" anchor="ctr" anchorCtr="0">
               <a:noAutofit/>
             </a:bodyPr>
             <a:lstStyle/>
             <a:p>
-              <a:pPr indent="0" lvl="0" marL="0" rtl="0" algn="l">
+              <a:pPr marL="0" lvl="0" indent="0" algn="l" rtl="0">
                 <a:spcBef>
                   <a:spcPts val="0"/>
                 </a:spcBef>
@@ -2210,9 +2294,6 @@
                 </a:spcAft>
                 <a:buNone/>
               </a:pPr>
-              <a:r>
-                <a:t/>
-              </a:r>
               <a:endParaRPr/>
             </a:p>
           </p:txBody>
@@ -2239,12 +2320,12 @@
             </a:ln>
           </p:spPr>
           <p:txBody>
-            <a:bodyPr anchorCtr="0" anchor="ctr" bIns="91425" lIns="91425" spcFirstLastPara="1" rIns="91425" wrap="square" tIns="91425">
+            <a:bodyPr spcFirstLastPara="1" wrap="square" lIns="91425" tIns="91425" rIns="91425" bIns="91425" anchor="ctr" anchorCtr="0">
               <a:noAutofit/>
             </a:bodyPr>
             <a:lstStyle/>
             <a:p>
-              <a:pPr indent="0" lvl="0" marL="0" rtl="0" algn="l">
+              <a:pPr marL="0" lvl="0" indent="0" algn="l" rtl="0">
                 <a:spcBef>
                   <a:spcPts val="0"/>
                 </a:spcBef>
@@ -2253,9 +2334,6 @@
                 </a:spcAft>
                 <a:buNone/>
               </a:pPr>
-              <a:r>
-                <a:t/>
-              </a:r>
               <a:endParaRPr/>
             </a:p>
           </p:txBody>
@@ -2282,12 +2360,12 @@
             </a:ln>
           </p:spPr>
           <p:txBody>
-            <a:bodyPr anchorCtr="0" anchor="ctr" bIns="91425" lIns="91425" spcFirstLastPara="1" rIns="91425" wrap="square" tIns="91425">
+            <a:bodyPr spcFirstLastPara="1" wrap="square" lIns="91425" tIns="91425" rIns="91425" bIns="91425" anchor="ctr" anchorCtr="0">
               <a:noAutofit/>
             </a:bodyPr>
             <a:lstStyle/>
             <a:p>
-              <a:pPr indent="0" lvl="0" marL="0" rtl="0" algn="l">
+              <a:pPr marL="0" lvl="0" indent="0" algn="l" rtl="0">
                 <a:spcBef>
                   <a:spcPts val="0"/>
                 </a:spcBef>
@@ -2296,9 +2374,6 @@
                 </a:spcAft>
                 <a:buNone/>
               </a:pPr>
-              <a:r>
-                <a:t/>
-              </a:r>
               <a:endParaRPr/>
             </a:p>
           </p:txBody>
@@ -2307,7 +2382,9 @@
       <p:sp>
         <p:nvSpPr>
           <p:cNvPr id="14" name="Google Shape;14;p2"/>
-          <p:cNvSpPr txBox="1"/>
+          <p:cNvSpPr txBox="1">
+            <a:spLocks noGrp="1"/>
+          </p:cNvSpPr>
           <p:nvPr>
             <p:ph type="ctrTitle"/>
           </p:nvPr>
@@ -2322,7 +2399,7 @@
           </a:prstGeom>
         </p:spPr>
         <p:txBody>
-          <a:bodyPr anchorCtr="0" anchor="b" bIns="91425" lIns="91425" spcFirstLastPara="1" rIns="91425" wrap="square" tIns="91425">
+          <a:bodyPr spcFirstLastPara="1" wrap="square" lIns="91425" tIns="91425" rIns="91425" bIns="91425" anchor="b" anchorCtr="0">
             <a:normAutofit/>
           </a:bodyPr>
           <a:lstStyle>
@@ -2426,15 +2503,19 @@
               <a:defRPr sz="4800"/>
             </a:lvl9pPr>
           </a:lstStyle>
-          <a:p/>
+          <a:p>
+            <a:endParaRPr/>
+          </a:p>
         </p:txBody>
       </p:sp>
       <p:sp>
         <p:nvSpPr>
           <p:cNvPr id="15" name="Google Shape;15;p2"/>
-          <p:cNvSpPr txBox="1"/>
+          <p:cNvSpPr txBox="1">
+            <a:spLocks noGrp="1"/>
+          </p:cNvSpPr>
           <p:nvPr>
-            <p:ph idx="1" type="subTitle"/>
+            <p:ph type="subTitle" idx="1"/>
           </p:nvPr>
         </p:nvSpPr>
         <p:spPr>
@@ -2447,7 +2528,7 @@
           </a:prstGeom>
         </p:spPr>
         <p:txBody>
-          <a:bodyPr anchorCtr="0" anchor="t" bIns="91425" lIns="91425" spcFirstLastPara="1" rIns="91425" wrap="square" tIns="91425">
+          <a:bodyPr spcFirstLastPara="1" wrap="square" lIns="91425" tIns="91425" rIns="91425" bIns="91425" anchor="t" anchorCtr="0">
             <a:normAutofit/>
           </a:bodyPr>
           <a:lstStyle>
@@ -2578,15 +2659,19 @@
               <a:defRPr sz="2100"/>
             </a:lvl9pPr>
           </a:lstStyle>
-          <a:p/>
+          <a:p>
+            <a:endParaRPr/>
+          </a:p>
         </p:txBody>
       </p:sp>
       <p:sp>
         <p:nvSpPr>
           <p:cNvPr id="16" name="Google Shape;16;p2"/>
-          <p:cNvSpPr txBox="1"/>
+          <p:cNvSpPr txBox="1">
+            <a:spLocks noGrp="1"/>
+          </p:cNvSpPr>
           <p:nvPr>
-            <p:ph idx="12" type="sldNum"/>
+            <p:ph type="sldNum" idx="12"/>
           </p:nvPr>
         </p:nvSpPr>
         <p:spPr>
@@ -2599,7 +2684,7 @@
           </a:prstGeom>
         </p:spPr>
         <p:txBody>
-          <a:bodyPr anchorCtr="0" anchor="ctr" bIns="91425" lIns="91425" spcFirstLastPara="1" rIns="91425" wrap="square" tIns="91425">
+          <a:bodyPr spcFirstLastPara="1" wrap="square" lIns="91425" tIns="91425" rIns="91425" bIns="91425" anchor="ctr" anchorCtr="0">
             <a:normAutofit/>
           </a:bodyPr>
           <a:lstStyle>
@@ -2641,7 +2726,7 @@
             </a:lvl9pPr>
           </a:lstStyle>
           <a:p>
-            <a:pPr indent="0" lvl="0" marL="0" rtl="0" algn="r">
+            <a:pPr marL="0" lvl="0" indent="0" algn="r" rtl="0">
               <a:spcBef>
                 <a:spcPts val="0"/>
               </a:spcBef>
@@ -2667,11 +2752,11 @@
 </file>
 
 <file path=ppt/slideLayouts/slideLayout10.xml><?xml version="1.0" encoding="utf-8"?>
-<p:sldLayout xmlns:a="http://schemas.openxmlformats.org/drawingml/2006/main" xmlns:r="http://schemas.openxmlformats.org/officeDocument/2006/relationships" xmlns:mc="http://schemas.openxmlformats.org/markup-compatibility/2006" xmlns:mv="urn:schemas-microsoft-com:mac:vml" xmlns:p="http://schemas.openxmlformats.org/presentationml/2006/main" xmlns:c="http://schemas.openxmlformats.org/drawingml/2006/chart" xmlns:dgm="http://schemas.openxmlformats.org/drawingml/2006/diagram" xmlns:o="urn:schemas-microsoft-com:office:office" xmlns:v="urn:schemas-microsoft-com:vml" xmlns:pvml="urn:schemas-microsoft-com:office:powerpoint" xmlns:com="http://schemas.openxmlformats.org/drawingml/2006/compatibility" xmlns:p14="http://schemas.microsoft.com/office/powerpoint/2010/main" xmlns:p15="http://schemas.microsoft.com/office/powerpoint/2012/main" xmlns:ahyp="http://schemas.microsoft.com/office/drawing/2018/hyperlinkcolor" matchingName="Big number">
+<p:sldLayout xmlns:a="http://schemas.openxmlformats.org/drawingml/2006/main" xmlns:r="http://schemas.openxmlformats.org/officeDocument/2006/relationships" xmlns:p="http://schemas.openxmlformats.org/presentationml/2006/main" matchingName="Big number">
   <p:cSld name="BIG_NUMBER">
     <p:spTree>
       <p:nvGrpSpPr>
-        <p:cNvPr id="49" name="Shape 49"/>
+        <p:cNvPr id="1" name="Shape 49"/>
         <p:cNvGrpSpPr/>
         <p:nvPr/>
       </p:nvGrpSpPr>
@@ -2686,9 +2771,11 @@
       <p:sp>
         <p:nvSpPr>
           <p:cNvPr id="50" name="Google Shape;50;p11"/>
-          <p:cNvSpPr txBox="1"/>
+          <p:cNvSpPr txBox="1">
+            <a:spLocks noGrp="1"/>
+          </p:cNvSpPr>
           <p:nvPr>
-            <p:ph hasCustomPrompt="1" type="title"/>
+            <p:ph type="title" hasCustomPrompt="1"/>
           </p:nvPr>
         </p:nvSpPr>
         <p:spPr>
@@ -2701,7 +2788,7 @@
           </a:prstGeom>
         </p:spPr>
         <p:txBody>
-          <a:bodyPr anchorCtr="0" anchor="b" bIns="91425" lIns="91425" spcFirstLastPara="1" rIns="91425" wrap="square" tIns="91425">
+          <a:bodyPr spcFirstLastPara="1" wrap="square" lIns="91425" tIns="91425" rIns="91425" bIns="91425" anchor="b" anchorCtr="0">
             <a:normAutofit/>
           </a:bodyPr>
           <a:lstStyle>
@@ -2815,9 +2902,11 @@
       <p:sp>
         <p:nvSpPr>
           <p:cNvPr id="51" name="Google Shape;51;p11"/>
-          <p:cNvSpPr txBox="1"/>
+          <p:cNvSpPr txBox="1">
+            <a:spLocks noGrp="1"/>
+          </p:cNvSpPr>
           <p:nvPr>
-            <p:ph idx="1" type="body"/>
+            <p:ph type="body" idx="1"/>
           </p:nvPr>
         </p:nvSpPr>
         <p:spPr>
@@ -2830,11 +2919,11 @@
           </a:prstGeom>
         </p:spPr>
         <p:txBody>
-          <a:bodyPr anchorCtr="0" anchor="t" bIns="91425" lIns="91425" spcFirstLastPara="1" rIns="91425" wrap="square" tIns="91425">
+          <a:bodyPr spcFirstLastPara="1" wrap="square" lIns="91425" tIns="91425" rIns="91425" bIns="91425" anchor="t" anchorCtr="0">
             <a:normAutofit/>
           </a:bodyPr>
           <a:lstStyle>
-            <a:lvl1pPr indent="-342900" lvl="0" marL="457200" algn="ctr">
+            <a:lvl1pPr marL="457200" lvl="0" indent="-342900" algn="ctr">
               <a:spcBef>
                 <a:spcPts val="0"/>
               </a:spcBef>
@@ -2845,7 +2934,7 @@
               <a:buChar char="●"/>
               <a:defRPr/>
             </a:lvl1pPr>
-            <a:lvl2pPr indent="-317500" lvl="1" marL="914400" algn="ctr">
+            <a:lvl2pPr marL="914400" lvl="1" indent="-317500" algn="ctr">
               <a:spcBef>
                 <a:spcPts val="0"/>
               </a:spcBef>
@@ -2856,7 +2945,7 @@
               <a:buChar char="○"/>
               <a:defRPr/>
             </a:lvl2pPr>
-            <a:lvl3pPr indent="-317500" lvl="2" marL="1371600" algn="ctr">
+            <a:lvl3pPr marL="1371600" lvl="2" indent="-317500" algn="ctr">
               <a:spcBef>
                 <a:spcPts val="0"/>
               </a:spcBef>
@@ -2867,7 +2956,7 @@
               <a:buChar char="■"/>
               <a:defRPr/>
             </a:lvl3pPr>
-            <a:lvl4pPr indent="-317500" lvl="3" marL="1828800" algn="ctr">
+            <a:lvl4pPr marL="1828800" lvl="3" indent="-317500" algn="ctr">
               <a:spcBef>
                 <a:spcPts val="0"/>
               </a:spcBef>
@@ -2878,7 +2967,7 @@
               <a:buChar char="●"/>
               <a:defRPr/>
             </a:lvl4pPr>
-            <a:lvl5pPr indent="-317500" lvl="4" marL="2286000" algn="ctr">
+            <a:lvl5pPr marL="2286000" lvl="4" indent="-317500" algn="ctr">
               <a:spcBef>
                 <a:spcPts val="0"/>
               </a:spcBef>
@@ -2889,7 +2978,7 @@
               <a:buChar char="○"/>
               <a:defRPr/>
             </a:lvl5pPr>
-            <a:lvl6pPr indent="-317500" lvl="5" marL="2743200" algn="ctr">
+            <a:lvl6pPr marL="2743200" lvl="5" indent="-317500" algn="ctr">
               <a:spcBef>
                 <a:spcPts val="0"/>
               </a:spcBef>
@@ -2900,7 +2989,7 @@
               <a:buChar char="■"/>
               <a:defRPr/>
             </a:lvl6pPr>
-            <a:lvl7pPr indent="-317500" lvl="6" marL="3200400" algn="ctr">
+            <a:lvl7pPr marL="3200400" lvl="6" indent="-317500" algn="ctr">
               <a:spcBef>
                 <a:spcPts val="0"/>
               </a:spcBef>
@@ -2911,7 +3000,7 @@
               <a:buChar char="●"/>
               <a:defRPr/>
             </a:lvl7pPr>
-            <a:lvl8pPr indent="-317500" lvl="7" marL="3657600" algn="ctr">
+            <a:lvl8pPr marL="3657600" lvl="7" indent="-317500" algn="ctr">
               <a:spcBef>
                 <a:spcPts val="0"/>
               </a:spcBef>
@@ -2922,7 +3011,7 @@
               <a:buChar char="○"/>
               <a:defRPr/>
             </a:lvl8pPr>
-            <a:lvl9pPr indent="-317500" lvl="8" marL="4114800" algn="ctr">
+            <a:lvl9pPr marL="4114800" lvl="8" indent="-317500" algn="ctr">
               <a:spcBef>
                 <a:spcPts val="0"/>
               </a:spcBef>
@@ -2934,15 +3023,19 @@
               <a:defRPr/>
             </a:lvl9pPr>
           </a:lstStyle>
-          <a:p/>
+          <a:p>
+            <a:endParaRPr/>
+          </a:p>
         </p:txBody>
       </p:sp>
       <p:sp>
         <p:nvSpPr>
           <p:cNvPr id="52" name="Google Shape;52;p11"/>
-          <p:cNvSpPr txBox="1"/>
+          <p:cNvSpPr txBox="1">
+            <a:spLocks noGrp="1"/>
+          </p:cNvSpPr>
           <p:nvPr>
-            <p:ph idx="12" type="sldNum"/>
+            <p:ph type="sldNum" idx="12"/>
           </p:nvPr>
         </p:nvSpPr>
         <p:spPr>
@@ -2955,7 +3048,7 @@
           </a:prstGeom>
         </p:spPr>
         <p:txBody>
-          <a:bodyPr anchorCtr="0" anchor="ctr" bIns="91425" lIns="91425" spcFirstLastPara="1" rIns="91425" wrap="square" tIns="91425">
+          <a:bodyPr spcFirstLastPara="1" wrap="square" lIns="91425" tIns="91425" rIns="91425" bIns="91425" anchor="ctr" anchorCtr="0">
             <a:normAutofit/>
           </a:bodyPr>
           <a:lstStyle>
@@ -2997,7 +3090,7 @@
             </a:lvl9pPr>
           </a:lstStyle>
           <a:p>
-            <a:pPr indent="0" lvl="0" marL="0" rtl="0" algn="r">
+            <a:pPr marL="0" lvl="0" indent="0" algn="r" rtl="0">
               <a:spcBef>
                 <a:spcPts val="0"/>
               </a:spcBef>
@@ -3023,11 +3116,11 @@
 </file>
 
 <file path=ppt/slideLayouts/slideLayout11.xml><?xml version="1.0" encoding="utf-8"?>
-<p:sldLayout xmlns:a="http://schemas.openxmlformats.org/drawingml/2006/main" xmlns:r="http://schemas.openxmlformats.org/officeDocument/2006/relationships" xmlns:mc="http://schemas.openxmlformats.org/markup-compatibility/2006" xmlns:mv="urn:schemas-microsoft-com:mac:vml" xmlns:p="http://schemas.openxmlformats.org/presentationml/2006/main" xmlns:c="http://schemas.openxmlformats.org/drawingml/2006/chart" xmlns:dgm="http://schemas.openxmlformats.org/drawingml/2006/diagram" xmlns:o="urn:schemas-microsoft-com:office:office" xmlns:v="urn:schemas-microsoft-com:vml" xmlns:pvml="urn:schemas-microsoft-com:office:powerpoint" xmlns:com="http://schemas.openxmlformats.org/drawingml/2006/compatibility" xmlns:p14="http://schemas.microsoft.com/office/powerpoint/2010/main" xmlns:p15="http://schemas.microsoft.com/office/powerpoint/2012/main" xmlns:ahyp="http://schemas.microsoft.com/office/drawing/2018/hyperlinkcolor" matchingName="Blank" type="blank">
+<p:sldLayout xmlns:a="http://schemas.openxmlformats.org/drawingml/2006/main" xmlns:r="http://schemas.openxmlformats.org/officeDocument/2006/relationships" xmlns:p="http://schemas.openxmlformats.org/presentationml/2006/main" matchingName="Blank" type="blank">
   <p:cSld name="BLANK">
     <p:spTree>
       <p:nvGrpSpPr>
-        <p:cNvPr id="53" name="Shape 53"/>
+        <p:cNvPr id="1" name="Shape 53"/>
         <p:cNvGrpSpPr/>
         <p:nvPr/>
       </p:nvGrpSpPr>
@@ -3042,9 +3135,11 @@
       <p:sp>
         <p:nvSpPr>
           <p:cNvPr id="54" name="Google Shape;54;p12"/>
-          <p:cNvSpPr txBox="1"/>
+          <p:cNvSpPr txBox="1">
+            <a:spLocks noGrp="1"/>
+          </p:cNvSpPr>
           <p:nvPr>
-            <p:ph idx="12" type="sldNum"/>
+            <p:ph type="sldNum" idx="12"/>
           </p:nvPr>
         </p:nvSpPr>
         <p:spPr>
@@ -3057,7 +3152,7 @@
           </a:prstGeom>
         </p:spPr>
         <p:txBody>
-          <a:bodyPr anchorCtr="0" anchor="ctr" bIns="91425" lIns="91425" spcFirstLastPara="1" rIns="91425" wrap="square" tIns="91425">
+          <a:bodyPr spcFirstLastPara="1" wrap="square" lIns="91425" tIns="91425" rIns="91425" bIns="91425" anchor="ctr" anchorCtr="0">
             <a:normAutofit/>
           </a:bodyPr>
           <a:lstStyle>
@@ -3099,7 +3194,7 @@
             </a:lvl9pPr>
           </a:lstStyle>
           <a:p>
-            <a:pPr indent="0" lvl="0" marL="0" rtl="0" algn="r">
+            <a:pPr marL="0" lvl="0" indent="0" algn="r" rtl="0">
               <a:spcBef>
                 <a:spcPts val="0"/>
               </a:spcBef>
@@ -3125,11 +3220,11 @@
 </file>
 
 <file path=ppt/slideLayouts/slideLayout2.xml><?xml version="1.0" encoding="utf-8"?>
-<p:sldLayout xmlns:a="http://schemas.openxmlformats.org/drawingml/2006/main" xmlns:r="http://schemas.openxmlformats.org/officeDocument/2006/relationships" xmlns:mc="http://schemas.openxmlformats.org/markup-compatibility/2006" xmlns:mv="urn:schemas-microsoft-com:mac:vml" xmlns:p="http://schemas.openxmlformats.org/presentationml/2006/main" xmlns:c="http://schemas.openxmlformats.org/drawingml/2006/chart" xmlns:dgm="http://schemas.openxmlformats.org/drawingml/2006/diagram" xmlns:o="urn:schemas-microsoft-com:office:office" xmlns:v="urn:schemas-microsoft-com:vml" xmlns:pvml="urn:schemas-microsoft-com:office:powerpoint" xmlns:com="http://schemas.openxmlformats.org/drawingml/2006/compatibility" xmlns:p14="http://schemas.microsoft.com/office/powerpoint/2010/main" xmlns:p15="http://schemas.microsoft.com/office/powerpoint/2012/main" xmlns:ahyp="http://schemas.microsoft.com/office/drawing/2018/hyperlinkcolor" matchingName="Section header" type="secHead">
+<p:sldLayout xmlns:a="http://schemas.openxmlformats.org/drawingml/2006/main" xmlns:r="http://schemas.openxmlformats.org/officeDocument/2006/relationships" xmlns:p="http://schemas.openxmlformats.org/presentationml/2006/main" matchingName="Section header" type="secHead">
   <p:cSld name="SECTION_HEADER">
     <p:spTree>
       <p:nvGrpSpPr>
-        <p:cNvPr id="17" name="Shape 17"/>
+        <p:cNvPr id="1" name="Shape 17"/>
         <p:cNvGrpSpPr/>
         <p:nvPr/>
       </p:nvGrpSpPr>
@@ -3144,7 +3239,9 @@
       <p:sp>
         <p:nvSpPr>
           <p:cNvPr id="18" name="Google Shape;18;p3"/>
-          <p:cNvSpPr txBox="1"/>
+          <p:cNvSpPr txBox="1">
+            <a:spLocks noGrp="1"/>
+          </p:cNvSpPr>
           <p:nvPr>
             <p:ph type="title"/>
           </p:nvPr>
@@ -3159,7 +3256,7 @@
           </a:prstGeom>
         </p:spPr>
         <p:txBody>
-          <a:bodyPr anchorCtr="0" anchor="ctr" bIns="91425" lIns="91425" spcFirstLastPara="1" rIns="91425" wrap="square" tIns="91425">
+          <a:bodyPr spcFirstLastPara="1" wrap="square" lIns="91425" tIns="91425" rIns="91425" bIns="91425" anchor="ctr" anchorCtr="0">
             <a:normAutofit/>
           </a:bodyPr>
           <a:lstStyle>
@@ -3263,15 +3360,19 @@
               <a:defRPr sz="3600"/>
             </a:lvl9pPr>
           </a:lstStyle>
-          <a:p/>
+          <a:p>
+            <a:endParaRPr/>
+          </a:p>
         </p:txBody>
       </p:sp>
       <p:sp>
         <p:nvSpPr>
           <p:cNvPr id="19" name="Google Shape;19;p3"/>
-          <p:cNvSpPr txBox="1"/>
+          <p:cNvSpPr txBox="1">
+            <a:spLocks noGrp="1"/>
+          </p:cNvSpPr>
           <p:nvPr>
-            <p:ph idx="12" type="sldNum"/>
+            <p:ph type="sldNum" idx="12"/>
           </p:nvPr>
         </p:nvSpPr>
         <p:spPr>
@@ -3284,7 +3385,7 @@
           </a:prstGeom>
         </p:spPr>
         <p:txBody>
-          <a:bodyPr anchorCtr="0" anchor="ctr" bIns="91425" lIns="91425" spcFirstLastPara="1" rIns="91425" wrap="square" tIns="91425">
+          <a:bodyPr spcFirstLastPara="1" wrap="square" lIns="91425" tIns="91425" rIns="91425" bIns="91425" anchor="ctr" anchorCtr="0">
             <a:normAutofit/>
           </a:bodyPr>
           <a:lstStyle>
@@ -3326,7 +3427,7 @@
             </a:lvl9pPr>
           </a:lstStyle>
           <a:p>
-            <a:pPr indent="0" lvl="0" marL="0" rtl="0" algn="r">
+            <a:pPr marL="0" lvl="0" indent="0" algn="r" rtl="0">
               <a:spcBef>
                 <a:spcPts val="0"/>
               </a:spcBef>
@@ -3352,11 +3453,11 @@
 </file>
 
 <file path=ppt/slideLayouts/slideLayout3.xml><?xml version="1.0" encoding="utf-8"?>
-<p:sldLayout xmlns:a="http://schemas.openxmlformats.org/drawingml/2006/main" xmlns:r="http://schemas.openxmlformats.org/officeDocument/2006/relationships" xmlns:mc="http://schemas.openxmlformats.org/markup-compatibility/2006" xmlns:mv="urn:schemas-microsoft-com:mac:vml" xmlns:p="http://schemas.openxmlformats.org/presentationml/2006/main" xmlns:c="http://schemas.openxmlformats.org/drawingml/2006/chart" xmlns:dgm="http://schemas.openxmlformats.org/drawingml/2006/diagram" xmlns:o="urn:schemas-microsoft-com:office:office" xmlns:v="urn:schemas-microsoft-com:vml" xmlns:pvml="urn:schemas-microsoft-com:office:powerpoint" xmlns:com="http://schemas.openxmlformats.org/drawingml/2006/compatibility" xmlns:p14="http://schemas.microsoft.com/office/powerpoint/2010/main" xmlns:p15="http://schemas.microsoft.com/office/powerpoint/2012/main" xmlns:ahyp="http://schemas.microsoft.com/office/drawing/2018/hyperlinkcolor" matchingName="Title and body" type="tx">
+<p:sldLayout xmlns:a="http://schemas.openxmlformats.org/drawingml/2006/main" xmlns:r="http://schemas.openxmlformats.org/officeDocument/2006/relationships" xmlns:p="http://schemas.openxmlformats.org/presentationml/2006/main" matchingName="Title and body" type="tx">
   <p:cSld name="TITLE_AND_BODY">
     <p:spTree>
       <p:nvGrpSpPr>
-        <p:cNvPr id="20" name="Shape 20"/>
+        <p:cNvPr id="1" name="Shape 20"/>
         <p:cNvGrpSpPr/>
         <p:nvPr/>
       </p:nvGrpSpPr>
@@ -3371,7 +3472,9 @@
       <p:sp>
         <p:nvSpPr>
           <p:cNvPr id="21" name="Google Shape;21;p4"/>
-          <p:cNvSpPr txBox="1"/>
+          <p:cNvSpPr txBox="1">
+            <a:spLocks noGrp="1"/>
+          </p:cNvSpPr>
           <p:nvPr>
             <p:ph type="title"/>
           </p:nvPr>
@@ -3386,7 +3489,7 @@
           </a:prstGeom>
         </p:spPr>
         <p:txBody>
-          <a:bodyPr anchorCtr="0" anchor="t" bIns="91425" lIns="91425" spcFirstLastPara="1" rIns="91425" wrap="square" tIns="91425">
+          <a:bodyPr spcFirstLastPara="1" wrap="square" lIns="91425" tIns="91425" rIns="91425" bIns="91425" anchor="t" anchorCtr="0">
             <a:normAutofit/>
           </a:bodyPr>
           <a:lstStyle>
@@ -3490,15 +3593,19 @@
               <a:defRPr/>
             </a:lvl9pPr>
           </a:lstStyle>
-          <a:p/>
+          <a:p>
+            <a:endParaRPr/>
+          </a:p>
         </p:txBody>
       </p:sp>
       <p:sp>
         <p:nvSpPr>
           <p:cNvPr id="22" name="Google Shape;22;p4"/>
-          <p:cNvSpPr txBox="1"/>
+          <p:cNvSpPr txBox="1">
+            <a:spLocks noGrp="1"/>
+          </p:cNvSpPr>
           <p:nvPr>
-            <p:ph idx="1" type="body"/>
+            <p:ph type="body" idx="1"/>
           </p:nvPr>
         </p:nvSpPr>
         <p:spPr>
@@ -3511,11 +3618,11 @@
           </a:prstGeom>
         </p:spPr>
         <p:txBody>
-          <a:bodyPr anchorCtr="0" anchor="t" bIns="91425" lIns="91425" spcFirstLastPara="1" rIns="91425" wrap="square" tIns="91425">
+          <a:bodyPr spcFirstLastPara="1" wrap="square" lIns="91425" tIns="91425" rIns="91425" bIns="91425" anchor="t" anchorCtr="0">
             <a:normAutofit/>
           </a:bodyPr>
           <a:lstStyle>
-            <a:lvl1pPr indent="-342900" lvl="0" marL="457200">
+            <a:lvl1pPr marL="457200" lvl="0" indent="-342900">
               <a:spcBef>
                 <a:spcPts val="0"/>
               </a:spcBef>
@@ -3526,7 +3633,7 @@
               <a:buChar char="●"/>
               <a:defRPr/>
             </a:lvl1pPr>
-            <a:lvl2pPr indent="-317500" lvl="1" marL="914400">
+            <a:lvl2pPr marL="914400" lvl="1" indent="-317500">
               <a:spcBef>
                 <a:spcPts val="0"/>
               </a:spcBef>
@@ -3537,7 +3644,7 @@
               <a:buChar char="○"/>
               <a:defRPr/>
             </a:lvl2pPr>
-            <a:lvl3pPr indent="-317500" lvl="2" marL="1371600">
+            <a:lvl3pPr marL="1371600" lvl="2" indent="-317500">
               <a:spcBef>
                 <a:spcPts val="0"/>
               </a:spcBef>
@@ -3548,7 +3655,7 @@
               <a:buChar char="■"/>
               <a:defRPr/>
             </a:lvl3pPr>
-            <a:lvl4pPr indent="-317500" lvl="3" marL="1828800">
+            <a:lvl4pPr marL="1828800" lvl="3" indent="-317500">
               <a:spcBef>
                 <a:spcPts val="0"/>
               </a:spcBef>
@@ -3559,7 +3666,7 @@
               <a:buChar char="●"/>
               <a:defRPr/>
             </a:lvl4pPr>
-            <a:lvl5pPr indent="-317500" lvl="4" marL="2286000">
+            <a:lvl5pPr marL="2286000" lvl="4" indent="-317500">
               <a:spcBef>
                 <a:spcPts val="0"/>
               </a:spcBef>
@@ -3570,7 +3677,7 @@
               <a:buChar char="○"/>
               <a:defRPr/>
             </a:lvl5pPr>
-            <a:lvl6pPr indent="-317500" lvl="5" marL="2743200">
+            <a:lvl6pPr marL="2743200" lvl="5" indent="-317500">
               <a:spcBef>
                 <a:spcPts val="0"/>
               </a:spcBef>
@@ -3581,7 +3688,7 @@
               <a:buChar char="■"/>
               <a:defRPr/>
             </a:lvl6pPr>
-            <a:lvl7pPr indent="-317500" lvl="6" marL="3200400">
+            <a:lvl7pPr marL="3200400" lvl="6" indent="-317500">
               <a:spcBef>
                 <a:spcPts val="0"/>
               </a:spcBef>
@@ -3592,7 +3699,7 @@
               <a:buChar char="●"/>
               <a:defRPr/>
             </a:lvl7pPr>
-            <a:lvl8pPr indent="-317500" lvl="7" marL="3657600">
+            <a:lvl8pPr marL="3657600" lvl="7" indent="-317500">
               <a:spcBef>
                 <a:spcPts val="0"/>
               </a:spcBef>
@@ -3603,7 +3710,7 @@
               <a:buChar char="○"/>
               <a:defRPr/>
             </a:lvl8pPr>
-            <a:lvl9pPr indent="-317500" lvl="8" marL="4114800">
+            <a:lvl9pPr marL="4114800" lvl="8" indent="-317500">
               <a:spcBef>
                 <a:spcPts val="0"/>
               </a:spcBef>
@@ -3615,15 +3722,19 @@
               <a:defRPr/>
             </a:lvl9pPr>
           </a:lstStyle>
-          <a:p/>
+          <a:p>
+            <a:endParaRPr/>
+          </a:p>
         </p:txBody>
       </p:sp>
       <p:sp>
         <p:nvSpPr>
           <p:cNvPr id="23" name="Google Shape;23;p4"/>
-          <p:cNvSpPr txBox="1"/>
+          <p:cNvSpPr txBox="1">
+            <a:spLocks noGrp="1"/>
+          </p:cNvSpPr>
           <p:nvPr>
-            <p:ph idx="12" type="sldNum"/>
+            <p:ph type="sldNum" idx="12"/>
           </p:nvPr>
         </p:nvSpPr>
         <p:spPr>
@@ -3636,7 +3747,7 @@
           </a:prstGeom>
         </p:spPr>
         <p:txBody>
-          <a:bodyPr anchorCtr="0" anchor="ctr" bIns="91425" lIns="91425" spcFirstLastPara="1" rIns="91425" wrap="square" tIns="91425">
+          <a:bodyPr spcFirstLastPara="1" wrap="square" lIns="91425" tIns="91425" rIns="91425" bIns="91425" anchor="ctr" anchorCtr="0">
             <a:normAutofit/>
           </a:bodyPr>
           <a:lstStyle>
@@ -3678,7 +3789,7 @@
             </a:lvl9pPr>
           </a:lstStyle>
           <a:p>
-            <a:pPr indent="0" lvl="0" marL="0" rtl="0" algn="r">
+            <a:pPr marL="0" lvl="0" indent="0" algn="r" rtl="0">
               <a:spcBef>
                 <a:spcPts val="0"/>
               </a:spcBef>
@@ -3704,11 +3815,11 @@
 </file>
 
 <file path=ppt/slideLayouts/slideLayout4.xml><?xml version="1.0" encoding="utf-8"?>
-<p:sldLayout xmlns:a="http://schemas.openxmlformats.org/drawingml/2006/main" xmlns:r="http://schemas.openxmlformats.org/officeDocument/2006/relationships" xmlns:mc="http://schemas.openxmlformats.org/markup-compatibility/2006" xmlns:mv="urn:schemas-microsoft-com:mac:vml" xmlns:p="http://schemas.openxmlformats.org/presentationml/2006/main" xmlns:c="http://schemas.openxmlformats.org/drawingml/2006/chart" xmlns:dgm="http://schemas.openxmlformats.org/drawingml/2006/diagram" xmlns:o="urn:schemas-microsoft-com:office:office" xmlns:v="urn:schemas-microsoft-com:vml" xmlns:pvml="urn:schemas-microsoft-com:office:powerpoint" xmlns:com="http://schemas.openxmlformats.org/drawingml/2006/compatibility" xmlns:p14="http://schemas.microsoft.com/office/powerpoint/2010/main" xmlns:p15="http://schemas.microsoft.com/office/powerpoint/2012/main" xmlns:ahyp="http://schemas.microsoft.com/office/drawing/2018/hyperlinkcolor" matchingName="Title and two columns" type="twoColTx">
+<p:sldLayout xmlns:a="http://schemas.openxmlformats.org/drawingml/2006/main" xmlns:r="http://schemas.openxmlformats.org/officeDocument/2006/relationships" xmlns:p="http://schemas.openxmlformats.org/presentationml/2006/main" matchingName="Title and two columns" type="twoColTx">
   <p:cSld name="TITLE_AND_TWO_COLUMNS">
     <p:spTree>
       <p:nvGrpSpPr>
-        <p:cNvPr id="24" name="Shape 24"/>
+        <p:cNvPr id="1" name="Shape 24"/>
         <p:cNvGrpSpPr/>
         <p:nvPr/>
       </p:nvGrpSpPr>
@@ -3723,7 +3834,9 @@
       <p:sp>
         <p:nvSpPr>
           <p:cNvPr id="25" name="Google Shape;25;p5"/>
-          <p:cNvSpPr txBox="1"/>
+          <p:cNvSpPr txBox="1">
+            <a:spLocks noGrp="1"/>
+          </p:cNvSpPr>
           <p:nvPr>
             <p:ph type="title"/>
           </p:nvPr>
@@ -3738,7 +3851,7 @@
           </a:prstGeom>
         </p:spPr>
         <p:txBody>
-          <a:bodyPr anchorCtr="0" anchor="t" bIns="91425" lIns="91425" spcFirstLastPara="1" rIns="91425" wrap="square" tIns="91425">
+          <a:bodyPr spcFirstLastPara="1" wrap="square" lIns="91425" tIns="91425" rIns="91425" bIns="91425" anchor="t" anchorCtr="0">
             <a:normAutofit/>
           </a:bodyPr>
           <a:lstStyle>
@@ -3842,15 +3955,19 @@
               <a:defRPr/>
             </a:lvl9pPr>
           </a:lstStyle>
-          <a:p/>
+          <a:p>
+            <a:endParaRPr/>
+          </a:p>
         </p:txBody>
       </p:sp>
       <p:sp>
         <p:nvSpPr>
           <p:cNvPr id="26" name="Google Shape;26;p5"/>
-          <p:cNvSpPr txBox="1"/>
+          <p:cNvSpPr txBox="1">
+            <a:spLocks noGrp="1"/>
+          </p:cNvSpPr>
           <p:nvPr>
-            <p:ph idx="1" type="body"/>
+            <p:ph type="body" idx="1"/>
           </p:nvPr>
         </p:nvSpPr>
         <p:spPr>
@@ -3863,11 +3980,11 @@
           </a:prstGeom>
         </p:spPr>
         <p:txBody>
-          <a:bodyPr anchorCtr="0" anchor="t" bIns="91425" lIns="91425" spcFirstLastPara="1" rIns="91425" wrap="square" tIns="91425">
+          <a:bodyPr spcFirstLastPara="1" wrap="square" lIns="91425" tIns="91425" rIns="91425" bIns="91425" anchor="t" anchorCtr="0">
             <a:normAutofit/>
           </a:bodyPr>
           <a:lstStyle>
-            <a:lvl1pPr indent="-317500" lvl="0" marL="457200">
+            <a:lvl1pPr marL="457200" lvl="0" indent="-317500">
               <a:spcBef>
                 <a:spcPts val="0"/>
               </a:spcBef>
@@ -3878,7 +3995,7 @@
               <a:buChar char="●"/>
               <a:defRPr sz="1400"/>
             </a:lvl1pPr>
-            <a:lvl2pPr indent="-304800" lvl="1" marL="914400">
+            <a:lvl2pPr marL="914400" lvl="1" indent="-304800">
               <a:spcBef>
                 <a:spcPts val="0"/>
               </a:spcBef>
@@ -3889,7 +4006,7 @@
               <a:buChar char="○"/>
               <a:defRPr sz="1200"/>
             </a:lvl2pPr>
-            <a:lvl3pPr indent="-304800" lvl="2" marL="1371600">
+            <a:lvl3pPr marL="1371600" lvl="2" indent="-304800">
               <a:spcBef>
                 <a:spcPts val="0"/>
               </a:spcBef>
@@ -3900,7 +4017,7 @@
               <a:buChar char="■"/>
               <a:defRPr sz="1200"/>
             </a:lvl3pPr>
-            <a:lvl4pPr indent="-304800" lvl="3" marL="1828800">
+            <a:lvl4pPr marL="1828800" lvl="3" indent="-304800">
               <a:spcBef>
                 <a:spcPts val="0"/>
               </a:spcBef>
@@ -3911,7 +4028,7 @@
               <a:buChar char="●"/>
               <a:defRPr sz="1200"/>
             </a:lvl4pPr>
-            <a:lvl5pPr indent="-304800" lvl="4" marL="2286000">
+            <a:lvl5pPr marL="2286000" lvl="4" indent="-304800">
               <a:spcBef>
                 <a:spcPts val="0"/>
               </a:spcBef>
@@ -3922,7 +4039,7 @@
               <a:buChar char="○"/>
               <a:defRPr sz="1200"/>
             </a:lvl5pPr>
-            <a:lvl6pPr indent="-304800" lvl="5" marL="2743200">
+            <a:lvl6pPr marL="2743200" lvl="5" indent="-304800">
               <a:spcBef>
                 <a:spcPts val="0"/>
               </a:spcBef>
@@ -3933,7 +4050,7 @@
               <a:buChar char="■"/>
               <a:defRPr sz="1200"/>
             </a:lvl6pPr>
-            <a:lvl7pPr indent="-304800" lvl="6" marL="3200400">
+            <a:lvl7pPr marL="3200400" lvl="6" indent="-304800">
               <a:spcBef>
                 <a:spcPts val="0"/>
               </a:spcBef>
@@ -3944,7 +4061,7 @@
               <a:buChar char="●"/>
               <a:defRPr sz="1200"/>
             </a:lvl7pPr>
-            <a:lvl8pPr indent="-304800" lvl="7" marL="3657600">
+            <a:lvl8pPr marL="3657600" lvl="7" indent="-304800">
               <a:spcBef>
                 <a:spcPts val="0"/>
               </a:spcBef>
@@ -3955,7 +4072,7 @@
               <a:buChar char="○"/>
               <a:defRPr sz="1200"/>
             </a:lvl8pPr>
-            <a:lvl9pPr indent="-304800" lvl="8" marL="4114800">
+            <a:lvl9pPr marL="4114800" lvl="8" indent="-304800">
               <a:spcBef>
                 <a:spcPts val="0"/>
               </a:spcBef>
@@ -3967,15 +4084,19 @@
               <a:defRPr sz="1200"/>
             </a:lvl9pPr>
           </a:lstStyle>
-          <a:p/>
+          <a:p>
+            <a:endParaRPr/>
+          </a:p>
         </p:txBody>
       </p:sp>
       <p:sp>
         <p:nvSpPr>
           <p:cNvPr id="27" name="Google Shape;27;p5"/>
-          <p:cNvSpPr txBox="1"/>
+          <p:cNvSpPr txBox="1">
+            <a:spLocks noGrp="1"/>
+          </p:cNvSpPr>
           <p:nvPr>
-            <p:ph idx="2" type="body"/>
+            <p:ph type="body" idx="2"/>
           </p:nvPr>
         </p:nvSpPr>
         <p:spPr>
@@ -3988,11 +4109,11 @@
           </a:prstGeom>
         </p:spPr>
         <p:txBody>
-          <a:bodyPr anchorCtr="0" anchor="t" bIns="91425" lIns="91425" spcFirstLastPara="1" rIns="91425" wrap="square" tIns="91425">
+          <a:bodyPr spcFirstLastPara="1" wrap="square" lIns="91425" tIns="91425" rIns="91425" bIns="91425" anchor="t" anchorCtr="0">
             <a:normAutofit/>
           </a:bodyPr>
           <a:lstStyle>
-            <a:lvl1pPr indent="-317500" lvl="0" marL="457200">
+            <a:lvl1pPr marL="457200" lvl="0" indent="-317500">
               <a:spcBef>
                 <a:spcPts val="0"/>
               </a:spcBef>
@@ -4003,7 +4124,7 @@
               <a:buChar char="●"/>
               <a:defRPr sz="1400"/>
             </a:lvl1pPr>
-            <a:lvl2pPr indent="-304800" lvl="1" marL="914400">
+            <a:lvl2pPr marL="914400" lvl="1" indent="-304800">
               <a:spcBef>
                 <a:spcPts val="0"/>
               </a:spcBef>
@@ -4014,7 +4135,7 @@
               <a:buChar char="○"/>
               <a:defRPr sz="1200"/>
             </a:lvl2pPr>
-            <a:lvl3pPr indent="-304800" lvl="2" marL="1371600">
+            <a:lvl3pPr marL="1371600" lvl="2" indent="-304800">
               <a:spcBef>
                 <a:spcPts val="0"/>
               </a:spcBef>
@@ -4025,7 +4146,7 @@
               <a:buChar char="■"/>
               <a:defRPr sz="1200"/>
             </a:lvl3pPr>
-            <a:lvl4pPr indent="-304800" lvl="3" marL="1828800">
+            <a:lvl4pPr marL="1828800" lvl="3" indent="-304800">
               <a:spcBef>
                 <a:spcPts val="0"/>
               </a:spcBef>
@@ -4036,7 +4157,7 @@
               <a:buChar char="●"/>
               <a:defRPr sz="1200"/>
             </a:lvl4pPr>
-            <a:lvl5pPr indent="-304800" lvl="4" marL="2286000">
+            <a:lvl5pPr marL="2286000" lvl="4" indent="-304800">
               <a:spcBef>
                 <a:spcPts val="0"/>
               </a:spcBef>
@@ -4047,7 +4168,7 @@
               <a:buChar char="○"/>
               <a:defRPr sz="1200"/>
             </a:lvl5pPr>
-            <a:lvl6pPr indent="-304800" lvl="5" marL="2743200">
+            <a:lvl6pPr marL="2743200" lvl="5" indent="-304800">
               <a:spcBef>
                 <a:spcPts val="0"/>
               </a:spcBef>
@@ -4058,7 +4179,7 @@
               <a:buChar char="■"/>
               <a:defRPr sz="1200"/>
             </a:lvl6pPr>
-            <a:lvl7pPr indent="-304800" lvl="6" marL="3200400">
+            <a:lvl7pPr marL="3200400" lvl="6" indent="-304800">
               <a:spcBef>
                 <a:spcPts val="0"/>
               </a:spcBef>
@@ -4069,7 +4190,7 @@
               <a:buChar char="●"/>
               <a:defRPr sz="1200"/>
             </a:lvl7pPr>
-            <a:lvl8pPr indent="-304800" lvl="7" marL="3657600">
+            <a:lvl8pPr marL="3657600" lvl="7" indent="-304800">
               <a:spcBef>
                 <a:spcPts val="0"/>
               </a:spcBef>
@@ -4080,7 +4201,7 @@
               <a:buChar char="○"/>
               <a:defRPr sz="1200"/>
             </a:lvl8pPr>
-            <a:lvl9pPr indent="-304800" lvl="8" marL="4114800">
+            <a:lvl9pPr marL="4114800" lvl="8" indent="-304800">
               <a:spcBef>
                 <a:spcPts val="0"/>
               </a:spcBef>
@@ -4092,15 +4213,19 @@
               <a:defRPr sz="1200"/>
             </a:lvl9pPr>
           </a:lstStyle>
-          <a:p/>
+          <a:p>
+            <a:endParaRPr/>
+          </a:p>
         </p:txBody>
       </p:sp>
       <p:sp>
         <p:nvSpPr>
           <p:cNvPr id="28" name="Google Shape;28;p5"/>
-          <p:cNvSpPr txBox="1"/>
+          <p:cNvSpPr txBox="1">
+            <a:spLocks noGrp="1"/>
+          </p:cNvSpPr>
           <p:nvPr>
-            <p:ph idx="12" type="sldNum"/>
+            <p:ph type="sldNum" idx="12"/>
           </p:nvPr>
         </p:nvSpPr>
         <p:spPr>
@@ -4113,7 +4238,7 @@
           </a:prstGeom>
         </p:spPr>
         <p:txBody>
-          <a:bodyPr anchorCtr="0" anchor="ctr" bIns="91425" lIns="91425" spcFirstLastPara="1" rIns="91425" wrap="square" tIns="91425">
+          <a:bodyPr spcFirstLastPara="1" wrap="square" lIns="91425" tIns="91425" rIns="91425" bIns="91425" anchor="ctr" anchorCtr="0">
             <a:normAutofit/>
           </a:bodyPr>
           <a:lstStyle>
@@ -4155,7 +4280,7 @@
             </a:lvl9pPr>
           </a:lstStyle>
           <a:p>
-            <a:pPr indent="0" lvl="0" marL="0" rtl="0" algn="r">
+            <a:pPr marL="0" lvl="0" indent="0" algn="r" rtl="0">
               <a:spcBef>
                 <a:spcPts val="0"/>
               </a:spcBef>
@@ -4181,11 +4306,11 @@
 </file>
 
 <file path=ppt/slideLayouts/slideLayout5.xml><?xml version="1.0" encoding="utf-8"?>
-<p:sldLayout xmlns:a="http://schemas.openxmlformats.org/drawingml/2006/main" xmlns:r="http://schemas.openxmlformats.org/officeDocument/2006/relationships" xmlns:mc="http://schemas.openxmlformats.org/markup-compatibility/2006" xmlns:mv="urn:schemas-microsoft-com:mac:vml" xmlns:p="http://schemas.openxmlformats.org/presentationml/2006/main" xmlns:c="http://schemas.openxmlformats.org/drawingml/2006/chart" xmlns:dgm="http://schemas.openxmlformats.org/drawingml/2006/diagram" xmlns:o="urn:schemas-microsoft-com:office:office" xmlns:v="urn:schemas-microsoft-com:vml" xmlns:pvml="urn:schemas-microsoft-com:office:powerpoint" xmlns:com="http://schemas.openxmlformats.org/drawingml/2006/compatibility" xmlns:p14="http://schemas.microsoft.com/office/powerpoint/2010/main" xmlns:p15="http://schemas.microsoft.com/office/powerpoint/2012/main" xmlns:ahyp="http://schemas.microsoft.com/office/drawing/2018/hyperlinkcolor" matchingName="Title only" type="titleOnly">
+<p:sldLayout xmlns:a="http://schemas.openxmlformats.org/drawingml/2006/main" xmlns:r="http://schemas.openxmlformats.org/officeDocument/2006/relationships" xmlns:p="http://schemas.openxmlformats.org/presentationml/2006/main" matchingName="Title only" type="titleOnly">
   <p:cSld name="TITLE_ONLY">
     <p:spTree>
       <p:nvGrpSpPr>
-        <p:cNvPr id="29" name="Shape 29"/>
+        <p:cNvPr id="1" name="Shape 29"/>
         <p:cNvGrpSpPr/>
         <p:nvPr/>
       </p:nvGrpSpPr>
@@ -4200,7 +4325,9 @@
       <p:sp>
         <p:nvSpPr>
           <p:cNvPr id="30" name="Google Shape;30;p6"/>
-          <p:cNvSpPr txBox="1"/>
+          <p:cNvSpPr txBox="1">
+            <a:spLocks noGrp="1"/>
+          </p:cNvSpPr>
           <p:nvPr>
             <p:ph type="title"/>
           </p:nvPr>
@@ -4215,7 +4342,7 @@
           </a:prstGeom>
         </p:spPr>
         <p:txBody>
-          <a:bodyPr anchorCtr="0" anchor="t" bIns="91425" lIns="91425" spcFirstLastPara="1" rIns="91425" wrap="square" tIns="91425">
+          <a:bodyPr spcFirstLastPara="1" wrap="square" lIns="91425" tIns="91425" rIns="91425" bIns="91425" anchor="t" anchorCtr="0">
             <a:normAutofit/>
           </a:bodyPr>
           <a:lstStyle>
@@ -4319,15 +4446,19 @@
               <a:defRPr/>
             </a:lvl9pPr>
           </a:lstStyle>
-          <a:p/>
+          <a:p>
+            <a:endParaRPr/>
+          </a:p>
         </p:txBody>
       </p:sp>
       <p:sp>
         <p:nvSpPr>
           <p:cNvPr id="31" name="Google Shape;31;p6"/>
-          <p:cNvSpPr txBox="1"/>
+          <p:cNvSpPr txBox="1">
+            <a:spLocks noGrp="1"/>
+          </p:cNvSpPr>
           <p:nvPr>
-            <p:ph idx="12" type="sldNum"/>
+            <p:ph type="sldNum" idx="12"/>
           </p:nvPr>
         </p:nvSpPr>
         <p:spPr>
@@ -4340,7 +4471,7 @@
           </a:prstGeom>
         </p:spPr>
         <p:txBody>
-          <a:bodyPr anchorCtr="0" anchor="ctr" bIns="91425" lIns="91425" spcFirstLastPara="1" rIns="91425" wrap="square" tIns="91425">
+          <a:bodyPr spcFirstLastPara="1" wrap="square" lIns="91425" tIns="91425" rIns="91425" bIns="91425" anchor="ctr" anchorCtr="0">
             <a:normAutofit/>
           </a:bodyPr>
           <a:lstStyle>
@@ -4382,7 +4513,7 @@
             </a:lvl9pPr>
           </a:lstStyle>
           <a:p>
-            <a:pPr indent="0" lvl="0" marL="0" rtl="0" algn="r">
+            <a:pPr marL="0" lvl="0" indent="0" algn="r" rtl="0">
               <a:spcBef>
                 <a:spcPts val="0"/>
               </a:spcBef>
@@ -4408,11 +4539,11 @@
 </file>
 
 <file path=ppt/slideLayouts/slideLayout6.xml><?xml version="1.0" encoding="utf-8"?>
-<p:sldLayout xmlns:a="http://schemas.openxmlformats.org/drawingml/2006/main" xmlns:r="http://schemas.openxmlformats.org/officeDocument/2006/relationships" xmlns:mc="http://schemas.openxmlformats.org/markup-compatibility/2006" xmlns:mv="urn:schemas-microsoft-com:mac:vml" xmlns:p="http://schemas.openxmlformats.org/presentationml/2006/main" xmlns:c="http://schemas.openxmlformats.org/drawingml/2006/chart" xmlns:dgm="http://schemas.openxmlformats.org/drawingml/2006/diagram" xmlns:o="urn:schemas-microsoft-com:office:office" xmlns:v="urn:schemas-microsoft-com:vml" xmlns:pvml="urn:schemas-microsoft-com:office:powerpoint" xmlns:com="http://schemas.openxmlformats.org/drawingml/2006/compatibility" xmlns:p14="http://schemas.microsoft.com/office/powerpoint/2010/main" xmlns:p15="http://schemas.microsoft.com/office/powerpoint/2012/main" xmlns:ahyp="http://schemas.microsoft.com/office/drawing/2018/hyperlinkcolor" matchingName="One column text">
+<p:sldLayout xmlns:a="http://schemas.openxmlformats.org/drawingml/2006/main" xmlns:r="http://schemas.openxmlformats.org/officeDocument/2006/relationships" xmlns:p="http://schemas.openxmlformats.org/presentationml/2006/main" matchingName="One column text">
   <p:cSld name="ONE_COLUMN_TEXT">
     <p:spTree>
       <p:nvGrpSpPr>
-        <p:cNvPr id="32" name="Shape 32"/>
+        <p:cNvPr id="1" name="Shape 32"/>
         <p:cNvGrpSpPr/>
         <p:nvPr/>
       </p:nvGrpSpPr>
@@ -4427,7 +4558,9 @@
       <p:sp>
         <p:nvSpPr>
           <p:cNvPr id="33" name="Google Shape;33;p7"/>
-          <p:cNvSpPr txBox="1"/>
+          <p:cNvSpPr txBox="1">
+            <a:spLocks noGrp="1"/>
+          </p:cNvSpPr>
           <p:nvPr>
             <p:ph type="title"/>
           </p:nvPr>
@@ -4442,7 +4575,7 @@
           </a:prstGeom>
         </p:spPr>
         <p:txBody>
-          <a:bodyPr anchorCtr="0" anchor="b" bIns="91425" lIns="91425" spcFirstLastPara="1" rIns="91425" wrap="square" tIns="91425">
+          <a:bodyPr spcFirstLastPara="1" wrap="square" lIns="91425" tIns="91425" rIns="91425" bIns="91425" anchor="b" anchorCtr="0">
             <a:normAutofit/>
           </a:bodyPr>
           <a:lstStyle>
@@ -4546,15 +4679,19 @@
               <a:defRPr sz="2400"/>
             </a:lvl9pPr>
           </a:lstStyle>
-          <a:p/>
+          <a:p>
+            <a:endParaRPr/>
+          </a:p>
         </p:txBody>
       </p:sp>
       <p:sp>
         <p:nvSpPr>
           <p:cNvPr id="34" name="Google Shape;34;p7"/>
-          <p:cNvSpPr txBox="1"/>
+          <p:cNvSpPr txBox="1">
+            <a:spLocks noGrp="1"/>
+          </p:cNvSpPr>
           <p:nvPr>
-            <p:ph idx="1" type="body"/>
+            <p:ph type="body" idx="1"/>
           </p:nvPr>
         </p:nvSpPr>
         <p:spPr>
@@ -4567,11 +4704,11 @@
           </a:prstGeom>
         </p:spPr>
         <p:txBody>
-          <a:bodyPr anchorCtr="0" anchor="t" bIns="91425" lIns="91425" spcFirstLastPara="1" rIns="91425" wrap="square" tIns="91425">
+          <a:bodyPr spcFirstLastPara="1" wrap="square" lIns="91425" tIns="91425" rIns="91425" bIns="91425" anchor="t" anchorCtr="0">
             <a:normAutofit/>
           </a:bodyPr>
           <a:lstStyle>
-            <a:lvl1pPr indent="-304800" lvl="0" marL="457200">
+            <a:lvl1pPr marL="457200" lvl="0" indent="-304800">
               <a:spcBef>
                 <a:spcPts val="0"/>
               </a:spcBef>
@@ -4582,7 +4719,7 @@
               <a:buChar char="●"/>
               <a:defRPr sz="1200"/>
             </a:lvl1pPr>
-            <a:lvl2pPr indent="-304800" lvl="1" marL="914400">
+            <a:lvl2pPr marL="914400" lvl="1" indent="-304800">
               <a:spcBef>
                 <a:spcPts val="0"/>
               </a:spcBef>
@@ -4593,7 +4730,7 @@
               <a:buChar char="○"/>
               <a:defRPr sz="1200"/>
             </a:lvl2pPr>
-            <a:lvl3pPr indent="-304800" lvl="2" marL="1371600">
+            <a:lvl3pPr marL="1371600" lvl="2" indent="-304800">
               <a:spcBef>
                 <a:spcPts val="0"/>
               </a:spcBef>
@@ -4604,7 +4741,7 @@
               <a:buChar char="■"/>
               <a:defRPr sz="1200"/>
             </a:lvl3pPr>
-            <a:lvl4pPr indent="-304800" lvl="3" marL="1828800">
+            <a:lvl4pPr marL="1828800" lvl="3" indent="-304800">
               <a:spcBef>
                 <a:spcPts val="0"/>
               </a:spcBef>
@@ -4615,7 +4752,7 @@
               <a:buChar char="●"/>
               <a:defRPr sz="1200"/>
             </a:lvl4pPr>
-            <a:lvl5pPr indent="-304800" lvl="4" marL="2286000">
+            <a:lvl5pPr marL="2286000" lvl="4" indent="-304800">
               <a:spcBef>
                 <a:spcPts val="0"/>
               </a:spcBef>
@@ -4626,7 +4763,7 @@
               <a:buChar char="○"/>
               <a:defRPr sz="1200"/>
             </a:lvl5pPr>
-            <a:lvl6pPr indent="-304800" lvl="5" marL="2743200">
+            <a:lvl6pPr marL="2743200" lvl="5" indent="-304800">
               <a:spcBef>
                 <a:spcPts val="0"/>
               </a:spcBef>
@@ -4637,7 +4774,7 @@
               <a:buChar char="■"/>
               <a:defRPr sz="1200"/>
             </a:lvl6pPr>
-            <a:lvl7pPr indent="-304800" lvl="6" marL="3200400">
+            <a:lvl7pPr marL="3200400" lvl="6" indent="-304800">
               <a:spcBef>
                 <a:spcPts val="0"/>
               </a:spcBef>
@@ -4648,7 +4785,7 @@
               <a:buChar char="●"/>
               <a:defRPr sz="1200"/>
             </a:lvl7pPr>
-            <a:lvl8pPr indent="-304800" lvl="7" marL="3657600">
+            <a:lvl8pPr marL="3657600" lvl="7" indent="-304800">
               <a:spcBef>
                 <a:spcPts val="0"/>
               </a:spcBef>
@@ -4659,7 +4796,7 @@
               <a:buChar char="○"/>
               <a:defRPr sz="1200"/>
             </a:lvl8pPr>
-            <a:lvl9pPr indent="-304800" lvl="8" marL="4114800">
+            <a:lvl9pPr marL="4114800" lvl="8" indent="-304800">
               <a:spcBef>
                 <a:spcPts val="0"/>
               </a:spcBef>
@@ -4671,15 +4808,19 @@
               <a:defRPr sz="1200"/>
             </a:lvl9pPr>
           </a:lstStyle>
-          <a:p/>
+          <a:p>
+            <a:endParaRPr/>
+          </a:p>
         </p:txBody>
       </p:sp>
       <p:sp>
         <p:nvSpPr>
           <p:cNvPr id="35" name="Google Shape;35;p7"/>
-          <p:cNvSpPr txBox="1"/>
+          <p:cNvSpPr txBox="1">
+            <a:spLocks noGrp="1"/>
+          </p:cNvSpPr>
           <p:nvPr>
-            <p:ph idx="12" type="sldNum"/>
+            <p:ph type="sldNum" idx="12"/>
           </p:nvPr>
         </p:nvSpPr>
         <p:spPr>
@@ -4692,7 +4833,7 @@
           </a:prstGeom>
         </p:spPr>
         <p:txBody>
-          <a:bodyPr anchorCtr="0" anchor="ctr" bIns="91425" lIns="91425" spcFirstLastPara="1" rIns="91425" wrap="square" tIns="91425">
+          <a:bodyPr spcFirstLastPara="1" wrap="square" lIns="91425" tIns="91425" rIns="91425" bIns="91425" anchor="ctr" anchorCtr="0">
             <a:normAutofit/>
           </a:bodyPr>
           <a:lstStyle>
@@ -4734,7 +4875,7 @@
             </a:lvl9pPr>
           </a:lstStyle>
           <a:p>
-            <a:pPr indent="0" lvl="0" marL="0" rtl="0" algn="r">
+            <a:pPr marL="0" lvl="0" indent="0" algn="r" rtl="0">
               <a:spcBef>
                 <a:spcPts val="0"/>
               </a:spcBef>
@@ -4760,18 +4901,19 @@
 </file>
 
 <file path=ppt/slideLayouts/slideLayout7.xml><?xml version="1.0" encoding="utf-8"?>
-<p:sldLayout xmlns:a="http://schemas.openxmlformats.org/drawingml/2006/main" xmlns:r="http://schemas.openxmlformats.org/officeDocument/2006/relationships" xmlns:mc="http://schemas.openxmlformats.org/markup-compatibility/2006" xmlns:mv="urn:schemas-microsoft-com:mac:vml" xmlns:p="http://schemas.openxmlformats.org/presentationml/2006/main" xmlns:c="http://schemas.openxmlformats.org/drawingml/2006/chart" xmlns:dgm="http://schemas.openxmlformats.org/drawingml/2006/diagram" xmlns:o="urn:schemas-microsoft-com:office:office" xmlns:v="urn:schemas-microsoft-com:vml" xmlns:pvml="urn:schemas-microsoft-com:office:powerpoint" xmlns:com="http://schemas.openxmlformats.org/drawingml/2006/compatibility" xmlns:p14="http://schemas.microsoft.com/office/powerpoint/2010/main" xmlns:p15="http://schemas.microsoft.com/office/powerpoint/2012/main" xmlns:ahyp="http://schemas.microsoft.com/office/drawing/2018/hyperlinkcolor" matchingName="Main point">
+<p:sldLayout xmlns:a="http://schemas.openxmlformats.org/drawingml/2006/main" xmlns:r="http://schemas.openxmlformats.org/officeDocument/2006/relationships" xmlns:p="http://schemas.openxmlformats.org/presentationml/2006/main" matchingName="Main point">
   <p:cSld name="MAIN_POINT">
     <p:bg>
       <p:bgPr>
         <a:solidFill>
           <a:schemeClr val="lt2"/>
         </a:solidFill>
+        <a:effectLst/>
       </p:bgPr>
     </p:bg>
     <p:spTree>
       <p:nvGrpSpPr>
-        <p:cNvPr id="36" name="Shape 36"/>
+        <p:cNvPr id="1" name="Shape 36"/>
         <p:cNvGrpSpPr/>
         <p:nvPr/>
       </p:nvGrpSpPr>
@@ -4786,7 +4928,9 @@
       <p:sp>
         <p:nvSpPr>
           <p:cNvPr id="37" name="Google Shape;37;p8"/>
-          <p:cNvSpPr txBox="1"/>
+          <p:cNvSpPr txBox="1">
+            <a:spLocks noGrp="1"/>
+          </p:cNvSpPr>
           <p:nvPr>
             <p:ph type="title"/>
           </p:nvPr>
@@ -4801,7 +4945,7 @@
           </a:prstGeom>
         </p:spPr>
         <p:txBody>
-          <a:bodyPr anchorCtr="0" anchor="ctr" bIns="91425" lIns="91425" spcFirstLastPara="1" rIns="91425" wrap="square" tIns="91425">
+          <a:bodyPr spcFirstLastPara="1" wrap="square" lIns="91425" tIns="91425" rIns="91425" bIns="91425" anchor="ctr" anchorCtr="0">
             <a:normAutofit/>
           </a:bodyPr>
           <a:lstStyle>
@@ -4968,15 +5112,19 @@
               </a:defRPr>
             </a:lvl9pPr>
           </a:lstStyle>
-          <a:p/>
+          <a:p>
+            <a:endParaRPr/>
+          </a:p>
         </p:txBody>
       </p:sp>
       <p:sp>
         <p:nvSpPr>
           <p:cNvPr id="38" name="Google Shape;38;p8"/>
-          <p:cNvSpPr txBox="1"/>
+          <p:cNvSpPr txBox="1">
+            <a:spLocks noGrp="1"/>
+          </p:cNvSpPr>
           <p:nvPr>
-            <p:ph idx="12" type="sldNum"/>
+            <p:ph type="sldNum" idx="12"/>
           </p:nvPr>
         </p:nvSpPr>
         <p:spPr>
@@ -4989,7 +5137,7 @@
           </a:prstGeom>
         </p:spPr>
         <p:txBody>
-          <a:bodyPr anchorCtr="0" anchor="ctr" bIns="91425" lIns="91425" spcFirstLastPara="1" rIns="91425" wrap="square" tIns="91425">
+          <a:bodyPr spcFirstLastPara="1" wrap="square" lIns="91425" tIns="91425" rIns="91425" bIns="91425" anchor="ctr" anchorCtr="0">
             <a:normAutofit/>
           </a:bodyPr>
           <a:lstStyle>
@@ -5067,7 +5215,7 @@
             </a:lvl9pPr>
           </a:lstStyle>
           <a:p>
-            <a:pPr indent="0" lvl="0" marL="0" rtl="0" algn="r">
+            <a:pPr marL="0" lvl="0" indent="0" algn="r" rtl="0">
               <a:spcBef>
                 <a:spcPts val="0"/>
               </a:spcBef>
@@ -5093,11 +5241,11 @@
 </file>
 
 <file path=ppt/slideLayouts/slideLayout8.xml><?xml version="1.0" encoding="utf-8"?>
-<p:sldLayout xmlns:a="http://schemas.openxmlformats.org/drawingml/2006/main" xmlns:r="http://schemas.openxmlformats.org/officeDocument/2006/relationships" xmlns:mc="http://schemas.openxmlformats.org/markup-compatibility/2006" xmlns:mv="urn:schemas-microsoft-com:mac:vml" xmlns:p="http://schemas.openxmlformats.org/presentationml/2006/main" xmlns:c="http://schemas.openxmlformats.org/drawingml/2006/chart" xmlns:dgm="http://schemas.openxmlformats.org/drawingml/2006/diagram" xmlns:o="urn:schemas-microsoft-com:office:office" xmlns:v="urn:schemas-microsoft-com:vml" xmlns:pvml="urn:schemas-microsoft-com:office:powerpoint" xmlns:com="http://schemas.openxmlformats.org/drawingml/2006/compatibility" xmlns:p14="http://schemas.microsoft.com/office/powerpoint/2010/main" xmlns:p15="http://schemas.microsoft.com/office/powerpoint/2012/main" xmlns:ahyp="http://schemas.microsoft.com/office/drawing/2018/hyperlinkcolor" matchingName="Section title and description">
+<p:sldLayout xmlns:a="http://schemas.openxmlformats.org/drawingml/2006/main" xmlns:r="http://schemas.openxmlformats.org/officeDocument/2006/relationships" xmlns:p="http://schemas.openxmlformats.org/presentationml/2006/main" matchingName="Section title and description">
   <p:cSld name="SECTION_TITLE_AND_DESCRIPTION">
     <p:spTree>
       <p:nvGrpSpPr>
-        <p:cNvPr id="39" name="Shape 39"/>
+        <p:cNvPr id="1" name="Shape 39"/>
         <p:cNvGrpSpPr/>
         <p:nvPr/>
       </p:nvGrpSpPr>
@@ -5131,12 +5279,12 @@
           </a:ln>
         </p:spPr>
         <p:txBody>
-          <a:bodyPr anchorCtr="0" anchor="ctr" bIns="91425" lIns="91425" spcFirstLastPara="1" rIns="91425" wrap="square" tIns="91425">
+          <a:bodyPr spcFirstLastPara="1" wrap="square" lIns="91425" tIns="91425" rIns="91425" bIns="91425" anchor="ctr" anchorCtr="0">
             <a:noAutofit/>
           </a:bodyPr>
           <a:lstStyle/>
           <a:p>
-            <a:pPr indent="0" lvl="0" marL="0" rtl="0" algn="l">
+            <a:pPr marL="0" lvl="0" indent="0" algn="l" rtl="0">
               <a:spcBef>
                 <a:spcPts val="0"/>
               </a:spcBef>
@@ -5145,9 +5293,6 @@
               </a:spcAft>
               <a:buNone/>
             </a:pPr>
-            <a:r>
-              <a:t/>
-            </a:r>
             <a:endParaRPr/>
           </a:p>
         </p:txBody>
@@ -5167,21 +5312,23 @@
             <a:avLst/>
           </a:prstGeom>
           <a:noFill/>
-          <a:ln cap="flat" cmpd="sng" w="19050">
+          <a:ln w="19050" cap="flat" cmpd="sng">
             <a:solidFill>
               <a:schemeClr val="lt1"/>
             </a:solidFill>
             <a:prstDash val="solid"/>
             <a:round/>
-            <a:headEnd len="sm" w="sm" type="none"/>
-            <a:tailEnd len="sm" w="sm" type="none"/>
+            <a:headEnd type="none" w="sm" len="sm"/>
+            <a:tailEnd type="none" w="sm" len="sm"/>
           </a:ln>
         </p:spPr>
       </p:cxnSp>
       <p:sp>
         <p:nvSpPr>
           <p:cNvPr id="42" name="Google Shape;42;p9"/>
-          <p:cNvSpPr txBox="1"/>
+          <p:cNvSpPr txBox="1">
+            <a:spLocks noGrp="1"/>
+          </p:cNvSpPr>
           <p:nvPr>
             <p:ph type="title"/>
           </p:nvPr>
@@ -5196,7 +5343,7 @@
           </a:prstGeom>
         </p:spPr>
         <p:txBody>
-          <a:bodyPr anchorCtr="0" anchor="b" bIns="91425" lIns="91425" spcFirstLastPara="1" rIns="91425" wrap="square" tIns="91425">
+          <a:bodyPr spcFirstLastPara="1" wrap="square" lIns="91425" tIns="91425" rIns="91425" bIns="91425" anchor="b" anchorCtr="0">
             <a:normAutofit/>
           </a:bodyPr>
           <a:lstStyle>
@@ -5300,15 +5447,19 @@
               <a:defRPr sz="4200"/>
             </a:lvl9pPr>
           </a:lstStyle>
-          <a:p/>
+          <a:p>
+            <a:endParaRPr/>
+          </a:p>
         </p:txBody>
       </p:sp>
       <p:sp>
         <p:nvSpPr>
           <p:cNvPr id="43" name="Google Shape;43;p9"/>
-          <p:cNvSpPr txBox="1"/>
+          <p:cNvSpPr txBox="1">
+            <a:spLocks noGrp="1"/>
+          </p:cNvSpPr>
           <p:nvPr>
-            <p:ph idx="1" type="subTitle"/>
+            <p:ph type="subTitle" idx="1"/>
           </p:nvPr>
         </p:nvSpPr>
         <p:spPr>
@@ -5321,7 +5472,7 @@
           </a:prstGeom>
         </p:spPr>
         <p:txBody>
-          <a:bodyPr anchorCtr="0" anchor="t" bIns="91425" lIns="91425" spcFirstLastPara="1" rIns="91425" wrap="square" tIns="91425">
+          <a:bodyPr spcFirstLastPara="1" wrap="square" lIns="91425" tIns="91425" rIns="91425" bIns="91425" anchor="t" anchorCtr="0">
             <a:normAutofit/>
           </a:bodyPr>
           <a:lstStyle>
@@ -5515,15 +5666,19 @@
               </a:defRPr>
             </a:lvl9pPr>
           </a:lstStyle>
-          <a:p/>
+          <a:p>
+            <a:endParaRPr/>
+          </a:p>
         </p:txBody>
       </p:sp>
       <p:sp>
         <p:nvSpPr>
           <p:cNvPr id="44" name="Google Shape;44;p9"/>
-          <p:cNvSpPr txBox="1"/>
+          <p:cNvSpPr txBox="1">
+            <a:spLocks noGrp="1"/>
+          </p:cNvSpPr>
           <p:nvPr>
-            <p:ph idx="2" type="body"/>
+            <p:ph type="body" idx="2"/>
           </p:nvPr>
         </p:nvSpPr>
         <p:spPr>
@@ -5536,11 +5691,11 @@
           </a:prstGeom>
         </p:spPr>
         <p:txBody>
-          <a:bodyPr anchorCtr="0" anchor="ctr" bIns="91425" lIns="91425" spcFirstLastPara="1" rIns="91425" wrap="square" tIns="91425">
+          <a:bodyPr spcFirstLastPara="1" wrap="square" lIns="91425" tIns="91425" rIns="91425" bIns="91425" anchor="ctr" anchorCtr="0">
             <a:normAutofit/>
           </a:bodyPr>
           <a:lstStyle>
-            <a:lvl1pPr indent="-342900" lvl="0" marL="457200">
+            <a:lvl1pPr marL="457200" lvl="0" indent="-342900">
               <a:spcBef>
                 <a:spcPts val="0"/>
               </a:spcBef>
@@ -5558,7 +5713,7 @@
                 </a:solidFill>
               </a:defRPr>
             </a:lvl1pPr>
-            <a:lvl2pPr indent="-317500" lvl="1" marL="914400">
+            <a:lvl2pPr marL="914400" lvl="1" indent="-317500">
               <a:spcBef>
                 <a:spcPts val="0"/>
               </a:spcBef>
@@ -5576,7 +5731,7 @@
                 </a:solidFill>
               </a:defRPr>
             </a:lvl2pPr>
-            <a:lvl3pPr indent="-317500" lvl="2" marL="1371600">
+            <a:lvl3pPr marL="1371600" lvl="2" indent="-317500">
               <a:spcBef>
                 <a:spcPts val="0"/>
               </a:spcBef>
@@ -5594,7 +5749,7 @@
                 </a:solidFill>
               </a:defRPr>
             </a:lvl3pPr>
-            <a:lvl4pPr indent="-317500" lvl="3" marL="1828800">
+            <a:lvl4pPr marL="1828800" lvl="3" indent="-317500">
               <a:spcBef>
                 <a:spcPts val="0"/>
               </a:spcBef>
@@ -5612,7 +5767,7 @@
                 </a:solidFill>
               </a:defRPr>
             </a:lvl4pPr>
-            <a:lvl5pPr indent="-317500" lvl="4" marL="2286000">
+            <a:lvl5pPr marL="2286000" lvl="4" indent="-317500">
               <a:spcBef>
                 <a:spcPts val="0"/>
               </a:spcBef>
@@ -5630,7 +5785,7 @@
                 </a:solidFill>
               </a:defRPr>
             </a:lvl5pPr>
-            <a:lvl6pPr indent="-317500" lvl="5" marL="2743200">
+            <a:lvl6pPr marL="2743200" lvl="5" indent="-317500">
               <a:spcBef>
                 <a:spcPts val="0"/>
               </a:spcBef>
@@ -5648,7 +5803,7 @@
                 </a:solidFill>
               </a:defRPr>
             </a:lvl6pPr>
-            <a:lvl7pPr indent="-317500" lvl="6" marL="3200400">
+            <a:lvl7pPr marL="3200400" lvl="6" indent="-317500">
               <a:spcBef>
                 <a:spcPts val="0"/>
               </a:spcBef>
@@ -5666,7 +5821,7 @@
                 </a:solidFill>
               </a:defRPr>
             </a:lvl7pPr>
-            <a:lvl8pPr indent="-317500" lvl="7" marL="3657600">
+            <a:lvl8pPr marL="3657600" lvl="7" indent="-317500">
               <a:spcBef>
                 <a:spcPts val="0"/>
               </a:spcBef>
@@ -5684,7 +5839,7 @@
                 </a:solidFill>
               </a:defRPr>
             </a:lvl8pPr>
-            <a:lvl9pPr indent="-317500" lvl="8" marL="4114800">
+            <a:lvl9pPr marL="4114800" lvl="8" indent="-317500">
               <a:spcBef>
                 <a:spcPts val="0"/>
               </a:spcBef>
@@ -5703,15 +5858,19 @@
               </a:defRPr>
             </a:lvl9pPr>
           </a:lstStyle>
-          <a:p/>
+          <a:p>
+            <a:endParaRPr/>
+          </a:p>
         </p:txBody>
       </p:sp>
       <p:sp>
         <p:nvSpPr>
           <p:cNvPr id="45" name="Google Shape;45;p9"/>
-          <p:cNvSpPr txBox="1"/>
+          <p:cNvSpPr txBox="1">
+            <a:spLocks noGrp="1"/>
+          </p:cNvSpPr>
           <p:nvPr>
-            <p:ph idx="12" type="sldNum"/>
+            <p:ph type="sldNum" idx="12"/>
           </p:nvPr>
         </p:nvSpPr>
         <p:spPr>
@@ -5724,7 +5883,7 @@
           </a:prstGeom>
         </p:spPr>
         <p:txBody>
-          <a:bodyPr anchorCtr="0" anchor="ctr" bIns="91425" lIns="91425" spcFirstLastPara="1" rIns="91425" wrap="square" tIns="91425">
+          <a:bodyPr spcFirstLastPara="1" wrap="square" lIns="91425" tIns="91425" rIns="91425" bIns="91425" anchor="ctr" anchorCtr="0">
             <a:normAutofit/>
           </a:bodyPr>
           <a:lstStyle>
@@ -5802,7 +5961,7 @@
             </a:lvl9pPr>
           </a:lstStyle>
           <a:p>
-            <a:pPr indent="0" lvl="0" marL="0" rtl="0" algn="r">
+            <a:pPr marL="0" lvl="0" indent="0" algn="r" rtl="0">
               <a:spcBef>
                 <a:spcPts val="0"/>
               </a:spcBef>
@@ -5828,11 +5987,11 @@
 </file>
 
 <file path=ppt/slideLayouts/slideLayout9.xml><?xml version="1.0" encoding="utf-8"?>
-<p:sldLayout xmlns:a="http://schemas.openxmlformats.org/drawingml/2006/main" xmlns:r="http://schemas.openxmlformats.org/officeDocument/2006/relationships" xmlns:mc="http://schemas.openxmlformats.org/markup-compatibility/2006" xmlns:mv="urn:schemas-microsoft-com:mac:vml" xmlns:p="http://schemas.openxmlformats.org/presentationml/2006/main" xmlns:c="http://schemas.openxmlformats.org/drawingml/2006/chart" xmlns:dgm="http://schemas.openxmlformats.org/drawingml/2006/diagram" xmlns:o="urn:schemas-microsoft-com:office:office" xmlns:v="urn:schemas-microsoft-com:vml" xmlns:pvml="urn:schemas-microsoft-com:office:powerpoint" xmlns:com="http://schemas.openxmlformats.org/drawingml/2006/compatibility" xmlns:p14="http://schemas.microsoft.com/office/powerpoint/2010/main" xmlns:p15="http://schemas.microsoft.com/office/powerpoint/2012/main" xmlns:ahyp="http://schemas.microsoft.com/office/drawing/2018/hyperlinkcolor" matchingName="Caption">
+<p:sldLayout xmlns:a="http://schemas.openxmlformats.org/drawingml/2006/main" xmlns:r="http://schemas.openxmlformats.org/officeDocument/2006/relationships" xmlns:p="http://schemas.openxmlformats.org/presentationml/2006/main" matchingName="Caption">
   <p:cSld name="CAPTION_ONLY">
     <p:spTree>
       <p:nvGrpSpPr>
-        <p:cNvPr id="46" name="Shape 46"/>
+        <p:cNvPr id="1" name="Shape 46"/>
         <p:cNvGrpSpPr/>
         <p:nvPr/>
       </p:nvGrpSpPr>
@@ -5847,9 +6006,11 @@
       <p:sp>
         <p:nvSpPr>
           <p:cNvPr id="47" name="Google Shape;47;p10"/>
-          <p:cNvSpPr txBox="1"/>
+          <p:cNvSpPr txBox="1">
+            <a:spLocks noGrp="1"/>
+          </p:cNvSpPr>
           <p:nvPr>
-            <p:ph idx="1" type="body"/>
+            <p:ph type="body" idx="1"/>
           </p:nvPr>
         </p:nvSpPr>
         <p:spPr>
@@ -5862,11 +6023,11 @@
           </a:prstGeom>
         </p:spPr>
         <p:txBody>
-          <a:bodyPr anchorCtr="0" anchor="ctr" bIns="91425" lIns="91425" spcFirstLastPara="1" rIns="91425" wrap="square" tIns="91425">
+          <a:bodyPr spcFirstLastPara="1" wrap="square" lIns="91425" tIns="91425" rIns="91425" bIns="91425" anchor="ctr" anchorCtr="0">
             <a:normAutofit/>
           </a:bodyPr>
           <a:lstStyle>
-            <a:lvl1pPr indent="-228600" lvl="0" marL="457200">
+            <a:lvl1pPr marL="457200" lvl="0" indent="-228600">
               <a:lnSpc>
                 <a:spcPct val="100000"/>
               </a:lnSpc>
@@ -5893,15 +6054,19 @@
               </a:defRPr>
             </a:lvl1pPr>
           </a:lstStyle>
-          <a:p/>
+          <a:p>
+            <a:endParaRPr/>
+          </a:p>
         </p:txBody>
       </p:sp>
       <p:sp>
         <p:nvSpPr>
           <p:cNvPr id="48" name="Google Shape;48;p10"/>
-          <p:cNvSpPr txBox="1"/>
+          <p:cNvSpPr txBox="1">
+            <a:spLocks noGrp="1"/>
+          </p:cNvSpPr>
           <p:nvPr>
-            <p:ph idx="12" type="sldNum"/>
+            <p:ph type="sldNum" idx="12"/>
           </p:nvPr>
         </p:nvSpPr>
         <p:spPr>
@@ -5914,7 +6079,7 @@
           </a:prstGeom>
         </p:spPr>
         <p:txBody>
-          <a:bodyPr anchorCtr="0" anchor="ctr" bIns="91425" lIns="91425" spcFirstLastPara="1" rIns="91425" wrap="square" tIns="91425">
+          <a:bodyPr spcFirstLastPara="1" wrap="square" lIns="91425" tIns="91425" rIns="91425" bIns="91425" anchor="ctr" anchorCtr="0">
             <a:normAutofit/>
           </a:bodyPr>
           <a:lstStyle>
@@ -5956,7 +6121,7 @@
             </a:lvl9pPr>
           </a:lstStyle>
           <a:p>
-            <a:pPr indent="0" lvl="0" marL="0" rtl="0" algn="r">
+            <a:pPr marL="0" lvl="0" indent="0" algn="r" rtl="0">
               <a:spcBef>
                 <a:spcPts val="0"/>
               </a:spcBef>
@@ -5982,18 +6147,19 @@
 </file>
 
 <file path=ppt/slideMasters/slideMaster1.xml><?xml version="1.0" encoding="utf-8"?>
-<p:sldMaster xmlns:a="http://schemas.openxmlformats.org/drawingml/2006/main" xmlns:r="http://schemas.openxmlformats.org/officeDocument/2006/relationships" xmlns:mc="http://schemas.openxmlformats.org/markup-compatibility/2006" xmlns:mv="urn:schemas-microsoft-com:mac:vml" xmlns:p="http://schemas.openxmlformats.org/presentationml/2006/main" xmlns:c="http://schemas.openxmlformats.org/drawingml/2006/chart" xmlns:dgm="http://schemas.openxmlformats.org/drawingml/2006/diagram" xmlns:o="urn:schemas-microsoft-com:office:office" xmlns:v="urn:schemas-microsoft-com:vml" xmlns:pvml="urn:schemas-microsoft-com:office:powerpoint" xmlns:com="http://schemas.openxmlformats.org/drawingml/2006/compatibility" xmlns:p14="http://schemas.microsoft.com/office/powerpoint/2010/main" xmlns:p15="http://schemas.microsoft.com/office/powerpoint/2012/main" xmlns:ahyp="http://schemas.microsoft.com/office/drawing/2018/hyperlinkcolor">
+<p:sldMaster xmlns:a="http://schemas.openxmlformats.org/drawingml/2006/main" xmlns:r="http://schemas.openxmlformats.org/officeDocument/2006/relationships" xmlns:p="http://schemas.openxmlformats.org/presentationml/2006/main">
   <p:cSld name="slate">
     <p:bg>
       <p:bgPr>
         <a:solidFill>
           <a:schemeClr val="lt1"/>
         </a:solidFill>
+        <a:effectLst/>
       </p:bgPr>
     </p:bg>
     <p:spTree>
       <p:nvGrpSpPr>
-        <p:cNvPr id="5" name="Shape 5"/>
+        <p:cNvPr id="1" name="Shape 5"/>
         <p:cNvGrpSpPr/>
         <p:nvPr/>
       </p:nvGrpSpPr>
@@ -6008,7 +6174,9 @@
       <p:sp>
         <p:nvSpPr>
           <p:cNvPr id="6" name="Google Shape;6;p1"/>
-          <p:cNvSpPr txBox="1"/>
+          <p:cNvSpPr txBox="1">
+            <a:spLocks noGrp="1"/>
+          </p:cNvSpPr>
           <p:nvPr>
             <p:ph type="title"/>
           </p:nvPr>
@@ -6027,7 +6195,7 @@
           </a:ln>
         </p:spPr>
         <p:txBody>
-          <a:bodyPr anchorCtr="0" anchor="t" bIns="91425" lIns="91425" spcFirstLastPara="1" rIns="91425" wrap="square" tIns="91425">
+          <a:bodyPr spcFirstLastPara="1" wrap="square" lIns="91425" tIns="91425" rIns="91425" bIns="91425" anchor="t" anchorCtr="0">
             <a:normAutofit/>
           </a:bodyPr>
           <a:lstStyle>
@@ -6239,15 +6407,19 @@
               </a:defRPr>
             </a:lvl9pPr>
           </a:lstStyle>
-          <a:p/>
+          <a:p>
+            <a:endParaRPr/>
+          </a:p>
         </p:txBody>
       </p:sp>
       <p:sp>
         <p:nvSpPr>
           <p:cNvPr id="7" name="Google Shape;7;p1"/>
-          <p:cNvSpPr txBox="1"/>
+          <p:cNvSpPr txBox="1">
+            <a:spLocks noGrp="1"/>
+          </p:cNvSpPr>
           <p:nvPr>
-            <p:ph idx="1" type="body"/>
+            <p:ph type="body" idx="1"/>
           </p:nvPr>
         </p:nvSpPr>
         <p:spPr>
@@ -6264,11 +6436,11 @@
           </a:ln>
         </p:spPr>
         <p:txBody>
-          <a:bodyPr anchorCtr="0" anchor="t" bIns="91425" lIns="91425" spcFirstLastPara="1" rIns="91425" wrap="square" tIns="91425">
+          <a:bodyPr spcFirstLastPara="1" wrap="square" lIns="91425" tIns="91425" rIns="91425" bIns="91425" anchor="t" anchorCtr="0">
             <a:normAutofit/>
           </a:bodyPr>
           <a:lstStyle>
-            <a:lvl1pPr indent="-342900" lvl="0" marL="457200">
+            <a:lvl1pPr marL="457200" lvl="0" indent="-342900">
               <a:lnSpc>
                 <a:spcPct val="115000"/>
               </a:lnSpc>
@@ -6294,7 +6466,7 @@
                 <a:sym typeface="Average"/>
               </a:defRPr>
             </a:lvl1pPr>
-            <a:lvl2pPr indent="-317500" lvl="1" marL="914400">
+            <a:lvl2pPr marL="914400" lvl="1" indent="-317500">
               <a:lnSpc>
                 <a:spcPct val="115000"/>
               </a:lnSpc>
@@ -6320,7 +6492,7 @@
                 <a:sym typeface="Average"/>
               </a:defRPr>
             </a:lvl2pPr>
-            <a:lvl3pPr indent="-317500" lvl="2" marL="1371600">
+            <a:lvl3pPr marL="1371600" lvl="2" indent="-317500">
               <a:lnSpc>
                 <a:spcPct val="115000"/>
               </a:lnSpc>
@@ -6346,7 +6518,7 @@
                 <a:sym typeface="Average"/>
               </a:defRPr>
             </a:lvl3pPr>
-            <a:lvl4pPr indent="-317500" lvl="3" marL="1828800">
+            <a:lvl4pPr marL="1828800" lvl="3" indent="-317500">
               <a:lnSpc>
                 <a:spcPct val="115000"/>
               </a:lnSpc>
@@ -6372,7 +6544,7 @@
                 <a:sym typeface="Average"/>
               </a:defRPr>
             </a:lvl4pPr>
-            <a:lvl5pPr indent="-317500" lvl="4" marL="2286000">
+            <a:lvl5pPr marL="2286000" lvl="4" indent="-317500">
               <a:lnSpc>
                 <a:spcPct val="115000"/>
               </a:lnSpc>
@@ -6398,7 +6570,7 @@
                 <a:sym typeface="Average"/>
               </a:defRPr>
             </a:lvl5pPr>
-            <a:lvl6pPr indent="-317500" lvl="5" marL="2743200">
+            <a:lvl6pPr marL="2743200" lvl="5" indent="-317500">
               <a:lnSpc>
                 <a:spcPct val="115000"/>
               </a:lnSpc>
@@ -6424,7 +6596,7 @@
                 <a:sym typeface="Average"/>
               </a:defRPr>
             </a:lvl6pPr>
-            <a:lvl7pPr indent="-317500" lvl="6" marL="3200400">
+            <a:lvl7pPr marL="3200400" lvl="6" indent="-317500">
               <a:lnSpc>
                 <a:spcPct val="115000"/>
               </a:lnSpc>
@@ -6450,7 +6622,7 @@
                 <a:sym typeface="Average"/>
               </a:defRPr>
             </a:lvl7pPr>
-            <a:lvl8pPr indent="-317500" lvl="7" marL="3657600">
+            <a:lvl8pPr marL="3657600" lvl="7" indent="-317500">
               <a:lnSpc>
                 <a:spcPct val="115000"/>
               </a:lnSpc>
@@ -6476,7 +6648,7 @@
                 <a:sym typeface="Average"/>
               </a:defRPr>
             </a:lvl8pPr>
-            <a:lvl9pPr indent="-317500" lvl="8" marL="4114800">
+            <a:lvl9pPr marL="4114800" lvl="8" indent="-317500">
               <a:lnSpc>
                 <a:spcPct val="115000"/>
               </a:lnSpc>
@@ -6503,15 +6675,19 @@
               </a:defRPr>
             </a:lvl9pPr>
           </a:lstStyle>
-          <a:p/>
+          <a:p>
+            <a:endParaRPr/>
+          </a:p>
         </p:txBody>
       </p:sp>
       <p:sp>
         <p:nvSpPr>
           <p:cNvPr id="8" name="Google Shape;8;p1"/>
-          <p:cNvSpPr txBox="1"/>
+          <p:cNvSpPr txBox="1">
+            <a:spLocks noGrp="1"/>
+          </p:cNvSpPr>
           <p:nvPr>
-            <p:ph idx="12" type="sldNum"/>
+            <p:ph type="sldNum" idx="12"/>
           </p:nvPr>
         </p:nvSpPr>
         <p:spPr>
@@ -6528,7 +6704,7 @@
           </a:ln>
         </p:spPr>
         <p:txBody>
-          <a:bodyPr anchorCtr="0" anchor="ctr" bIns="91425" lIns="91425" spcFirstLastPara="1" rIns="91425" wrap="square" tIns="91425">
+          <a:bodyPr spcFirstLastPara="1" wrap="square" lIns="91425" tIns="91425" rIns="91425" bIns="91425" anchor="ctr" anchorCtr="0">
             <a:normAutofit/>
           </a:bodyPr>
           <a:lstStyle>
@@ -6642,7 +6818,7 @@
             </a:lvl9pPr>
           </a:lstStyle>
           <a:p>
-            <a:pPr indent="0" lvl="0" marL="0" rtl="0" algn="r">
+            <a:pPr marL="0" lvl="0" indent="0" algn="r" rtl="0">
               <a:spcBef>
                 <a:spcPts val="0"/>
               </a:spcBef>
@@ -6661,7 +6837,7 @@
       </p:sp>
     </p:spTree>
   </p:cSld>
-  <p:clrMap accent1="accent1" accent2="accent2" accent3="accent3" accent4="accent4" accent5="accent5" accent6="accent6" bg1="lt1" bg2="dk2" tx1="dk1" tx2="lt2" folHlink="folHlink" hlink="hlink"/>
+  <p:clrMap bg1="lt1" tx1="dk1" bg2="dk2" tx2="lt2" accent1="accent1" accent2="accent2" accent3="accent3" accent4="accent4" accent5="accent5" accent6="accent6" hlink="hlink" folHlink="folHlink"/>
   <p:sldLayoutIdLst>
     <p:sldLayoutId id="2147483648" r:id="rId1"/>
     <p:sldLayoutId id="2147483649" r:id="rId2"/>
@@ -6675,22 +6851,22 @@
     <p:sldLayoutId id="2147483657" r:id="rId10"/>
     <p:sldLayoutId id="2147483658" r:id="rId11"/>
   </p:sldLayoutIdLst>
-  <mc:AlternateContent>
+  <mc:AlternateContent xmlns:mc="http://schemas.openxmlformats.org/markup-compatibility/2006" xmlns:p14="http://schemas.microsoft.com/office/powerpoint/2010/main">
     <mc:Choice Requires="p14">
-      <p:transition spd="slow" p14:dur="1000">
+      <p:transition spd="slow">
         <p:fade thruBlk="1"/>
       </p:transition>
     </mc:Choice>
-    <mc:Fallback>
+    <mc:Fallback xmlns:ahyp="http://schemas.microsoft.com/office/drawing/2018/hyperlinkcolor" xmlns:p15="http://schemas.microsoft.com/office/powerpoint/2012/main" xmlns:com="http://schemas.openxmlformats.org/drawingml/2006/compatibility" xmlns:pvml="urn:schemas-microsoft-com:office:powerpoint" xmlns:v="urn:schemas-microsoft-com:vml" xmlns:o="urn:schemas-microsoft-com:office:office" xmlns:dgm="http://schemas.openxmlformats.org/drawingml/2006/diagram" xmlns:c="http://schemas.openxmlformats.org/drawingml/2006/chart" xmlns:mv="urn:schemas-microsoft-com:mac:vml" xmlns="">
       <p:transition spd="slow">
         <p:fade/>
       </p:transition>
     </mc:Fallback>
   </mc:AlternateContent>
-  <p:hf dt="0" ftr="0" hdr="0" sldNum="0"/>
+  <p:hf sldNum="0" hdr="0" ftr="0" dt="0"/>
   <p:txStyles>
     <p:titleStyle>
-      <a:defPPr lvl="0" marR="0" rtl="0" algn="l">
+      <a:defPPr marR="0" lvl="0" algn="l" rtl="0">
         <a:lnSpc>
           <a:spcPct val="100000"/>
         </a:lnSpc>
@@ -6701,7 +6877,7 @@
           <a:spcPts val="0"/>
         </a:spcAft>
       </a:defPPr>
-      <a:lvl1pPr lvl="0" marR="0" rtl="0" algn="l">
+      <a:lvl1pPr marR="0" lvl="0" algn="l" rtl="0">
         <a:lnSpc>
           <a:spcPct val="100000"/>
         </a:lnSpc>
@@ -6715,7 +6891,7 @@
           <a:srgbClr val="000000"/>
         </a:buClr>
         <a:buFont typeface="Arial"/>
-        <a:defRPr b="0" i="0" sz="1400" u="none" cap="none" strike="noStrike">
+        <a:defRPr sz="1400" b="0" i="0" u="none" strike="noStrike" cap="none">
           <a:solidFill>
             <a:srgbClr val="000000"/>
           </a:solidFill>
@@ -6725,7 +6901,7 @@
           <a:sym typeface="Arial"/>
         </a:defRPr>
       </a:lvl1pPr>
-      <a:lvl2pPr lvl="1" marR="0" rtl="0" algn="l">
+      <a:lvl2pPr marR="0" lvl="1" algn="l" rtl="0">
         <a:lnSpc>
           <a:spcPct val="100000"/>
         </a:lnSpc>
@@ -6739,7 +6915,7 @@
           <a:srgbClr val="000000"/>
         </a:buClr>
         <a:buFont typeface="Arial"/>
-        <a:defRPr b="0" i="0" sz="1400" u="none" cap="none" strike="noStrike">
+        <a:defRPr sz="1400" b="0" i="0" u="none" strike="noStrike" cap="none">
           <a:solidFill>
             <a:srgbClr val="000000"/>
           </a:solidFill>
@@ -6749,7 +6925,7 @@
           <a:sym typeface="Arial"/>
         </a:defRPr>
       </a:lvl2pPr>
-      <a:lvl3pPr lvl="2" marR="0" rtl="0" algn="l">
+      <a:lvl3pPr marR="0" lvl="2" algn="l" rtl="0">
         <a:lnSpc>
           <a:spcPct val="100000"/>
         </a:lnSpc>
@@ -6763,7 +6939,7 @@
           <a:srgbClr val="000000"/>
         </a:buClr>
         <a:buFont typeface="Arial"/>
-        <a:defRPr b="0" i="0" sz="1400" u="none" cap="none" strike="noStrike">
+        <a:defRPr sz="1400" b="0" i="0" u="none" strike="noStrike" cap="none">
           <a:solidFill>
             <a:srgbClr val="000000"/>
           </a:solidFill>
@@ -6773,7 +6949,7 @@
           <a:sym typeface="Arial"/>
         </a:defRPr>
       </a:lvl3pPr>
-      <a:lvl4pPr lvl="3" marR="0" rtl="0" algn="l">
+      <a:lvl4pPr marR="0" lvl="3" algn="l" rtl="0">
         <a:lnSpc>
           <a:spcPct val="100000"/>
         </a:lnSpc>
@@ -6787,7 +6963,7 @@
           <a:srgbClr val="000000"/>
         </a:buClr>
         <a:buFont typeface="Arial"/>
-        <a:defRPr b="0" i="0" sz="1400" u="none" cap="none" strike="noStrike">
+        <a:defRPr sz="1400" b="0" i="0" u="none" strike="noStrike" cap="none">
           <a:solidFill>
             <a:srgbClr val="000000"/>
           </a:solidFill>
@@ -6797,7 +6973,7 @@
           <a:sym typeface="Arial"/>
         </a:defRPr>
       </a:lvl4pPr>
-      <a:lvl5pPr lvl="4" marR="0" rtl="0" algn="l">
+      <a:lvl5pPr marR="0" lvl="4" algn="l" rtl="0">
         <a:lnSpc>
           <a:spcPct val="100000"/>
         </a:lnSpc>
@@ -6811,7 +6987,7 @@
           <a:srgbClr val="000000"/>
         </a:buClr>
         <a:buFont typeface="Arial"/>
-        <a:defRPr b="0" i="0" sz="1400" u="none" cap="none" strike="noStrike">
+        <a:defRPr sz="1400" b="0" i="0" u="none" strike="noStrike" cap="none">
           <a:solidFill>
             <a:srgbClr val="000000"/>
           </a:solidFill>
@@ -6821,7 +6997,7 @@
           <a:sym typeface="Arial"/>
         </a:defRPr>
       </a:lvl5pPr>
-      <a:lvl6pPr lvl="5" marR="0" rtl="0" algn="l">
+      <a:lvl6pPr marR="0" lvl="5" algn="l" rtl="0">
         <a:lnSpc>
           <a:spcPct val="100000"/>
         </a:lnSpc>
@@ -6835,7 +7011,7 @@
           <a:srgbClr val="000000"/>
         </a:buClr>
         <a:buFont typeface="Arial"/>
-        <a:defRPr b="0" i="0" sz="1400" u="none" cap="none" strike="noStrike">
+        <a:defRPr sz="1400" b="0" i="0" u="none" strike="noStrike" cap="none">
           <a:solidFill>
             <a:srgbClr val="000000"/>
           </a:solidFill>
@@ -6845,7 +7021,7 @@
           <a:sym typeface="Arial"/>
         </a:defRPr>
       </a:lvl6pPr>
-      <a:lvl7pPr lvl="6" marR="0" rtl="0" algn="l">
+      <a:lvl7pPr marR="0" lvl="6" algn="l" rtl="0">
         <a:lnSpc>
           <a:spcPct val="100000"/>
         </a:lnSpc>
@@ -6859,7 +7035,7 @@
           <a:srgbClr val="000000"/>
         </a:buClr>
         <a:buFont typeface="Arial"/>
-        <a:defRPr b="0" i="0" sz="1400" u="none" cap="none" strike="noStrike">
+        <a:defRPr sz="1400" b="0" i="0" u="none" strike="noStrike" cap="none">
           <a:solidFill>
             <a:srgbClr val="000000"/>
           </a:solidFill>
@@ -6869,7 +7045,7 @@
           <a:sym typeface="Arial"/>
         </a:defRPr>
       </a:lvl7pPr>
-      <a:lvl8pPr lvl="7" marR="0" rtl="0" algn="l">
+      <a:lvl8pPr marR="0" lvl="7" algn="l" rtl="0">
         <a:lnSpc>
           <a:spcPct val="100000"/>
         </a:lnSpc>
@@ -6883,7 +7059,7 @@
           <a:srgbClr val="000000"/>
         </a:buClr>
         <a:buFont typeface="Arial"/>
-        <a:defRPr b="0" i="0" sz="1400" u="none" cap="none" strike="noStrike">
+        <a:defRPr sz="1400" b="0" i="0" u="none" strike="noStrike" cap="none">
           <a:solidFill>
             <a:srgbClr val="000000"/>
           </a:solidFill>
@@ -6893,7 +7069,7 @@
           <a:sym typeface="Arial"/>
         </a:defRPr>
       </a:lvl8pPr>
-      <a:lvl9pPr lvl="8" marR="0" rtl="0" algn="l">
+      <a:lvl9pPr marR="0" lvl="8" algn="l" rtl="0">
         <a:lnSpc>
           <a:spcPct val="100000"/>
         </a:lnSpc>
@@ -6907,7 +7083,7 @@
           <a:srgbClr val="000000"/>
         </a:buClr>
         <a:buFont typeface="Arial"/>
-        <a:defRPr b="0" i="0" sz="1400" u="none" cap="none" strike="noStrike">
+        <a:defRPr sz="1400" b="0" i="0" u="none" strike="noStrike" cap="none">
           <a:solidFill>
             <a:srgbClr val="000000"/>
           </a:solidFill>
@@ -6919,7 +7095,7 @@
       </a:lvl9pPr>
     </p:titleStyle>
     <p:bodyStyle>
-      <a:defPPr lvl="0" marR="0" rtl="0" algn="l">
+      <a:defPPr marR="0" lvl="0" algn="l" rtl="0">
         <a:lnSpc>
           <a:spcPct val="100000"/>
         </a:lnSpc>
@@ -6930,7 +7106,7 @@
           <a:spcPts val="0"/>
         </a:spcAft>
       </a:defPPr>
-      <a:lvl1pPr lvl="0" marR="0" rtl="0" algn="l">
+      <a:lvl1pPr marR="0" lvl="0" algn="l" rtl="0">
         <a:lnSpc>
           <a:spcPct val="100000"/>
         </a:lnSpc>
@@ -6944,7 +7120,7 @@
           <a:srgbClr val="000000"/>
         </a:buClr>
         <a:buFont typeface="Arial"/>
-        <a:defRPr b="0" i="0" sz="1400" u="none" cap="none" strike="noStrike">
+        <a:defRPr sz="1400" b="0" i="0" u="none" strike="noStrike" cap="none">
           <a:solidFill>
             <a:srgbClr val="000000"/>
           </a:solidFill>
@@ -6954,7 +7130,7 @@
           <a:sym typeface="Arial"/>
         </a:defRPr>
       </a:lvl1pPr>
-      <a:lvl2pPr lvl="1" marR="0" rtl="0" algn="l">
+      <a:lvl2pPr marR="0" lvl="1" algn="l" rtl="0">
         <a:lnSpc>
           <a:spcPct val="100000"/>
         </a:lnSpc>
@@ -6968,7 +7144,7 @@
           <a:srgbClr val="000000"/>
         </a:buClr>
         <a:buFont typeface="Arial"/>
-        <a:defRPr b="0" i="0" sz="1400" u="none" cap="none" strike="noStrike">
+        <a:defRPr sz="1400" b="0" i="0" u="none" strike="noStrike" cap="none">
           <a:solidFill>
             <a:srgbClr val="000000"/>
           </a:solidFill>
@@ -6978,7 +7154,7 @@
           <a:sym typeface="Arial"/>
         </a:defRPr>
       </a:lvl2pPr>
-      <a:lvl3pPr lvl="2" marR="0" rtl="0" algn="l">
+      <a:lvl3pPr marR="0" lvl="2" algn="l" rtl="0">
         <a:lnSpc>
           <a:spcPct val="100000"/>
         </a:lnSpc>
@@ -6992,7 +7168,7 @@
           <a:srgbClr val="000000"/>
         </a:buClr>
         <a:buFont typeface="Arial"/>
-        <a:defRPr b="0" i="0" sz="1400" u="none" cap="none" strike="noStrike">
+        <a:defRPr sz="1400" b="0" i="0" u="none" strike="noStrike" cap="none">
           <a:solidFill>
             <a:srgbClr val="000000"/>
           </a:solidFill>
@@ -7002,7 +7178,7 @@
           <a:sym typeface="Arial"/>
         </a:defRPr>
       </a:lvl3pPr>
-      <a:lvl4pPr lvl="3" marR="0" rtl="0" algn="l">
+      <a:lvl4pPr marR="0" lvl="3" algn="l" rtl="0">
         <a:lnSpc>
           <a:spcPct val="100000"/>
         </a:lnSpc>
@@ -7016,7 +7192,7 @@
           <a:srgbClr val="000000"/>
         </a:buClr>
         <a:buFont typeface="Arial"/>
-        <a:defRPr b="0" i="0" sz="1400" u="none" cap="none" strike="noStrike">
+        <a:defRPr sz="1400" b="0" i="0" u="none" strike="noStrike" cap="none">
           <a:solidFill>
             <a:srgbClr val="000000"/>
           </a:solidFill>
@@ -7026,7 +7202,7 @@
           <a:sym typeface="Arial"/>
         </a:defRPr>
       </a:lvl4pPr>
-      <a:lvl5pPr lvl="4" marR="0" rtl="0" algn="l">
+      <a:lvl5pPr marR="0" lvl="4" algn="l" rtl="0">
         <a:lnSpc>
           <a:spcPct val="100000"/>
         </a:lnSpc>
@@ -7040,7 +7216,7 @@
           <a:srgbClr val="000000"/>
         </a:buClr>
         <a:buFont typeface="Arial"/>
-        <a:defRPr b="0" i="0" sz="1400" u="none" cap="none" strike="noStrike">
+        <a:defRPr sz="1400" b="0" i="0" u="none" strike="noStrike" cap="none">
           <a:solidFill>
             <a:srgbClr val="000000"/>
           </a:solidFill>
@@ -7050,7 +7226,7 @@
           <a:sym typeface="Arial"/>
         </a:defRPr>
       </a:lvl5pPr>
-      <a:lvl6pPr lvl="5" marR="0" rtl="0" algn="l">
+      <a:lvl6pPr marR="0" lvl="5" algn="l" rtl="0">
         <a:lnSpc>
           <a:spcPct val="100000"/>
         </a:lnSpc>
@@ -7064,7 +7240,7 @@
           <a:srgbClr val="000000"/>
         </a:buClr>
         <a:buFont typeface="Arial"/>
-        <a:defRPr b="0" i="0" sz="1400" u="none" cap="none" strike="noStrike">
+        <a:defRPr sz="1400" b="0" i="0" u="none" strike="noStrike" cap="none">
           <a:solidFill>
             <a:srgbClr val="000000"/>
           </a:solidFill>
@@ -7074,7 +7250,7 @@
           <a:sym typeface="Arial"/>
         </a:defRPr>
       </a:lvl6pPr>
-      <a:lvl7pPr lvl="6" marR="0" rtl="0" algn="l">
+      <a:lvl7pPr marR="0" lvl="6" algn="l" rtl="0">
         <a:lnSpc>
           <a:spcPct val="100000"/>
         </a:lnSpc>
@@ -7088,7 +7264,7 @@
           <a:srgbClr val="000000"/>
         </a:buClr>
         <a:buFont typeface="Arial"/>
-        <a:defRPr b="0" i="0" sz="1400" u="none" cap="none" strike="noStrike">
+        <a:defRPr sz="1400" b="0" i="0" u="none" strike="noStrike" cap="none">
           <a:solidFill>
             <a:srgbClr val="000000"/>
           </a:solidFill>
@@ -7098,7 +7274,7 @@
           <a:sym typeface="Arial"/>
         </a:defRPr>
       </a:lvl7pPr>
-      <a:lvl8pPr lvl="7" marR="0" rtl="0" algn="l">
+      <a:lvl8pPr marR="0" lvl="7" algn="l" rtl="0">
         <a:lnSpc>
           <a:spcPct val="100000"/>
         </a:lnSpc>
@@ -7112,7 +7288,7 @@
           <a:srgbClr val="000000"/>
         </a:buClr>
         <a:buFont typeface="Arial"/>
-        <a:defRPr b="0" i="0" sz="1400" u="none" cap="none" strike="noStrike">
+        <a:defRPr sz="1400" b="0" i="0" u="none" strike="noStrike" cap="none">
           <a:solidFill>
             <a:srgbClr val="000000"/>
           </a:solidFill>
@@ -7122,7 +7298,7 @@
           <a:sym typeface="Arial"/>
         </a:defRPr>
       </a:lvl8pPr>
-      <a:lvl9pPr lvl="8" marR="0" rtl="0" algn="l">
+      <a:lvl9pPr marR="0" lvl="8" algn="l" rtl="0">
         <a:lnSpc>
           <a:spcPct val="100000"/>
         </a:lnSpc>
@@ -7136,7 +7312,7 @@
           <a:srgbClr val="000000"/>
         </a:buClr>
         <a:buFont typeface="Arial"/>
-        <a:defRPr b="0" i="0" sz="1400" u="none" cap="none" strike="noStrike">
+        <a:defRPr sz="1400" b="0" i="0" u="none" strike="noStrike" cap="none">
           <a:solidFill>
             <a:srgbClr val="000000"/>
           </a:solidFill>
@@ -7148,7 +7324,7 @@
       </a:lvl9pPr>
     </p:bodyStyle>
     <p:otherStyle>
-      <a:defPPr lvl="0" marR="0" rtl="0" algn="l">
+      <a:defPPr marR="0" lvl="0" algn="l" rtl="0">
         <a:lnSpc>
           <a:spcPct val="100000"/>
         </a:lnSpc>
@@ -7159,7 +7335,7 @@
           <a:spcPts val="0"/>
         </a:spcAft>
       </a:defPPr>
-      <a:lvl1pPr lvl="0" marR="0" rtl="0" algn="l">
+      <a:lvl1pPr marR="0" lvl="0" algn="l" rtl="0">
         <a:lnSpc>
           <a:spcPct val="100000"/>
         </a:lnSpc>
@@ -7173,7 +7349,7 @@
           <a:srgbClr val="000000"/>
         </a:buClr>
         <a:buFont typeface="Arial"/>
-        <a:defRPr b="0" i="0" sz="1400" u="none" cap="none" strike="noStrike">
+        <a:defRPr sz="1400" b="0" i="0" u="none" strike="noStrike" cap="none">
           <a:solidFill>
             <a:srgbClr val="000000"/>
           </a:solidFill>
@@ -7183,7 +7359,7 @@
           <a:sym typeface="Arial"/>
         </a:defRPr>
       </a:lvl1pPr>
-      <a:lvl2pPr lvl="1" marR="0" rtl="0" algn="l">
+      <a:lvl2pPr marR="0" lvl="1" algn="l" rtl="0">
         <a:lnSpc>
           <a:spcPct val="100000"/>
         </a:lnSpc>
@@ -7197,7 +7373,7 @@
           <a:srgbClr val="000000"/>
         </a:buClr>
         <a:buFont typeface="Arial"/>
-        <a:defRPr b="0" i="0" sz="1400" u="none" cap="none" strike="noStrike">
+        <a:defRPr sz="1400" b="0" i="0" u="none" strike="noStrike" cap="none">
           <a:solidFill>
             <a:srgbClr val="000000"/>
           </a:solidFill>
@@ -7207,7 +7383,7 @@
           <a:sym typeface="Arial"/>
         </a:defRPr>
       </a:lvl2pPr>
-      <a:lvl3pPr lvl="2" marR="0" rtl="0" algn="l">
+      <a:lvl3pPr marR="0" lvl="2" algn="l" rtl="0">
         <a:lnSpc>
           <a:spcPct val="100000"/>
         </a:lnSpc>
@@ -7221,7 +7397,7 @@
           <a:srgbClr val="000000"/>
         </a:buClr>
         <a:buFont typeface="Arial"/>
-        <a:defRPr b="0" i="0" sz="1400" u="none" cap="none" strike="noStrike">
+        <a:defRPr sz="1400" b="0" i="0" u="none" strike="noStrike" cap="none">
           <a:solidFill>
             <a:srgbClr val="000000"/>
           </a:solidFill>
@@ -7231,7 +7407,7 @@
           <a:sym typeface="Arial"/>
         </a:defRPr>
       </a:lvl3pPr>
-      <a:lvl4pPr lvl="3" marR="0" rtl="0" algn="l">
+      <a:lvl4pPr marR="0" lvl="3" algn="l" rtl="0">
         <a:lnSpc>
           <a:spcPct val="100000"/>
         </a:lnSpc>
@@ -7245,7 +7421,7 @@
           <a:srgbClr val="000000"/>
         </a:buClr>
         <a:buFont typeface="Arial"/>
-        <a:defRPr b="0" i="0" sz="1400" u="none" cap="none" strike="noStrike">
+        <a:defRPr sz="1400" b="0" i="0" u="none" strike="noStrike" cap="none">
           <a:solidFill>
             <a:srgbClr val="000000"/>
           </a:solidFill>
@@ -7255,7 +7431,7 @@
           <a:sym typeface="Arial"/>
         </a:defRPr>
       </a:lvl4pPr>
-      <a:lvl5pPr lvl="4" marR="0" rtl="0" algn="l">
+      <a:lvl5pPr marR="0" lvl="4" algn="l" rtl="0">
         <a:lnSpc>
           <a:spcPct val="100000"/>
         </a:lnSpc>
@@ -7269,7 +7445,7 @@
           <a:srgbClr val="000000"/>
         </a:buClr>
         <a:buFont typeface="Arial"/>
-        <a:defRPr b="0" i="0" sz="1400" u="none" cap="none" strike="noStrike">
+        <a:defRPr sz="1400" b="0" i="0" u="none" strike="noStrike" cap="none">
           <a:solidFill>
             <a:srgbClr val="000000"/>
           </a:solidFill>
@@ -7279,7 +7455,7 @@
           <a:sym typeface="Arial"/>
         </a:defRPr>
       </a:lvl5pPr>
-      <a:lvl6pPr lvl="5" marR="0" rtl="0" algn="l">
+      <a:lvl6pPr marR="0" lvl="5" algn="l" rtl="0">
         <a:lnSpc>
           <a:spcPct val="100000"/>
         </a:lnSpc>
@@ -7293,7 +7469,7 @@
           <a:srgbClr val="000000"/>
         </a:buClr>
         <a:buFont typeface="Arial"/>
-        <a:defRPr b="0" i="0" sz="1400" u="none" cap="none" strike="noStrike">
+        <a:defRPr sz="1400" b="0" i="0" u="none" strike="noStrike" cap="none">
           <a:solidFill>
             <a:srgbClr val="000000"/>
           </a:solidFill>
@@ -7303,7 +7479,7 @@
           <a:sym typeface="Arial"/>
         </a:defRPr>
       </a:lvl6pPr>
-      <a:lvl7pPr lvl="6" marR="0" rtl="0" algn="l">
+      <a:lvl7pPr marR="0" lvl="6" algn="l" rtl="0">
         <a:lnSpc>
           <a:spcPct val="100000"/>
         </a:lnSpc>
@@ -7317,7 +7493,7 @@
           <a:srgbClr val="000000"/>
         </a:buClr>
         <a:buFont typeface="Arial"/>
-        <a:defRPr b="0" i="0" sz="1400" u="none" cap="none" strike="noStrike">
+        <a:defRPr sz="1400" b="0" i="0" u="none" strike="noStrike" cap="none">
           <a:solidFill>
             <a:srgbClr val="000000"/>
           </a:solidFill>
@@ -7327,7 +7503,7 @@
           <a:sym typeface="Arial"/>
         </a:defRPr>
       </a:lvl7pPr>
-      <a:lvl8pPr lvl="7" marR="0" rtl="0" algn="l">
+      <a:lvl8pPr marR="0" lvl="7" algn="l" rtl="0">
         <a:lnSpc>
           <a:spcPct val="100000"/>
         </a:lnSpc>
@@ -7341,7 +7517,7 @@
           <a:srgbClr val="000000"/>
         </a:buClr>
         <a:buFont typeface="Arial"/>
-        <a:defRPr b="0" i="0" sz="1400" u="none" cap="none" strike="noStrike">
+        <a:defRPr sz="1400" b="0" i="0" u="none" strike="noStrike" cap="none">
           <a:solidFill>
             <a:srgbClr val="000000"/>
           </a:solidFill>
@@ -7351,7 +7527,7 @@
           <a:sym typeface="Arial"/>
         </a:defRPr>
       </a:lvl8pPr>
-      <a:lvl9pPr lvl="8" marR="0" rtl="0" algn="l">
+      <a:lvl9pPr marR="0" lvl="8" algn="l" rtl="0">
         <a:lnSpc>
           <a:spcPct val="100000"/>
         </a:lnSpc>
@@ -7365,7 +7541,7 @@
           <a:srgbClr val="000000"/>
         </a:buClr>
         <a:buFont typeface="Arial"/>
-        <a:defRPr b="0" i="0" sz="1400" u="none" cap="none" strike="noStrike">
+        <a:defRPr sz="1400" b="0" i="0" u="none" strike="noStrike" cap="none">
           <a:solidFill>
             <a:srgbClr val="000000"/>
           </a:solidFill>
@@ -7381,11 +7557,11 @@
 </file>
 
 <file path=ppt/slides/slide1.xml><?xml version="1.0" encoding="utf-8"?>
-<p:sld xmlns:a="http://schemas.openxmlformats.org/drawingml/2006/main" xmlns:r="http://schemas.openxmlformats.org/officeDocument/2006/relationships" xmlns:mc="http://schemas.openxmlformats.org/markup-compatibility/2006" xmlns:mv="urn:schemas-microsoft-com:mac:vml" xmlns:p="http://schemas.openxmlformats.org/presentationml/2006/main" xmlns:c="http://schemas.openxmlformats.org/drawingml/2006/chart" xmlns:dgm="http://schemas.openxmlformats.org/drawingml/2006/diagram" xmlns:o="urn:schemas-microsoft-com:office:office" xmlns:v="urn:schemas-microsoft-com:vml" xmlns:pvml="urn:schemas-microsoft-com:office:powerpoint" xmlns:com="http://schemas.openxmlformats.org/drawingml/2006/compatibility" xmlns:p14="http://schemas.microsoft.com/office/powerpoint/2010/main" xmlns:p15="http://schemas.microsoft.com/office/powerpoint/2012/main" xmlns:ahyp="http://schemas.microsoft.com/office/drawing/2018/hyperlinkcolor">
+<p:sld xmlns:a="http://schemas.openxmlformats.org/drawingml/2006/main" xmlns:r="http://schemas.openxmlformats.org/officeDocument/2006/relationships" xmlns:p="http://schemas.openxmlformats.org/presentationml/2006/main">
   <p:cSld>
     <p:spTree>
       <p:nvGrpSpPr>
-        <p:cNvPr id="58" name="Shape 58"/>
+        <p:cNvPr id="1" name="Shape 58"/>
         <p:cNvGrpSpPr/>
         <p:nvPr/>
       </p:nvGrpSpPr>
@@ -7400,7 +7576,9 @@
       <p:sp>
         <p:nvSpPr>
           <p:cNvPr id="59" name="Google Shape;59;p13"/>
-          <p:cNvSpPr txBox="1"/>
+          <p:cNvSpPr txBox="1">
+            <a:spLocks noGrp="1"/>
+          </p:cNvSpPr>
           <p:nvPr>
             <p:ph type="ctrTitle"/>
           </p:nvPr>
@@ -7415,12 +7593,12 @@
           </a:prstGeom>
         </p:spPr>
         <p:txBody>
-          <a:bodyPr anchorCtr="0" anchor="b" bIns="91425" lIns="91425" spcFirstLastPara="1" rIns="91425" wrap="square" tIns="91425">
+          <a:bodyPr spcFirstLastPara="1" wrap="square" lIns="91425" tIns="91425" rIns="91425" bIns="91425" anchor="b" anchorCtr="0">
             <a:normAutofit/>
           </a:bodyPr>
           <a:lstStyle/>
           <a:p>
-            <a:pPr indent="0" lvl="0" marL="0" rtl="0" algn="ctr">
+            <a:pPr marL="0" lvl="0" indent="0" algn="ctr" rtl="0">
               <a:spcBef>
                 <a:spcPts val="0"/>
               </a:spcBef>
@@ -7440,9 +7618,11 @@
       <p:sp>
         <p:nvSpPr>
           <p:cNvPr id="60" name="Google Shape;60;p13"/>
-          <p:cNvSpPr txBox="1"/>
+          <p:cNvSpPr txBox="1">
+            <a:spLocks noGrp="1"/>
+          </p:cNvSpPr>
           <p:nvPr>
-            <p:ph idx="1" type="subTitle"/>
+            <p:ph type="subTitle" idx="1"/>
           </p:nvPr>
         </p:nvSpPr>
         <p:spPr>
@@ -7455,12 +7635,12 @@
           </a:prstGeom>
         </p:spPr>
         <p:txBody>
-          <a:bodyPr anchorCtr="0" anchor="t" bIns="91425" lIns="91425" spcFirstLastPara="1" rIns="91425" wrap="square" tIns="91425">
+          <a:bodyPr spcFirstLastPara="1" wrap="square" lIns="91425" tIns="91425" rIns="91425" bIns="91425" anchor="t" anchorCtr="0">
             <a:normAutofit lnSpcReduction="10000"/>
           </a:bodyPr>
           <a:lstStyle/>
           <a:p>
-            <a:pPr indent="0" lvl="0" marL="0" rtl="0" algn="ctr">
+            <a:pPr marL="0" lvl="0" indent="0" algn="ctr" rtl="0">
               <a:spcBef>
                 <a:spcPts val="0"/>
               </a:spcBef>
@@ -7476,7 +7656,7 @@
             <a:endParaRPr/>
           </a:p>
           <a:p>
-            <a:pPr indent="0" lvl="0" marL="0" rtl="0" algn="ctr">
+            <a:pPr marL="0" lvl="0" indent="0" algn="ctr" rtl="0">
               <a:spcBef>
                 <a:spcPts val="0"/>
               </a:spcBef>
@@ -7502,11 +7682,11 @@
 </file>
 
 <file path=ppt/slides/slide10.xml><?xml version="1.0" encoding="utf-8"?>
-<p:sld xmlns:a="http://schemas.openxmlformats.org/drawingml/2006/main" xmlns:r="http://schemas.openxmlformats.org/officeDocument/2006/relationships" xmlns:mc="http://schemas.openxmlformats.org/markup-compatibility/2006" xmlns:mv="urn:schemas-microsoft-com:mac:vml" xmlns:p="http://schemas.openxmlformats.org/presentationml/2006/main" xmlns:c="http://schemas.openxmlformats.org/drawingml/2006/chart" xmlns:dgm="http://schemas.openxmlformats.org/drawingml/2006/diagram" xmlns:o="urn:schemas-microsoft-com:office:office" xmlns:v="urn:schemas-microsoft-com:vml" xmlns:pvml="urn:schemas-microsoft-com:office:powerpoint" xmlns:com="http://schemas.openxmlformats.org/drawingml/2006/compatibility" xmlns:p14="http://schemas.microsoft.com/office/powerpoint/2010/main" xmlns:p15="http://schemas.microsoft.com/office/powerpoint/2012/main" xmlns:ahyp="http://schemas.microsoft.com/office/drawing/2018/hyperlinkcolor">
+<p:sld xmlns:a="http://schemas.openxmlformats.org/drawingml/2006/main" xmlns:r="http://schemas.openxmlformats.org/officeDocument/2006/relationships" xmlns:p="http://schemas.openxmlformats.org/presentationml/2006/main">
   <p:cSld>
     <p:spTree>
       <p:nvGrpSpPr>
-        <p:cNvPr id="114" name="Shape 114"/>
+        <p:cNvPr id="1" name="Shape 114"/>
         <p:cNvGrpSpPr/>
         <p:nvPr/>
       </p:nvGrpSpPr>
@@ -7521,7 +7701,9 @@
       <p:sp>
         <p:nvSpPr>
           <p:cNvPr id="115" name="Google Shape;115;p22"/>
-          <p:cNvSpPr txBox="1"/>
+          <p:cNvSpPr txBox="1">
+            <a:spLocks noGrp="1"/>
+          </p:cNvSpPr>
           <p:nvPr>
             <p:ph type="title"/>
           </p:nvPr>
@@ -7536,12 +7718,12 @@
           </a:prstGeom>
         </p:spPr>
         <p:txBody>
-          <a:bodyPr anchorCtr="0" anchor="b" bIns="91425" lIns="91425" spcFirstLastPara="1" rIns="91425" wrap="square" tIns="91425">
+          <a:bodyPr spcFirstLastPara="1" wrap="square" lIns="91425" tIns="91425" rIns="91425" bIns="91425" anchor="b" anchorCtr="0">
             <a:spAutoFit/>
           </a:bodyPr>
           <a:lstStyle/>
           <a:p>
-            <a:pPr indent="0" lvl="0" marL="0" rtl="0" algn="ctr">
+            <a:pPr marL="0" lvl="0" indent="0" algn="ctr" rtl="0">
               <a:spcBef>
                 <a:spcPts val="0"/>
               </a:spcBef>
@@ -7561,9 +7743,11 @@
       <p:sp>
         <p:nvSpPr>
           <p:cNvPr id="116" name="Google Shape;116;p22"/>
-          <p:cNvSpPr txBox="1"/>
+          <p:cNvSpPr txBox="1">
+            <a:spLocks noGrp="1"/>
+          </p:cNvSpPr>
           <p:nvPr>
-            <p:ph idx="2" type="body"/>
+            <p:ph type="body" idx="2"/>
           </p:nvPr>
         </p:nvSpPr>
         <p:spPr>
@@ -7576,12 +7760,12 @@
           </a:prstGeom>
         </p:spPr>
         <p:txBody>
-          <a:bodyPr anchorCtr="0" anchor="ctr" bIns="91425" lIns="91425" spcFirstLastPara="1" rIns="91425" wrap="square" tIns="91425">
+          <a:bodyPr spcFirstLastPara="1" wrap="square" lIns="91425" tIns="91425" rIns="91425" bIns="91425" anchor="ctr" anchorCtr="0">
             <a:normAutofit/>
           </a:bodyPr>
           <a:lstStyle/>
           <a:p>
-            <a:pPr indent="0" lvl="0" marL="0" rtl="0" algn="l">
+            <a:pPr marL="0" lvl="0" indent="0" algn="l" rtl="0">
               <a:spcBef>
                 <a:spcPts val="0"/>
               </a:spcBef>
@@ -7607,11 +7791,11 @@
 </file>
 
 <file path=ppt/slides/slide11.xml><?xml version="1.0" encoding="utf-8"?>
-<p:sld xmlns:a="http://schemas.openxmlformats.org/drawingml/2006/main" xmlns:r="http://schemas.openxmlformats.org/officeDocument/2006/relationships" xmlns:mc="http://schemas.openxmlformats.org/markup-compatibility/2006" xmlns:mv="urn:schemas-microsoft-com:mac:vml" xmlns:p="http://schemas.openxmlformats.org/presentationml/2006/main" xmlns:c="http://schemas.openxmlformats.org/drawingml/2006/chart" xmlns:dgm="http://schemas.openxmlformats.org/drawingml/2006/diagram" xmlns:o="urn:schemas-microsoft-com:office:office" xmlns:v="urn:schemas-microsoft-com:vml" xmlns:pvml="urn:schemas-microsoft-com:office:powerpoint" xmlns:com="http://schemas.openxmlformats.org/drawingml/2006/compatibility" xmlns:p14="http://schemas.microsoft.com/office/powerpoint/2010/main" xmlns:p15="http://schemas.microsoft.com/office/powerpoint/2012/main" xmlns:ahyp="http://schemas.microsoft.com/office/drawing/2018/hyperlinkcolor">
+<p:sld xmlns:a="http://schemas.openxmlformats.org/drawingml/2006/main" xmlns:r="http://schemas.openxmlformats.org/officeDocument/2006/relationships" xmlns:p="http://schemas.openxmlformats.org/presentationml/2006/main">
   <p:cSld>
     <p:spTree>
       <p:nvGrpSpPr>
-        <p:cNvPr id="120" name="Shape 120"/>
+        <p:cNvPr id="1" name="Shape 120"/>
         <p:cNvGrpSpPr/>
         <p:nvPr/>
       </p:nvGrpSpPr>
@@ -7626,7 +7810,9 @@
       <p:sp>
         <p:nvSpPr>
           <p:cNvPr id="121" name="Google Shape;121;p23"/>
-          <p:cNvSpPr txBox="1"/>
+          <p:cNvSpPr txBox="1">
+            <a:spLocks noGrp="1"/>
+          </p:cNvSpPr>
           <p:nvPr>
             <p:ph type="title"/>
           </p:nvPr>
@@ -7641,12 +7827,12 @@
           </a:prstGeom>
         </p:spPr>
         <p:txBody>
-          <a:bodyPr anchorCtr="0" anchor="ctr" bIns="91425" lIns="91425" spcFirstLastPara="1" rIns="91425" wrap="square" tIns="91425">
+          <a:bodyPr spcFirstLastPara="1" wrap="square" lIns="91425" tIns="91425" rIns="91425" bIns="91425" anchor="ctr" anchorCtr="0">
             <a:normAutofit/>
           </a:bodyPr>
           <a:lstStyle/>
           <a:p>
-            <a:pPr indent="0" lvl="0" marL="0" rtl="0" algn="ctr">
+            <a:pPr marL="0" lvl="0" indent="0" algn="ctr" rtl="0">
               <a:spcBef>
                 <a:spcPts val="0"/>
               </a:spcBef>
@@ -7672,11 +7858,11 @@
 </file>
 
 <file path=ppt/slides/slide12.xml><?xml version="1.0" encoding="utf-8"?>
-<p:sld xmlns:a="http://schemas.openxmlformats.org/drawingml/2006/main" xmlns:r="http://schemas.openxmlformats.org/officeDocument/2006/relationships" xmlns:mc="http://schemas.openxmlformats.org/markup-compatibility/2006" xmlns:mv="urn:schemas-microsoft-com:mac:vml" xmlns:p="http://schemas.openxmlformats.org/presentationml/2006/main" xmlns:c="http://schemas.openxmlformats.org/drawingml/2006/chart" xmlns:dgm="http://schemas.openxmlformats.org/drawingml/2006/diagram" xmlns:o="urn:schemas-microsoft-com:office:office" xmlns:v="urn:schemas-microsoft-com:vml" xmlns:pvml="urn:schemas-microsoft-com:office:powerpoint" xmlns:com="http://schemas.openxmlformats.org/drawingml/2006/compatibility" xmlns:p14="http://schemas.microsoft.com/office/powerpoint/2010/main" xmlns:p15="http://schemas.microsoft.com/office/powerpoint/2012/main" xmlns:ahyp="http://schemas.microsoft.com/office/drawing/2018/hyperlinkcolor">
+<p:sld xmlns:a="http://schemas.openxmlformats.org/drawingml/2006/main" xmlns:r="http://schemas.openxmlformats.org/officeDocument/2006/relationships" xmlns:p="http://schemas.openxmlformats.org/presentationml/2006/main">
   <p:cSld>
     <p:spTree>
       <p:nvGrpSpPr>
-        <p:cNvPr id="125" name="Shape 125"/>
+        <p:cNvPr id="1" name="Shape 125"/>
         <p:cNvGrpSpPr/>
         <p:nvPr/>
       </p:nvGrpSpPr>
@@ -7698,24 +7884,24 @@
           <p:nvPr/>
         </p:nvCxnSpPr>
         <p:spPr>
-          <a:xfrm flipH="1" rot="-5400000">
+          <a:xfrm rot="-5400000" flipH="1">
             <a:off x="6002698" y="-1108975"/>
             <a:ext cx="647400" cy="3508800"/>
           </a:xfrm>
           <a:prstGeom prst="bentConnector3">
             <a:avLst>
-              <a:gd fmla="val 49991" name="adj1"/>
+              <a:gd name="adj1" fmla="val 49991"/>
             </a:avLst>
           </a:prstGeom>
           <a:noFill/>
-          <a:ln cap="flat" cmpd="sng" w="19050">
+          <a:ln w="19050" cap="flat" cmpd="sng">
             <a:solidFill>
               <a:srgbClr val="C2C2C2"/>
             </a:solidFill>
             <a:prstDash val="solid"/>
             <a:miter lim="8000"/>
-            <a:headEnd len="sm" w="sm" type="none"/>
-            <a:tailEnd len="sm" w="sm" type="none"/>
+            <a:headEnd type="none" w="sm" len="sm"/>
+            <a:tailEnd type="none" w="sm" len="sm"/>
           </a:ln>
         </p:spPr>
       </p:cxnSp>
@@ -7735,18 +7921,18 @@
           </a:xfrm>
           <a:prstGeom prst="bentConnector3">
             <a:avLst>
-              <a:gd fmla="val 50000" name="adj1"/>
+              <a:gd name="adj1" fmla="val 50000"/>
             </a:avLst>
           </a:prstGeom>
           <a:noFill/>
-          <a:ln cap="flat" cmpd="sng" w="19050">
+          <a:ln w="19050" cap="flat" cmpd="sng">
             <a:solidFill>
               <a:srgbClr val="C2C2C2"/>
             </a:solidFill>
             <a:prstDash val="solid"/>
             <a:miter lim="8000"/>
-            <a:headEnd len="sm" w="sm" type="none"/>
-            <a:tailEnd len="sm" w="sm" type="none"/>
+            <a:headEnd type="none" w="sm" len="sm"/>
+            <a:tailEnd type="none" w="sm" len="sm"/>
           </a:ln>
         </p:spPr>
       </p:cxnSp>
@@ -7760,24 +7946,24 @@
           <p:nvPr/>
         </p:nvCxnSpPr>
         <p:spPr>
-          <a:xfrm flipH="1" rot="-5400000">
+          <a:xfrm rot="-5400000" flipH="1">
             <a:off x="1281690" y="741981"/>
             <a:ext cx="467400" cy="1350000"/>
           </a:xfrm>
           <a:prstGeom prst="bentConnector3">
             <a:avLst>
-              <a:gd fmla="val 50010" name="adj1"/>
+              <a:gd name="adj1" fmla="val 50010"/>
             </a:avLst>
           </a:prstGeom>
           <a:noFill/>
-          <a:ln cap="flat" cmpd="sng" w="19050">
+          <a:ln w="19050" cap="flat" cmpd="sng">
             <a:solidFill>
               <a:srgbClr val="C2C2C2"/>
             </a:solidFill>
             <a:prstDash val="solid"/>
             <a:miter lim="8000"/>
-            <a:headEnd len="sm" w="sm" type="none"/>
-            <a:tailEnd len="sm" w="sm" type="none"/>
+            <a:headEnd type="none" w="sm" len="sm"/>
+            <a:tailEnd type="none" w="sm" len="sm"/>
           </a:ln>
         </p:spPr>
       </p:cxnSp>
@@ -7797,18 +7983,18 @@
           </a:xfrm>
           <a:prstGeom prst="bentConnector3">
             <a:avLst>
-              <a:gd fmla="val 50013" name="adj1"/>
+              <a:gd name="adj1" fmla="val 50013"/>
             </a:avLst>
           </a:prstGeom>
           <a:noFill/>
-          <a:ln cap="flat" cmpd="sng" w="19050">
+          <a:ln w="19050" cap="flat" cmpd="sng">
             <a:solidFill>
               <a:srgbClr val="C2C2C2"/>
             </a:solidFill>
             <a:prstDash val="solid"/>
             <a:miter lim="8000"/>
-            <a:headEnd len="sm" w="sm" type="none"/>
-            <a:tailEnd len="sm" w="sm" type="none"/>
+            <a:headEnd type="none" w="sm" len="sm"/>
+            <a:tailEnd type="none" w="sm" len="sm"/>
           </a:ln>
         </p:spPr>
       </p:cxnSp>
@@ -7822,24 +8008,24 @@
           <p:nvPr/>
         </p:nvCxnSpPr>
         <p:spPr>
-          <a:xfrm flipH="1" rot="-5400000">
+          <a:xfrm rot="-5400000" flipH="1">
             <a:off x="8049513" y="1249179"/>
             <a:ext cx="480000" cy="417600"/>
           </a:xfrm>
           <a:prstGeom prst="bentConnector3">
             <a:avLst>
-              <a:gd fmla="val 49995" name="adj1"/>
+              <a:gd name="adj1" fmla="val 49995"/>
             </a:avLst>
           </a:prstGeom>
           <a:noFill/>
-          <a:ln cap="flat" cmpd="sng" w="19050">
+          <a:ln w="19050" cap="flat" cmpd="sng">
             <a:solidFill>
               <a:srgbClr val="C2C2C2"/>
             </a:solidFill>
             <a:prstDash val="solid"/>
             <a:miter lim="8000"/>
-            <a:headEnd len="sm" w="sm" type="none"/>
-            <a:tailEnd len="sm" w="sm" type="none"/>
+            <a:headEnd type="none" w="sm" len="sm"/>
+            <a:tailEnd type="none" w="sm" len="sm"/>
           </a:ln>
         </p:spPr>
       </p:cxnSp>
@@ -7859,18 +8045,18 @@
           </a:xfrm>
           <a:prstGeom prst="bentConnector3">
             <a:avLst>
-              <a:gd fmla="val 49991" name="adj1"/>
+              <a:gd name="adj1" fmla="val 49991"/>
             </a:avLst>
           </a:prstGeom>
           <a:noFill/>
-          <a:ln cap="flat" cmpd="sng" w="19050">
+          <a:ln w="19050" cap="flat" cmpd="sng">
             <a:solidFill>
               <a:srgbClr val="C2C2C2"/>
             </a:solidFill>
             <a:prstDash val="solid"/>
             <a:miter lim="8000"/>
-            <a:headEnd len="sm" w="sm" type="none"/>
-            <a:tailEnd len="sm" w="sm" type="none"/>
+            <a:headEnd type="none" w="sm" len="sm"/>
+            <a:tailEnd type="none" w="sm" len="sm"/>
           </a:ln>
         </p:spPr>
       </p:cxnSp>
@@ -7889,23 +8075,23 @@
             <a:avLst/>
           </a:prstGeom>
           <a:noFill/>
-          <a:ln cap="flat" cmpd="sng" w="19050">
+          <a:ln w="19050" cap="flat" cmpd="sng">
             <a:solidFill>
               <a:srgbClr val="A72A1E"/>
             </a:solidFill>
             <a:prstDash val="solid"/>
             <a:round/>
-            <a:headEnd len="sm" w="sm" type="none"/>
-            <a:tailEnd len="sm" w="sm" type="none"/>
+            <a:headEnd type="none" w="sm" len="sm"/>
+            <a:tailEnd type="none" w="sm" len="sm"/>
           </a:ln>
         </p:spPr>
         <p:txBody>
-          <a:bodyPr anchorCtr="0" anchor="ctr" bIns="91425" lIns="91425" spcFirstLastPara="1" rIns="91425" wrap="square" tIns="91425">
+          <a:bodyPr spcFirstLastPara="1" wrap="square" lIns="91425" tIns="91425" rIns="91425" bIns="91425" anchor="ctr" anchorCtr="0">
             <a:noAutofit/>
           </a:bodyPr>
           <a:lstStyle/>
           <a:p>
-            <a:pPr indent="0" lvl="0" marL="0" rtl="0" algn="ctr">
+            <a:pPr marL="0" lvl="0" indent="0" algn="ctr" rtl="0">
               <a:spcBef>
                 <a:spcPts val="0"/>
               </a:spcBef>
@@ -7953,23 +8139,23 @@
             <a:avLst/>
           </a:prstGeom>
           <a:noFill/>
-          <a:ln cap="flat" cmpd="sng" w="19050">
+          <a:ln w="19050" cap="flat" cmpd="sng">
             <a:solidFill>
               <a:srgbClr val="A72A1E"/>
             </a:solidFill>
             <a:prstDash val="solid"/>
             <a:round/>
-            <a:headEnd len="sm" w="sm" type="none"/>
-            <a:tailEnd len="sm" w="sm" type="none"/>
+            <a:headEnd type="none" w="sm" len="sm"/>
+            <a:tailEnd type="none" w="sm" len="sm"/>
           </a:ln>
         </p:spPr>
         <p:txBody>
-          <a:bodyPr anchorCtr="0" anchor="ctr" bIns="91425" lIns="91425" spcFirstLastPara="1" rIns="91425" wrap="square" tIns="91425">
+          <a:bodyPr spcFirstLastPara="1" wrap="square" lIns="91425" tIns="91425" rIns="91425" bIns="91425" anchor="ctr" anchorCtr="0">
             <a:noAutofit/>
           </a:bodyPr>
           <a:lstStyle/>
           <a:p>
-            <a:pPr indent="0" lvl="0" marL="0" rtl="0" algn="ctr">
+            <a:pPr marL="0" lvl="0" indent="0" algn="ctr" rtl="0">
               <a:spcBef>
                 <a:spcPts val="0"/>
               </a:spcBef>
@@ -8017,23 +8203,23 @@
             <a:avLst/>
           </a:prstGeom>
           <a:noFill/>
-          <a:ln cap="flat" cmpd="sng" w="19050">
+          <a:ln w="19050" cap="flat" cmpd="sng">
             <a:solidFill>
               <a:srgbClr val="A72A1E"/>
             </a:solidFill>
             <a:prstDash val="solid"/>
             <a:round/>
-            <a:headEnd len="sm" w="sm" type="none"/>
-            <a:tailEnd len="sm" w="sm" type="none"/>
+            <a:headEnd type="none" w="sm" len="sm"/>
+            <a:tailEnd type="none" w="sm" len="sm"/>
           </a:ln>
         </p:spPr>
         <p:txBody>
-          <a:bodyPr anchorCtr="0" anchor="ctr" bIns="91425" lIns="91425" spcFirstLastPara="1" rIns="91425" wrap="square" tIns="91425">
+          <a:bodyPr spcFirstLastPara="1" wrap="square" lIns="91425" tIns="91425" rIns="91425" bIns="91425" anchor="ctr" anchorCtr="0">
             <a:noAutofit/>
           </a:bodyPr>
           <a:lstStyle/>
           <a:p>
-            <a:pPr indent="0" lvl="0" marL="0" rtl="0" algn="ctr">
+            <a:pPr marL="0" lvl="0" indent="0" algn="ctr" rtl="0">
               <a:spcBef>
                 <a:spcPts val="0"/>
               </a:spcBef>
@@ -8081,23 +8267,23 @@
             <a:avLst/>
           </a:prstGeom>
           <a:noFill/>
-          <a:ln cap="flat" cmpd="sng" w="19050">
+          <a:ln w="19050" cap="flat" cmpd="sng">
             <a:solidFill>
               <a:srgbClr val="A72A1E"/>
             </a:solidFill>
             <a:prstDash val="solid"/>
             <a:round/>
-            <a:headEnd len="sm" w="sm" type="none"/>
-            <a:tailEnd len="sm" w="sm" type="none"/>
+            <a:headEnd type="none" w="sm" len="sm"/>
+            <a:tailEnd type="none" w="sm" len="sm"/>
           </a:ln>
         </p:spPr>
         <p:txBody>
-          <a:bodyPr anchorCtr="0" anchor="ctr" bIns="91425" lIns="91425" spcFirstLastPara="1" rIns="91425" wrap="square" tIns="91425">
+          <a:bodyPr spcFirstLastPara="1" wrap="square" lIns="91425" tIns="91425" rIns="91425" bIns="91425" anchor="ctr" anchorCtr="0">
             <a:noAutofit/>
           </a:bodyPr>
           <a:lstStyle/>
           <a:p>
-            <a:pPr indent="0" lvl="0" marL="0" rtl="0" algn="ctr">
+            <a:pPr marL="0" lvl="0" indent="0" algn="ctr" rtl="0">
               <a:spcBef>
                 <a:spcPts val="0"/>
               </a:spcBef>
@@ -8145,23 +8331,23 @@
             <a:avLst/>
           </a:prstGeom>
           <a:noFill/>
-          <a:ln cap="flat" cmpd="sng" w="19050">
+          <a:ln w="19050" cap="flat" cmpd="sng">
             <a:solidFill>
               <a:srgbClr val="A72A1E"/>
             </a:solidFill>
             <a:prstDash val="solid"/>
             <a:round/>
-            <a:headEnd len="sm" w="sm" type="none"/>
-            <a:tailEnd len="sm" w="sm" type="none"/>
+            <a:headEnd type="none" w="sm" len="sm"/>
+            <a:tailEnd type="none" w="sm" len="sm"/>
           </a:ln>
         </p:spPr>
         <p:txBody>
-          <a:bodyPr anchorCtr="0" anchor="ctr" bIns="91425" lIns="91425" spcFirstLastPara="1" rIns="91425" wrap="square" tIns="91425">
+          <a:bodyPr spcFirstLastPara="1" wrap="square" lIns="91425" tIns="91425" rIns="91425" bIns="91425" anchor="ctr" anchorCtr="0">
             <a:noAutofit/>
           </a:bodyPr>
           <a:lstStyle/>
           <a:p>
-            <a:pPr indent="0" lvl="0" marL="0" rtl="0" algn="ctr">
+            <a:pPr marL="0" lvl="0" indent="0" algn="ctr" rtl="0">
               <a:spcBef>
                 <a:spcPts val="0"/>
               </a:spcBef>
@@ -8209,23 +8395,23 @@
             <a:avLst/>
           </a:prstGeom>
           <a:noFill/>
-          <a:ln cap="flat" cmpd="sng" w="19050">
+          <a:ln w="19050" cap="flat" cmpd="sng">
             <a:solidFill>
               <a:srgbClr val="A72A1E"/>
             </a:solidFill>
             <a:prstDash val="solid"/>
             <a:round/>
-            <a:headEnd len="sm" w="sm" type="none"/>
-            <a:tailEnd len="sm" w="sm" type="none"/>
+            <a:headEnd type="none" w="sm" len="sm"/>
+            <a:tailEnd type="none" w="sm" len="sm"/>
           </a:ln>
         </p:spPr>
         <p:txBody>
-          <a:bodyPr anchorCtr="0" anchor="ctr" bIns="91425" lIns="91425" spcFirstLastPara="1" rIns="91425" wrap="square" tIns="91425">
+          <a:bodyPr spcFirstLastPara="1" wrap="square" lIns="91425" tIns="91425" rIns="91425" bIns="91425" anchor="ctr" anchorCtr="0">
             <a:noAutofit/>
           </a:bodyPr>
           <a:lstStyle/>
           <a:p>
-            <a:pPr indent="0" lvl="0" marL="0" rtl="0" algn="ctr">
+            <a:pPr marL="0" lvl="0" indent="0" algn="ctr" rtl="0">
               <a:spcBef>
                 <a:spcPts val="0"/>
               </a:spcBef>
@@ -8273,23 +8459,23 @@
             <a:avLst/>
           </a:prstGeom>
           <a:noFill/>
-          <a:ln cap="flat" cmpd="sng" w="19050">
+          <a:ln w="19050" cap="flat" cmpd="sng">
             <a:solidFill>
               <a:srgbClr val="A72A1E"/>
             </a:solidFill>
             <a:prstDash val="solid"/>
             <a:round/>
-            <a:headEnd len="sm" w="sm" type="none"/>
-            <a:tailEnd len="sm" w="sm" type="none"/>
+            <a:headEnd type="none" w="sm" len="sm"/>
+            <a:tailEnd type="none" w="sm" len="sm"/>
           </a:ln>
         </p:spPr>
         <p:txBody>
-          <a:bodyPr anchorCtr="0" anchor="ctr" bIns="91425" lIns="91425" spcFirstLastPara="1" rIns="91425" wrap="square" tIns="91425">
+          <a:bodyPr spcFirstLastPara="1" wrap="square" lIns="91425" tIns="91425" rIns="91425" bIns="91425" anchor="ctr" anchorCtr="0">
             <a:noAutofit/>
           </a:bodyPr>
           <a:lstStyle/>
           <a:p>
-            <a:pPr indent="0" lvl="0" marL="0" rtl="0" algn="ctr">
+            <a:pPr marL="0" lvl="0" indent="0" algn="ctr" rtl="0">
               <a:spcBef>
                 <a:spcPts val="0"/>
               </a:spcBef>
@@ -8335,29 +8521,29 @@
           </a:xfrm>
           <a:prstGeom prst="triangle">
             <a:avLst>
-              <a:gd fmla="val 50000" name="adj"/>
+              <a:gd name="adj" fmla="val 50000"/>
             </a:avLst>
           </a:prstGeom>
           <a:solidFill>
             <a:schemeClr val="lt2"/>
           </a:solidFill>
-          <a:ln cap="flat" cmpd="sng" w="9525">
+          <a:ln w="9525" cap="flat" cmpd="sng">
             <a:solidFill>
               <a:srgbClr val="A72A1E"/>
             </a:solidFill>
             <a:prstDash val="solid"/>
             <a:round/>
-            <a:headEnd len="sm" w="sm" type="none"/>
-            <a:tailEnd len="sm" w="sm" type="none"/>
+            <a:headEnd type="none" w="sm" len="sm"/>
+            <a:tailEnd type="none" w="sm" len="sm"/>
           </a:ln>
         </p:spPr>
         <p:txBody>
-          <a:bodyPr anchorCtr="0" anchor="ctr" bIns="91425" lIns="91425" spcFirstLastPara="1" rIns="91425" wrap="square" tIns="91425">
+          <a:bodyPr spcFirstLastPara="1" wrap="square" lIns="91425" tIns="91425" rIns="91425" bIns="91425" anchor="ctr" anchorCtr="0">
             <a:noAutofit/>
           </a:bodyPr>
           <a:lstStyle/>
           <a:p>
-            <a:pPr indent="0" lvl="0" marL="0" rtl="0" algn="l">
+            <a:pPr marL="0" lvl="0" indent="0" algn="l" rtl="0">
               <a:spcBef>
                 <a:spcPts val="0"/>
               </a:spcBef>
@@ -8366,9 +8552,6 @@
               </a:spcAft>
               <a:buNone/>
             </a:pPr>
-            <a:r>
-              <a:t/>
-            </a:r>
             <a:endParaRPr/>
           </a:p>
         </p:txBody>
@@ -8393,12 +8576,12 @@
           </a:ln>
         </p:spPr>
         <p:txBody>
-          <a:bodyPr anchorCtr="0" anchor="t" bIns="91425" lIns="91425" spcFirstLastPara="1" rIns="91425" wrap="square" tIns="91425">
+          <a:bodyPr spcFirstLastPara="1" wrap="square" lIns="91425" tIns="91425" rIns="91425" bIns="91425" anchor="t" anchorCtr="0">
             <a:spAutoFit/>
           </a:bodyPr>
           <a:lstStyle/>
           <a:p>
-            <a:pPr indent="0" lvl="0" marL="0" rtl="0" algn="ctr">
+            <a:pPr marL="0" lvl="0" indent="0" algn="ctr" rtl="0">
               <a:spcBef>
                 <a:spcPts val="0"/>
               </a:spcBef>
@@ -8424,7 +8607,7 @@
             </a:endParaRPr>
           </a:p>
           <a:p>
-            <a:pPr indent="0" lvl="0" marL="0" rtl="0" algn="ctr">
+            <a:pPr marL="0" lvl="0" indent="0" algn="ctr" rtl="0">
               <a:spcBef>
                 <a:spcPts val="0"/>
               </a:spcBef>
@@ -8464,29 +8647,29 @@
           </a:xfrm>
           <a:prstGeom prst="triangle">
             <a:avLst>
-              <a:gd fmla="val 50000" name="adj"/>
+              <a:gd name="adj" fmla="val 50000"/>
             </a:avLst>
           </a:prstGeom>
           <a:solidFill>
             <a:schemeClr val="lt2"/>
           </a:solidFill>
-          <a:ln cap="flat" cmpd="sng" w="9525">
+          <a:ln w="9525" cap="flat" cmpd="sng">
             <a:solidFill>
               <a:srgbClr val="A72A1E"/>
             </a:solidFill>
             <a:prstDash val="solid"/>
             <a:round/>
-            <a:headEnd len="sm" w="sm" type="none"/>
-            <a:tailEnd len="sm" w="sm" type="none"/>
+            <a:headEnd type="none" w="sm" len="sm"/>
+            <a:tailEnd type="none" w="sm" len="sm"/>
           </a:ln>
         </p:spPr>
         <p:txBody>
-          <a:bodyPr anchorCtr="0" anchor="ctr" bIns="91425" lIns="91425" spcFirstLastPara="1" rIns="91425" wrap="square" tIns="91425">
+          <a:bodyPr spcFirstLastPara="1" wrap="square" lIns="91425" tIns="91425" rIns="91425" bIns="91425" anchor="ctr" anchorCtr="0">
             <a:noAutofit/>
           </a:bodyPr>
           <a:lstStyle/>
           <a:p>
-            <a:pPr indent="0" lvl="0" marL="0" rtl="0" algn="l">
+            <a:pPr marL="0" lvl="0" indent="0" algn="l" rtl="0">
               <a:spcBef>
                 <a:spcPts val="0"/>
               </a:spcBef>
@@ -8495,9 +8678,6 @@
               </a:spcAft>
               <a:buNone/>
             </a:pPr>
-            <a:r>
-              <a:t/>
-            </a:r>
             <a:endParaRPr/>
           </a:p>
         </p:txBody>
@@ -8522,12 +8702,12 @@
           </a:ln>
         </p:spPr>
         <p:txBody>
-          <a:bodyPr anchorCtr="0" anchor="t" bIns="91425" lIns="91425" spcFirstLastPara="1" rIns="91425" wrap="square" tIns="91425">
+          <a:bodyPr spcFirstLastPara="1" wrap="square" lIns="91425" tIns="91425" rIns="91425" bIns="91425" anchor="t" anchorCtr="0">
             <a:spAutoFit/>
           </a:bodyPr>
           <a:lstStyle/>
           <a:p>
-            <a:pPr indent="0" lvl="0" marL="0" rtl="0" algn="ctr">
+            <a:pPr marL="0" lvl="0" indent="0" algn="ctr" rtl="0">
               <a:lnSpc>
                 <a:spcPct val="120000"/>
               </a:lnSpc>
@@ -8579,29 +8759,29 @@
           </a:xfrm>
           <a:prstGeom prst="triangle">
             <a:avLst>
-              <a:gd fmla="val 50000" name="adj"/>
+              <a:gd name="adj" fmla="val 50000"/>
             </a:avLst>
           </a:prstGeom>
           <a:solidFill>
             <a:schemeClr val="lt2"/>
           </a:solidFill>
-          <a:ln cap="flat" cmpd="sng" w="9525">
+          <a:ln w="9525" cap="flat" cmpd="sng">
             <a:solidFill>
               <a:srgbClr val="A72A1E"/>
             </a:solidFill>
             <a:prstDash val="solid"/>
             <a:round/>
-            <a:headEnd len="sm" w="sm" type="none"/>
-            <a:tailEnd len="sm" w="sm" type="none"/>
+            <a:headEnd type="none" w="sm" len="sm"/>
+            <a:tailEnd type="none" w="sm" len="sm"/>
           </a:ln>
         </p:spPr>
         <p:txBody>
-          <a:bodyPr anchorCtr="0" anchor="ctr" bIns="91425" lIns="91425" spcFirstLastPara="1" rIns="91425" wrap="square" tIns="91425">
+          <a:bodyPr spcFirstLastPara="1" wrap="square" lIns="91425" tIns="91425" rIns="91425" bIns="91425" anchor="ctr" anchorCtr="0">
             <a:noAutofit/>
           </a:bodyPr>
           <a:lstStyle/>
           <a:p>
-            <a:pPr indent="0" lvl="0" marL="0" rtl="0" algn="l">
+            <a:pPr marL="0" lvl="0" indent="0" algn="l" rtl="0">
               <a:spcBef>
                 <a:spcPts val="0"/>
               </a:spcBef>
@@ -8610,9 +8790,6 @@
               </a:spcAft>
               <a:buNone/>
             </a:pPr>
-            <a:r>
-              <a:t/>
-            </a:r>
             <a:endParaRPr/>
           </a:p>
         </p:txBody>
@@ -8637,12 +8814,12 @@
           </a:ln>
         </p:spPr>
         <p:txBody>
-          <a:bodyPr anchorCtr="0" anchor="t" bIns="91425" lIns="91425" spcFirstLastPara="1" rIns="91425" wrap="square" tIns="91425">
+          <a:bodyPr spcFirstLastPara="1" wrap="square" lIns="91425" tIns="91425" rIns="91425" bIns="91425" anchor="t" anchorCtr="0">
             <a:spAutoFit/>
           </a:bodyPr>
           <a:lstStyle/>
           <a:p>
-            <a:pPr indent="0" lvl="0" marL="0" rtl="0" algn="ctr">
+            <a:pPr marL="0" lvl="0" indent="0" algn="ctr" rtl="0">
               <a:spcBef>
                 <a:spcPts val="0"/>
               </a:spcBef>
@@ -8682,29 +8859,29 @@
           </a:xfrm>
           <a:prstGeom prst="triangle">
             <a:avLst>
-              <a:gd fmla="val 50000" name="adj"/>
+              <a:gd name="adj" fmla="val 50000"/>
             </a:avLst>
           </a:prstGeom>
           <a:solidFill>
             <a:schemeClr val="lt2"/>
           </a:solidFill>
-          <a:ln cap="flat" cmpd="sng" w="9525">
+          <a:ln w="9525" cap="flat" cmpd="sng">
             <a:solidFill>
               <a:srgbClr val="A72A1E"/>
             </a:solidFill>
             <a:prstDash val="solid"/>
             <a:round/>
-            <a:headEnd len="sm" w="sm" type="none"/>
-            <a:tailEnd len="sm" w="sm" type="none"/>
+            <a:headEnd type="none" w="sm" len="sm"/>
+            <a:tailEnd type="none" w="sm" len="sm"/>
           </a:ln>
         </p:spPr>
         <p:txBody>
-          <a:bodyPr anchorCtr="0" anchor="ctr" bIns="91425" lIns="91425" spcFirstLastPara="1" rIns="91425" wrap="square" tIns="91425">
+          <a:bodyPr spcFirstLastPara="1" wrap="square" lIns="91425" tIns="91425" rIns="91425" bIns="91425" anchor="ctr" anchorCtr="0">
             <a:noAutofit/>
           </a:bodyPr>
           <a:lstStyle/>
           <a:p>
-            <a:pPr indent="0" lvl="0" marL="0" rtl="0" algn="l">
+            <a:pPr marL="0" lvl="0" indent="0" algn="l" rtl="0">
               <a:spcBef>
                 <a:spcPts val="0"/>
               </a:spcBef>
@@ -8713,9 +8890,6 @@
               </a:spcAft>
               <a:buNone/>
             </a:pPr>
-            <a:r>
-              <a:t/>
-            </a:r>
             <a:endParaRPr/>
           </a:p>
         </p:txBody>
@@ -8740,12 +8914,12 @@
           </a:ln>
         </p:spPr>
         <p:txBody>
-          <a:bodyPr anchorCtr="0" anchor="t" bIns="91425" lIns="91425" spcFirstLastPara="1" rIns="91425" wrap="square" tIns="91425">
+          <a:bodyPr spcFirstLastPara="1" wrap="square" lIns="91425" tIns="91425" rIns="91425" bIns="91425" anchor="t" anchorCtr="0">
             <a:spAutoFit/>
           </a:bodyPr>
           <a:lstStyle/>
           <a:p>
-            <a:pPr indent="0" lvl="0" marL="0" rtl="0" algn="ctr">
+            <a:pPr marL="0" lvl="0" indent="0" algn="ctr" rtl="0">
               <a:spcBef>
                 <a:spcPts val="0"/>
               </a:spcBef>
@@ -8771,7 +8945,7 @@
             </a:endParaRPr>
           </a:p>
           <a:p>
-            <a:pPr indent="0" lvl="0" marL="0" rtl="0" algn="ctr">
+            <a:pPr marL="0" lvl="0" indent="0" algn="ctr" rtl="0">
               <a:lnSpc>
                 <a:spcPct val="120000"/>
               </a:lnSpc>
@@ -8783,9 +8957,6 @@
               </a:spcAft>
               <a:buNone/>
             </a:pPr>
-            <a:r>
-              <a:t/>
-            </a:r>
             <a:endParaRPr sz="1000">
               <a:latin typeface="Average"/>
               <a:ea typeface="Average"/>
@@ -8804,24 +8975,24 @@
           <p:nvPr/>
         </p:nvCxnSpPr>
         <p:spPr>
-          <a:xfrm flipH="1" rot="-5400000">
+          <a:xfrm rot="-5400000" flipH="1">
             <a:off x="8271884" y="2200295"/>
             <a:ext cx="452400" cy="600"/>
           </a:xfrm>
           <a:prstGeom prst="bentConnector3">
             <a:avLst>
-              <a:gd fmla="val 50000" name="adj1"/>
+              <a:gd name="adj1" fmla="val 50000"/>
             </a:avLst>
           </a:prstGeom>
           <a:noFill/>
-          <a:ln cap="flat" cmpd="sng" w="9525">
+          <a:ln w="9525" cap="flat" cmpd="sng">
             <a:solidFill>
               <a:schemeClr val="dk2"/>
             </a:solidFill>
             <a:prstDash val="solid"/>
             <a:round/>
-            <a:headEnd len="med" w="med" type="none"/>
-            <a:tailEnd len="med" w="med" type="none"/>
+            <a:headEnd type="none" w="med" len="med"/>
+            <a:tailEnd type="none" w="med" len="med"/>
           </a:ln>
         </p:spPr>
       </p:cxnSp>
@@ -8840,23 +9011,23 @@
             <a:avLst/>
           </a:prstGeom>
           <a:noFill/>
-          <a:ln cap="flat" cmpd="sng" w="19050">
+          <a:ln w="19050" cap="flat" cmpd="sng">
             <a:solidFill>
               <a:srgbClr val="A72A1E"/>
             </a:solidFill>
             <a:prstDash val="solid"/>
             <a:round/>
-            <a:headEnd len="sm" w="sm" type="none"/>
-            <a:tailEnd len="sm" w="sm" type="none"/>
+            <a:headEnd type="none" w="sm" len="sm"/>
+            <a:tailEnd type="none" w="sm" len="sm"/>
           </a:ln>
         </p:spPr>
         <p:txBody>
-          <a:bodyPr anchorCtr="0" anchor="t" bIns="91425" lIns="91425" spcFirstLastPara="1" rIns="91425" wrap="square" tIns="91425">
+          <a:bodyPr spcFirstLastPara="1" wrap="square" lIns="91425" tIns="91425" rIns="91425" bIns="91425" anchor="t" anchorCtr="0">
             <a:spAutoFit/>
           </a:bodyPr>
           <a:lstStyle/>
           <a:p>
-            <a:pPr indent="0" lvl="0" marL="0" rtl="0" algn="ctr">
+            <a:pPr marL="0" lvl="0" indent="0" algn="ctr" rtl="0">
               <a:spcBef>
                 <a:spcPts val="0"/>
               </a:spcBef>
@@ -8907,14 +9078,14 @@
             <a:avLst/>
           </a:prstGeom>
           <a:noFill/>
-          <a:ln cap="flat" cmpd="sng" w="9525">
+          <a:ln w="9525" cap="flat" cmpd="sng">
             <a:solidFill>
               <a:schemeClr val="dk2"/>
             </a:solidFill>
             <a:prstDash val="solid"/>
             <a:round/>
-            <a:headEnd len="med" w="med" type="none"/>
-            <a:tailEnd len="med" w="med" type="none"/>
+            <a:headEnd type="none" w="med" len="med"/>
+            <a:tailEnd type="none" w="med" len="med"/>
           </a:ln>
         </p:spPr>
       </p:cxnSp>
@@ -8936,14 +9107,14 @@
             <a:avLst/>
           </a:prstGeom>
           <a:noFill/>
-          <a:ln cap="flat" cmpd="sng" w="9525">
+          <a:ln w="9525" cap="flat" cmpd="sng">
             <a:solidFill>
               <a:schemeClr val="dk2"/>
             </a:solidFill>
             <a:prstDash val="solid"/>
             <a:round/>
-            <a:headEnd len="med" w="med" type="none"/>
-            <a:tailEnd len="med" w="med" type="none"/>
+            <a:headEnd type="none" w="med" len="med"/>
+            <a:tailEnd type="none" w="med" len="med"/>
           </a:ln>
         </p:spPr>
       </p:cxnSp>
@@ -8962,23 +9133,23 @@
             <a:avLst/>
           </a:prstGeom>
           <a:noFill/>
-          <a:ln cap="flat" cmpd="sng" w="19050">
+          <a:ln w="19050" cap="flat" cmpd="sng">
             <a:solidFill>
               <a:srgbClr val="A72A1E"/>
             </a:solidFill>
             <a:prstDash val="solid"/>
             <a:round/>
-            <a:headEnd len="sm" w="sm" type="none"/>
-            <a:tailEnd len="sm" w="sm" type="none"/>
+            <a:headEnd type="none" w="sm" len="sm"/>
+            <a:tailEnd type="none" w="sm" len="sm"/>
           </a:ln>
         </p:spPr>
         <p:txBody>
-          <a:bodyPr anchorCtr="0" anchor="t" bIns="91425" lIns="91425" spcFirstLastPara="1" rIns="91425" wrap="square" tIns="91425">
+          <a:bodyPr spcFirstLastPara="1" wrap="square" lIns="91425" tIns="91425" rIns="91425" bIns="91425" anchor="t" anchorCtr="0">
             <a:spAutoFit/>
           </a:bodyPr>
           <a:lstStyle/>
           <a:p>
-            <a:pPr indent="0" lvl="0" marL="0" rtl="0" algn="ctr">
+            <a:pPr marL="0" lvl="0" indent="0" algn="ctr" rtl="0">
               <a:spcBef>
                 <a:spcPts val="0"/>
               </a:spcBef>
@@ -9027,18 +9198,18 @@
           </a:xfrm>
           <a:prstGeom prst="bentConnector3">
             <a:avLst>
-              <a:gd fmla="val 50002" name="adj1"/>
+              <a:gd name="adj1" fmla="val 50002"/>
             </a:avLst>
           </a:prstGeom>
           <a:noFill/>
-          <a:ln cap="flat" cmpd="sng" w="9525">
+          <a:ln w="9525" cap="flat" cmpd="sng">
             <a:solidFill>
               <a:schemeClr val="dk2"/>
             </a:solidFill>
             <a:prstDash val="solid"/>
             <a:round/>
-            <a:headEnd len="med" w="med" type="none"/>
-            <a:tailEnd len="med" w="med" type="none"/>
+            <a:headEnd type="none" w="med" len="med"/>
+            <a:tailEnd type="none" w="med" len="med"/>
           </a:ln>
         </p:spPr>
       </p:cxnSp>
@@ -9052,24 +9223,24 @@
           <p:nvPr/>
         </p:nvCxnSpPr>
         <p:spPr>
-          <a:xfrm flipH="1" rot="-5400000">
+          <a:xfrm rot="-5400000" flipH="1">
             <a:off x="4669198" y="224525"/>
             <a:ext cx="647400" cy="841800"/>
           </a:xfrm>
           <a:prstGeom prst="bentConnector3">
             <a:avLst>
-              <a:gd fmla="val 50000" name="adj1"/>
+              <a:gd name="adj1" fmla="val 50000"/>
             </a:avLst>
           </a:prstGeom>
           <a:noFill/>
-          <a:ln cap="flat" cmpd="sng" w="9525">
+          <a:ln w="9525" cap="flat" cmpd="sng">
             <a:solidFill>
               <a:schemeClr val="dk2"/>
             </a:solidFill>
             <a:prstDash val="solid"/>
             <a:round/>
-            <a:headEnd len="med" w="med" type="none"/>
-            <a:tailEnd len="med" w="med" type="none"/>
+            <a:headEnd type="none" w="med" len="med"/>
+            <a:tailEnd type="none" w="med" len="med"/>
           </a:ln>
         </p:spPr>
       </p:cxnSp>
@@ -9088,23 +9259,23 @@
             <a:avLst/>
           </a:prstGeom>
           <a:noFill/>
-          <a:ln cap="flat" cmpd="sng" w="19050">
+          <a:ln w="19050" cap="flat" cmpd="sng">
             <a:solidFill>
               <a:srgbClr val="A72A1E"/>
             </a:solidFill>
             <a:prstDash val="solid"/>
             <a:round/>
-            <a:headEnd len="sm" w="sm" type="none"/>
-            <a:tailEnd len="sm" w="sm" type="none"/>
+            <a:headEnd type="none" w="sm" len="sm"/>
+            <a:tailEnd type="none" w="sm" len="sm"/>
           </a:ln>
         </p:spPr>
         <p:txBody>
-          <a:bodyPr anchorCtr="0" anchor="t" bIns="91425" lIns="91425" spcFirstLastPara="1" rIns="91425" wrap="square" tIns="91425">
+          <a:bodyPr spcFirstLastPara="1" wrap="square" lIns="91425" tIns="91425" rIns="91425" bIns="91425" anchor="t" anchorCtr="0">
             <a:spAutoFit/>
           </a:bodyPr>
           <a:lstStyle/>
           <a:p>
-            <a:pPr indent="0" lvl="0" marL="0" rtl="0" algn="ctr">
+            <a:pPr marL="0" lvl="0" indent="0" algn="ctr" rtl="0">
               <a:spcBef>
                 <a:spcPts val="0"/>
               </a:spcBef>
@@ -9123,19 +9294,7 @@
                 <a:cs typeface="Oswald Medium"/>
                 <a:sym typeface="Oswald Medium"/>
               </a:rPr>
-              <a:t>Junior </a:t>
-            </a:r>
-            <a:r>
-              <a:rPr lang="en" sz="1000">
-                <a:solidFill>
-                  <a:srgbClr val="A72A1E"/>
-                </a:solidFill>
-                <a:latin typeface="Oswald Medium"/>
-                <a:ea typeface="Oswald Medium"/>
-                <a:cs typeface="Oswald Medium"/>
-                <a:sym typeface="Oswald Medium"/>
-              </a:rPr>
-              <a:t>Analyst</a:t>
+              <a:t>Junior Analyst</a:t>
             </a:r>
             <a:endParaRPr sz="1000">
               <a:solidFill>
@@ -9159,24 +9318,24 @@
           <p:nvPr/>
         </p:nvCxnSpPr>
         <p:spPr>
-          <a:xfrm flipH="1" rot="-5400000">
+          <a:xfrm rot="-5400000" flipH="1">
             <a:off x="3340769" y="1600206"/>
             <a:ext cx="626700" cy="600"/>
           </a:xfrm>
           <a:prstGeom prst="bentConnector3">
             <a:avLst>
-              <a:gd fmla="val 50001" name="adj1"/>
+              <a:gd name="adj1" fmla="val 50001"/>
             </a:avLst>
           </a:prstGeom>
           <a:noFill/>
-          <a:ln cap="flat" cmpd="sng" w="9525">
+          <a:ln w="9525" cap="flat" cmpd="sng">
             <a:solidFill>
               <a:schemeClr val="dk2"/>
             </a:solidFill>
             <a:prstDash val="solid"/>
             <a:round/>
-            <a:headEnd len="med" w="med" type="none"/>
-            <a:tailEnd len="med" w="med" type="none"/>
+            <a:headEnd type="none" w="med" len="med"/>
+            <a:tailEnd type="none" w="med" len="med"/>
           </a:ln>
         </p:spPr>
       </p:cxnSp>
@@ -9190,24 +9349,24 @@
           <p:nvPr/>
         </p:nvCxnSpPr>
         <p:spPr>
-          <a:xfrm flipH="1" rot="-5400000">
+          <a:xfrm rot="-5400000" flipH="1">
             <a:off x="395925" y="2090142"/>
             <a:ext cx="438600" cy="600"/>
           </a:xfrm>
           <a:prstGeom prst="bentConnector3">
             <a:avLst>
-              <a:gd fmla="val 50009" name="adj1"/>
+              <a:gd name="adj1" fmla="val 50009"/>
             </a:avLst>
           </a:prstGeom>
           <a:noFill/>
-          <a:ln cap="flat" cmpd="sng" w="9525">
+          <a:ln w="9525" cap="flat" cmpd="sng">
             <a:solidFill>
               <a:schemeClr val="dk2"/>
             </a:solidFill>
             <a:prstDash val="solid"/>
             <a:round/>
-            <a:headEnd len="med" w="med" type="none"/>
-            <a:tailEnd len="med" w="med" type="none"/>
+            <a:headEnd type="none" w="med" len="med"/>
+            <a:tailEnd type="none" w="med" len="med"/>
           </a:ln>
         </p:spPr>
       </p:cxnSp>
@@ -9224,29 +9383,29 @@
           </a:xfrm>
           <a:prstGeom prst="triangle">
             <a:avLst>
-              <a:gd fmla="val 50000" name="adj"/>
+              <a:gd name="adj" fmla="val 50000"/>
             </a:avLst>
           </a:prstGeom>
           <a:solidFill>
             <a:schemeClr val="lt2"/>
           </a:solidFill>
-          <a:ln cap="flat" cmpd="sng" w="9525">
+          <a:ln w="9525" cap="flat" cmpd="sng">
             <a:solidFill>
               <a:srgbClr val="A72A1E"/>
             </a:solidFill>
             <a:prstDash val="solid"/>
             <a:round/>
-            <a:headEnd len="sm" w="sm" type="none"/>
-            <a:tailEnd len="sm" w="sm" type="none"/>
+            <a:headEnd type="none" w="sm" len="sm"/>
+            <a:tailEnd type="none" w="sm" len="sm"/>
           </a:ln>
         </p:spPr>
         <p:txBody>
-          <a:bodyPr anchorCtr="0" anchor="ctr" bIns="91425" lIns="91425" spcFirstLastPara="1" rIns="91425" wrap="square" tIns="91425">
+          <a:bodyPr spcFirstLastPara="1" wrap="square" lIns="91425" tIns="91425" rIns="91425" bIns="91425" anchor="ctr" anchorCtr="0">
             <a:noAutofit/>
           </a:bodyPr>
           <a:lstStyle/>
           <a:p>
-            <a:pPr indent="0" lvl="0" marL="0" rtl="0" algn="l">
+            <a:pPr marL="0" lvl="0" indent="0" algn="l" rtl="0">
               <a:spcBef>
                 <a:spcPts val="0"/>
               </a:spcBef>
@@ -9255,9 +9414,6 @@
               </a:spcAft>
               <a:buNone/>
             </a:pPr>
-            <a:r>
-              <a:t/>
-            </a:r>
             <a:endParaRPr sz="1000"/>
           </a:p>
         </p:txBody>
@@ -9277,23 +9433,23 @@
             <a:avLst/>
           </a:prstGeom>
           <a:noFill/>
-          <a:ln cap="flat" cmpd="sng" w="19050">
+          <a:ln w="19050" cap="flat" cmpd="sng">
             <a:solidFill>
               <a:srgbClr val="A72A1E"/>
             </a:solidFill>
             <a:prstDash val="solid"/>
             <a:round/>
-            <a:headEnd len="sm" w="sm" type="none"/>
-            <a:tailEnd len="sm" w="sm" type="none"/>
+            <a:headEnd type="none" w="sm" len="sm"/>
+            <a:tailEnd type="none" w="sm" len="sm"/>
           </a:ln>
         </p:spPr>
         <p:txBody>
-          <a:bodyPr anchorCtr="0" anchor="t" bIns="91425" lIns="91425" spcFirstLastPara="1" rIns="91425" wrap="square" tIns="91425">
+          <a:bodyPr spcFirstLastPara="1" wrap="square" lIns="91425" tIns="91425" rIns="91425" bIns="91425" anchor="t" anchorCtr="0">
             <a:spAutoFit/>
           </a:bodyPr>
           <a:lstStyle/>
           <a:p>
-            <a:pPr indent="0" lvl="0" marL="0" rtl="0" algn="ctr">
+            <a:pPr marL="0" lvl="0" indent="0" algn="ctr" rtl="0">
               <a:spcBef>
                 <a:spcPts val="0"/>
               </a:spcBef>
@@ -9336,24 +9492,24 @@
           <p:nvPr/>
         </p:nvCxnSpPr>
         <p:spPr>
-          <a:xfrm flipH="1" rot="-5400000">
+          <a:xfrm rot="-5400000" flipH="1">
             <a:off x="3403031" y="2503371"/>
             <a:ext cx="502200" cy="600"/>
           </a:xfrm>
           <a:prstGeom prst="bentConnector3">
             <a:avLst>
-              <a:gd fmla="val 49996" name="adj1"/>
+              <a:gd name="adj1" fmla="val 49996"/>
             </a:avLst>
           </a:prstGeom>
           <a:noFill/>
-          <a:ln cap="flat" cmpd="sng" w="9525">
+          <a:ln w="9525" cap="flat" cmpd="sng">
             <a:solidFill>
               <a:schemeClr val="dk2"/>
             </a:solidFill>
             <a:prstDash val="solid"/>
             <a:round/>
-            <a:headEnd len="med" w="med" type="none"/>
-            <a:tailEnd len="med" w="med" type="none"/>
+            <a:headEnd type="none" w="med" len="med"/>
+            <a:tailEnd type="none" w="med" len="med"/>
           </a:ln>
         </p:spPr>
       </p:cxnSp>
@@ -9375,14 +9531,14 @@
             <a:avLst/>
           </a:prstGeom>
           <a:noFill/>
-          <a:ln cap="flat" cmpd="sng" w="9525">
+          <a:ln w="9525" cap="flat" cmpd="sng">
             <a:solidFill>
               <a:schemeClr val="dk2"/>
             </a:solidFill>
             <a:prstDash val="solid"/>
             <a:round/>
-            <a:headEnd len="med" w="med" type="none"/>
-            <a:tailEnd len="med" w="med" type="none"/>
+            <a:headEnd type="none" w="med" len="med"/>
+            <a:tailEnd type="none" w="med" len="med"/>
           </a:ln>
         </p:spPr>
       </p:cxnSp>
@@ -9399,29 +9555,29 @@
           </a:xfrm>
           <a:prstGeom prst="triangle">
             <a:avLst>
-              <a:gd fmla="val 50000" name="adj"/>
+              <a:gd name="adj" fmla="val 50000"/>
             </a:avLst>
           </a:prstGeom>
           <a:solidFill>
             <a:schemeClr val="lt2"/>
           </a:solidFill>
-          <a:ln cap="flat" cmpd="sng" w="9525">
+          <a:ln w="9525" cap="flat" cmpd="sng">
             <a:solidFill>
               <a:srgbClr val="A72A1E"/>
             </a:solidFill>
             <a:prstDash val="solid"/>
             <a:round/>
-            <a:headEnd len="sm" w="sm" type="none"/>
-            <a:tailEnd len="sm" w="sm" type="none"/>
+            <a:headEnd type="none" w="sm" len="sm"/>
+            <a:tailEnd type="none" w="sm" len="sm"/>
           </a:ln>
         </p:spPr>
         <p:txBody>
-          <a:bodyPr anchorCtr="0" anchor="ctr" bIns="91425" lIns="91425" spcFirstLastPara="1" rIns="91425" wrap="square" tIns="91425">
+          <a:bodyPr spcFirstLastPara="1" wrap="square" lIns="91425" tIns="91425" rIns="91425" bIns="91425" anchor="ctr" anchorCtr="0">
             <a:noAutofit/>
           </a:bodyPr>
           <a:lstStyle/>
           <a:p>
-            <a:pPr indent="0" lvl="0" marL="0" rtl="0" algn="l">
+            <a:pPr marL="0" lvl="0" indent="0" algn="l" rtl="0">
               <a:spcBef>
                 <a:spcPts val="0"/>
               </a:spcBef>
@@ -9430,9 +9586,6 @@
               </a:spcAft>
               <a:buNone/>
             </a:pPr>
-            <a:r>
-              <a:t/>
-            </a:r>
             <a:endParaRPr sz="1000"/>
           </a:p>
         </p:txBody>
@@ -9457,12 +9610,12 @@
           </a:ln>
         </p:spPr>
         <p:txBody>
-          <a:bodyPr anchorCtr="0" anchor="t" bIns="91425" lIns="91425" spcFirstLastPara="1" rIns="91425" wrap="square" tIns="91425">
+          <a:bodyPr spcFirstLastPara="1" wrap="square" lIns="91425" tIns="91425" rIns="91425" bIns="91425" anchor="t" anchorCtr="0">
             <a:spAutoFit/>
           </a:bodyPr>
           <a:lstStyle/>
           <a:p>
-            <a:pPr indent="0" lvl="0" marL="0" rtl="0" algn="ctr">
+            <a:pPr marL="0" lvl="0" indent="0" algn="ctr" rtl="0">
               <a:spcBef>
                 <a:spcPts val="0"/>
               </a:spcBef>
@@ -9488,7 +9641,7 @@
             </a:endParaRPr>
           </a:p>
           <a:p>
-            <a:pPr indent="0" lvl="0" marL="0" rtl="0" algn="ctr">
+            <a:pPr marL="0" lvl="0" indent="0" algn="ctr" rtl="0">
               <a:lnSpc>
                 <a:spcPct val="120000"/>
               </a:lnSpc>
@@ -9500,9 +9653,6 @@
               </a:spcAft>
               <a:buNone/>
             </a:pPr>
-            <a:r>
-              <a:t/>
-            </a:r>
             <a:endParaRPr sz="1000">
               <a:latin typeface="Average"/>
               <a:ea typeface="Average"/>
@@ -9532,12 +9682,12 @@
           </a:ln>
         </p:spPr>
         <p:txBody>
-          <a:bodyPr anchorCtr="0" anchor="t" bIns="91425" lIns="91425" spcFirstLastPara="1" rIns="91425" wrap="square" tIns="91425">
+          <a:bodyPr spcFirstLastPara="1" wrap="square" lIns="91425" tIns="91425" rIns="91425" bIns="91425" anchor="t" anchorCtr="0">
             <a:spAutoFit/>
           </a:bodyPr>
           <a:lstStyle/>
           <a:p>
-            <a:pPr indent="0" lvl="0" marL="0" rtl="0" algn="ctr">
+            <a:pPr marL="0" lvl="0" indent="0" algn="ctr" rtl="0">
               <a:spcBef>
                 <a:spcPts val="0"/>
               </a:spcBef>
@@ -9553,34 +9703,7 @@
                 <a:cs typeface="Oswald"/>
                 <a:sym typeface="Oswald"/>
               </a:rPr>
-              <a:t>Design </a:t>
-            </a:r>
-            <a:r>
-              <a:rPr lang="en" sz="1000">
-                <a:latin typeface="Oswald"/>
-                <a:ea typeface="Oswald"/>
-                <a:cs typeface="Oswald"/>
-                <a:sym typeface="Oswald"/>
-              </a:rPr>
-              <a:t>of the Phases and </a:t>
-            </a:r>
-            <a:r>
-              <a:rPr lang="en" sz="1000">
-                <a:latin typeface="Oswald"/>
-                <a:ea typeface="Oswald"/>
-                <a:cs typeface="Oswald"/>
-                <a:sym typeface="Oswald"/>
-              </a:rPr>
-              <a:t>determining </a:t>
-            </a:r>
-            <a:r>
-              <a:rPr lang="en" sz="1000">
-                <a:latin typeface="Oswald"/>
-                <a:ea typeface="Oswald"/>
-                <a:cs typeface="Oswald"/>
-                <a:sym typeface="Oswald"/>
-              </a:rPr>
-              <a:t>the tasks</a:t>
+              <a:t>Design of the Phases and determining the tasks</a:t>
             </a:r>
             <a:endParaRPr sz="1000">
               <a:latin typeface="Average"/>
@@ -9609,14 +9732,14 @@
             <a:avLst/>
           </a:prstGeom>
           <a:noFill/>
-          <a:ln cap="flat" cmpd="sng" w="9525">
+          <a:ln w="9525" cap="flat" cmpd="sng">
             <a:solidFill>
               <a:schemeClr val="dk2"/>
             </a:solidFill>
             <a:prstDash val="solid"/>
             <a:round/>
-            <a:headEnd len="med" w="med" type="none"/>
-            <a:tailEnd len="med" w="med" type="none"/>
+            <a:headEnd type="none" w="med" len="med"/>
+            <a:tailEnd type="none" w="med" len="med"/>
           </a:ln>
         </p:spPr>
       </p:cxnSp>
@@ -9629,11 +9752,11 @@
 </file>
 
 <file path=ppt/slides/slide13.xml><?xml version="1.0" encoding="utf-8"?>
-<p:sld xmlns:a="http://schemas.openxmlformats.org/drawingml/2006/main" xmlns:r="http://schemas.openxmlformats.org/officeDocument/2006/relationships" xmlns:mc="http://schemas.openxmlformats.org/markup-compatibility/2006" xmlns:mv="urn:schemas-microsoft-com:mac:vml" xmlns:p="http://schemas.openxmlformats.org/presentationml/2006/main" xmlns:c="http://schemas.openxmlformats.org/drawingml/2006/chart" xmlns:dgm="http://schemas.openxmlformats.org/drawingml/2006/diagram" xmlns:o="urn:schemas-microsoft-com:office:office" xmlns:v="urn:schemas-microsoft-com:vml" xmlns:pvml="urn:schemas-microsoft-com:office:powerpoint" xmlns:com="http://schemas.openxmlformats.org/drawingml/2006/compatibility" xmlns:p14="http://schemas.microsoft.com/office/powerpoint/2010/main" xmlns:p15="http://schemas.microsoft.com/office/powerpoint/2012/main" xmlns:ahyp="http://schemas.microsoft.com/office/drawing/2018/hyperlinkcolor">
+<p:sld xmlns:a="http://schemas.openxmlformats.org/drawingml/2006/main" xmlns:r="http://schemas.openxmlformats.org/officeDocument/2006/relationships" xmlns:p="http://schemas.openxmlformats.org/presentationml/2006/main">
   <p:cSld>
     <p:spTree>
       <p:nvGrpSpPr>
-        <p:cNvPr id="168" name="Shape 168"/>
+        <p:cNvPr id="1" name="Shape 168"/>
         <p:cNvGrpSpPr/>
         <p:nvPr/>
       </p:nvGrpSpPr>
@@ -9648,7 +9771,9 @@
       <p:sp>
         <p:nvSpPr>
           <p:cNvPr id="169" name="Google Shape;169;p25"/>
-          <p:cNvSpPr txBox="1"/>
+          <p:cNvSpPr txBox="1">
+            <a:spLocks noGrp="1"/>
+          </p:cNvSpPr>
           <p:nvPr>
             <p:ph type="title"/>
           </p:nvPr>
@@ -9663,12 +9788,12 @@
           </a:prstGeom>
         </p:spPr>
         <p:txBody>
-          <a:bodyPr anchorCtr="0" anchor="ctr" bIns="91425" lIns="91425" spcFirstLastPara="1" rIns="91425" wrap="square" tIns="91425">
+          <a:bodyPr spcFirstLastPara="1" wrap="square" lIns="91425" tIns="91425" rIns="91425" bIns="91425" anchor="ctr" anchorCtr="0">
             <a:normAutofit/>
           </a:bodyPr>
           <a:lstStyle/>
           <a:p>
-            <a:pPr indent="0" lvl="0" marL="0" rtl="0" algn="ctr">
+            <a:pPr marL="0" lvl="0" indent="0" algn="ctr" rtl="0">
               <a:spcBef>
                 <a:spcPts val="0"/>
               </a:spcBef>
@@ -9694,18 +9819,19 @@
 </file>
 
 <file path=ppt/slides/slide14.xml><?xml version="1.0" encoding="utf-8"?>
-<p:sld xmlns:a="http://schemas.openxmlformats.org/drawingml/2006/main" xmlns:r="http://schemas.openxmlformats.org/officeDocument/2006/relationships" xmlns:mc="http://schemas.openxmlformats.org/markup-compatibility/2006" xmlns:mv="urn:schemas-microsoft-com:mac:vml" xmlns:p="http://schemas.openxmlformats.org/presentationml/2006/main" xmlns:c="http://schemas.openxmlformats.org/drawingml/2006/chart" xmlns:dgm="http://schemas.openxmlformats.org/drawingml/2006/diagram" xmlns:o="urn:schemas-microsoft-com:office:office" xmlns:v="urn:schemas-microsoft-com:vml" xmlns:pvml="urn:schemas-microsoft-com:office:powerpoint" xmlns:com="http://schemas.openxmlformats.org/drawingml/2006/compatibility" xmlns:p14="http://schemas.microsoft.com/office/powerpoint/2010/main" xmlns:p15="http://schemas.microsoft.com/office/powerpoint/2012/main" xmlns:ahyp="http://schemas.microsoft.com/office/drawing/2018/hyperlinkcolor">
+<p:sld xmlns:a="http://schemas.openxmlformats.org/drawingml/2006/main" xmlns:r="http://schemas.openxmlformats.org/officeDocument/2006/relationships" xmlns:p="http://schemas.openxmlformats.org/presentationml/2006/main">
   <p:cSld>
     <p:bg>
       <p:bgPr>
         <a:solidFill>
           <a:schemeClr val="lt1"/>
         </a:solidFill>
+        <a:effectLst/>
       </p:bgPr>
     </p:bg>
     <p:spTree>
       <p:nvGrpSpPr>
-        <p:cNvPr id="173" name="Shape 173"/>
+        <p:cNvPr id="1" name="Shape 173"/>
         <p:cNvGrpSpPr/>
         <p:nvPr/>
       </p:nvGrpSpPr>
@@ -9732,23 +9858,23 @@
             <a:avLst/>
           </a:prstGeom>
           <a:noFill/>
-          <a:ln cap="flat" cmpd="sng" w="9525">
+          <a:ln w="9525" cap="flat" cmpd="sng">
             <a:solidFill>
               <a:schemeClr val="accent6"/>
             </a:solidFill>
             <a:prstDash val="solid"/>
             <a:round/>
-            <a:headEnd len="sm" w="sm" type="none"/>
-            <a:tailEnd len="sm" w="sm" type="none"/>
+            <a:headEnd type="none" w="sm" len="sm"/>
+            <a:tailEnd type="none" w="sm" len="sm"/>
           </a:ln>
         </p:spPr>
         <p:txBody>
-          <a:bodyPr anchorCtr="0" anchor="t" bIns="91425" lIns="91425" spcFirstLastPara="1" rIns="91425" wrap="square" tIns="91425">
+          <a:bodyPr spcFirstLastPara="1" wrap="square" lIns="91425" tIns="91425" rIns="91425" bIns="91425" anchor="t" anchorCtr="0">
             <a:spAutoFit/>
           </a:bodyPr>
           <a:lstStyle/>
           <a:p>
-            <a:pPr indent="0" lvl="0" marL="0" rtl="0" algn="l">
+            <a:pPr marL="0" lvl="0" indent="0" algn="l" rtl="0">
               <a:spcBef>
                 <a:spcPts val="0"/>
               </a:spcBef>
@@ -9780,7 +9906,7 @@
             </a:endParaRPr>
           </a:p>
           <a:p>
-            <a:pPr indent="0" lvl="0" marL="0" rtl="0" algn="l">
+            <a:pPr marL="0" lvl="0" indent="0" algn="l" rtl="0">
               <a:spcBef>
                 <a:spcPts val="0"/>
               </a:spcBef>
@@ -9824,7 +9950,7 @@
             </a:endParaRPr>
           </a:p>
           <a:p>
-            <a:pPr indent="0" lvl="0" marL="0" rtl="0" algn="l">
+            <a:pPr marL="0" lvl="0" indent="0" algn="l" rtl="0">
               <a:spcBef>
                 <a:spcPts val="0"/>
               </a:spcBef>
@@ -9868,7 +9994,7 @@
             </a:endParaRPr>
           </a:p>
           <a:p>
-            <a:pPr indent="0" lvl="0" marL="0" rtl="0" algn="l">
+            <a:pPr marL="0" lvl="0" indent="0" algn="l" rtl="0">
               <a:spcBef>
                 <a:spcPts val="0"/>
               </a:spcBef>
@@ -9890,7 +10016,7 @@
               <a:t>Dur: 	15 days</a:t>
             </a:r>
             <a:r>
-              <a:rPr b="1" lang="en" sz="1200">
+              <a:rPr lang="en" sz="1200" b="1">
                 <a:solidFill>
                   <a:schemeClr val="dk1"/>
                 </a:solidFill>
@@ -9940,23 +10066,23 @@
             <a:avLst/>
           </a:prstGeom>
           <a:noFill/>
-          <a:ln cap="flat" cmpd="sng" w="9525">
+          <a:ln w="9525" cap="flat" cmpd="sng">
             <a:solidFill>
               <a:schemeClr val="accent6"/>
             </a:solidFill>
             <a:prstDash val="solid"/>
             <a:round/>
-            <a:headEnd len="sm" w="sm" type="none"/>
-            <a:tailEnd len="sm" w="sm" type="none"/>
+            <a:headEnd type="none" w="sm" len="sm"/>
+            <a:tailEnd type="none" w="sm" len="sm"/>
           </a:ln>
         </p:spPr>
         <p:txBody>
-          <a:bodyPr anchorCtr="0" anchor="t" bIns="91425" lIns="91425" spcFirstLastPara="1" rIns="91425" wrap="square" tIns="91425">
+          <a:bodyPr spcFirstLastPara="1" wrap="square" lIns="91425" tIns="91425" rIns="91425" bIns="91425" anchor="t" anchorCtr="0">
             <a:spAutoFit/>
           </a:bodyPr>
           <a:lstStyle/>
           <a:p>
-            <a:pPr indent="0" lvl="0" marL="0" rtl="0" algn="l">
+            <a:pPr marL="0" lvl="0" indent="0" algn="l" rtl="0">
               <a:lnSpc>
                 <a:spcPct val="115000"/>
               </a:lnSpc>
@@ -9981,7 +10107,7 @@
               <a:t>Data Collection, Preparation, and Warehousing</a:t>
             </a:r>
             <a:br>
-              <a:rPr b="1" lang="en" sz="1100">
+              <a:rPr lang="en" sz="1100" b="1">
                 <a:solidFill>
                   <a:schemeClr val="dk1"/>
                 </a:solidFill>
@@ -10001,19 +10127,7 @@
                 <a:cs typeface="Average"/>
                 <a:sym typeface="Average"/>
               </a:rPr>
-              <a:t>Start:</a:t>
-            </a:r>
-            <a:r>
-              <a:rPr lang="en" sz="1100">
-                <a:solidFill>
-                  <a:schemeClr val="dk1"/>
-                </a:solidFill>
-                <a:latin typeface="Average"/>
-                <a:ea typeface="Average"/>
-                <a:cs typeface="Average"/>
-                <a:sym typeface="Average"/>
-              </a:rPr>
-              <a:t>	Wed 12/21/22</a:t>
+              <a:t>Start:	Wed 12/21/22</a:t>
             </a:r>
             <a:br>
               <a:rPr lang="en" sz="1100">
@@ -10062,7 +10176,7 @@
               <a:t>Dur:	21 days</a:t>
             </a:r>
             <a:r>
-              <a:rPr b="1" lang="en" sz="1100">
+              <a:rPr lang="en" sz="1100" b="1">
                 <a:solidFill>
                   <a:schemeClr val="dk1"/>
                 </a:solidFill>
@@ -10112,23 +10226,23 @@
             <a:avLst/>
           </a:prstGeom>
           <a:noFill/>
-          <a:ln cap="flat" cmpd="sng" w="9525">
+          <a:ln w="9525" cap="flat" cmpd="sng">
             <a:solidFill>
               <a:schemeClr val="accent6"/>
             </a:solidFill>
             <a:prstDash val="solid"/>
             <a:round/>
-            <a:headEnd len="sm" w="sm" type="none"/>
-            <a:tailEnd len="sm" w="sm" type="none"/>
+            <a:headEnd type="none" w="sm" len="sm"/>
+            <a:tailEnd type="none" w="sm" len="sm"/>
           </a:ln>
         </p:spPr>
         <p:txBody>
-          <a:bodyPr anchorCtr="0" anchor="t" bIns="91425" lIns="91425" spcFirstLastPara="1" rIns="91425" wrap="square" tIns="91425">
+          <a:bodyPr spcFirstLastPara="1" wrap="square" lIns="91425" tIns="91425" rIns="91425" bIns="91425" anchor="t" anchorCtr="0">
             <a:spAutoFit/>
           </a:bodyPr>
           <a:lstStyle/>
           <a:p>
-            <a:pPr indent="0" lvl="0" marL="0" rtl="0" algn="l">
+            <a:pPr marL="0" lvl="0" indent="0" algn="l" rtl="0">
               <a:lnSpc>
                 <a:spcPct val="115000"/>
               </a:lnSpc>
@@ -10153,7 +10267,7 @@
               <a:t>Design The Model</a:t>
             </a:r>
             <a:r>
-              <a:rPr b="1" lang="en" sz="1200">
+              <a:rPr lang="en" sz="1200" b="1">
                 <a:solidFill>
                   <a:schemeClr val="dk1"/>
                 </a:solidFill>
@@ -10161,7 +10275,7 @@
               <a:t> </a:t>
             </a:r>
             <a:br>
-              <a:rPr b="1" lang="en" sz="1200">
+              <a:rPr lang="en" sz="1200" b="1">
                 <a:solidFill>
                   <a:schemeClr val="dk1"/>
                 </a:solidFill>
@@ -10203,7 +10317,7 @@
               <a:t>End:	Thu 3/2/23</a:t>
             </a:r>
             <a:br>
-              <a:rPr b="1" lang="en" sz="1100"/>
+              <a:rPr lang="en" sz="1100" b="1"/>
             </a:br>
             <a:r>
               <a:rPr lang="en" sz="1100">
@@ -10244,23 +10358,23 @@
             <a:avLst/>
           </a:prstGeom>
           <a:noFill/>
-          <a:ln cap="flat" cmpd="sng" w="9525">
+          <a:ln w="9525" cap="flat" cmpd="sng">
             <a:solidFill>
               <a:schemeClr val="accent6"/>
             </a:solidFill>
             <a:prstDash val="solid"/>
             <a:round/>
-            <a:headEnd len="sm" w="sm" type="none"/>
-            <a:tailEnd len="sm" w="sm" type="none"/>
+            <a:headEnd type="none" w="sm" len="sm"/>
+            <a:tailEnd type="none" w="sm" len="sm"/>
           </a:ln>
         </p:spPr>
         <p:txBody>
-          <a:bodyPr anchorCtr="0" anchor="t" bIns="91425" lIns="91425" spcFirstLastPara="1" rIns="91425" wrap="square" tIns="91425">
+          <a:bodyPr spcFirstLastPara="1" wrap="square" lIns="91425" tIns="91425" rIns="91425" bIns="91425" anchor="t" anchorCtr="0">
             <a:spAutoFit/>
           </a:bodyPr>
           <a:lstStyle/>
           <a:p>
-            <a:pPr indent="0" lvl="0" marL="0" rtl="0" algn="l">
+            <a:pPr marL="0" lvl="0" indent="0" algn="l" rtl="0">
               <a:lnSpc>
                 <a:spcPct val="115000"/>
               </a:lnSpc>
@@ -10285,7 +10399,7 @@
               <a:t>Model Building</a:t>
             </a:r>
             <a:br>
-              <a:rPr b="1" lang="en" sz="1100">
+              <a:rPr lang="en" sz="1100" b="1">
                 <a:solidFill>
                   <a:schemeClr val="accent6"/>
                 </a:solidFill>
@@ -10339,7 +10453,7 @@
               <a:t>End:	Thu 4/13/23</a:t>
             </a:r>
             <a:br>
-              <a:rPr b="1" lang="en" sz="1100"/>
+              <a:rPr lang="en" sz="1100" b="1"/>
             </a:br>
             <a:r>
               <a:rPr lang="en" sz="1100">
@@ -10380,23 +10494,23 @@
             <a:avLst/>
           </a:prstGeom>
           <a:noFill/>
-          <a:ln cap="flat" cmpd="sng" w="9525">
+          <a:ln w="9525" cap="flat" cmpd="sng">
             <a:solidFill>
               <a:schemeClr val="accent6"/>
             </a:solidFill>
             <a:prstDash val="solid"/>
             <a:round/>
-            <a:headEnd len="sm" w="sm" type="none"/>
-            <a:tailEnd len="sm" w="sm" type="none"/>
+            <a:headEnd type="none" w="sm" len="sm"/>
+            <a:tailEnd type="none" w="sm" len="sm"/>
           </a:ln>
         </p:spPr>
         <p:txBody>
-          <a:bodyPr anchorCtr="0" anchor="t" bIns="91425" lIns="91425" spcFirstLastPara="1" rIns="91425" wrap="square" tIns="91425">
+          <a:bodyPr spcFirstLastPara="1" wrap="square" lIns="91425" tIns="91425" rIns="91425" bIns="91425" anchor="t" anchorCtr="0">
             <a:spAutoFit/>
           </a:bodyPr>
           <a:lstStyle/>
           <a:p>
-            <a:pPr indent="0" lvl="0" marL="0" rtl="0" algn="l">
+            <a:pPr marL="0" lvl="0" indent="0" algn="l" rtl="0">
               <a:lnSpc>
                 <a:spcPct val="115000"/>
               </a:lnSpc>
@@ -10421,7 +10535,7 @@
               <a:t>Interactive Software Design and Build phase</a:t>
             </a:r>
             <a:r>
-              <a:rPr b="1" lang="en" sz="1200">
+              <a:rPr lang="en" sz="1200" b="1">
                 <a:solidFill>
                   <a:schemeClr val="dk1"/>
                 </a:solidFill>
@@ -10429,7 +10543,7 @@
               <a:t> </a:t>
             </a:r>
             <a:br>
-              <a:rPr b="1" lang="en" sz="1200">
+              <a:rPr lang="en" sz="1200" b="1">
                 <a:solidFill>
                   <a:schemeClr val="dk1"/>
                 </a:solidFill>
@@ -10517,23 +10631,23 @@
             <a:avLst/>
           </a:prstGeom>
           <a:noFill/>
-          <a:ln cap="flat" cmpd="sng" w="9525">
+          <a:ln w="9525" cap="flat" cmpd="sng">
             <a:solidFill>
               <a:schemeClr val="accent6"/>
             </a:solidFill>
             <a:prstDash val="solid"/>
             <a:round/>
-            <a:headEnd len="sm" w="sm" type="none"/>
-            <a:tailEnd len="sm" w="sm" type="none"/>
+            <a:headEnd type="none" w="sm" len="sm"/>
+            <a:tailEnd type="none" w="sm" len="sm"/>
           </a:ln>
         </p:spPr>
         <p:txBody>
-          <a:bodyPr anchorCtr="0" anchor="t" bIns="91425" lIns="91425" spcFirstLastPara="1" rIns="91425" wrap="square" tIns="91425">
+          <a:bodyPr spcFirstLastPara="1" wrap="square" lIns="91425" tIns="91425" rIns="91425" bIns="91425" anchor="t" anchorCtr="0">
             <a:spAutoFit/>
           </a:bodyPr>
           <a:lstStyle/>
           <a:p>
-            <a:pPr indent="0" lvl="0" marL="0" rtl="0" algn="l">
+            <a:pPr marL="0" lvl="0" indent="0" algn="l" rtl="0">
               <a:lnSpc>
                 <a:spcPct val="115000"/>
               </a:lnSpc>
@@ -10558,7 +10672,7 @@
               <a:t>Connecting The Backend </a:t>
             </a:r>
             <a:br>
-              <a:rPr b="1" lang="en" sz="1100">
+              <a:rPr lang="en" sz="1100" b="1">
                 <a:solidFill>
                   <a:schemeClr val="accent6"/>
                 </a:solidFill>
@@ -10612,7 +10726,7 @@
               <a:t>End:	Wed 7/19/23</a:t>
             </a:r>
             <a:br>
-              <a:rPr b="1" lang="en" sz="1100"/>
+              <a:rPr lang="en" sz="1100" b="1"/>
             </a:br>
             <a:r>
               <a:rPr lang="en" sz="1100">
@@ -10653,23 +10767,23 @@
             <a:avLst/>
           </a:prstGeom>
           <a:noFill/>
-          <a:ln cap="flat" cmpd="sng" w="9525">
+          <a:ln w="9525" cap="flat" cmpd="sng">
             <a:solidFill>
               <a:schemeClr val="lt2"/>
             </a:solidFill>
             <a:prstDash val="solid"/>
             <a:round/>
-            <a:headEnd len="sm" w="sm" type="none"/>
-            <a:tailEnd len="sm" w="sm" type="none"/>
+            <a:headEnd type="none" w="sm" len="sm"/>
+            <a:tailEnd type="none" w="sm" len="sm"/>
           </a:ln>
         </p:spPr>
         <p:txBody>
-          <a:bodyPr anchorCtr="0" anchor="t" bIns="91425" lIns="91425" spcFirstLastPara="1" rIns="91425" wrap="square" tIns="91425">
+          <a:bodyPr spcFirstLastPara="1" wrap="square" lIns="91425" tIns="91425" rIns="91425" bIns="91425" anchor="t" anchorCtr="0">
             <a:spAutoFit/>
           </a:bodyPr>
           <a:lstStyle/>
           <a:p>
-            <a:pPr indent="0" lvl="0" marL="0" rtl="0" algn="l">
+            <a:pPr marL="0" lvl="0" indent="0" algn="l" rtl="0">
               <a:lnSpc>
                 <a:spcPct val="115000"/>
               </a:lnSpc>
@@ -10691,22 +10805,10 @@
                 <a:cs typeface="Oswald SemiBold"/>
                 <a:sym typeface="Oswald SemiBold"/>
               </a:rPr>
-              <a:t>Measure of </a:t>
-            </a:r>
-            <a:r>
-              <a:rPr lang="en" sz="1200">
-                <a:solidFill>
-                  <a:schemeClr val="dk1"/>
-                </a:solidFill>
-                <a:latin typeface="Oswald SemiBold"/>
-                <a:ea typeface="Oswald SemiBold"/>
-                <a:cs typeface="Oswald SemiBold"/>
-                <a:sym typeface="Oswald SemiBold"/>
-              </a:rPr>
-              <a:t>Performance</a:t>
+              <a:t>Measure of Performance</a:t>
             </a:r>
             <a:br>
-              <a:rPr b="1" lang="en" sz="1100">
+              <a:rPr lang="en" sz="1100" b="1">
                 <a:solidFill>
                   <a:schemeClr val="dk1"/>
                 </a:solidFill>
@@ -10815,30 +10917,30 @@
         </p:nvSpPr>
         <p:spPr>
           <a:xfrm>
-            <a:off x="950079" y="379763"/>
-            <a:ext cx="1971000" cy="923400"/>
+            <a:off x="950079" y="379762"/>
+            <a:ext cx="1962296" cy="1292631"/>
           </a:xfrm>
           <a:prstGeom prst="rect">
             <a:avLst/>
           </a:prstGeom>
           <a:noFill/>
-          <a:ln cap="flat" cmpd="sng" w="9525">
+          <a:ln w="9525" cap="flat" cmpd="sng">
             <a:solidFill>
               <a:schemeClr val="accent6"/>
             </a:solidFill>
             <a:prstDash val="solid"/>
             <a:round/>
-            <a:headEnd len="sm" w="sm" type="none"/>
-            <a:tailEnd len="sm" w="sm" type="none"/>
+            <a:headEnd type="none" w="sm" len="sm"/>
+            <a:tailEnd type="none" w="sm" len="sm"/>
           </a:ln>
         </p:spPr>
         <p:txBody>
-          <a:bodyPr anchorCtr="0" anchor="t" bIns="91425" lIns="91425" spcFirstLastPara="1" rIns="91425" wrap="square" tIns="91425">
+          <a:bodyPr spcFirstLastPara="1" wrap="square" lIns="91425" tIns="91425" rIns="91425" bIns="91425" anchor="t" anchorCtr="0">
             <a:spAutoFit/>
           </a:bodyPr>
           <a:lstStyle/>
           <a:p>
-            <a:pPr indent="0" lvl="0" marL="0" rtl="0" algn="l">
+            <a:pPr marL="0" lvl="0" indent="0" algn="l" rtl="0">
               <a:spcBef>
                 <a:spcPts val="0"/>
               </a:spcBef>
@@ -10848,7 +10950,7 @@
               <a:buNone/>
             </a:pPr>
             <a:r>
-              <a:rPr lang="en" sz="1200">
+              <a:rPr lang="en" sz="1200" dirty="0">
                 <a:solidFill>
                   <a:schemeClr val="dk1"/>
                 </a:solidFill>
@@ -10859,7 +10961,7 @@
               </a:rPr>
               <a:t>Planning Phase</a:t>
             </a:r>
-            <a:endParaRPr sz="1200">
+            <a:endParaRPr sz="1200" dirty="0">
               <a:solidFill>
                 <a:schemeClr val="dk1"/>
               </a:solidFill>
@@ -10870,7 +10972,7 @@
             </a:endParaRPr>
           </a:p>
           <a:p>
-            <a:pPr indent="0" lvl="0" marL="0" rtl="0" algn="l">
+            <a:pPr marL="0" lvl="0" indent="0" algn="l" rtl="0">
               <a:spcBef>
                 <a:spcPts val="0"/>
               </a:spcBef>
@@ -10880,7 +10982,7 @@
               <a:buNone/>
             </a:pPr>
             <a:r>
-              <a:rPr lang="en" sz="1200">
+              <a:rPr lang="en" sz="1200" dirty="0">
                 <a:solidFill>
                   <a:schemeClr val="dk1"/>
                 </a:solidFill>
@@ -10891,7 +10993,7 @@
               </a:rPr>
               <a:t>Start:	Mon 10/24/22</a:t>
             </a:r>
-            <a:endParaRPr sz="1200">
+            <a:endParaRPr sz="1200" dirty="0">
               <a:solidFill>
                 <a:schemeClr val="dk1"/>
               </a:solidFill>
@@ -10902,7 +11004,7 @@
             </a:endParaRPr>
           </a:p>
           <a:p>
-            <a:pPr indent="0" lvl="0" marL="0" rtl="0" algn="l">
+            <a:pPr marL="0" lvl="0" indent="0" algn="l" rtl="0">
               <a:spcBef>
                 <a:spcPts val="0"/>
               </a:spcBef>
@@ -10912,7 +11014,7 @@
               <a:buNone/>
             </a:pPr>
             <a:r>
-              <a:rPr lang="en" sz="1200">
+              <a:rPr lang="en" sz="1200" dirty="0">
                 <a:solidFill>
                   <a:schemeClr val="dk1"/>
                 </a:solidFill>
@@ -10923,7 +11025,7 @@
               </a:rPr>
               <a:t>End: 	Fri 11/11/22</a:t>
             </a:r>
-            <a:endParaRPr sz="1200">
+            <a:endParaRPr sz="1200" dirty="0">
               <a:solidFill>
                 <a:schemeClr val="dk1"/>
               </a:solidFill>
@@ -10934,7 +11036,7 @@
             </a:endParaRPr>
           </a:p>
           <a:p>
-            <a:pPr indent="0" lvl="0" marL="0" rtl="0" algn="l">
+            <a:pPr marL="0" lvl="0" indent="0" algn="l" rtl="0">
               <a:spcBef>
                 <a:spcPts val="0"/>
               </a:spcBef>
@@ -10944,7 +11046,7 @@
               <a:buNone/>
             </a:pPr>
             <a:r>
-              <a:rPr lang="en" sz="1200">
+              <a:rPr lang="en" sz="1200" dirty="0">
                 <a:solidFill>
                   <a:schemeClr val="dk1"/>
                 </a:solidFill>
@@ -10956,7 +11058,7 @@
               <a:t>Dur: 	15 days</a:t>
             </a:r>
             <a:r>
-              <a:rPr b="1" lang="en" sz="1200">
+              <a:rPr lang="en" sz="1200" b="1" dirty="0">
                 <a:solidFill>
                   <a:schemeClr val="dk1"/>
                 </a:solidFill>
@@ -10968,7 +11070,7 @@
               <a:t>	</a:t>
             </a:r>
             <a:r>
-              <a:rPr lang="en" sz="1200">
+              <a:rPr lang="en" sz="1200" dirty="0">
                 <a:solidFill>
                   <a:schemeClr val="dk1"/>
                 </a:solidFill>
@@ -10979,7 +11081,7 @@
               </a:rPr>
               <a:t>ID:1</a:t>
             </a:r>
-            <a:endParaRPr sz="1200">
+            <a:endParaRPr sz="1200" dirty="0">
               <a:solidFill>
                 <a:schemeClr val="dk1"/>
               </a:solidFill>
@@ -11000,29 +11102,29 @@
         <p:spPr>
           <a:xfrm>
             <a:off x="950079" y="1812475"/>
-            <a:ext cx="1971000" cy="923400"/>
+            <a:ext cx="1962292" cy="1107965"/>
           </a:xfrm>
           <a:prstGeom prst="rect">
             <a:avLst/>
           </a:prstGeom>
           <a:noFill/>
-          <a:ln cap="flat" cmpd="sng" w="9525">
+          <a:ln w="9525" cap="flat" cmpd="sng">
             <a:solidFill>
               <a:schemeClr val="dk1"/>
             </a:solidFill>
             <a:prstDash val="solid"/>
             <a:round/>
-            <a:headEnd len="sm" w="sm" type="none"/>
-            <a:tailEnd len="sm" w="sm" type="none"/>
+            <a:headEnd type="none" w="sm" len="sm"/>
+            <a:tailEnd type="none" w="sm" len="sm"/>
           </a:ln>
         </p:spPr>
         <p:txBody>
-          <a:bodyPr anchorCtr="0" anchor="t" bIns="91425" lIns="91425" spcFirstLastPara="1" rIns="91425" wrap="square" tIns="91425">
+          <a:bodyPr spcFirstLastPara="1" wrap="square" lIns="91425" tIns="91425" rIns="91425" bIns="91425" anchor="t" anchorCtr="0">
             <a:spAutoFit/>
           </a:bodyPr>
           <a:lstStyle/>
           <a:p>
-            <a:pPr indent="0" lvl="0" marL="0" rtl="0" algn="l">
+            <a:pPr marL="0" lvl="0" indent="0" algn="l" rtl="0">
               <a:spcBef>
                 <a:spcPts val="0"/>
               </a:spcBef>
@@ -11054,7 +11156,7 @@
             </a:endParaRPr>
           </a:p>
           <a:p>
-            <a:pPr indent="0" lvl="0" marL="0" rtl="0" algn="l">
+            <a:pPr marL="0" lvl="0" indent="0" algn="l" rtl="0">
               <a:spcBef>
                 <a:spcPts val="0"/>
               </a:spcBef>
@@ -11098,7 +11200,7 @@
             </a:endParaRPr>
           </a:p>
           <a:p>
-            <a:pPr indent="0" lvl="0" marL="0" rtl="0" algn="l">
+            <a:pPr marL="0" lvl="0" indent="0" algn="l" rtl="0">
               <a:spcBef>
                 <a:spcPts val="0"/>
               </a:spcBef>
@@ -11142,7 +11244,7 @@
             </a:endParaRPr>
           </a:p>
           <a:p>
-            <a:pPr indent="0" lvl="0" marL="0" rtl="0" algn="l">
+            <a:pPr marL="0" lvl="0" indent="0" algn="l" rtl="0">
               <a:spcBef>
                 <a:spcPts val="0"/>
               </a:spcBef>
@@ -11164,7 +11266,7 @@
               <a:t>Dur: 	12 days</a:t>
             </a:r>
             <a:r>
-              <a:rPr b="1" lang="en" sz="1200">
+              <a:rPr lang="en" sz="1200" b="1">
                 <a:solidFill>
                   <a:schemeClr val="dk1"/>
                 </a:solidFill>
@@ -11203,28 +11305,29 @@
         <p:nvCxnSpPr>
           <p:cNvPr id="183" name="Google Shape;183;p26"/>
           <p:cNvCxnSpPr>
+            <a:cxnSpLocks/>
             <a:stCxn id="181" idx="2"/>
             <a:endCxn id="182" idx="0"/>
           </p:cNvCxnSpPr>
           <p:nvPr/>
         </p:nvCxnSpPr>
         <p:spPr>
-          <a:xfrm>
-            <a:off x="1935579" y="1303163"/>
-            <a:ext cx="0" cy="509400"/>
+          <a:xfrm flipH="1">
+            <a:off x="1931225" y="1672393"/>
+            <a:ext cx="2" cy="140082"/>
           </a:xfrm>
           <a:prstGeom prst="straightConnector1">
             <a:avLst/>
           </a:prstGeom>
           <a:noFill/>
-          <a:ln cap="flat" cmpd="sng" w="9525">
+          <a:ln w="9525" cap="flat" cmpd="sng">
             <a:solidFill>
               <a:schemeClr val="dk2"/>
             </a:solidFill>
             <a:prstDash val="solid"/>
             <a:round/>
-            <a:headEnd len="med" w="med" type="none"/>
-            <a:tailEnd len="med" w="med" type="triangle"/>
+            <a:headEnd type="none" w="med" len="med"/>
+            <a:tailEnd type="triangle" w="med" len="med"/>
           </a:ln>
         </p:spPr>
       </p:cxnSp>
@@ -11232,6 +11335,7 @@
         <p:nvCxnSpPr>
           <p:cNvPr id="184" name="Google Shape;184;p26"/>
           <p:cNvCxnSpPr>
+            <a:cxnSpLocks/>
             <a:stCxn id="182" idx="2"/>
             <a:endCxn id="174" idx="0"/>
           </p:cNvCxnSpPr>
@@ -11239,21 +11343,21 @@
         </p:nvCxnSpPr>
         <p:spPr>
           <a:xfrm>
-            <a:off x="1935579" y="2735875"/>
-            <a:ext cx="0" cy="550800"/>
+            <a:off x="1931225" y="2920440"/>
+            <a:ext cx="4354" cy="366197"/>
           </a:xfrm>
           <a:prstGeom prst="straightConnector1">
             <a:avLst/>
           </a:prstGeom>
           <a:noFill/>
-          <a:ln cap="flat" cmpd="sng" w="9525">
+          <a:ln w="9525" cap="flat" cmpd="sng">
             <a:solidFill>
               <a:schemeClr val="dk2"/>
             </a:solidFill>
             <a:prstDash val="solid"/>
             <a:round/>
-            <a:headEnd len="med" w="med" type="none"/>
-            <a:tailEnd len="med" w="med" type="triangle"/>
+            <a:headEnd type="none" w="med" len="med"/>
+            <a:tailEnd type="triangle" w="med" len="med"/>
           </a:ln>
         </p:spPr>
       </p:cxnSp>
@@ -11261,30 +11365,31 @@
         <p:nvCxnSpPr>
           <p:cNvPr id="185" name="Google Shape;185;p26"/>
           <p:cNvCxnSpPr>
+            <a:cxnSpLocks/>
             <a:stCxn id="174" idx="2"/>
             <a:endCxn id="175" idx="2"/>
           </p:cNvCxnSpPr>
           <p:nvPr/>
         </p:nvCxnSpPr>
         <p:spPr>
-          <a:xfrm flipH="1" rot="-5400000">
-            <a:off x="3277629" y="2867988"/>
-            <a:ext cx="81000" cy="2765100"/>
+          <a:xfrm rot="16200000" flipH="1">
+            <a:off x="3318077" y="2908474"/>
+            <a:ext cx="1" cy="2764996"/>
           </a:xfrm>
           <a:prstGeom prst="bentConnector3">
             <a:avLst>
-              <a:gd fmla="val 393901" name="adj1"/>
+              <a:gd name="adj1" fmla="val 22860100000"/>
             </a:avLst>
           </a:prstGeom>
           <a:noFill/>
-          <a:ln cap="flat" cmpd="sng" w="9525">
+          <a:ln w="9525" cap="flat" cmpd="sng">
             <a:solidFill>
               <a:schemeClr val="dk2"/>
             </a:solidFill>
             <a:prstDash val="solid"/>
             <a:round/>
-            <a:headEnd len="med" w="med" type="none"/>
-            <a:tailEnd len="med" w="med" type="triangle"/>
+            <a:headEnd type="none" w="med" len="med"/>
+            <a:tailEnd type="triangle" w="med" len="med"/>
           </a:ln>
         </p:spPr>
       </p:cxnSp>
@@ -11306,14 +11411,14 @@
             <a:avLst/>
           </a:prstGeom>
           <a:noFill/>
-          <a:ln cap="flat" cmpd="sng" w="9525">
+          <a:ln w="9525" cap="flat" cmpd="sng">
             <a:solidFill>
               <a:schemeClr val="dk2"/>
             </a:solidFill>
             <a:prstDash val="solid"/>
             <a:round/>
-            <a:headEnd len="med" w="med" type="none"/>
-            <a:tailEnd len="med" w="med" type="triangle"/>
+            <a:headEnd type="none" w="med" len="med"/>
+            <a:tailEnd type="triangle" w="med" len="med"/>
           </a:ln>
         </p:spPr>
       </p:cxnSp>
@@ -11335,14 +11440,14 @@
             <a:avLst/>
           </a:prstGeom>
           <a:noFill/>
-          <a:ln cap="flat" cmpd="sng" w="9525">
+          <a:ln w="9525" cap="flat" cmpd="sng">
             <a:solidFill>
               <a:schemeClr val="dk2"/>
             </a:solidFill>
             <a:prstDash val="solid"/>
             <a:round/>
-            <a:headEnd len="med" w="med" type="none"/>
-            <a:tailEnd len="med" w="med" type="triangle"/>
+            <a:headEnd type="none" w="med" len="med"/>
+            <a:tailEnd type="triangle" w="med" len="med"/>
           </a:ln>
         </p:spPr>
       </p:cxnSp>
@@ -11364,14 +11469,14 @@
             <a:avLst/>
           </a:prstGeom>
           <a:noFill/>
-          <a:ln cap="flat" cmpd="sng" w="9525">
+          <a:ln w="9525" cap="flat" cmpd="sng">
             <a:solidFill>
               <a:schemeClr val="dk2"/>
             </a:solidFill>
             <a:prstDash val="solid"/>
             <a:round/>
-            <a:headEnd len="med" w="med" type="none"/>
-            <a:tailEnd len="med" w="med" type="triangle"/>
+            <a:headEnd type="none" w="med" len="med"/>
+            <a:tailEnd type="triangle" w="med" len="med"/>
           </a:ln>
         </p:spPr>
       </p:cxnSp>
@@ -11385,24 +11490,24 @@
           <p:nvPr/>
         </p:nvCxnSpPr>
         <p:spPr>
-          <a:xfrm flipH="1" rot="-5400000">
+          <a:xfrm rot="-5400000" flipH="1">
             <a:off x="5923986" y="-851017"/>
             <a:ext cx="600" cy="2447400"/>
           </a:xfrm>
           <a:prstGeom prst="bentConnector3">
             <a:avLst>
-              <a:gd fmla="val -39687500" name="adj1"/>
+              <a:gd name="adj1" fmla="val -39687500"/>
             </a:avLst>
           </a:prstGeom>
           <a:noFill/>
-          <a:ln cap="flat" cmpd="sng" w="9525">
+          <a:ln w="9525" cap="flat" cmpd="sng">
             <a:solidFill>
               <a:schemeClr val="dk2"/>
             </a:solidFill>
             <a:prstDash val="solid"/>
             <a:round/>
-            <a:headEnd len="med" w="med" type="none"/>
-            <a:tailEnd len="med" w="med" type="triangle"/>
+            <a:headEnd type="none" w="med" len="med"/>
+            <a:tailEnd type="triangle" w="med" len="med"/>
           </a:ln>
         </p:spPr>
       </p:cxnSp>
@@ -11424,14 +11529,14 @@
             <a:avLst/>
           </a:prstGeom>
           <a:noFill/>
-          <a:ln cap="flat" cmpd="sng" w="9525">
+          <a:ln w="9525" cap="flat" cmpd="sng">
             <a:solidFill>
               <a:schemeClr val="dk2"/>
             </a:solidFill>
             <a:prstDash val="solid"/>
             <a:round/>
-            <a:headEnd len="med" w="med" type="none"/>
-            <a:tailEnd len="med" w="med" type="triangle"/>
+            <a:headEnd type="none" w="med" len="med"/>
+            <a:tailEnd type="triangle" w="med" len="med"/>
           </a:ln>
         </p:spPr>
       </p:cxnSp>
@@ -11444,11 +11549,11 @@
 </file>
 
 <file path=ppt/slides/slide2.xml><?xml version="1.0" encoding="utf-8"?>
-<p:sld xmlns:a="http://schemas.openxmlformats.org/drawingml/2006/main" xmlns:r="http://schemas.openxmlformats.org/officeDocument/2006/relationships" xmlns:mc="http://schemas.openxmlformats.org/markup-compatibility/2006" xmlns:mv="urn:schemas-microsoft-com:mac:vml" xmlns:p="http://schemas.openxmlformats.org/presentationml/2006/main" xmlns:c="http://schemas.openxmlformats.org/drawingml/2006/chart" xmlns:dgm="http://schemas.openxmlformats.org/drawingml/2006/diagram" xmlns:o="urn:schemas-microsoft-com:office:office" xmlns:v="urn:schemas-microsoft-com:vml" xmlns:pvml="urn:schemas-microsoft-com:office:powerpoint" xmlns:com="http://schemas.openxmlformats.org/drawingml/2006/compatibility" xmlns:p14="http://schemas.microsoft.com/office/powerpoint/2010/main" xmlns:p15="http://schemas.microsoft.com/office/powerpoint/2012/main" xmlns:ahyp="http://schemas.microsoft.com/office/drawing/2018/hyperlinkcolor">
+<p:sld xmlns:a="http://schemas.openxmlformats.org/drawingml/2006/main" xmlns:r="http://schemas.openxmlformats.org/officeDocument/2006/relationships" xmlns:p="http://schemas.openxmlformats.org/presentationml/2006/main">
   <p:cSld>
     <p:spTree>
       <p:nvGrpSpPr>
-        <p:cNvPr id="64" name="Shape 64"/>
+        <p:cNvPr id="1" name="Shape 64"/>
         <p:cNvGrpSpPr/>
         <p:nvPr/>
       </p:nvGrpSpPr>
@@ -11463,7 +11568,9 @@
       <p:sp>
         <p:nvSpPr>
           <p:cNvPr id="65" name="Google Shape;65;p14"/>
-          <p:cNvSpPr txBox="1"/>
+          <p:cNvSpPr txBox="1">
+            <a:spLocks noGrp="1"/>
+          </p:cNvSpPr>
           <p:nvPr>
             <p:ph type="title"/>
           </p:nvPr>
@@ -11478,12 +11585,12 @@
           </a:prstGeom>
         </p:spPr>
         <p:txBody>
-          <a:bodyPr anchorCtr="0" anchor="ctr" bIns="91425" lIns="91425" spcFirstLastPara="1" rIns="91425" wrap="square" tIns="91425">
+          <a:bodyPr spcFirstLastPara="1" wrap="square" lIns="91425" tIns="91425" rIns="91425" bIns="91425" anchor="ctr" anchorCtr="0">
             <a:normAutofit/>
           </a:bodyPr>
           <a:lstStyle/>
           <a:p>
-            <a:pPr indent="0" lvl="0" marL="0" rtl="0" algn="ctr">
+            <a:pPr marL="0" lvl="0" indent="0" algn="ctr" rtl="0">
               <a:spcBef>
                 <a:spcPts val="0"/>
               </a:spcBef>
@@ -11509,11 +11616,11 @@
 </file>
 
 <file path=ppt/slides/slide3.xml><?xml version="1.0" encoding="utf-8"?>
-<p:sld xmlns:a="http://schemas.openxmlformats.org/drawingml/2006/main" xmlns:r="http://schemas.openxmlformats.org/officeDocument/2006/relationships" xmlns:mc="http://schemas.openxmlformats.org/markup-compatibility/2006" xmlns:mv="urn:schemas-microsoft-com:mac:vml" xmlns:p="http://schemas.openxmlformats.org/presentationml/2006/main" xmlns:c="http://schemas.openxmlformats.org/drawingml/2006/chart" xmlns:dgm="http://schemas.openxmlformats.org/drawingml/2006/diagram" xmlns:o="urn:schemas-microsoft-com:office:office" xmlns:v="urn:schemas-microsoft-com:vml" xmlns:pvml="urn:schemas-microsoft-com:office:powerpoint" xmlns:com="http://schemas.openxmlformats.org/drawingml/2006/compatibility" xmlns:p14="http://schemas.microsoft.com/office/powerpoint/2010/main" xmlns:p15="http://schemas.microsoft.com/office/powerpoint/2012/main" xmlns:ahyp="http://schemas.microsoft.com/office/drawing/2018/hyperlinkcolor">
+<p:sld xmlns:a="http://schemas.openxmlformats.org/drawingml/2006/main" xmlns:r="http://schemas.openxmlformats.org/officeDocument/2006/relationships" xmlns:p="http://schemas.openxmlformats.org/presentationml/2006/main">
   <p:cSld>
     <p:spTree>
       <p:nvGrpSpPr>
-        <p:cNvPr id="69" name="Shape 69"/>
+        <p:cNvPr id="1" name="Shape 69"/>
         <p:cNvGrpSpPr/>
         <p:nvPr/>
       </p:nvGrpSpPr>
@@ -11528,7 +11635,9 @@
       <p:sp>
         <p:nvSpPr>
           <p:cNvPr id="70" name="Google Shape;70;p15"/>
-          <p:cNvSpPr txBox="1"/>
+          <p:cNvSpPr txBox="1">
+            <a:spLocks noGrp="1"/>
+          </p:cNvSpPr>
           <p:nvPr>
             <p:ph type="title"/>
           </p:nvPr>
@@ -11543,12 +11652,12 @@
           </a:prstGeom>
         </p:spPr>
         <p:txBody>
-          <a:bodyPr anchorCtr="0" anchor="t" bIns="91425" lIns="91425" spcFirstLastPara="1" rIns="91425" wrap="square" tIns="91425">
+          <a:bodyPr spcFirstLastPara="1" wrap="square" lIns="91425" tIns="91425" rIns="91425" bIns="91425" anchor="t" anchorCtr="0">
             <a:normAutofit fontScale="90000"/>
           </a:bodyPr>
           <a:lstStyle/>
           <a:p>
-            <a:pPr indent="0" lvl="0" marL="0" rtl="0" algn="l">
+            <a:pPr marL="0" lvl="0" indent="0" algn="l" rtl="0">
               <a:spcBef>
                 <a:spcPts val="0"/>
               </a:spcBef>
@@ -11559,16 +11668,12 @@
             </a:pPr>
             <a:r>
               <a:rPr lang="en"/>
-              <a:t>Project </a:t>
-            </a:r>
-            <a:r>
-              <a:rPr lang="en"/>
-              <a:t>Sponsor</a:t>
+              <a:t>Project Sponsor</a:t>
             </a:r>
             <a:endParaRPr/>
           </a:p>
           <a:p>
-            <a:pPr indent="0" lvl="0" marL="0" rtl="0" algn="l">
+            <a:pPr marL="0" lvl="0" indent="0" algn="l" rtl="0">
               <a:spcBef>
                 <a:spcPts val="0"/>
               </a:spcBef>
@@ -11577,9 +11682,6 @@
               </a:spcAft>
               <a:buNone/>
             </a:pPr>
-            <a:r>
-              <a:t/>
-            </a:r>
             <a:endParaRPr/>
           </a:p>
         </p:txBody>
@@ -11587,9 +11689,11 @@
       <p:sp>
         <p:nvSpPr>
           <p:cNvPr id="71" name="Google Shape;71;p15"/>
-          <p:cNvSpPr txBox="1"/>
+          <p:cNvSpPr txBox="1">
+            <a:spLocks noGrp="1"/>
+          </p:cNvSpPr>
           <p:nvPr>
-            <p:ph idx="1" type="body"/>
+            <p:ph type="body" idx="1"/>
           </p:nvPr>
         </p:nvSpPr>
         <p:spPr>
@@ -11602,12 +11706,12 @@
           </a:prstGeom>
         </p:spPr>
         <p:txBody>
-          <a:bodyPr anchorCtr="0" anchor="t" bIns="91425" lIns="91425" spcFirstLastPara="1" rIns="91425" wrap="square" tIns="91425">
+          <a:bodyPr spcFirstLastPara="1" wrap="square" lIns="91425" tIns="91425" rIns="91425" bIns="91425" anchor="t" anchorCtr="0">
             <a:normAutofit/>
           </a:bodyPr>
           <a:lstStyle/>
           <a:p>
-            <a:pPr indent="0" lvl="0" marL="0" rtl="0" algn="l">
+            <a:pPr marL="0" lvl="0" indent="0" algn="l" rtl="0">
               <a:spcBef>
                 <a:spcPts val="0"/>
               </a:spcBef>
@@ -11627,9 +11731,11 @@
       <p:sp>
         <p:nvSpPr>
           <p:cNvPr id="72" name="Google Shape;72;p15"/>
-          <p:cNvSpPr txBox="1"/>
+          <p:cNvSpPr txBox="1">
+            <a:spLocks noGrp="1"/>
+          </p:cNvSpPr>
           <p:nvPr>
-            <p:ph idx="2" type="body"/>
+            <p:ph type="body" idx="2"/>
           </p:nvPr>
         </p:nvSpPr>
         <p:spPr>
@@ -11642,12 +11748,12 @@
           </a:prstGeom>
         </p:spPr>
         <p:txBody>
-          <a:bodyPr anchorCtr="0" anchor="t" bIns="91425" lIns="91425" spcFirstLastPara="1" rIns="91425" wrap="square" tIns="91425">
+          <a:bodyPr spcFirstLastPara="1" wrap="square" lIns="91425" tIns="91425" rIns="91425" bIns="91425" anchor="t" anchorCtr="0">
             <a:normAutofit/>
           </a:bodyPr>
           <a:lstStyle/>
           <a:p>
-            <a:pPr indent="-317500" lvl="0" marL="457200" rtl="0" algn="l">
+            <a:pPr marL="457200" lvl="0" indent="-317500" algn="l" rtl="0">
               <a:spcBef>
                 <a:spcPts val="0"/>
               </a:spcBef>
@@ -11664,7 +11770,7 @@
             <a:endParaRPr/>
           </a:p>
           <a:p>
-            <a:pPr indent="-317500" lvl="0" marL="457200" rtl="0" algn="l">
+            <a:pPr marL="457200" lvl="0" indent="-317500" algn="l" rtl="0">
               <a:spcBef>
                 <a:spcPts val="0"/>
               </a:spcBef>
@@ -11681,7 +11787,7 @@
             <a:endParaRPr/>
           </a:p>
           <a:p>
-            <a:pPr indent="0" lvl="0" marL="0" rtl="0" algn="l">
+            <a:pPr marL="0" lvl="0" indent="0" algn="l" rtl="0">
               <a:spcBef>
                 <a:spcPts val="1200"/>
               </a:spcBef>
@@ -11690,9 +11796,6 @@
               </a:spcAft>
               <a:buNone/>
             </a:pPr>
-            <a:r>
-              <a:t/>
-            </a:r>
             <a:endParaRPr/>
           </a:p>
         </p:txBody>
@@ -11700,7 +11803,9 @@
       <p:sp>
         <p:nvSpPr>
           <p:cNvPr id="73" name="Google Shape;73;p15"/>
-          <p:cNvSpPr txBox="1"/>
+          <p:cNvSpPr txBox="1">
+            <a:spLocks noGrp="1"/>
+          </p:cNvSpPr>
           <p:nvPr>
             <p:ph type="title"/>
           </p:nvPr>
@@ -11715,12 +11820,12 @@
           </a:prstGeom>
         </p:spPr>
         <p:txBody>
-          <a:bodyPr anchorCtr="0" anchor="t" bIns="91425" lIns="91425" spcFirstLastPara="1" rIns="91425" wrap="square" tIns="91425">
+          <a:bodyPr spcFirstLastPara="1" wrap="square" lIns="91425" tIns="91425" rIns="91425" bIns="91425" anchor="t" anchorCtr="0">
             <a:normAutofit fontScale="90000"/>
           </a:bodyPr>
           <a:lstStyle/>
           <a:p>
-            <a:pPr indent="0" lvl="0" marL="0" rtl="0" algn="l">
+            <a:pPr marL="0" lvl="0" indent="0" algn="l" rtl="0">
               <a:spcBef>
                 <a:spcPts val="0"/>
               </a:spcBef>
@@ -11736,7 +11841,7 @@
             <a:endParaRPr/>
           </a:p>
           <a:p>
-            <a:pPr indent="0" lvl="0" marL="0" rtl="0" algn="l">
+            <a:pPr marL="0" lvl="0" indent="0" algn="l" rtl="0">
               <a:spcBef>
                 <a:spcPts val="0"/>
               </a:spcBef>
@@ -11745,9 +11850,6 @@
               </a:spcAft>
               <a:buNone/>
             </a:pPr>
-            <a:r>
-              <a:t/>
-            </a:r>
             <a:endParaRPr/>
           </a:p>
         </p:txBody>
@@ -11760,32 +11862,32 @@
   <p:timing>
     <p:tnLst>
       <p:par>
-        <p:cTn dur="indefinite" nodeType="tmRoot" restart="never">
+        <p:cTn id="1" dur="indefinite" restart="never" nodeType="tmRoot">
           <p:childTnLst>
             <p:seq concurrent="1" nextAc="seek">
-              <p:cTn dur="indefinite" id="2" nodeType="mainSeq">
+              <p:cTn id="2" dur="indefinite" nodeType="mainSeq">
                 <p:childTnLst>
                   <p:par>
-                    <p:cTn fill="hold">
+                    <p:cTn id="3" fill="hold">
                       <p:stCondLst>
                         <p:cond delay="indefinite"/>
                       </p:stCondLst>
                       <p:childTnLst>
                         <p:par>
-                          <p:cTn fill="hold">
+                          <p:cTn id="4" fill="hold">
                             <p:stCondLst>
                               <p:cond delay="0"/>
                             </p:stCondLst>
                             <p:childTnLst>
                               <p:par>
-                                <p:cTn fill="hold" nodeType="clickEffect" presetClass="entr" presetID="10" presetSubtype="0">
+                                <p:cTn id="5" presetID="10" presetClass="entr" presetSubtype="0" fill="hold" nodeType="clickEffect">
                                   <p:stCondLst>
                                     <p:cond delay="0"/>
                                   </p:stCondLst>
                                   <p:childTnLst>
                                     <p:set>
                                       <p:cBhvr>
-                                        <p:cTn dur="1" fill="hold">
+                                        <p:cTn id="6" dur="1" fill="hold">
                                           <p:stCondLst>
                                             <p:cond delay="0"/>
                                           </p:stCondLst>
@@ -11801,9 +11903,9 @@
                                         <p:strVal val="visible"/>
                                       </p:to>
                                     </p:set>
-                                    <p:animEffect filter="fade" transition="in">
+                                    <p:animEffect transition="in" filter="fade">
                                       <p:cBhvr>
-                                        <p:cTn dur="1000"/>
+                                        <p:cTn id="7" dur="1000"/>
                                         <p:tgtEl>
                                           <p:spTgt spid="70"/>
                                         </p:tgtEl>
@@ -11819,26 +11921,26 @@
                     </p:cTn>
                   </p:par>
                   <p:par>
-                    <p:cTn fill="hold">
+                    <p:cTn id="8" fill="hold">
                       <p:stCondLst>
                         <p:cond delay="indefinite"/>
                       </p:stCondLst>
                       <p:childTnLst>
                         <p:par>
-                          <p:cTn fill="hold">
+                          <p:cTn id="9" fill="hold">
                             <p:stCondLst>
                               <p:cond delay="0"/>
                             </p:stCondLst>
                             <p:childTnLst>
                               <p:par>
-                                <p:cTn fill="hold" nodeType="clickEffect" presetClass="entr" presetID="10" presetSubtype="0">
+                                <p:cTn id="10" presetID="10" presetClass="entr" presetSubtype="0" fill="hold" nodeType="clickEffect">
                                   <p:stCondLst>
                                     <p:cond delay="0"/>
                                   </p:stCondLst>
                                   <p:childTnLst>
                                     <p:set>
                                       <p:cBhvr>
-                                        <p:cTn dur="1" fill="hold">
+                                        <p:cTn id="11" dur="1" fill="hold">
                                           <p:stCondLst>
                                             <p:cond delay="0"/>
                                           </p:stCondLst>
@@ -11846,7 +11948,7 @@
                                         <p:tgtEl>
                                           <p:spTgt spid="71">
                                             <p:txEl>
-                                              <p:pRg end="0" st="0"/>
+                                              <p:pRg st="0" end="0"/>
                                             </p:txEl>
                                           </p:spTgt>
                                         </p:tgtEl>
@@ -11858,13 +11960,13 @@
                                         <p:strVal val="visible"/>
                                       </p:to>
                                     </p:set>
-                                    <p:animEffect filter="fade" transition="in">
+                                    <p:animEffect transition="in" filter="fade">
                                       <p:cBhvr>
-                                        <p:cTn dur="1000"/>
+                                        <p:cTn id="12" dur="1000"/>
                                         <p:tgtEl>
                                           <p:spTgt spid="71">
                                             <p:txEl>
-                                              <p:pRg end="0" st="0"/>
+                                              <p:pRg st="0" end="0"/>
                                             </p:txEl>
                                           </p:spTgt>
                                         </p:tgtEl>
@@ -11880,26 +11982,26 @@
                     </p:cTn>
                   </p:par>
                   <p:par>
-                    <p:cTn fill="hold">
+                    <p:cTn id="13" fill="hold">
                       <p:stCondLst>
                         <p:cond delay="indefinite"/>
                       </p:stCondLst>
                       <p:childTnLst>
                         <p:par>
-                          <p:cTn fill="hold">
+                          <p:cTn id="14" fill="hold">
                             <p:stCondLst>
                               <p:cond delay="0"/>
                             </p:stCondLst>
                             <p:childTnLst>
                               <p:par>
-                                <p:cTn fill="hold" nodeType="clickEffect" presetClass="entr" presetID="10" presetSubtype="0">
+                                <p:cTn id="15" presetID="10" presetClass="entr" presetSubtype="0" fill="hold" nodeType="clickEffect">
                                   <p:stCondLst>
                                     <p:cond delay="0"/>
                                   </p:stCondLst>
                                   <p:childTnLst>
                                     <p:set>
                                       <p:cBhvr>
-                                        <p:cTn dur="1" fill="hold">
+                                        <p:cTn id="16" dur="1" fill="hold">
                                           <p:stCondLst>
                                             <p:cond delay="0"/>
                                           </p:stCondLst>
@@ -11915,9 +12017,9 @@
                                         <p:strVal val="visible"/>
                                       </p:to>
                                     </p:set>
-                                    <p:animEffect filter="fade" transition="in">
+                                    <p:animEffect transition="in" filter="fade">
                                       <p:cBhvr>
-                                        <p:cTn dur="1000"/>
+                                        <p:cTn id="17" dur="1000"/>
                                         <p:tgtEl>
                                           <p:spTgt spid="73"/>
                                         </p:tgtEl>
@@ -11933,26 +12035,26 @@
                     </p:cTn>
                   </p:par>
                   <p:par>
-                    <p:cTn fill="hold">
+                    <p:cTn id="18" fill="hold">
                       <p:stCondLst>
                         <p:cond delay="indefinite"/>
                       </p:stCondLst>
                       <p:childTnLst>
                         <p:par>
-                          <p:cTn fill="hold">
+                          <p:cTn id="19" fill="hold">
                             <p:stCondLst>
                               <p:cond delay="0"/>
                             </p:stCondLst>
                             <p:childTnLst>
                               <p:par>
-                                <p:cTn fill="hold" nodeType="clickEffect" presetClass="entr" presetID="10" presetSubtype="0">
+                                <p:cTn id="20" presetID="10" presetClass="entr" presetSubtype="0" fill="hold" nodeType="clickEffect">
                                   <p:stCondLst>
                                     <p:cond delay="0"/>
                                   </p:stCondLst>
                                   <p:childTnLst>
                                     <p:set>
                                       <p:cBhvr>
-                                        <p:cTn dur="1" fill="hold">
+                                        <p:cTn id="21" dur="1" fill="hold">
                                           <p:stCondLst>
                                             <p:cond delay="0"/>
                                           </p:stCondLst>
@@ -11960,7 +12062,7 @@
                                         <p:tgtEl>
                                           <p:spTgt spid="72">
                                             <p:txEl>
-                                              <p:pRg end="0" st="0"/>
+                                              <p:pRg st="0" end="0"/>
                                             </p:txEl>
                                           </p:spTgt>
                                         </p:tgtEl>
@@ -11972,13 +12074,13 @@
                                         <p:strVal val="visible"/>
                                       </p:to>
                                     </p:set>
-                                    <p:animEffect filter="fade" transition="in">
+                                    <p:animEffect transition="in" filter="fade">
                                       <p:cBhvr>
-                                        <p:cTn dur="1000"/>
+                                        <p:cTn id="22" dur="1000"/>
                                         <p:tgtEl>
                                           <p:spTgt spid="72">
                                             <p:txEl>
-                                              <p:pRg end="0" st="0"/>
+                                              <p:pRg st="0" end="0"/>
                                             </p:txEl>
                                           </p:spTgt>
                                         </p:tgtEl>
@@ -11994,26 +12096,26 @@
                     </p:cTn>
                   </p:par>
                   <p:par>
-                    <p:cTn fill="hold">
+                    <p:cTn id="23" fill="hold">
                       <p:stCondLst>
                         <p:cond delay="indefinite"/>
                       </p:stCondLst>
                       <p:childTnLst>
                         <p:par>
-                          <p:cTn fill="hold">
+                          <p:cTn id="24" fill="hold">
                             <p:stCondLst>
                               <p:cond delay="0"/>
                             </p:stCondLst>
                             <p:childTnLst>
                               <p:par>
-                                <p:cTn fill="hold" nodeType="clickEffect" presetClass="entr" presetID="10" presetSubtype="0">
+                                <p:cTn id="25" presetID="10" presetClass="entr" presetSubtype="0" fill="hold" nodeType="clickEffect">
                                   <p:stCondLst>
                                     <p:cond delay="0"/>
                                   </p:stCondLst>
                                   <p:childTnLst>
                                     <p:set>
                                       <p:cBhvr>
-                                        <p:cTn dur="1" fill="hold">
+                                        <p:cTn id="26" dur="1" fill="hold">
                                           <p:stCondLst>
                                             <p:cond delay="0"/>
                                           </p:stCondLst>
@@ -12021,7 +12123,7 @@
                                         <p:tgtEl>
                                           <p:spTgt spid="72">
                                             <p:txEl>
-                                              <p:pRg end="1" st="1"/>
+                                              <p:pRg st="1" end="1"/>
                                             </p:txEl>
                                           </p:spTgt>
                                         </p:tgtEl>
@@ -12033,13 +12135,13 @@
                                         <p:strVal val="visible"/>
                                       </p:to>
                                     </p:set>
-                                    <p:animEffect filter="fade" transition="in">
+                                    <p:animEffect transition="in" filter="fade">
                                       <p:cBhvr>
-                                        <p:cTn dur="1000"/>
+                                        <p:cTn id="27" dur="1000"/>
                                         <p:tgtEl>
                                           <p:spTgt spid="72">
                                             <p:txEl>
-                                              <p:pRg end="1" st="1"/>
+                                              <p:pRg st="1" end="1"/>
                                             </p:txEl>
                                           </p:spTgt>
                                         </p:tgtEl>
@@ -12055,26 +12157,26 @@
                     </p:cTn>
                   </p:par>
                   <p:par>
-                    <p:cTn fill="hold">
+                    <p:cTn id="28" fill="hold">
                       <p:stCondLst>
                         <p:cond delay="indefinite"/>
                       </p:stCondLst>
                       <p:childTnLst>
                         <p:par>
-                          <p:cTn fill="hold">
+                          <p:cTn id="29" fill="hold">
                             <p:stCondLst>
                               <p:cond delay="0"/>
                             </p:stCondLst>
                             <p:childTnLst>
                               <p:par>
-                                <p:cTn fill="hold" nodeType="clickEffect" presetClass="entr" presetID="10" presetSubtype="0">
+                                <p:cTn id="30" presetID="10" presetClass="entr" presetSubtype="0" fill="hold" nodeType="clickEffect">
                                   <p:stCondLst>
                                     <p:cond delay="0"/>
                                   </p:stCondLst>
                                   <p:childTnLst>
                                     <p:set>
                                       <p:cBhvr>
-                                        <p:cTn dur="1" fill="hold">
+                                        <p:cTn id="31" dur="1" fill="hold">
                                           <p:stCondLst>
                                             <p:cond delay="0"/>
                                           </p:stCondLst>
@@ -12082,7 +12184,7 @@
                                         <p:tgtEl>
                                           <p:spTgt spid="72">
                                             <p:txEl>
-                                              <p:pRg end="2" st="2"/>
+                                              <p:pRg st="2" end="2"/>
                                             </p:txEl>
                                           </p:spTgt>
                                         </p:tgtEl>
@@ -12094,13 +12196,13 @@
                                         <p:strVal val="visible"/>
                                       </p:to>
                                     </p:set>
-                                    <p:animEffect filter="fade" transition="in">
+                                    <p:animEffect transition="in" filter="fade">
                                       <p:cBhvr>
-                                        <p:cTn dur="1000"/>
+                                        <p:cTn id="32" dur="1000"/>
                                         <p:tgtEl>
                                           <p:spTgt spid="72">
                                             <p:txEl>
-                                              <p:pRg end="2" st="2"/>
+                                              <p:pRg st="2" end="2"/>
                                             </p:txEl>
                                           </p:spTgt>
                                         </p:tgtEl>
@@ -12118,14 +12220,14 @@
                 </p:childTnLst>
               </p:cTn>
               <p:prevCondLst>
-                <p:cond evt="onPrev">
+                <p:cond evt="onPrev" delay="0">
                   <p:tgtEl>
                     <p:sldTgt/>
                   </p:tgtEl>
                 </p:cond>
               </p:prevCondLst>
               <p:nextCondLst>
-                <p:cond evt="onNext">
+                <p:cond evt="onNext" delay="0">
                   <p:tgtEl>
                     <p:sldTgt/>
                   </p:tgtEl>
@@ -12141,11 +12243,11 @@
 </file>
 
 <file path=ppt/slides/slide4.xml><?xml version="1.0" encoding="utf-8"?>
-<p:sld xmlns:a="http://schemas.openxmlformats.org/drawingml/2006/main" xmlns:r="http://schemas.openxmlformats.org/officeDocument/2006/relationships" xmlns:mc="http://schemas.openxmlformats.org/markup-compatibility/2006" xmlns:mv="urn:schemas-microsoft-com:mac:vml" xmlns:p="http://schemas.openxmlformats.org/presentationml/2006/main" xmlns:c="http://schemas.openxmlformats.org/drawingml/2006/chart" xmlns:dgm="http://schemas.openxmlformats.org/drawingml/2006/diagram" xmlns:o="urn:schemas-microsoft-com:office:office" xmlns:v="urn:schemas-microsoft-com:vml" xmlns:pvml="urn:schemas-microsoft-com:office:powerpoint" xmlns:com="http://schemas.openxmlformats.org/drawingml/2006/compatibility" xmlns:p14="http://schemas.microsoft.com/office/powerpoint/2010/main" xmlns:p15="http://schemas.microsoft.com/office/powerpoint/2012/main" xmlns:ahyp="http://schemas.microsoft.com/office/drawing/2018/hyperlinkcolor">
+<p:sld xmlns:a="http://schemas.openxmlformats.org/drawingml/2006/main" xmlns:r="http://schemas.openxmlformats.org/officeDocument/2006/relationships" xmlns:p="http://schemas.openxmlformats.org/presentationml/2006/main">
   <p:cSld>
     <p:spTree>
       <p:nvGrpSpPr>
-        <p:cNvPr id="77" name="Shape 77"/>
+        <p:cNvPr id="1" name="Shape 77"/>
         <p:cNvGrpSpPr/>
         <p:nvPr/>
       </p:nvGrpSpPr>
@@ -12160,7 +12262,9 @@
       <p:sp>
         <p:nvSpPr>
           <p:cNvPr id="78" name="Google Shape;78;p16"/>
-          <p:cNvSpPr txBox="1"/>
+          <p:cNvSpPr txBox="1">
+            <a:spLocks noGrp="1"/>
+          </p:cNvSpPr>
           <p:nvPr>
             <p:ph type="title"/>
           </p:nvPr>
@@ -12175,12 +12279,12 @@
           </a:prstGeom>
         </p:spPr>
         <p:txBody>
-          <a:bodyPr anchorCtr="0" anchor="t" bIns="91425" lIns="91425" spcFirstLastPara="1" rIns="91425" wrap="square" tIns="91425">
+          <a:bodyPr spcFirstLastPara="1" wrap="square" lIns="91425" tIns="91425" rIns="91425" bIns="91425" anchor="t" anchorCtr="0">
             <a:normAutofit fontScale="90000"/>
           </a:bodyPr>
           <a:lstStyle/>
           <a:p>
-            <a:pPr indent="0" lvl="0" marL="0" rtl="0" algn="l">
+            <a:pPr marL="0" lvl="0" indent="0" algn="l" rtl="0">
               <a:spcBef>
                 <a:spcPts val="0"/>
               </a:spcBef>
@@ -12200,9 +12304,11 @@
       <p:sp>
         <p:nvSpPr>
           <p:cNvPr id="79" name="Google Shape;79;p16"/>
-          <p:cNvSpPr txBox="1"/>
+          <p:cNvSpPr txBox="1">
+            <a:spLocks noGrp="1"/>
+          </p:cNvSpPr>
           <p:nvPr>
-            <p:ph idx="1" type="body"/>
+            <p:ph type="body" idx="1"/>
           </p:nvPr>
         </p:nvSpPr>
         <p:spPr>
@@ -12215,12 +12321,12 @@
           </a:prstGeom>
         </p:spPr>
         <p:txBody>
-          <a:bodyPr anchorCtr="0" anchor="t" bIns="91425" lIns="91425" spcFirstLastPara="1" rIns="91425" wrap="square" tIns="91425">
+          <a:bodyPr spcFirstLastPara="1" wrap="square" lIns="91425" tIns="91425" rIns="91425" bIns="91425" anchor="t" anchorCtr="0">
             <a:normAutofit/>
           </a:bodyPr>
           <a:lstStyle/>
           <a:p>
-            <a:pPr indent="-317500" lvl="0" marL="457200" rtl="0" algn="l">
+            <a:pPr marL="457200" lvl="0" indent="-317500" algn="l" rtl="0">
               <a:spcBef>
                 <a:spcPts val="0"/>
               </a:spcBef>
@@ -12237,7 +12343,7 @@
             <a:endParaRPr/>
           </a:p>
           <a:p>
-            <a:pPr indent="-317500" lvl="0" marL="457200" rtl="0" algn="l">
+            <a:pPr marL="457200" lvl="0" indent="-317500" algn="l" rtl="0">
               <a:spcBef>
                 <a:spcPts val="0"/>
               </a:spcBef>
@@ -12254,7 +12360,7 @@
             <a:endParaRPr/>
           </a:p>
           <a:p>
-            <a:pPr indent="-317500" lvl="0" marL="457200" rtl="0" algn="l">
+            <a:pPr marL="457200" lvl="0" indent="-317500" algn="l" rtl="0">
               <a:spcBef>
                 <a:spcPts val="0"/>
               </a:spcBef>
@@ -12266,16 +12372,12 @@
             </a:pPr>
             <a:r>
               <a:rPr lang="en"/>
-              <a:t>Data </a:t>
-            </a:r>
-            <a:r>
-              <a:rPr lang="en"/>
-              <a:t>Management</a:t>
+              <a:t>Data Management</a:t>
             </a:r>
             <a:endParaRPr/>
           </a:p>
           <a:p>
-            <a:pPr indent="-304800" lvl="1" marL="914400" rtl="0" algn="l">
+            <a:pPr marL="914400" lvl="1" indent="-304800" algn="l" rtl="0">
               <a:spcBef>
                 <a:spcPts val="0"/>
               </a:spcBef>
@@ -12292,7 +12394,7 @@
             <a:endParaRPr/>
           </a:p>
           <a:p>
-            <a:pPr indent="-304800" lvl="1" marL="914400" rtl="0" algn="l">
+            <a:pPr marL="914400" lvl="1" indent="-304800" algn="l" rtl="0">
               <a:spcBef>
                 <a:spcPts val="0"/>
               </a:spcBef>
@@ -12309,7 +12411,7 @@
             <a:endParaRPr/>
           </a:p>
           <a:p>
-            <a:pPr indent="0" lvl="0" marL="0" rtl="0" algn="l">
+            <a:pPr marL="0" lvl="0" indent="0" algn="l" rtl="0">
               <a:spcBef>
                 <a:spcPts val="1200"/>
               </a:spcBef>
@@ -12318,9 +12420,6 @@
               </a:spcAft>
               <a:buNone/>
             </a:pPr>
-            <a:r>
-              <a:t/>
-            </a:r>
             <a:endParaRPr/>
           </a:p>
         </p:txBody>
@@ -12328,9 +12427,11 @@
       <p:sp>
         <p:nvSpPr>
           <p:cNvPr id="80" name="Google Shape;80;p16"/>
-          <p:cNvSpPr txBox="1"/>
+          <p:cNvSpPr txBox="1">
+            <a:spLocks noGrp="1"/>
+          </p:cNvSpPr>
           <p:nvPr>
-            <p:ph idx="2" type="body"/>
+            <p:ph type="body" idx="2"/>
           </p:nvPr>
         </p:nvSpPr>
         <p:spPr>
@@ -12343,12 +12444,12 @@
           </a:prstGeom>
         </p:spPr>
         <p:txBody>
-          <a:bodyPr anchorCtr="0" anchor="t" bIns="91425" lIns="91425" spcFirstLastPara="1" rIns="91425" wrap="square" tIns="91425">
+          <a:bodyPr spcFirstLastPara="1" wrap="square" lIns="91425" tIns="91425" rIns="91425" bIns="91425" anchor="t" anchorCtr="0">
             <a:normAutofit/>
           </a:bodyPr>
           <a:lstStyle/>
           <a:p>
-            <a:pPr indent="-317500" lvl="0" marL="457200" rtl="0" algn="l">
+            <a:pPr marL="457200" lvl="0" indent="-317500" algn="l" rtl="0">
               <a:spcBef>
                 <a:spcPts val="0"/>
               </a:spcBef>
@@ -12360,16 +12461,12 @@
             </a:pPr>
             <a:r>
               <a:rPr lang="en"/>
-              <a:t>I</a:t>
-            </a:r>
-            <a:r>
-              <a:rPr lang="en"/>
-              <a:t>ncrease the profits and market share of the company by at least 1%.</a:t>
+              <a:t>Increase the profits and market share of the company by at least 1%.</a:t>
             </a:r>
             <a:endParaRPr/>
           </a:p>
           <a:p>
-            <a:pPr indent="-317500" lvl="0" marL="457200" rtl="0" algn="l">
+            <a:pPr marL="457200" lvl="0" indent="-317500" algn="l" rtl="0">
               <a:spcBef>
                 <a:spcPts val="0"/>
               </a:spcBef>
@@ -12386,7 +12483,7 @@
             <a:endParaRPr/>
           </a:p>
           <a:p>
-            <a:pPr indent="-317500" lvl="0" marL="457200" rtl="0" algn="l">
+            <a:pPr marL="457200" lvl="0" indent="-317500" algn="l" rtl="0">
               <a:spcBef>
                 <a:spcPts val="0"/>
               </a:spcBef>
@@ -12403,7 +12500,7 @@
             <a:endParaRPr/>
           </a:p>
           <a:p>
-            <a:pPr indent="0" lvl="0" marL="0" rtl="0" algn="l">
+            <a:pPr marL="0" lvl="0" indent="0" algn="l" rtl="0">
               <a:spcBef>
                 <a:spcPts val="1200"/>
               </a:spcBef>
@@ -12412,9 +12509,6 @@
               </a:spcAft>
               <a:buNone/>
             </a:pPr>
-            <a:r>
-              <a:t/>
-            </a:r>
             <a:endParaRPr/>
           </a:p>
         </p:txBody>
@@ -12422,7 +12516,9 @@
       <p:sp>
         <p:nvSpPr>
           <p:cNvPr id="81" name="Google Shape;81;p16"/>
-          <p:cNvSpPr txBox="1"/>
+          <p:cNvSpPr txBox="1">
+            <a:spLocks noGrp="1"/>
+          </p:cNvSpPr>
           <p:nvPr>
             <p:ph type="title"/>
           </p:nvPr>
@@ -12437,12 +12533,12 @@
           </a:prstGeom>
         </p:spPr>
         <p:txBody>
-          <a:bodyPr anchorCtr="0" anchor="t" bIns="91425" lIns="91425" spcFirstLastPara="1" rIns="91425" wrap="square" tIns="91425">
+          <a:bodyPr spcFirstLastPara="1" wrap="square" lIns="91425" tIns="91425" rIns="91425" bIns="91425" anchor="t" anchorCtr="0">
             <a:normAutofit fontScale="90000"/>
           </a:bodyPr>
           <a:lstStyle/>
           <a:p>
-            <a:pPr indent="0" lvl="0" marL="0" rtl="0" algn="l">
+            <a:pPr marL="0" lvl="0" indent="0" algn="l" rtl="0">
               <a:spcBef>
                 <a:spcPts val="0"/>
               </a:spcBef>
@@ -12467,32 +12563,32 @@
   <p:timing>
     <p:tnLst>
       <p:par>
-        <p:cTn dur="indefinite" nodeType="tmRoot" restart="never">
+        <p:cTn id="1" dur="indefinite" restart="never" nodeType="tmRoot">
           <p:childTnLst>
             <p:seq concurrent="1" nextAc="seek">
-              <p:cTn dur="indefinite" id="2" nodeType="mainSeq">
+              <p:cTn id="2" dur="indefinite" nodeType="mainSeq">
                 <p:childTnLst>
                   <p:par>
-                    <p:cTn fill="hold">
+                    <p:cTn id="3" fill="hold">
                       <p:stCondLst>
                         <p:cond delay="indefinite"/>
                       </p:stCondLst>
                       <p:childTnLst>
                         <p:par>
-                          <p:cTn fill="hold">
+                          <p:cTn id="4" fill="hold">
                             <p:stCondLst>
                               <p:cond delay="0"/>
                             </p:stCondLst>
                             <p:childTnLst>
                               <p:par>
-                                <p:cTn fill="hold" nodeType="clickEffect" presetClass="entr" presetID="10" presetSubtype="0">
+                                <p:cTn id="5" presetID="10" presetClass="entr" presetSubtype="0" fill="hold" nodeType="clickEffect">
                                   <p:stCondLst>
                                     <p:cond delay="0"/>
                                   </p:stCondLst>
                                   <p:childTnLst>
                                     <p:set>
                                       <p:cBhvr>
-                                        <p:cTn dur="1" fill="hold">
+                                        <p:cTn id="6" dur="1" fill="hold">
                                           <p:stCondLst>
                                             <p:cond delay="0"/>
                                           </p:stCondLst>
@@ -12508,9 +12604,9 @@
                                         <p:strVal val="visible"/>
                                       </p:to>
                                     </p:set>
-                                    <p:animEffect filter="fade" transition="in">
+                                    <p:animEffect transition="in" filter="fade">
                                       <p:cBhvr>
-                                        <p:cTn dur="1000"/>
+                                        <p:cTn id="7" dur="1000"/>
                                         <p:tgtEl>
                                           <p:spTgt spid="78"/>
                                         </p:tgtEl>
@@ -12526,26 +12622,26 @@
                     </p:cTn>
                   </p:par>
                   <p:par>
-                    <p:cTn fill="hold">
+                    <p:cTn id="8" fill="hold">
                       <p:stCondLst>
                         <p:cond delay="indefinite"/>
                       </p:stCondLst>
                       <p:childTnLst>
                         <p:par>
-                          <p:cTn fill="hold">
+                          <p:cTn id="9" fill="hold">
                             <p:stCondLst>
                               <p:cond delay="0"/>
                             </p:stCondLst>
                             <p:childTnLst>
                               <p:par>
-                                <p:cTn fill="hold" nodeType="clickEffect" presetClass="entr" presetID="10" presetSubtype="0">
+                                <p:cTn id="10" presetID="10" presetClass="entr" presetSubtype="0" fill="hold" nodeType="clickEffect">
                                   <p:stCondLst>
                                     <p:cond delay="0"/>
                                   </p:stCondLst>
                                   <p:childTnLst>
                                     <p:set>
                                       <p:cBhvr>
-                                        <p:cTn dur="1" fill="hold">
+                                        <p:cTn id="11" dur="1" fill="hold">
                                           <p:stCondLst>
                                             <p:cond delay="0"/>
                                           </p:stCondLst>
@@ -12553,7 +12649,7 @@
                                         <p:tgtEl>
                                           <p:spTgt spid="79">
                                             <p:txEl>
-                                              <p:pRg end="0" st="0"/>
+                                              <p:pRg st="0" end="0"/>
                                             </p:txEl>
                                           </p:spTgt>
                                         </p:tgtEl>
@@ -12565,13 +12661,13 @@
                                         <p:strVal val="visible"/>
                                       </p:to>
                                     </p:set>
-                                    <p:animEffect filter="fade" transition="in">
+                                    <p:animEffect transition="in" filter="fade">
                                       <p:cBhvr>
-                                        <p:cTn dur="1000"/>
+                                        <p:cTn id="12" dur="1000"/>
                                         <p:tgtEl>
                                           <p:spTgt spid="79">
                                             <p:txEl>
-                                              <p:pRg end="0" st="0"/>
+                                              <p:pRg st="0" end="0"/>
                                             </p:txEl>
                                           </p:spTgt>
                                         </p:tgtEl>
@@ -12587,26 +12683,26 @@
                     </p:cTn>
                   </p:par>
                   <p:par>
-                    <p:cTn fill="hold">
+                    <p:cTn id="13" fill="hold">
                       <p:stCondLst>
                         <p:cond delay="indefinite"/>
                       </p:stCondLst>
                       <p:childTnLst>
                         <p:par>
-                          <p:cTn fill="hold">
+                          <p:cTn id="14" fill="hold">
                             <p:stCondLst>
                               <p:cond delay="0"/>
                             </p:stCondLst>
                             <p:childTnLst>
                               <p:par>
-                                <p:cTn fill="hold" nodeType="clickEffect" presetClass="entr" presetID="10" presetSubtype="0">
+                                <p:cTn id="15" presetID="10" presetClass="entr" presetSubtype="0" fill="hold" nodeType="clickEffect">
                                   <p:stCondLst>
                                     <p:cond delay="0"/>
                                   </p:stCondLst>
                                   <p:childTnLst>
                                     <p:set>
                                       <p:cBhvr>
-                                        <p:cTn dur="1" fill="hold">
+                                        <p:cTn id="16" dur="1" fill="hold">
                                           <p:stCondLst>
                                             <p:cond delay="0"/>
                                           </p:stCondLst>
@@ -12614,7 +12710,7 @@
                                         <p:tgtEl>
                                           <p:spTgt spid="79">
                                             <p:txEl>
-                                              <p:pRg end="1" st="1"/>
+                                              <p:pRg st="1" end="1"/>
                                             </p:txEl>
                                           </p:spTgt>
                                         </p:tgtEl>
@@ -12626,13 +12722,13 @@
                                         <p:strVal val="visible"/>
                                       </p:to>
                                     </p:set>
-                                    <p:animEffect filter="fade" transition="in">
+                                    <p:animEffect transition="in" filter="fade">
                                       <p:cBhvr>
-                                        <p:cTn dur="1000"/>
+                                        <p:cTn id="17" dur="1000"/>
                                         <p:tgtEl>
                                           <p:spTgt spid="79">
                                             <p:txEl>
-                                              <p:pRg end="1" st="1"/>
+                                              <p:pRg st="1" end="1"/>
                                             </p:txEl>
                                           </p:spTgt>
                                         </p:tgtEl>
@@ -12648,26 +12744,26 @@
                     </p:cTn>
                   </p:par>
                   <p:par>
-                    <p:cTn fill="hold">
+                    <p:cTn id="18" fill="hold">
                       <p:stCondLst>
                         <p:cond delay="indefinite"/>
                       </p:stCondLst>
                       <p:childTnLst>
                         <p:par>
-                          <p:cTn fill="hold">
+                          <p:cTn id="19" fill="hold">
                             <p:stCondLst>
                               <p:cond delay="0"/>
                             </p:stCondLst>
                             <p:childTnLst>
                               <p:par>
-                                <p:cTn fill="hold" nodeType="clickEffect" presetClass="entr" presetID="10" presetSubtype="0">
+                                <p:cTn id="20" presetID="10" presetClass="entr" presetSubtype="0" fill="hold" nodeType="clickEffect">
                                   <p:stCondLst>
                                     <p:cond delay="0"/>
                                   </p:stCondLst>
                                   <p:childTnLst>
                                     <p:set>
                                       <p:cBhvr>
-                                        <p:cTn dur="1" fill="hold">
+                                        <p:cTn id="21" dur="1" fill="hold">
                                           <p:stCondLst>
                                             <p:cond delay="0"/>
                                           </p:stCondLst>
@@ -12675,7 +12771,7 @@
                                         <p:tgtEl>
                                           <p:spTgt spid="79">
                                             <p:txEl>
-                                              <p:pRg end="2" st="2"/>
+                                              <p:pRg st="2" end="2"/>
                                             </p:txEl>
                                           </p:spTgt>
                                         </p:tgtEl>
@@ -12687,13 +12783,13 @@
                                         <p:strVal val="visible"/>
                                       </p:to>
                                     </p:set>
-                                    <p:animEffect filter="fade" transition="in">
+                                    <p:animEffect transition="in" filter="fade">
                                       <p:cBhvr>
-                                        <p:cTn dur="1000"/>
+                                        <p:cTn id="22" dur="1000"/>
                                         <p:tgtEl>
                                           <p:spTgt spid="79">
                                             <p:txEl>
-                                              <p:pRg end="2" st="2"/>
+                                              <p:pRg st="2" end="2"/>
                                             </p:txEl>
                                           </p:spTgt>
                                         </p:tgtEl>
@@ -12709,26 +12805,26 @@
                     </p:cTn>
                   </p:par>
                   <p:par>
-                    <p:cTn fill="hold">
+                    <p:cTn id="23" fill="hold">
                       <p:stCondLst>
                         <p:cond delay="indefinite"/>
                       </p:stCondLst>
                       <p:childTnLst>
                         <p:par>
-                          <p:cTn fill="hold">
+                          <p:cTn id="24" fill="hold">
                             <p:stCondLst>
                               <p:cond delay="0"/>
                             </p:stCondLst>
                             <p:childTnLst>
                               <p:par>
-                                <p:cTn fill="hold" nodeType="clickEffect" presetClass="entr" presetID="10" presetSubtype="0">
+                                <p:cTn id="25" presetID="10" presetClass="entr" presetSubtype="0" fill="hold" nodeType="clickEffect">
                                   <p:stCondLst>
                                     <p:cond delay="0"/>
                                   </p:stCondLst>
                                   <p:childTnLst>
                                     <p:set>
                                       <p:cBhvr>
-                                        <p:cTn dur="1" fill="hold">
+                                        <p:cTn id="26" dur="1" fill="hold">
                                           <p:stCondLst>
                                             <p:cond delay="0"/>
                                           </p:stCondLst>
@@ -12736,7 +12832,7 @@
                                         <p:tgtEl>
                                           <p:spTgt spid="79">
                                             <p:txEl>
-                                              <p:pRg end="3" st="3"/>
+                                              <p:pRg st="3" end="3"/>
                                             </p:txEl>
                                           </p:spTgt>
                                         </p:tgtEl>
@@ -12748,13 +12844,13 @@
                                         <p:strVal val="visible"/>
                                       </p:to>
                                     </p:set>
-                                    <p:animEffect filter="fade" transition="in">
+                                    <p:animEffect transition="in" filter="fade">
                                       <p:cBhvr>
-                                        <p:cTn dur="1000"/>
+                                        <p:cTn id="27" dur="1000"/>
                                         <p:tgtEl>
                                           <p:spTgt spid="79">
                                             <p:txEl>
-                                              <p:pRg end="3" st="3"/>
+                                              <p:pRg st="3" end="3"/>
                                             </p:txEl>
                                           </p:spTgt>
                                         </p:tgtEl>
@@ -12770,26 +12866,26 @@
                     </p:cTn>
                   </p:par>
                   <p:par>
-                    <p:cTn fill="hold">
+                    <p:cTn id="28" fill="hold">
                       <p:stCondLst>
                         <p:cond delay="indefinite"/>
                       </p:stCondLst>
                       <p:childTnLst>
                         <p:par>
-                          <p:cTn fill="hold">
+                          <p:cTn id="29" fill="hold">
                             <p:stCondLst>
                               <p:cond delay="0"/>
                             </p:stCondLst>
                             <p:childTnLst>
                               <p:par>
-                                <p:cTn fill="hold" nodeType="clickEffect" presetClass="entr" presetID="10" presetSubtype="0">
+                                <p:cTn id="30" presetID="10" presetClass="entr" presetSubtype="0" fill="hold" nodeType="clickEffect">
                                   <p:stCondLst>
                                     <p:cond delay="0"/>
                                   </p:stCondLst>
                                   <p:childTnLst>
                                     <p:set>
                                       <p:cBhvr>
-                                        <p:cTn dur="1" fill="hold">
+                                        <p:cTn id="31" dur="1" fill="hold">
                                           <p:stCondLst>
                                             <p:cond delay="0"/>
                                           </p:stCondLst>
@@ -12797,7 +12893,7 @@
                                         <p:tgtEl>
                                           <p:spTgt spid="79">
                                             <p:txEl>
-                                              <p:pRg end="4" st="4"/>
+                                              <p:pRg st="4" end="4"/>
                                             </p:txEl>
                                           </p:spTgt>
                                         </p:tgtEl>
@@ -12809,13 +12905,13 @@
                                         <p:strVal val="visible"/>
                                       </p:to>
                                     </p:set>
-                                    <p:animEffect filter="fade" transition="in">
+                                    <p:animEffect transition="in" filter="fade">
                                       <p:cBhvr>
-                                        <p:cTn dur="1000"/>
+                                        <p:cTn id="32" dur="1000"/>
                                         <p:tgtEl>
                                           <p:spTgt spid="79">
                                             <p:txEl>
-                                              <p:pRg end="4" st="4"/>
+                                              <p:pRg st="4" end="4"/>
                                             </p:txEl>
                                           </p:spTgt>
                                         </p:tgtEl>
@@ -12831,26 +12927,26 @@
                     </p:cTn>
                   </p:par>
                   <p:par>
-                    <p:cTn fill="hold">
+                    <p:cTn id="33" fill="hold">
                       <p:stCondLst>
                         <p:cond delay="indefinite"/>
                       </p:stCondLst>
                       <p:childTnLst>
                         <p:par>
-                          <p:cTn fill="hold">
+                          <p:cTn id="34" fill="hold">
                             <p:stCondLst>
                               <p:cond delay="0"/>
                             </p:stCondLst>
                             <p:childTnLst>
                               <p:par>
-                                <p:cTn fill="hold" nodeType="clickEffect" presetClass="entr" presetID="10" presetSubtype="0">
+                                <p:cTn id="35" presetID="10" presetClass="entr" presetSubtype="0" fill="hold" nodeType="clickEffect">
                                   <p:stCondLst>
                                     <p:cond delay="0"/>
                                   </p:stCondLst>
                                   <p:childTnLst>
                                     <p:set>
                                       <p:cBhvr>
-                                        <p:cTn dur="1" fill="hold">
+                                        <p:cTn id="36" dur="1" fill="hold">
                                           <p:stCondLst>
                                             <p:cond delay="0"/>
                                           </p:stCondLst>
@@ -12858,7 +12954,7 @@
                                         <p:tgtEl>
                                           <p:spTgt spid="79">
                                             <p:txEl>
-                                              <p:pRg end="5" st="5"/>
+                                              <p:pRg st="5" end="5"/>
                                             </p:txEl>
                                           </p:spTgt>
                                         </p:tgtEl>
@@ -12870,13 +12966,13 @@
                                         <p:strVal val="visible"/>
                                       </p:to>
                                     </p:set>
-                                    <p:animEffect filter="fade" transition="in">
+                                    <p:animEffect transition="in" filter="fade">
                                       <p:cBhvr>
-                                        <p:cTn dur="1000"/>
+                                        <p:cTn id="37" dur="1000"/>
                                         <p:tgtEl>
                                           <p:spTgt spid="79">
                                             <p:txEl>
-                                              <p:pRg end="5" st="5"/>
+                                              <p:pRg st="5" end="5"/>
                                             </p:txEl>
                                           </p:spTgt>
                                         </p:tgtEl>
@@ -12892,26 +12988,26 @@
                     </p:cTn>
                   </p:par>
                   <p:par>
-                    <p:cTn fill="hold">
+                    <p:cTn id="38" fill="hold">
                       <p:stCondLst>
                         <p:cond delay="indefinite"/>
                       </p:stCondLst>
                       <p:childTnLst>
                         <p:par>
-                          <p:cTn fill="hold">
+                          <p:cTn id="39" fill="hold">
                             <p:stCondLst>
                               <p:cond delay="0"/>
                             </p:stCondLst>
                             <p:childTnLst>
                               <p:par>
-                                <p:cTn fill="hold" nodeType="clickEffect" presetClass="entr" presetID="10" presetSubtype="0">
+                                <p:cTn id="40" presetID="10" presetClass="entr" presetSubtype="0" fill="hold" nodeType="clickEffect">
                                   <p:stCondLst>
                                     <p:cond delay="0"/>
                                   </p:stCondLst>
                                   <p:childTnLst>
                                     <p:set>
                                       <p:cBhvr>
-                                        <p:cTn dur="1" fill="hold">
+                                        <p:cTn id="41" dur="1" fill="hold">
                                           <p:stCondLst>
                                             <p:cond delay="0"/>
                                           </p:stCondLst>
@@ -12927,9 +13023,9 @@
                                         <p:strVal val="visible"/>
                                       </p:to>
                                     </p:set>
-                                    <p:animEffect filter="fade" transition="in">
+                                    <p:animEffect transition="in" filter="fade">
                                       <p:cBhvr>
-                                        <p:cTn dur="1000"/>
+                                        <p:cTn id="42" dur="1000"/>
                                         <p:tgtEl>
                                           <p:spTgt spid="81"/>
                                         </p:tgtEl>
@@ -12945,26 +13041,26 @@
                     </p:cTn>
                   </p:par>
                   <p:par>
-                    <p:cTn fill="hold">
+                    <p:cTn id="43" fill="hold">
                       <p:stCondLst>
                         <p:cond delay="indefinite"/>
                       </p:stCondLst>
                       <p:childTnLst>
                         <p:par>
-                          <p:cTn fill="hold">
+                          <p:cTn id="44" fill="hold">
                             <p:stCondLst>
                               <p:cond delay="0"/>
                             </p:stCondLst>
                             <p:childTnLst>
                               <p:par>
-                                <p:cTn fill="hold" nodeType="clickEffect" presetClass="entr" presetID="10" presetSubtype="0">
+                                <p:cTn id="45" presetID="10" presetClass="entr" presetSubtype="0" fill="hold" nodeType="clickEffect">
                                   <p:stCondLst>
                                     <p:cond delay="0"/>
                                   </p:stCondLst>
                                   <p:childTnLst>
                                     <p:set>
                                       <p:cBhvr>
-                                        <p:cTn dur="1" fill="hold">
+                                        <p:cTn id="46" dur="1" fill="hold">
                                           <p:stCondLst>
                                             <p:cond delay="0"/>
                                           </p:stCondLst>
@@ -12972,7 +13068,7 @@
                                         <p:tgtEl>
                                           <p:spTgt spid="80">
                                             <p:txEl>
-                                              <p:pRg end="0" st="0"/>
+                                              <p:pRg st="0" end="0"/>
                                             </p:txEl>
                                           </p:spTgt>
                                         </p:tgtEl>
@@ -12984,13 +13080,13 @@
                                         <p:strVal val="visible"/>
                                       </p:to>
                                     </p:set>
-                                    <p:animEffect filter="fade" transition="in">
+                                    <p:animEffect transition="in" filter="fade">
                                       <p:cBhvr>
-                                        <p:cTn dur="1000"/>
+                                        <p:cTn id="47" dur="1000"/>
                                         <p:tgtEl>
                                           <p:spTgt spid="80">
                                             <p:txEl>
-                                              <p:pRg end="0" st="0"/>
+                                              <p:pRg st="0" end="0"/>
                                             </p:txEl>
                                           </p:spTgt>
                                         </p:tgtEl>
@@ -13006,26 +13102,26 @@
                     </p:cTn>
                   </p:par>
                   <p:par>
-                    <p:cTn fill="hold">
+                    <p:cTn id="48" fill="hold">
                       <p:stCondLst>
                         <p:cond delay="indefinite"/>
                       </p:stCondLst>
                       <p:childTnLst>
                         <p:par>
-                          <p:cTn fill="hold">
+                          <p:cTn id="49" fill="hold">
                             <p:stCondLst>
                               <p:cond delay="0"/>
                             </p:stCondLst>
                             <p:childTnLst>
                               <p:par>
-                                <p:cTn fill="hold" nodeType="clickEffect" presetClass="entr" presetID="10" presetSubtype="0">
+                                <p:cTn id="50" presetID="10" presetClass="entr" presetSubtype="0" fill="hold" nodeType="clickEffect">
                                   <p:stCondLst>
                                     <p:cond delay="0"/>
                                   </p:stCondLst>
                                   <p:childTnLst>
                                     <p:set>
                                       <p:cBhvr>
-                                        <p:cTn dur="1" fill="hold">
+                                        <p:cTn id="51" dur="1" fill="hold">
                                           <p:stCondLst>
                                             <p:cond delay="0"/>
                                           </p:stCondLst>
@@ -13033,7 +13129,7 @@
                                         <p:tgtEl>
                                           <p:spTgt spid="80">
                                             <p:txEl>
-                                              <p:pRg end="1" st="1"/>
+                                              <p:pRg st="1" end="1"/>
                                             </p:txEl>
                                           </p:spTgt>
                                         </p:tgtEl>
@@ -13045,13 +13141,13 @@
                                         <p:strVal val="visible"/>
                                       </p:to>
                                     </p:set>
-                                    <p:animEffect filter="fade" transition="in">
+                                    <p:animEffect transition="in" filter="fade">
                                       <p:cBhvr>
-                                        <p:cTn dur="1000"/>
+                                        <p:cTn id="52" dur="1000"/>
                                         <p:tgtEl>
                                           <p:spTgt spid="80">
                                             <p:txEl>
-                                              <p:pRg end="1" st="1"/>
+                                              <p:pRg st="1" end="1"/>
                                             </p:txEl>
                                           </p:spTgt>
                                         </p:tgtEl>
@@ -13067,26 +13163,26 @@
                     </p:cTn>
                   </p:par>
                   <p:par>
-                    <p:cTn fill="hold">
+                    <p:cTn id="53" fill="hold">
                       <p:stCondLst>
                         <p:cond delay="indefinite"/>
                       </p:stCondLst>
                       <p:childTnLst>
                         <p:par>
-                          <p:cTn fill="hold">
+                          <p:cTn id="54" fill="hold">
                             <p:stCondLst>
                               <p:cond delay="0"/>
                             </p:stCondLst>
                             <p:childTnLst>
                               <p:par>
-                                <p:cTn fill="hold" nodeType="clickEffect" presetClass="entr" presetID="10" presetSubtype="0">
+                                <p:cTn id="55" presetID="10" presetClass="entr" presetSubtype="0" fill="hold" nodeType="clickEffect">
                                   <p:stCondLst>
                                     <p:cond delay="0"/>
                                   </p:stCondLst>
                                   <p:childTnLst>
                                     <p:set>
                                       <p:cBhvr>
-                                        <p:cTn dur="1" fill="hold">
+                                        <p:cTn id="56" dur="1" fill="hold">
                                           <p:stCondLst>
                                             <p:cond delay="0"/>
                                           </p:stCondLst>
@@ -13094,7 +13190,7 @@
                                         <p:tgtEl>
                                           <p:spTgt spid="80">
                                             <p:txEl>
-                                              <p:pRg end="2" st="2"/>
+                                              <p:pRg st="2" end="2"/>
                                             </p:txEl>
                                           </p:spTgt>
                                         </p:tgtEl>
@@ -13106,13 +13202,13 @@
                                         <p:strVal val="visible"/>
                                       </p:to>
                                     </p:set>
-                                    <p:animEffect filter="fade" transition="in">
+                                    <p:animEffect transition="in" filter="fade">
                                       <p:cBhvr>
-                                        <p:cTn dur="1000"/>
+                                        <p:cTn id="57" dur="1000"/>
                                         <p:tgtEl>
                                           <p:spTgt spid="80">
                                             <p:txEl>
-                                              <p:pRg end="2" st="2"/>
+                                              <p:pRg st="2" end="2"/>
                                             </p:txEl>
                                           </p:spTgt>
                                         </p:tgtEl>
@@ -13128,26 +13224,26 @@
                     </p:cTn>
                   </p:par>
                   <p:par>
-                    <p:cTn fill="hold">
+                    <p:cTn id="58" fill="hold">
                       <p:stCondLst>
                         <p:cond delay="indefinite"/>
                       </p:stCondLst>
                       <p:childTnLst>
                         <p:par>
-                          <p:cTn fill="hold">
+                          <p:cTn id="59" fill="hold">
                             <p:stCondLst>
                               <p:cond delay="0"/>
                             </p:stCondLst>
                             <p:childTnLst>
                               <p:par>
-                                <p:cTn fill="hold" nodeType="clickEffect" presetClass="entr" presetID="10" presetSubtype="0">
+                                <p:cTn id="60" presetID="10" presetClass="entr" presetSubtype="0" fill="hold" nodeType="clickEffect">
                                   <p:stCondLst>
                                     <p:cond delay="0"/>
                                   </p:stCondLst>
                                   <p:childTnLst>
                                     <p:set>
                                       <p:cBhvr>
-                                        <p:cTn dur="1" fill="hold">
+                                        <p:cTn id="61" dur="1" fill="hold">
                                           <p:stCondLst>
                                             <p:cond delay="0"/>
                                           </p:stCondLst>
@@ -13155,7 +13251,7 @@
                                         <p:tgtEl>
                                           <p:spTgt spid="80">
                                             <p:txEl>
-                                              <p:pRg end="3" st="3"/>
+                                              <p:pRg st="3" end="3"/>
                                             </p:txEl>
                                           </p:spTgt>
                                         </p:tgtEl>
@@ -13167,13 +13263,13 @@
                                         <p:strVal val="visible"/>
                                       </p:to>
                                     </p:set>
-                                    <p:animEffect filter="fade" transition="in">
+                                    <p:animEffect transition="in" filter="fade">
                                       <p:cBhvr>
-                                        <p:cTn dur="1000"/>
+                                        <p:cTn id="62" dur="1000"/>
                                         <p:tgtEl>
                                           <p:spTgt spid="80">
                                             <p:txEl>
-                                              <p:pRg end="3" st="3"/>
+                                              <p:pRg st="3" end="3"/>
                                             </p:txEl>
                                           </p:spTgt>
                                         </p:tgtEl>
@@ -13191,14 +13287,14 @@
                 </p:childTnLst>
               </p:cTn>
               <p:prevCondLst>
-                <p:cond evt="onPrev">
+                <p:cond evt="onPrev" delay="0">
                   <p:tgtEl>
                     <p:sldTgt/>
                   </p:tgtEl>
                 </p:cond>
               </p:prevCondLst>
               <p:nextCondLst>
-                <p:cond evt="onNext">
+                <p:cond evt="onNext" delay="0">
                   <p:tgtEl>
                     <p:sldTgt/>
                   </p:tgtEl>
@@ -13214,11 +13310,11 @@
 </file>
 
 <file path=ppt/slides/slide5.xml><?xml version="1.0" encoding="utf-8"?>
-<p:sld xmlns:a="http://schemas.openxmlformats.org/drawingml/2006/main" xmlns:r="http://schemas.openxmlformats.org/officeDocument/2006/relationships" xmlns:mc="http://schemas.openxmlformats.org/markup-compatibility/2006" xmlns:mv="urn:schemas-microsoft-com:mac:vml" xmlns:p="http://schemas.openxmlformats.org/presentationml/2006/main" xmlns:c="http://schemas.openxmlformats.org/drawingml/2006/chart" xmlns:dgm="http://schemas.openxmlformats.org/drawingml/2006/diagram" xmlns:o="urn:schemas-microsoft-com:office:office" xmlns:v="urn:schemas-microsoft-com:vml" xmlns:pvml="urn:schemas-microsoft-com:office:powerpoint" xmlns:com="http://schemas.openxmlformats.org/drawingml/2006/compatibility" xmlns:p14="http://schemas.microsoft.com/office/powerpoint/2010/main" xmlns:p15="http://schemas.microsoft.com/office/powerpoint/2012/main" xmlns:ahyp="http://schemas.microsoft.com/office/drawing/2018/hyperlinkcolor">
+<p:sld xmlns:a="http://schemas.openxmlformats.org/drawingml/2006/main" xmlns:r="http://schemas.openxmlformats.org/officeDocument/2006/relationships" xmlns:p="http://schemas.openxmlformats.org/presentationml/2006/main">
   <p:cSld>
     <p:spTree>
       <p:nvGrpSpPr>
-        <p:cNvPr id="85" name="Shape 85"/>
+        <p:cNvPr id="1" name="Shape 85"/>
         <p:cNvGrpSpPr/>
         <p:nvPr/>
       </p:nvGrpSpPr>
@@ -13233,7 +13329,9 @@
       <p:sp>
         <p:nvSpPr>
           <p:cNvPr id="86" name="Google Shape;86;p17"/>
-          <p:cNvSpPr txBox="1"/>
+          <p:cNvSpPr txBox="1">
+            <a:spLocks noGrp="1"/>
+          </p:cNvSpPr>
           <p:nvPr>
             <p:ph type="title"/>
           </p:nvPr>
@@ -13248,12 +13346,12 @@
           </a:prstGeom>
         </p:spPr>
         <p:txBody>
-          <a:bodyPr anchorCtr="0" anchor="ctr" bIns="91425" lIns="91425" spcFirstLastPara="1" rIns="91425" wrap="square" tIns="91425">
+          <a:bodyPr spcFirstLastPara="1" wrap="square" lIns="91425" tIns="91425" rIns="91425" bIns="91425" anchor="ctr" anchorCtr="0">
             <a:normAutofit/>
           </a:bodyPr>
           <a:lstStyle/>
           <a:p>
-            <a:pPr indent="0" lvl="0" marL="0" rtl="0" algn="ctr">
+            <a:pPr marL="0" lvl="0" indent="0" algn="ctr" rtl="0">
               <a:spcBef>
                 <a:spcPts val="0"/>
               </a:spcBef>
@@ -13279,11 +13377,11 @@
 </file>
 
 <file path=ppt/slides/slide6.xml><?xml version="1.0" encoding="utf-8"?>
-<p:sld xmlns:a="http://schemas.openxmlformats.org/drawingml/2006/main" xmlns:r="http://schemas.openxmlformats.org/officeDocument/2006/relationships" xmlns:mc="http://schemas.openxmlformats.org/markup-compatibility/2006" xmlns:mv="urn:schemas-microsoft-com:mac:vml" xmlns:p="http://schemas.openxmlformats.org/presentationml/2006/main" xmlns:c="http://schemas.openxmlformats.org/drawingml/2006/chart" xmlns:dgm="http://schemas.openxmlformats.org/drawingml/2006/diagram" xmlns:o="urn:schemas-microsoft-com:office:office" xmlns:v="urn:schemas-microsoft-com:vml" xmlns:pvml="urn:schemas-microsoft-com:office:powerpoint" xmlns:com="http://schemas.openxmlformats.org/drawingml/2006/compatibility" xmlns:p14="http://schemas.microsoft.com/office/powerpoint/2010/main" xmlns:p15="http://schemas.microsoft.com/office/powerpoint/2012/main" xmlns:ahyp="http://schemas.microsoft.com/office/drawing/2018/hyperlinkcolor">
+<p:sld xmlns:a="http://schemas.openxmlformats.org/drawingml/2006/main" xmlns:r="http://schemas.openxmlformats.org/officeDocument/2006/relationships" xmlns:p="http://schemas.openxmlformats.org/presentationml/2006/main">
   <p:cSld>
     <p:spTree>
       <p:nvGrpSpPr>
-        <p:cNvPr id="90" name="Shape 90"/>
+        <p:cNvPr id="1" name="Shape 90"/>
         <p:cNvGrpSpPr/>
         <p:nvPr/>
       </p:nvGrpSpPr>
@@ -13298,7 +13396,9 @@
       <p:sp>
         <p:nvSpPr>
           <p:cNvPr id="91" name="Google Shape;91;p18"/>
-          <p:cNvSpPr txBox="1"/>
+          <p:cNvSpPr txBox="1">
+            <a:spLocks noGrp="1"/>
+          </p:cNvSpPr>
           <p:nvPr>
             <p:ph type="title"/>
           </p:nvPr>
@@ -13313,12 +13413,12 @@
           </a:prstGeom>
         </p:spPr>
         <p:txBody>
-          <a:bodyPr anchorCtr="0" anchor="b" bIns="91425" lIns="91425" spcFirstLastPara="1" rIns="91425" wrap="square" tIns="91425">
+          <a:bodyPr spcFirstLastPara="1" wrap="square" lIns="91425" tIns="91425" rIns="91425" bIns="91425" anchor="b" anchorCtr="0">
             <a:normAutofit/>
           </a:bodyPr>
           <a:lstStyle/>
           <a:p>
-            <a:pPr indent="0" lvl="0" marL="0" rtl="0" algn="ctr">
+            <a:pPr marL="0" lvl="0" indent="0" algn="ctr" rtl="0">
               <a:spcBef>
                 <a:spcPts val="0"/>
               </a:spcBef>
@@ -13338,9 +13438,11 @@
       <p:sp>
         <p:nvSpPr>
           <p:cNvPr id="92" name="Google Shape;92;p18"/>
-          <p:cNvSpPr txBox="1"/>
+          <p:cNvSpPr txBox="1">
+            <a:spLocks noGrp="1"/>
+          </p:cNvSpPr>
           <p:nvPr>
-            <p:ph idx="2" type="body"/>
+            <p:ph type="body" idx="2"/>
           </p:nvPr>
         </p:nvSpPr>
         <p:spPr>
@@ -13353,12 +13455,12 @@
           </a:prstGeom>
         </p:spPr>
         <p:txBody>
-          <a:bodyPr anchorCtr="0" anchor="ctr" bIns="91425" lIns="91425" spcFirstLastPara="1" rIns="91425" wrap="square" tIns="91425">
+          <a:bodyPr spcFirstLastPara="1" wrap="square" lIns="91425" tIns="91425" rIns="91425" bIns="91425" anchor="ctr" anchorCtr="0">
             <a:normAutofit/>
           </a:bodyPr>
           <a:lstStyle/>
           <a:p>
-            <a:pPr indent="-336550" lvl="0" marL="457200" rtl="0" algn="l">
+            <a:pPr marL="457200" lvl="0" indent="-336550" algn="l" rtl="0">
               <a:spcBef>
                 <a:spcPts val="0"/>
               </a:spcBef>
@@ -13375,7 +13477,7 @@
             <a:endParaRPr sz="1700"/>
           </a:p>
           <a:p>
-            <a:pPr indent="-336550" lvl="0" marL="457200" rtl="0" algn="l">
+            <a:pPr marL="457200" lvl="0" indent="-336550" algn="l" rtl="0">
               <a:lnSpc>
                 <a:spcPct val="100000"/>
               </a:lnSpc>
@@ -13390,16 +13492,12 @@
             </a:pPr>
             <a:r>
               <a:rPr lang="en" sz="1700"/>
-              <a:t>H</a:t>
-            </a:r>
-            <a:r>
-              <a:rPr lang="en" sz="1700"/>
-              <a:t>ardware and Computing Power</a:t>
+              <a:t>Hardware and Computing Power</a:t>
             </a:r>
             <a:endParaRPr sz="1700"/>
           </a:p>
           <a:p>
-            <a:pPr indent="-311150" lvl="1" marL="914400" rtl="0" algn="l">
+            <a:pPr marL="914400" lvl="1" indent="-311150" algn="l" rtl="0">
               <a:lnSpc>
                 <a:spcPct val="100000"/>
               </a:lnSpc>
@@ -13419,7 +13517,7 @@
             <a:endParaRPr sz="1300"/>
           </a:p>
           <a:p>
-            <a:pPr indent="-311150" lvl="2" marL="1371600" rtl="0" algn="l">
+            <a:pPr marL="1371600" lvl="2" indent="-311150" algn="l" rtl="0">
               <a:lnSpc>
                 <a:spcPct val="100000"/>
               </a:lnSpc>
@@ -13434,16 +13532,12 @@
             </a:pPr>
             <a:r>
               <a:rPr lang="en" sz="1300"/>
-              <a:t>O</a:t>
-            </a:r>
-            <a:r>
-              <a:rPr lang="en" sz="1300"/>
-              <a:t>ffers flexibility, and the ability to scale the system.</a:t>
+              <a:t>Offers flexibility, and the ability to scale the system.</a:t>
             </a:r>
             <a:endParaRPr sz="1300"/>
           </a:p>
           <a:p>
-            <a:pPr indent="-311150" lvl="2" marL="1371600" rtl="0" algn="l">
+            <a:pPr marL="1371600" lvl="2" indent="-311150" algn="l" rtl="0">
               <a:lnSpc>
                 <a:spcPct val="100000"/>
               </a:lnSpc>
@@ -13463,7 +13557,7 @@
             <a:endParaRPr sz="1300"/>
           </a:p>
           <a:p>
-            <a:pPr indent="0" lvl="0" marL="1371600" rtl="0" algn="l">
+            <a:pPr marL="1371600" lvl="0" indent="0" algn="l" rtl="0">
               <a:lnSpc>
                 <a:spcPct val="100000"/>
               </a:lnSpc>
@@ -13475,13 +13569,10 @@
               </a:spcAft>
               <a:buNone/>
             </a:pPr>
-            <a:r>
-              <a:t/>
-            </a:r>
             <a:endParaRPr/>
           </a:p>
           <a:p>
-            <a:pPr indent="0" lvl="0" marL="1371600" rtl="0" algn="l">
+            <a:pPr marL="1371600" lvl="0" indent="0" algn="l" rtl="0">
               <a:lnSpc>
                 <a:spcPct val="100000"/>
               </a:lnSpc>
@@ -13493,9 +13584,6 @@
               </a:spcAft>
               <a:buNone/>
             </a:pPr>
-            <a:r>
-              <a:t/>
-            </a:r>
             <a:endParaRPr/>
           </a:p>
         </p:txBody>
@@ -13509,11 +13597,11 @@
 </file>
 
 <file path=ppt/slides/slide7.xml><?xml version="1.0" encoding="utf-8"?>
-<p:sld xmlns:a="http://schemas.openxmlformats.org/drawingml/2006/main" xmlns:r="http://schemas.openxmlformats.org/officeDocument/2006/relationships" xmlns:mc="http://schemas.openxmlformats.org/markup-compatibility/2006" xmlns:mv="urn:schemas-microsoft-com:mac:vml" xmlns:p="http://schemas.openxmlformats.org/presentationml/2006/main" xmlns:c="http://schemas.openxmlformats.org/drawingml/2006/chart" xmlns:dgm="http://schemas.openxmlformats.org/drawingml/2006/diagram" xmlns:o="urn:schemas-microsoft-com:office:office" xmlns:v="urn:schemas-microsoft-com:vml" xmlns:pvml="urn:schemas-microsoft-com:office:powerpoint" xmlns:com="http://schemas.openxmlformats.org/drawingml/2006/compatibility" xmlns:p14="http://schemas.microsoft.com/office/powerpoint/2010/main" xmlns:p15="http://schemas.microsoft.com/office/powerpoint/2012/main" xmlns:ahyp="http://schemas.microsoft.com/office/drawing/2018/hyperlinkcolor">
+<p:sld xmlns:a="http://schemas.openxmlformats.org/drawingml/2006/main" xmlns:r="http://schemas.openxmlformats.org/officeDocument/2006/relationships" xmlns:p="http://schemas.openxmlformats.org/presentationml/2006/main">
   <p:cSld>
     <p:spTree>
       <p:nvGrpSpPr>
-        <p:cNvPr id="96" name="Shape 96"/>
+        <p:cNvPr id="1" name="Shape 96"/>
         <p:cNvGrpSpPr/>
         <p:nvPr/>
       </p:nvGrpSpPr>
@@ -13528,7 +13616,9 @@
       <p:sp>
         <p:nvSpPr>
           <p:cNvPr id="97" name="Google Shape;97;p19"/>
-          <p:cNvSpPr txBox="1"/>
+          <p:cNvSpPr txBox="1">
+            <a:spLocks noGrp="1"/>
+          </p:cNvSpPr>
           <p:nvPr>
             <p:ph type="title"/>
           </p:nvPr>
@@ -13543,12 +13633,12 @@
           </a:prstGeom>
         </p:spPr>
         <p:txBody>
-          <a:bodyPr anchorCtr="0" anchor="b" bIns="91425" lIns="91425" spcFirstLastPara="1" rIns="91425" wrap="square" tIns="91425">
+          <a:bodyPr spcFirstLastPara="1" wrap="square" lIns="91425" tIns="91425" rIns="91425" bIns="91425" anchor="b" anchorCtr="0">
             <a:normAutofit/>
           </a:bodyPr>
           <a:lstStyle/>
           <a:p>
-            <a:pPr indent="0" lvl="0" marL="0" rtl="0" algn="ctr">
+            <a:pPr marL="0" lvl="0" indent="0" algn="ctr" rtl="0">
               <a:spcBef>
                 <a:spcPts val="0"/>
               </a:spcBef>
@@ -13568,9 +13658,11 @@
       <p:sp>
         <p:nvSpPr>
           <p:cNvPr id="98" name="Google Shape;98;p19"/>
-          <p:cNvSpPr txBox="1"/>
+          <p:cNvSpPr txBox="1">
+            <a:spLocks noGrp="1"/>
+          </p:cNvSpPr>
           <p:nvPr>
-            <p:ph idx="2" type="body"/>
+            <p:ph type="body" idx="2"/>
           </p:nvPr>
         </p:nvSpPr>
         <p:spPr>
@@ -13583,12 +13675,12 @@
           </a:prstGeom>
         </p:spPr>
         <p:txBody>
-          <a:bodyPr anchorCtr="0" anchor="ctr" bIns="91425" lIns="91425" spcFirstLastPara="1" rIns="91425" wrap="square" tIns="91425">
+          <a:bodyPr spcFirstLastPara="1" wrap="square" lIns="91425" tIns="91425" rIns="91425" bIns="91425" anchor="ctr" anchorCtr="0">
             <a:normAutofit/>
           </a:bodyPr>
           <a:lstStyle/>
           <a:p>
-            <a:pPr indent="-342900" lvl="0" marL="457200" rtl="0" algn="l">
+            <a:pPr marL="457200" lvl="0" indent="-342900" algn="l" rtl="0">
               <a:spcBef>
                 <a:spcPts val="0"/>
               </a:spcBef>
@@ -13605,7 +13697,7 @@
             <a:endParaRPr/>
           </a:p>
           <a:p>
-            <a:pPr indent="-342900" lvl="0" marL="457200" rtl="0" algn="l">
+            <a:pPr marL="457200" lvl="0" indent="-342900" algn="l" rtl="0">
               <a:spcBef>
                 <a:spcPts val="0"/>
               </a:spcBef>
@@ -13622,7 +13714,7 @@
             <a:endParaRPr/>
           </a:p>
           <a:p>
-            <a:pPr indent="-342900" lvl="0" marL="457200" rtl="0" algn="l">
+            <a:pPr marL="457200" lvl="0" indent="-342900" algn="l" rtl="0">
               <a:spcBef>
                 <a:spcPts val="0"/>
               </a:spcBef>
@@ -13639,7 +13731,7 @@
             <a:endParaRPr/>
           </a:p>
           <a:p>
-            <a:pPr indent="-342900" lvl="0" marL="457200" rtl="0" algn="l">
+            <a:pPr marL="457200" lvl="0" indent="-342900" algn="l" rtl="0">
               <a:spcBef>
                 <a:spcPts val="0"/>
               </a:spcBef>
@@ -13666,11 +13758,11 @@
 </file>
 
 <file path=ppt/slides/slide8.xml><?xml version="1.0" encoding="utf-8"?>
-<p:sld xmlns:a="http://schemas.openxmlformats.org/drawingml/2006/main" xmlns:r="http://schemas.openxmlformats.org/officeDocument/2006/relationships" xmlns:mc="http://schemas.openxmlformats.org/markup-compatibility/2006" xmlns:mv="urn:schemas-microsoft-com:mac:vml" xmlns:p="http://schemas.openxmlformats.org/presentationml/2006/main" xmlns:c="http://schemas.openxmlformats.org/drawingml/2006/chart" xmlns:dgm="http://schemas.openxmlformats.org/drawingml/2006/diagram" xmlns:o="urn:schemas-microsoft-com:office:office" xmlns:v="urn:schemas-microsoft-com:vml" xmlns:pvml="urn:schemas-microsoft-com:office:powerpoint" xmlns:com="http://schemas.openxmlformats.org/drawingml/2006/compatibility" xmlns:p14="http://schemas.microsoft.com/office/powerpoint/2010/main" xmlns:p15="http://schemas.microsoft.com/office/powerpoint/2012/main" xmlns:ahyp="http://schemas.microsoft.com/office/drawing/2018/hyperlinkcolor">
+<p:sld xmlns:a="http://schemas.openxmlformats.org/drawingml/2006/main" xmlns:r="http://schemas.openxmlformats.org/officeDocument/2006/relationships" xmlns:p="http://schemas.openxmlformats.org/presentationml/2006/main">
   <p:cSld>
     <p:spTree>
       <p:nvGrpSpPr>
-        <p:cNvPr id="102" name="Shape 102"/>
+        <p:cNvPr id="1" name="Shape 102"/>
         <p:cNvGrpSpPr/>
         <p:nvPr/>
       </p:nvGrpSpPr>
@@ -13685,7 +13777,9 @@
       <p:sp>
         <p:nvSpPr>
           <p:cNvPr id="103" name="Google Shape;103;p20"/>
-          <p:cNvSpPr txBox="1"/>
+          <p:cNvSpPr txBox="1">
+            <a:spLocks noGrp="1"/>
+          </p:cNvSpPr>
           <p:nvPr>
             <p:ph type="title"/>
           </p:nvPr>
@@ -13700,12 +13794,12 @@
           </a:prstGeom>
         </p:spPr>
         <p:txBody>
-          <a:bodyPr anchorCtr="0" anchor="b" bIns="91425" lIns="91425" spcFirstLastPara="1" rIns="91425" wrap="square" tIns="91425">
+          <a:bodyPr spcFirstLastPara="1" wrap="square" lIns="91425" tIns="91425" rIns="91425" bIns="91425" anchor="b" anchorCtr="0">
             <a:normAutofit/>
           </a:bodyPr>
           <a:lstStyle/>
           <a:p>
-            <a:pPr indent="0" lvl="0" marL="0" rtl="0" algn="ctr">
+            <a:pPr marL="0" lvl="0" indent="0" algn="ctr" rtl="0">
               <a:spcBef>
                 <a:spcPts val="0"/>
               </a:spcBef>
@@ -13725,9 +13819,11 @@
       <p:sp>
         <p:nvSpPr>
           <p:cNvPr id="104" name="Google Shape;104;p20"/>
-          <p:cNvSpPr txBox="1"/>
+          <p:cNvSpPr txBox="1">
+            <a:spLocks noGrp="1"/>
+          </p:cNvSpPr>
           <p:nvPr>
-            <p:ph idx="2" type="body"/>
+            <p:ph type="body" idx="2"/>
           </p:nvPr>
         </p:nvSpPr>
         <p:spPr>
@@ -13740,12 +13836,12 @@
           </a:prstGeom>
         </p:spPr>
         <p:txBody>
-          <a:bodyPr anchorCtr="0" anchor="ctr" bIns="91425" lIns="91425" spcFirstLastPara="1" rIns="91425" wrap="square" tIns="91425">
+          <a:bodyPr spcFirstLastPara="1" wrap="square" lIns="91425" tIns="91425" rIns="91425" bIns="91425" anchor="ctr" anchorCtr="0">
             <a:normAutofit/>
           </a:bodyPr>
           <a:lstStyle/>
           <a:p>
-            <a:pPr indent="-342900" lvl="0" marL="457200" rtl="0" algn="l">
+            <a:pPr marL="457200" lvl="0" indent="-342900" algn="l" rtl="0">
               <a:spcBef>
                 <a:spcPts val="0"/>
               </a:spcBef>
@@ -13757,16 +13853,12 @@
             </a:pPr>
             <a:r>
               <a:rPr lang="en"/>
-              <a:t>T</a:t>
-            </a:r>
-            <a:r>
-              <a:rPr lang="en"/>
-              <a:t>he interface of the interactive software is going to be kept simple and clean.</a:t>
+              <a:t>The interface of the interactive software is going to be kept simple and clean.</a:t>
             </a:r>
             <a:endParaRPr/>
           </a:p>
           <a:p>
-            <a:pPr indent="-342900" lvl="0" marL="457200" rtl="0" algn="l">
+            <a:pPr marL="457200" lvl="0" indent="-342900" algn="l" rtl="0">
               <a:spcBef>
                 <a:spcPts val="0"/>
               </a:spcBef>
@@ -13793,11 +13885,11 @@
 </file>
 
 <file path=ppt/slides/slide9.xml><?xml version="1.0" encoding="utf-8"?>
-<p:sld xmlns:a="http://schemas.openxmlformats.org/drawingml/2006/main" xmlns:r="http://schemas.openxmlformats.org/officeDocument/2006/relationships" xmlns:mc="http://schemas.openxmlformats.org/markup-compatibility/2006" xmlns:mv="urn:schemas-microsoft-com:mac:vml" xmlns:p="http://schemas.openxmlformats.org/presentationml/2006/main" xmlns:c="http://schemas.openxmlformats.org/drawingml/2006/chart" xmlns:dgm="http://schemas.openxmlformats.org/drawingml/2006/diagram" xmlns:o="urn:schemas-microsoft-com:office:office" xmlns:v="urn:schemas-microsoft-com:vml" xmlns:pvml="urn:schemas-microsoft-com:office:powerpoint" xmlns:com="http://schemas.openxmlformats.org/drawingml/2006/compatibility" xmlns:p14="http://schemas.microsoft.com/office/powerpoint/2010/main" xmlns:p15="http://schemas.microsoft.com/office/powerpoint/2012/main" xmlns:ahyp="http://schemas.microsoft.com/office/drawing/2018/hyperlinkcolor">
+<p:sld xmlns:a="http://schemas.openxmlformats.org/drawingml/2006/main" xmlns:r="http://schemas.openxmlformats.org/officeDocument/2006/relationships" xmlns:p="http://schemas.openxmlformats.org/presentationml/2006/main">
   <p:cSld>
     <p:spTree>
       <p:nvGrpSpPr>
-        <p:cNvPr id="108" name="Shape 108"/>
+        <p:cNvPr id="1" name="Shape 108"/>
         <p:cNvGrpSpPr/>
         <p:nvPr/>
       </p:nvGrpSpPr>
@@ -13812,7 +13904,9 @@
       <p:sp>
         <p:nvSpPr>
           <p:cNvPr id="109" name="Google Shape;109;p21"/>
-          <p:cNvSpPr txBox="1"/>
+          <p:cNvSpPr txBox="1">
+            <a:spLocks noGrp="1"/>
+          </p:cNvSpPr>
           <p:nvPr>
             <p:ph type="title"/>
           </p:nvPr>
@@ -13827,12 +13921,12 @@
           </a:prstGeom>
         </p:spPr>
         <p:txBody>
-          <a:bodyPr anchorCtr="0" anchor="b" bIns="91425" lIns="91425" spcFirstLastPara="1" rIns="91425" wrap="square" tIns="91425">
+          <a:bodyPr spcFirstLastPara="1" wrap="square" lIns="91425" tIns="91425" rIns="91425" bIns="91425" anchor="b" anchorCtr="0">
             <a:normAutofit/>
           </a:bodyPr>
           <a:lstStyle/>
           <a:p>
-            <a:pPr indent="0" lvl="0" marL="0" rtl="0" algn="ctr">
+            <a:pPr marL="0" lvl="0" indent="0" algn="ctr" rtl="0">
               <a:spcBef>
                 <a:spcPts val="0"/>
               </a:spcBef>
@@ -13852,9 +13946,11 @@
       <p:sp>
         <p:nvSpPr>
           <p:cNvPr id="110" name="Google Shape;110;p21"/>
-          <p:cNvSpPr txBox="1"/>
+          <p:cNvSpPr txBox="1">
+            <a:spLocks noGrp="1"/>
+          </p:cNvSpPr>
           <p:nvPr>
-            <p:ph idx="2" type="body"/>
+            <p:ph type="body" idx="2"/>
           </p:nvPr>
         </p:nvSpPr>
         <p:spPr>
@@ -13867,12 +13963,12 @@
           </a:prstGeom>
         </p:spPr>
         <p:txBody>
-          <a:bodyPr anchorCtr="0" anchor="ctr" bIns="91425" lIns="91425" spcFirstLastPara="1" rIns="91425" wrap="square" tIns="91425">
+          <a:bodyPr spcFirstLastPara="1" wrap="square" lIns="91425" tIns="91425" rIns="91425" bIns="91425" anchor="ctr" anchorCtr="0">
             <a:normAutofit/>
           </a:bodyPr>
           <a:lstStyle/>
           <a:p>
-            <a:pPr indent="-342900" lvl="0" marL="457200" rtl="0" algn="l">
+            <a:pPr marL="457200" lvl="0" indent="-342900" algn="l" rtl="0">
               <a:spcBef>
                 <a:spcPts val="0"/>
               </a:spcBef>
@@ -13899,7 +13995,7 @@
 </file>
 
 <file path=ppt/theme/theme1.xml><?xml version="1.0" encoding="utf-8"?>
-<a:theme xmlns:a="http://schemas.openxmlformats.org/drawingml/2006/main" xmlns:r="http://schemas.openxmlformats.org/officeDocument/2006/relationships" name="Slate">
+<a:theme xmlns:a="http://schemas.openxmlformats.org/drawingml/2006/main" name="Slate">
   <a:themeElements>
     <a:clrScheme name="Slate">
       <a:dk1>
@@ -14174,11 +14270,13 @@
       </a:bgFillStyleLst>
     </a:fmtScheme>
   </a:themeElements>
+  <a:objectDefaults/>
+  <a:extraClrSchemeLst/>
 </a:theme>
 </file>
 
 <file path=ppt/theme/theme2.xml><?xml version="1.0" encoding="utf-8"?>
-<a:theme xmlns:a="http://schemas.openxmlformats.org/drawingml/2006/main" xmlns:r="http://schemas.openxmlformats.org/officeDocument/2006/relationships">
+<a:theme xmlns:a="http://schemas.openxmlformats.org/drawingml/2006/main">
   <a:themeElements>
     <a:clrScheme name="Default">
       <a:dk1>
@@ -14453,5 +14551,7 @@
       </a:bgFillStyleLst>
     </a:fmtScheme>
   </a:themeElements>
+  <a:objectDefaults/>
+  <a:extraClrSchemeLst/>
 </a:theme>
 </file>